--- a/Coalesce Diagrams.pptx
+++ b/Coalesce Diagrams.pptx
@@ -173,7 +173,7 @@
           </a:lstStyle>
           <a:p>
             <a:r>
-              <a:rPr lang="en-US" smtClean="0"/>
+              <a:rPr lang="en-US"/>
               <a:t>Click to edit Master title style</a:t>
             </a:r>
             <a:endParaRPr lang="en-US" dirty="0"/>
@@ -303,7 +303,7 @@
           </a:lstStyle>
           <a:p>
             <a:r>
-              <a:rPr lang="en-US" smtClean="0"/>
+              <a:rPr lang="en-US"/>
               <a:t>Click to edit Master subtitle style</a:t>
             </a:r>
             <a:endParaRPr lang="en-US" dirty="0"/>
@@ -327,7 +327,7 @@
           <a:p>
             <a:fld id="{64BF311C-CCA0-4B11-AF0A-CF55FF4C099E}" type="datetimeFigureOut">
               <a:rPr lang="en-US" smtClean="0"/>
-              <a:t>12/16/2015</a:t>
+              <a:t>7/22/2016</a:t>
             </a:fld>
             <a:endParaRPr lang="en-US"/>
           </a:p>
@@ -432,7 +432,7 @@
           </a:lstStyle>
           <a:p>
             <a:r>
-              <a:rPr lang="en-US" smtClean="0"/>
+              <a:rPr lang="en-US"/>
               <a:t>Click to edit Master title style</a:t>
             </a:r>
             <a:endParaRPr lang="en-US" dirty="0"/>
@@ -527,7 +527,7 @@
           </a:lstStyle>
           <a:p>
             <a:r>
-              <a:rPr lang="en-US" smtClean="0"/>
+              <a:rPr lang="en-US"/>
               <a:t>Click icon to add picture</a:t>
             </a:r>
             <a:endParaRPr lang="en-US" dirty="0"/>
@@ -595,7 +595,7 @@
           <a:p>
             <a:pPr lvl="0"/>
             <a:r>
-              <a:rPr lang="en-US" smtClean="0"/>
+              <a:rPr lang="en-US"/>
               <a:t>Click to edit Master text styles</a:t>
             </a:r>
           </a:p>
@@ -618,7 +618,7 @@
           <a:p>
             <a:fld id="{64BF311C-CCA0-4B11-AF0A-CF55FF4C099E}" type="datetimeFigureOut">
               <a:rPr lang="en-US" smtClean="0"/>
-              <a:t>12/16/2015</a:t>
+              <a:t>7/22/2016</a:t>
             </a:fld>
             <a:endParaRPr lang="en-US"/>
           </a:p>
@@ -723,7 +723,7 @@
           </a:lstStyle>
           <a:p>
             <a:r>
-              <a:rPr lang="en-US" smtClean="0"/>
+              <a:rPr lang="en-US"/>
               <a:t>Click to edit Master title style</a:t>
             </a:r>
             <a:endParaRPr lang="en-US" dirty="0"/>
@@ -854,7 +854,7 @@
           <a:p>
             <a:pPr lvl="0"/>
             <a:r>
-              <a:rPr lang="en-US" smtClean="0"/>
+              <a:rPr lang="en-US"/>
               <a:t>Click to edit Master text styles</a:t>
             </a:r>
           </a:p>
@@ -877,7 +877,7 @@
           <a:p>
             <a:fld id="{64BF311C-CCA0-4B11-AF0A-CF55FF4C099E}" type="datetimeFigureOut">
               <a:rPr lang="en-US" smtClean="0"/>
-              <a:t>12/16/2015</a:t>
+              <a:t>7/22/2016</a:t>
             </a:fld>
             <a:endParaRPr lang="en-US"/>
           </a:p>
@@ -1216,7 +1216,7 @@
           </a:lstStyle>
           <a:p>
             <a:r>
-              <a:rPr lang="en-US" smtClean="0"/>
+              <a:rPr lang="en-US"/>
               <a:t>Click to edit Master title style</a:t>
             </a:r>
             <a:endParaRPr lang="en-US" dirty="0"/>
@@ -1271,7 +1271,7 @@
           <a:p>
             <a:pPr lvl="0"/>
             <a:r>
-              <a:rPr lang="en-US" smtClean="0"/>
+              <a:rPr lang="en-US"/>
               <a:t>Click to edit Master text styles</a:t>
             </a:r>
           </a:p>
@@ -1323,7 +1323,7 @@
               <a:buNone/>
             </a:pPr>
             <a:r>
-              <a:rPr lang="en-US" smtClean="0"/>
+              <a:rPr lang="en-US"/>
               <a:t>Click to edit Master text styles</a:t>
             </a:r>
           </a:p>
@@ -1346,7 +1346,7 @@
           <a:p>
             <a:fld id="{64BF311C-CCA0-4B11-AF0A-CF55FF4C099E}" type="datetimeFigureOut">
               <a:rPr lang="en-US" smtClean="0"/>
-              <a:t>12/16/2015</a:t>
+              <a:t>7/22/2016</a:t>
             </a:fld>
             <a:endParaRPr lang="en-US"/>
           </a:p>
@@ -1451,7 +1451,7 @@
           </a:lstStyle>
           <a:p>
             <a:r>
-              <a:rPr lang="en-US" smtClean="0"/>
+              <a:rPr lang="en-US"/>
               <a:t>Click to edit Master title style</a:t>
             </a:r>
             <a:endParaRPr lang="en-US" dirty="0"/>
@@ -1503,7 +1503,7 @@
               <a:buNone/>
             </a:pPr>
             <a:r>
-              <a:rPr lang="en-US" smtClean="0"/>
+              <a:rPr lang="en-US"/>
               <a:t>Click to edit Master text styles</a:t>
             </a:r>
           </a:p>
@@ -1526,7 +1526,7 @@
           <a:p>
             <a:fld id="{64BF311C-CCA0-4B11-AF0A-CF55FF4C099E}" type="datetimeFigureOut">
               <a:rPr lang="en-US" smtClean="0"/>
-              <a:t>12/16/2015</a:t>
+              <a:t>7/22/2016</a:t>
             </a:fld>
             <a:endParaRPr lang="en-US"/>
           </a:p>
@@ -1876,7 +1876,7 @@
           </a:lstStyle>
           <a:p>
             <a:r>
-              <a:rPr lang="en-US" smtClean="0"/>
+              <a:rPr lang="en-US"/>
               <a:t>Click to edit Master title style</a:t>
             </a:r>
             <a:endParaRPr lang="en-US" dirty="0"/>
@@ -1949,7 +1949,7 @@
               <a:buNone/>
             </a:pPr>
             <a:r>
-              <a:rPr lang="en-US" smtClean="0"/>
+              <a:rPr lang="en-US"/>
               <a:t>Click to edit Master text styles</a:t>
             </a:r>
           </a:p>
@@ -2079,7 +2079,7 @@
           <a:p>
             <a:pPr lvl="0"/>
             <a:r>
-              <a:rPr lang="en-US" smtClean="0"/>
+              <a:rPr lang="en-US"/>
               <a:t>Click to edit Master text styles</a:t>
             </a:r>
           </a:p>
@@ -2102,7 +2102,7 @@
           <a:p>
             <a:fld id="{64BF311C-CCA0-4B11-AF0A-CF55FF4C099E}" type="datetimeFigureOut">
               <a:rPr lang="en-US" smtClean="0"/>
-              <a:t>12/16/2015</a:t>
+              <a:t>7/22/2016</a:t>
             </a:fld>
             <a:endParaRPr lang="en-US"/>
           </a:p>
@@ -2208,7 +2208,7 @@
           <a:p>
             <a:pPr marL="0" lvl="0"/>
             <a:r>
-              <a:rPr lang="en-US" smtClean="0"/>
+              <a:rPr lang="en-US"/>
               <a:t>Click to edit Master title style</a:t>
             </a:r>
             <a:endParaRPr lang="en-US" dirty="0"/>
@@ -2281,7 +2281,7 @@
               <a:buNone/>
             </a:pPr>
             <a:r>
-              <a:rPr lang="en-US" smtClean="0"/>
+              <a:rPr lang="en-US"/>
               <a:t>Click to edit Master text styles</a:t>
             </a:r>
           </a:p>
@@ -2411,7 +2411,7 @@
           <a:p>
             <a:pPr lvl="0"/>
             <a:r>
-              <a:rPr lang="en-US" smtClean="0"/>
+              <a:rPr lang="en-US"/>
               <a:t>Click to edit Master text styles</a:t>
             </a:r>
           </a:p>
@@ -2434,7 +2434,7 @@
           <a:p>
             <a:fld id="{64BF311C-CCA0-4B11-AF0A-CF55FF4C099E}" type="datetimeFigureOut">
               <a:rPr lang="en-US" smtClean="0"/>
-              <a:t>12/16/2015</a:t>
+              <a:t>7/22/2016</a:t>
             </a:fld>
             <a:endParaRPr lang="en-US"/>
           </a:p>
@@ -2533,7 +2533,7 @@
           <a:lstStyle/>
           <a:p>
             <a:r>
-              <a:rPr lang="en-US" smtClean="0"/>
+              <a:rPr lang="en-US"/>
               <a:t>Click to edit Master title style</a:t>
             </a:r>
             <a:endParaRPr lang="en-US" dirty="0"/>
@@ -2557,35 +2557,35 @@
           <a:p>
             <a:pPr lvl="0"/>
             <a:r>
-              <a:rPr lang="en-US" smtClean="0"/>
+              <a:rPr lang="en-US"/>
               <a:t>Click to edit Master text styles</a:t>
             </a:r>
           </a:p>
           <a:p>
             <a:pPr lvl="1"/>
             <a:r>
-              <a:rPr lang="en-US" smtClean="0"/>
+              <a:rPr lang="en-US"/>
               <a:t>Second level</a:t>
             </a:r>
           </a:p>
           <a:p>
             <a:pPr lvl="2"/>
             <a:r>
-              <a:rPr lang="en-US" smtClean="0"/>
+              <a:rPr lang="en-US"/>
               <a:t>Third level</a:t>
             </a:r>
           </a:p>
           <a:p>
             <a:pPr lvl="3"/>
             <a:r>
-              <a:rPr lang="en-US" smtClean="0"/>
+              <a:rPr lang="en-US"/>
               <a:t>Fourth level</a:t>
             </a:r>
           </a:p>
           <a:p>
             <a:pPr lvl="4"/>
             <a:r>
-              <a:rPr lang="en-US" smtClean="0"/>
+              <a:rPr lang="en-US"/>
               <a:t>Fifth level</a:t>
             </a:r>
             <a:endParaRPr lang="en-US" dirty="0"/>
@@ -2609,7 +2609,7 @@
           <a:p>
             <a:fld id="{64BF311C-CCA0-4B11-AF0A-CF55FF4C099E}" type="datetimeFigureOut">
               <a:rPr lang="en-US" smtClean="0"/>
-              <a:t>12/16/2015</a:t>
+              <a:t>7/22/2016</a:t>
             </a:fld>
             <a:endParaRPr lang="en-US"/>
           </a:p>
@@ -2708,7 +2708,7 @@
           <a:lstStyle/>
           <a:p>
             <a:r>
-              <a:rPr lang="en-US" smtClean="0"/>
+              <a:rPr lang="en-US"/>
               <a:t>Click to edit Master title style</a:t>
             </a:r>
             <a:endParaRPr lang="en-US" dirty="0"/>
@@ -2737,35 +2737,35 @@
           <a:p>
             <a:pPr lvl="0"/>
             <a:r>
-              <a:rPr lang="en-US" smtClean="0"/>
+              <a:rPr lang="en-US"/>
               <a:t>Click to edit Master text styles</a:t>
             </a:r>
           </a:p>
           <a:p>
             <a:pPr lvl="1"/>
             <a:r>
-              <a:rPr lang="en-US" smtClean="0"/>
+              <a:rPr lang="en-US"/>
               <a:t>Second level</a:t>
             </a:r>
           </a:p>
           <a:p>
             <a:pPr lvl="2"/>
             <a:r>
-              <a:rPr lang="en-US" smtClean="0"/>
+              <a:rPr lang="en-US"/>
               <a:t>Third level</a:t>
             </a:r>
           </a:p>
           <a:p>
             <a:pPr lvl="3"/>
             <a:r>
-              <a:rPr lang="en-US" smtClean="0"/>
+              <a:rPr lang="en-US"/>
               <a:t>Fourth level</a:t>
             </a:r>
           </a:p>
           <a:p>
             <a:pPr lvl="4"/>
             <a:r>
-              <a:rPr lang="en-US" smtClean="0"/>
+              <a:rPr lang="en-US"/>
               <a:t>Fifth level</a:t>
             </a:r>
             <a:endParaRPr lang="en-US" dirty="0"/>
@@ -2789,7 +2789,7 @@
           <a:p>
             <a:fld id="{64BF311C-CCA0-4B11-AF0A-CF55FF4C099E}" type="datetimeFigureOut">
               <a:rPr lang="en-US" smtClean="0"/>
-              <a:t>12/16/2015</a:t>
+              <a:t>7/22/2016</a:t>
             </a:fld>
             <a:endParaRPr lang="en-US"/>
           </a:p>
@@ -2883,7 +2883,7 @@
           <a:lstStyle/>
           <a:p>
             <a:r>
-              <a:rPr lang="en-US" smtClean="0"/>
+              <a:rPr lang="en-US"/>
               <a:t>Click to edit Master title style</a:t>
             </a:r>
             <a:endParaRPr lang="en-US" dirty="0"/>
@@ -2907,35 +2907,35 @@
           <a:p>
             <a:pPr lvl="0"/>
             <a:r>
-              <a:rPr lang="en-US" smtClean="0"/>
+              <a:rPr lang="en-US"/>
               <a:t>Click to edit Master text styles</a:t>
             </a:r>
           </a:p>
           <a:p>
             <a:pPr lvl="1"/>
             <a:r>
-              <a:rPr lang="en-US" smtClean="0"/>
+              <a:rPr lang="en-US"/>
               <a:t>Second level</a:t>
             </a:r>
           </a:p>
           <a:p>
             <a:pPr lvl="2"/>
             <a:r>
-              <a:rPr lang="en-US" smtClean="0"/>
+              <a:rPr lang="en-US"/>
               <a:t>Third level</a:t>
             </a:r>
           </a:p>
           <a:p>
             <a:pPr lvl="3"/>
             <a:r>
-              <a:rPr lang="en-US" smtClean="0"/>
+              <a:rPr lang="en-US"/>
               <a:t>Fourth level</a:t>
             </a:r>
           </a:p>
           <a:p>
             <a:pPr lvl="4"/>
             <a:r>
-              <a:rPr lang="en-US" smtClean="0"/>
+              <a:rPr lang="en-US"/>
               <a:t>Fifth level</a:t>
             </a:r>
             <a:endParaRPr lang="en-US" dirty="0"/>
@@ -2959,7 +2959,7 @@
           <a:p>
             <a:fld id="{64BF311C-CCA0-4B11-AF0A-CF55FF4C099E}" type="datetimeFigureOut">
               <a:rPr lang="en-US" smtClean="0"/>
-              <a:t>12/16/2015</a:t>
+              <a:t>7/22/2016</a:t>
             </a:fld>
             <a:endParaRPr lang="en-US"/>
           </a:p>
@@ -3062,7 +3062,7 @@
           </a:lstStyle>
           <a:p>
             <a:r>
-              <a:rPr lang="en-US" smtClean="0"/>
+              <a:rPr lang="en-US"/>
               <a:t>Click to edit Master title style</a:t>
             </a:r>
             <a:endParaRPr lang="en-US" dirty="0"/>
@@ -3193,7 +3193,7 @@
           <a:p>
             <a:pPr lvl="0"/>
             <a:r>
-              <a:rPr lang="en-US" smtClean="0"/>
+              <a:rPr lang="en-US"/>
               <a:t>Click to edit Master text styles</a:t>
             </a:r>
           </a:p>
@@ -3216,7 +3216,7 @@
           <a:p>
             <a:fld id="{64BF311C-CCA0-4B11-AF0A-CF55FF4C099E}" type="datetimeFigureOut">
               <a:rPr lang="en-US" smtClean="0"/>
-              <a:t>12/16/2015</a:t>
+              <a:t>7/22/2016</a:t>
             </a:fld>
             <a:endParaRPr lang="en-US"/>
           </a:p>
@@ -3310,7 +3310,7 @@
           <a:lstStyle/>
           <a:p>
             <a:r>
-              <a:rPr lang="en-US" smtClean="0"/>
+              <a:rPr lang="en-US"/>
               <a:t>Click to edit Master title style</a:t>
             </a:r>
             <a:endParaRPr lang="en-US" dirty="0"/>
@@ -3369,35 +3369,35 @@
           <a:p>
             <a:pPr lvl="0"/>
             <a:r>
-              <a:rPr lang="en-US" smtClean="0"/>
+              <a:rPr lang="en-US"/>
               <a:t>Click to edit Master text styles</a:t>
             </a:r>
           </a:p>
           <a:p>
             <a:pPr lvl="1"/>
             <a:r>
-              <a:rPr lang="en-US" smtClean="0"/>
+              <a:rPr lang="en-US"/>
               <a:t>Second level</a:t>
             </a:r>
           </a:p>
           <a:p>
             <a:pPr lvl="2"/>
             <a:r>
-              <a:rPr lang="en-US" smtClean="0"/>
+              <a:rPr lang="en-US"/>
               <a:t>Third level</a:t>
             </a:r>
           </a:p>
           <a:p>
             <a:pPr lvl="3"/>
             <a:r>
-              <a:rPr lang="en-US" smtClean="0"/>
+              <a:rPr lang="en-US"/>
               <a:t>Fourth level</a:t>
             </a:r>
           </a:p>
           <a:p>
             <a:pPr lvl="4"/>
             <a:r>
-              <a:rPr lang="en-US" smtClean="0"/>
+              <a:rPr lang="en-US"/>
               <a:t>Fifth level</a:t>
             </a:r>
             <a:endParaRPr lang="en-US" dirty="0"/>
@@ -3456,35 +3456,35 @@
           <a:p>
             <a:pPr lvl="0"/>
             <a:r>
-              <a:rPr lang="en-US" smtClean="0"/>
+              <a:rPr lang="en-US"/>
               <a:t>Click to edit Master text styles</a:t>
             </a:r>
           </a:p>
           <a:p>
             <a:pPr lvl="1"/>
             <a:r>
-              <a:rPr lang="en-US" smtClean="0"/>
+              <a:rPr lang="en-US"/>
               <a:t>Second level</a:t>
             </a:r>
           </a:p>
           <a:p>
             <a:pPr lvl="2"/>
             <a:r>
-              <a:rPr lang="en-US" smtClean="0"/>
+              <a:rPr lang="en-US"/>
               <a:t>Third level</a:t>
             </a:r>
           </a:p>
           <a:p>
             <a:pPr lvl="3"/>
             <a:r>
-              <a:rPr lang="en-US" smtClean="0"/>
+              <a:rPr lang="en-US"/>
               <a:t>Fourth level</a:t>
             </a:r>
           </a:p>
           <a:p>
             <a:pPr lvl="4"/>
             <a:r>
-              <a:rPr lang="en-US" smtClean="0"/>
+              <a:rPr lang="en-US"/>
               <a:t>Fifth level</a:t>
             </a:r>
             <a:endParaRPr lang="en-US" dirty="0"/>
@@ -3508,7 +3508,7 @@
           <a:p>
             <a:fld id="{64BF311C-CCA0-4B11-AF0A-CF55FF4C099E}" type="datetimeFigureOut">
               <a:rPr lang="en-US" smtClean="0"/>
-              <a:t>12/16/2015</a:t>
+              <a:t>7/22/2016</a:t>
             </a:fld>
             <a:endParaRPr lang="en-US"/>
           </a:p>
@@ -3606,7 +3606,7 @@
           </a:lstStyle>
           <a:p>
             <a:r>
-              <a:rPr lang="en-US" smtClean="0"/>
+              <a:rPr lang="en-US"/>
               <a:t>Click to edit Master title style</a:t>
             </a:r>
             <a:endParaRPr lang="en-US" dirty="0"/>
@@ -3674,7 +3674,7 @@
           <a:p>
             <a:pPr lvl="0"/>
             <a:r>
-              <a:rPr lang="en-US" smtClean="0"/>
+              <a:rPr lang="en-US"/>
               <a:t>Click to edit Master text styles</a:t>
             </a:r>
           </a:p>
@@ -3732,35 +3732,35 @@
           <a:p>
             <a:pPr lvl="0"/>
             <a:r>
-              <a:rPr lang="en-US" smtClean="0"/>
+              <a:rPr lang="en-US"/>
               <a:t>Click to edit Master text styles</a:t>
             </a:r>
           </a:p>
           <a:p>
             <a:pPr lvl="1"/>
             <a:r>
-              <a:rPr lang="en-US" smtClean="0"/>
+              <a:rPr lang="en-US"/>
               <a:t>Second level</a:t>
             </a:r>
           </a:p>
           <a:p>
             <a:pPr lvl="2"/>
             <a:r>
-              <a:rPr lang="en-US" smtClean="0"/>
+              <a:rPr lang="en-US"/>
               <a:t>Third level</a:t>
             </a:r>
           </a:p>
           <a:p>
             <a:pPr lvl="3"/>
             <a:r>
-              <a:rPr lang="en-US" smtClean="0"/>
+              <a:rPr lang="en-US"/>
               <a:t>Fourth level</a:t>
             </a:r>
           </a:p>
           <a:p>
             <a:pPr lvl="4"/>
             <a:r>
-              <a:rPr lang="en-US" smtClean="0"/>
+              <a:rPr lang="en-US"/>
               <a:t>Fifth level</a:t>
             </a:r>
             <a:endParaRPr lang="en-US" dirty="0"/>
@@ -3828,7 +3828,7 @@
           <a:p>
             <a:pPr lvl="0"/>
             <a:r>
-              <a:rPr lang="en-US" smtClean="0"/>
+              <a:rPr lang="en-US"/>
               <a:t>Click to edit Master text styles</a:t>
             </a:r>
           </a:p>
@@ -3886,35 +3886,35 @@
           <a:p>
             <a:pPr lvl="0"/>
             <a:r>
-              <a:rPr lang="en-US" smtClean="0"/>
+              <a:rPr lang="en-US"/>
               <a:t>Click to edit Master text styles</a:t>
             </a:r>
           </a:p>
           <a:p>
             <a:pPr lvl="1"/>
             <a:r>
-              <a:rPr lang="en-US" smtClean="0"/>
+              <a:rPr lang="en-US"/>
               <a:t>Second level</a:t>
             </a:r>
           </a:p>
           <a:p>
             <a:pPr lvl="2"/>
             <a:r>
-              <a:rPr lang="en-US" smtClean="0"/>
+              <a:rPr lang="en-US"/>
               <a:t>Third level</a:t>
             </a:r>
           </a:p>
           <a:p>
             <a:pPr lvl="3"/>
             <a:r>
-              <a:rPr lang="en-US" smtClean="0"/>
+              <a:rPr lang="en-US"/>
               <a:t>Fourth level</a:t>
             </a:r>
           </a:p>
           <a:p>
             <a:pPr lvl="4"/>
             <a:r>
-              <a:rPr lang="en-US" smtClean="0"/>
+              <a:rPr lang="en-US"/>
               <a:t>Fifth level</a:t>
             </a:r>
             <a:endParaRPr lang="en-US" dirty="0"/>
@@ -3938,7 +3938,7 @@
           <a:p>
             <a:fld id="{64BF311C-CCA0-4B11-AF0A-CF55FF4C099E}" type="datetimeFigureOut">
               <a:rPr lang="en-US" smtClean="0"/>
-              <a:t>12/16/2015</a:t>
+              <a:t>7/22/2016</a:t>
             </a:fld>
             <a:endParaRPr lang="en-US"/>
           </a:p>
@@ -4032,7 +4032,7 @@
           <a:lstStyle/>
           <a:p>
             <a:r>
-              <a:rPr lang="en-US" smtClean="0"/>
+              <a:rPr lang="en-US"/>
               <a:t>Click to edit Master title style</a:t>
             </a:r>
             <a:endParaRPr lang="en-US" dirty="0"/>
@@ -4056,7 +4056,7 @@
           <a:p>
             <a:fld id="{64BF311C-CCA0-4B11-AF0A-CF55FF4C099E}" type="datetimeFigureOut">
               <a:rPr lang="en-US" smtClean="0"/>
-              <a:t>12/16/2015</a:t>
+              <a:t>7/22/2016</a:t>
             </a:fld>
             <a:endParaRPr lang="en-US"/>
           </a:p>
@@ -4151,7 +4151,7 @@
           <a:p>
             <a:fld id="{64BF311C-CCA0-4B11-AF0A-CF55FF4C099E}" type="datetimeFigureOut">
               <a:rPr lang="en-US" smtClean="0"/>
-              <a:t>12/16/2015</a:t>
+              <a:t>7/22/2016</a:t>
             </a:fld>
             <a:endParaRPr lang="en-US"/>
           </a:p>
@@ -4256,7 +4256,7 @@
           </a:lstStyle>
           <a:p>
             <a:r>
-              <a:rPr lang="en-US" smtClean="0"/>
+              <a:rPr lang="en-US"/>
               <a:t>Click to edit Master title style</a:t>
             </a:r>
             <a:endParaRPr lang="en-US" dirty="0"/>
@@ -4315,35 +4315,35 @@
           <a:p>
             <a:pPr lvl="0"/>
             <a:r>
-              <a:rPr lang="en-US" smtClean="0"/>
+              <a:rPr lang="en-US"/>
               <a:t>Click to edit Master text styles</a:t>
             </a:r>
           </a:p>
           <a:p>
             <a:pPr lvl="1"/>
             <a:r>
-              <a:rPr lang="en-US" smtClean="0"/>
+              <a:rPr lang="en-US"/>
               <a:t>Second level</a:t>
             </a:r>
           </a:p>
           <a:p>
             <a:pPr lvl="2"/>
             <a:r>
-              <a:rPr lang="en-US" smtClean="0"/>
+              <a:rPr lang="en-US"/>
               <a:t>Third level</a:t>
             </a:r>
           </a:p>
           <a:p>
             <a:pPr lvl="3"/>
             <a:r>
-              <a:rPr lang="en-US" smtClean="0"/>
+              <a:rPr lang="en-US"/>
               <a:t>Fourth level</a:t>
             </a:r>
           </a:p>
           <a:p>
             <a:pPr lvl="4"/>
             <a:r>
-              <a:rPr lang="en-US" smtClean="0"/>
+              <a:rPr lang="en-US"/>
               <a:t>Fifth level</a:t>
             </a:r>
             <a:endParaRPr lang="en-US" dirty="0"/>
@@ -4411,7 +4411,7 @@
           <a:p>
             <a:pPr lvl="0"/>
             <a:r>
-              <a:rPr lang="en-US" smtClean="0"/>
+              <a:rPr lang="en-US"/>
               <a:t>Click to edit Master text styles</a:t>
             </a:r>
           </a:p>
@@ -4434,7 +4434,7 @@
           <a:p>
             <a:fld id="{64BF311C-CCA0-4B11-AF0A-CF55FF4C099E}" type="datetimeFigureOut">
               <a:rPr lang="en-US" smtClean="0"/>
-              <a:t>12/16/2015</a:t>
+              <a:t>7/22/2016</a:t>
             </a:fld>
             <a:endParaRPr lang="en-US"/>
           </a:p>
@@ -4539,7 +4539,7 @@
           </a:lstStyle>
           <a:p>
             <a:r>
-              <a:rPr lang="en-US" smtClean="0"/>
+              <a:rPr lang="en-US"/>
               <a:t>Click to edit Master title style</a:t>
             </a:r>
             <a:endParaRPr lang="en-US" dirty="0"/>
@@ -4629,7 +4629,7 @@
           </a:lstStyle>
           <a:p>
             <a:r>
-              <a:rPr lang="en-US" smtClean="0"/>
+              <a:rPr lang="en-US"/>
               <a:t>Click icon to add picture</a:t>
             </a:r>
             <a:endParaRPr lang="en-US" dirty="0"/>
@@ -4697,7 +4697,7 @@
           <a:p>
             <a:pPr lvl="0"/>
             <a:r>
-              <a:rPr lang="en-US" smtClean="0"/>
+              <a:rPr lang="en-US"/>
               <a:t>Click to edit Master text styles</a:t>
             </a:r>
           </a:p>
@@ -4725,7 +4725,7 @@
           <a:p>
             <a:fld id="{64BF311C-CCA0-4B11-AF0A-CF55FF4C099E}" type="datetimeFigureOut">
               <a:rPr lang="en-US" smtClean="0"/>
-              <a:t>12/16/2015</a:t>
+              <a:t>7/22/2016</a:t>
             </a:fld>
             <a:endParaRPr lang="en-US"/>
           </a:p>
@@ -4844,7 +4844,7 @@
           <a:lstStyle/>
           <a:p>
             <a:r>
-              <a:rPr lang="en-US" smtClean="0"/>
+              <a:rPr lang="en-US"/>
               <a:t>Click to edit Master title style</a:t>
             </a:r>
             <a:endParaRPr lang="en-US" dirty="0"/>
@@ -4878,35 +4878,35 @@
           <a:p>
             <a:pPr lvl="0"/>
             <a:r>
-              <a:rPr lang="en-US" smtClean="0"/>
+              <a:rPr lang="en-US"/>
               <a:t>Click to edit Master text styles</a:t>
             </a:r>
           </a:p>
           <a:p>
             <a:pPr lvl="1"/>
             <a:r>
-              <a:rPr lang="en-US" smtClean="0"/>
+              <a:rPr lang="en-US"/>
               <a:t>Second level</a:t>
             </a:r>
           </a:p>
           <a:p>
             <a:pPr lvl="2"/>
             <a:r>
-              <a:rPr lang="en-US" smtClean="0"/>
+              <a:rPr lang="en-US"/>
               <a:t>Third level</a:t>
             </a:r>
           </a:p>
           <a:p>
             <a:pPr lvl="3"/>
             <a:r>
-              <a:rPr lang="en-US" smtClean="0"/>
+              <a:rPr lang="en-US"/>
               <a:t>Fourth level</a:t>
             </a:r>
           </a:p>
           <a:p>
             <a:pPr lvl="4"/>
             <a:r>
-              <a:rPr lang="en-US" smtClean="0"/>
+              <a:rPr lang="en-US"/>
               <a:t>Fifth level</a:t>
             </a:r>
             <a:endParaRPr lang="en-US" dirty="0"/>
@@ -4956,7 +4956,7 @@
           <a:p>
             <a:fld id="{64BF311C-CCA0-4B11-AF0A-CF55FF4C099E}" type="datetimeFigureOut">
               <a:rPr lang="en-US" smtClean="0"/>
-              <a:t>12/16/2015</a:t>
+              <a:t>7/22/2016</a:t>
             </a:fld>
             <a:endParaRPr lang="en-US"/>
           </a:p>
@@ -5741,10 +5741,9 @@
           <a:lstStyle/>
           <a:p>
             <a:r>
-              <a:rPr lang="en-US" dirty="0" smtClean="0"/>
+              <a:rPr lang="en-US" dirty="0"/>
               <a:t>Coalesce Diagrams</a:t>
             </a:r>
-            <a:endParaRPr lang="en-US" dirty="0"/>
           </a:p>
         </p:txBody>
       </p:sp>
@@ -5832,10 +5831,9 @@
           <a:p>
             <a:pPr algn="ctr"/>
             <a:r>
-              <a:rPr lang="en-US" dirty="0" smtClean="0"/>
+              <a:rPr lang="en-US" dirty="0"/>
               <a:t>SQL Server Database</a:t>
             </a:r>
-            <a:endParaRPr lang="en-US" dirty="0"/>
           </a:p>
         </p:txBody>
       </p:sp>
@@ -5874,10 +5872,9 @@
           <a:p>
             <a:pPr algn="ctr"/>
             <a:r>
-              <a:rPr lang="en-US" dirty="0" smtClean="0"/>
+              <a:rPr lang="en-US" dirty="0"/>
               <a:t>C# Entity Framework Data Context</a:t>
             </a:r>
-            <a:endParaRPr lang="en-US" dirty="0"/>
           </a:p>
         </p:txBody>
       </p:sp>
@@ -5918,10 +5915,9 @@
           <a:p>
             <a:pPr algn="ctr"/>
             <a:r>
-              <a:rPr lang="en-US" dirty="0" smtClean="0"/>
+              <a:rPr lang="en-US" dirty="0"/>
               <a:t>Class 1</a:t>
             </a:r>
-            <a:endParaRPr lang="en-US" dirty="0"/>
           </a:p>
         </p:txBody>
       </p:sp>
@@ -5962,10 +5958,9 @@
           <a:p>
             <a:pPr algn="ctr"/>
             <a:r>
-              <a:rPr lang="en-US" dirty="0" smtClean="0"/>
+              <a:rPr lang="en-US" dirty="0"/>
               <a:t>Class 2</a:t>
             </a:r>
-            <a:endParaRPr lang="en-US" dirty="0"/>
           </a:p>
         </p:txBody>
       </p:sp>
@@ -6006,10 +6001,9 @@
           <a:p>
             <a:pPr algn="ctr"/>
             <a:r>
-              <a:rPr lang="en-US" dirty="0" smtClean="0"/>
+              <a:rPr lang="en-US" dirty="0"/>
               <a:t>Class 3</a:t>
             </a:r>
-            <a:endParaRPr lang="en-US" dirty="0"/>
           </a:p>
         </p:txBody>
       </p:sp>
@@ -6050,10 +6044,9 @@
           <a:p>
             <a:pPr algn="ctr"/>
             <a:r>
-              <a:rPr lang="en-US" dirty="0" smtClean="0"/>
+              <a:rPr lang="en-US" dirty="0"/>
               <a:t>Class 4</a:t>
             </a:r>
-            <a:endParaRPr lang="en-US" dirty="0"/>
           </a:p>
         </p:txBody>
       </p:sp>
@@ -6092,10 +6085,9 @@
           <a:p>
             <a:pPr algn="ctr"/>
             <a:r>
-              <a:rPr lang="en-US" dirty="0" smtClean="0"/>
+              <a:rPr lang="en-US" dirty="0"/>
               <a:t>C# Web APIs</a:t>
             </a:r>
-            <a:endParaRPr lang="en-US" dirty="0"/>
           </a:p>
         </p:txBody>
       </p:sp>
@@ -6134,10 +6126,9 @@
           <a:p>
             <a:pPr algn="ctr"/>
             <a:r>
-              <a:rPr lang="en-US" sz="1000" dirty="0" smtClean="0"/>
+              <a:rPr lang="en-US" sz="1000" dirty="0"/>
               <a:t>API for Class 1</a:t>
             </a:r>
-            <a:endParaRPr lang="en-US" sz="1000" dirty="0"/>
           </a:p>
         </p:txBody>
       </p:sp>
@@ -6176,10 +6167,9 @@
           <a:p>
             <a:pPr algn="ctr"/>
             <a:r>
-              <a:rPr lang="en-US" sz="1000" dirty="0" smtClean="0"/>
+              <a:rPr lang="en-US" sz="1000" dirty="0"/>
               <a:t>API for Class 2</a:t>
             </a:r>
-            <a:endParaRPr lang="en-US" sz="1000" dirty="0"/>
           </a:p>
         </p:txBody>
       </p:sp>
@@ -6218,10 +6208,9 @@
           <a:p>
             <a:pPr algn="ctr"/>
             <a:r>
-              <a:rPr lang="en-US" sz="1000" dirty="0" smtClean="0"/>
+              <a:rPr lang="en-US" sz="1000" dirty="0"/>
               <a:t>API for Class 3</a:t>
             </a:r>
-            <a:endParaRPr lang="en-US" sz="1000" dirty="0"/>
           </a:p>
         </p:txBody>
       </p:sp>
@@ -6260,10 +6249,9 @@
           <a:p>
             <a:pPr algn="ctr"/>
             <a:r>
-              <a:rPr lang="en-US" sz="1000" dirty="0" smtClean="0"/>
+              <a:rPr lang="en-US" sz="1000" dirty="0"/>
               <a:t>API for Class 4</a:t>
             </a:r>
-            <a:endParaRPr lang="en-US" sz="1000" dirty="0"/>
           </a:p>
         </p:txBody>
       </p:sp>
@@ -6302,10 +6290,9 @@
           <a:p>
             <a:pPr algn="ctr"/>
             <a:r>
-              <a:rPr lang="en-US" dirty="0" smtClean="0"/>
+              <a:rPr lang="en-US" dirty="0"/>
               <a:t>Bootstrap Admin Views</a:t>
             </a:r>
-            <a:endParaRPr lang="en-US" dirty="0"/>
           </a:p>
         </p:txBody>
       </p:sp>
@@ -6344,14 +6331,13 @@
           <a:p>
             <a:pPr algn="ctr"/>
             <a:r>
-              <a:rPr lang="en-US" dirty="0" err="1" smtClean="0"/>
+              <a:rPr lang="en-US" dirty="0" err="1"/>
               <a:t>TypeScript</a:t>
             </a:r>
             <a:r>
-              <a:rPr lang="en-US" dirty="0" smtClean="0"/>
+              <a:rPr lang="en-US" dirty="0"/>
               <a:t> View Models</a:t>
             </a:r>
-            <a:endParaRPr lang="en-US" dirty="0"/>
           </a:p>
         </p:txBody>
       </p:sp>
@@ -6390,10 +6376,9 @@
           <a:p>
             <a:pPr algn="ctr"/>
             <a:r>
-              <a:rPr lang="en-US" sz="1000" dirty="0" smtClean="0"/>
+              <a:rPr lang="en-US" sz="1000" dirty="0"/>
               <a:t>VM for Class 1</a:t>
             </a:r>
-            <a:endParaRPr lang="en-US" sz="1000" dirty="0"/>
           </a:p>
         </p:txBody>
       </p:sp>
@@ -6432,10 +6417,9 @@
           <a:p>
             <a:pPr algn="ctr"/>
             <a:r>
-              <a:rPr lang="en-US" sz="1000" dirty="0" smtClean="0"/>
+              <a:rPr lang="en-US" sz="1000" dirty="0"/>
               <a:t>VM for Class 2</a:t>
             </a:r>
-            <a:endParaRPr lang="en-US" sz="1000" dirty="0"/>
           </a:p>
         </p:txBody>
       </p:sp>
@@ -6474,10 +6458,9 @@
           <a:p>
             <a:pPr algn="ctr"/>
             <a:r>
-              <a:rPr lang="en-US" sz="1000" dirty="0" smtClean="0"/>
+              <a:rPr lang="en-US" sz="1000" dirty="0"/>
               <a:t>VM for Class 3</a:t>
             </a:r>
-            <a:endParaRPr lang="en-US" sz="1000" dirty="0"/>
           </a:p>
         </p:txBody>
       </p:sp>
@@ -6516,10 +6499,9 @@
           <a:p>
             <a:pPr algn="ctr"/>
             <a:r>
-              <a:rPr lang="en-US" sz="1000" dirty="0" smtClean="0"/>
+              <a:rPr lang="en-US" sz="1000" dirty="0"/>
               <a:t>VM for Class 4</a:t>
             </a:r>
-            <a:endParaRPr lang="en-US" sz="1000" dirty="0"/>
           </a:p>
         </p:txBody>
       </p:sp>
@@ -6558,10 +6540,9 @@
           <a:p>
             <a:pPr algn="ctr"/>
             <a:r>
-              <a:rPr lang="en-US" dirty="0" smtClean="0"/>
+              <a:rPr lang="en-US" dirty="0"/>
               <a:t>                 HTML Helper Library</a:t>
             </a:r>
-            <a:endParaRPr lang="en-US" dirty="0"/>
           </a:p>
         </p:txBody>
       </p:sp>
@@ -6600,10 +6581,9 @@
           <a:p>
             <a:pPr algn="ctr"/>
             <a:r>
-              <a:rPr lang="en-US" sz="1000" dirty="0" smtClean="0"/>
+              <a:rPr lang="en-US" sz="1000" dirty="0"/>
               <a:t>Display Helpers</a:t>
             </a:r>
-            <a:endParaRPr lang="en-US" sz="1000" dirty="0"/>
           </a:p>
         </p:txBody>
       </p:sp>
@@ -6642,10 +6622,9 @@
           <a:p>
             <a:pPr algn="ctr"/>
             <a:r>
-              <a:rPr lang="en-US" sz="1000" dirty="0" smtClean="0"/>
+              <a:rPr lang="en-US" sz="1000" dirty="0"/>
               <a:t>Editor Helpers</a:t>
             </a:r>
-            <a:endParaRPr lang="en-US" sz="1000" dirty="0"/>
           </a:p>
         </p:txBody>
       </p:sp>
@@ -6684,10 +6663,9 @@
           <a:p>
             <a:pPr algn="ctr"/>
             <a:r>
-              <a:rPr lang="en-US" sz="1000" dirty="0" smtClean="0"/>
+              <a:rPr lang="en-US" sz="1000" dirty="0"/>
               <a:t>Grid Helpers</a:t>
             </a:r>
-            <a:endParaRPr lang="en-US" sz="1000" dirty="0"/>
           </a:p>
         </p:txBody>
       </p:sp>
@@ -6726,10 +6704,9 @@
           <a:p>
             <a:pPr algn="ctr"/>
             <a:r>
-              <a:rPr lang="en-US" sz="1000" dirty="0" smtClean="0"/>
+              <a:rPr lang="en-US" sz="1000" dirty="0"/>
               <a:t>Script Helpers</a:t>
             </a:r>
-            <a:endParaRPr lang="en-US" sz="1000" dirty="0"/>
           </a:p>
         </p:txBody>
       </p:sp>
@@ -6768,10 +6745,9 @@
           <a:p>
             <a:pPr algn="ctr"/>
             <a:r>
-              <a:rPr lang="en-US" sz="800" dirty="0" smtClean="0"/>
+              <a:rPr lang="en-US" sz="800" dirty="0"/>
               <a:t>View for Class 1</a:t>
             </a:r>
-            <a:endParaRPr lang="en-US" sz="800" dirty="0"/>
           </a:p>
         </p:txBody>
       </p:sp>
@@ -6810,10 +6786,9 @@
           <a:p>
             <a:pPr algn="ctr"/>
             <a:r>
-              <a:rPr lang="en-US" sz="800" dirty="0" smtClean="0"/>
-              <a:t>View for Class 1</a:t>
-            </a:r>
-            <a:endParaRPr lang="en-US" sz="800" dirty="0"/>
+              <a:rPr lang="en-US" sz="800" dirty="0"/>
+              <a:t>View for Class 2</a:t>
+            </a:r>
           </a:p>
         </p:txBody>
       </p:sp>
@@ -6852,10 +6827,9 @@
           <a:p>
             <a:pPr algn="ctr"/>
             <a:r>
-              <a:rPr lang="en-US" sz="800" dirty="0" smtClean="0"/>
-              <a:t>View for Class 1</a:t>
-            </a:r>
-            <a:endParaRPr lang="en-US" sz="800" dirty="0"/>
+              <a:rPr lang="en-US" sz="800" dirty="0"/>
+              <a:t>View for Class 3</a:t>
+            </a:r>
           </a:p>
         </p:txBody>
       </p:sp>
@@ -6894,8 +6868,12 @@
           <a:p>
             <a:pPr algn="ctr"/>
             <a:r>
-              <a:rPr lang="en-US" sz="800" dirty="0" smtClean="0"/>
-              <a:t>View for Class 1</a:t>
+              <a:rPr lang="en-US" sz="800" dirty="0"/>
+              <a:t>View for </a:t>
+            </a:r>
+            <a:r>
+              <a:rPr lang="en-US" sz="800"/>
+              <a:t>Class 4</a:t>
             </a:r>
             <a:endParaRPr lang="en-US" sz="800" dirty="0"/>
           </a:p>
@@ -6983,10 +6961,9 @@
           <a:p>
             <a:pPr algn="ctr"/>
             <a:r>
-              <a:rPr lang="en-US" dirty="0" smtClean="0"/>
+              <a:rPr lang="en-US" dirty="0"/>
               <a:t>Your Layout</a:t>
             </a:r>
-            <a:endParaRPr lang="en-US" dirty="0"/>
           </a:p>
         </p:txBody>
       </p:sp>
@@ -7027,10 +7004,9 @@
           <a:p>
             <a:pPr algn="ctr"/>
             <a:r>
-              <a:rPr lang="en-US" dirty="0" smtClean="0"/>
+              <a:rPr lang="en-US" dirty="0"/>
               <a:t>Your Styling</a:t>
             </a:r>
-            <a:endParaRPr lang="en-US" dirty="0"/>
           </a:p>
         </p:txBody>
       </p:sp>
@@ -7071,10 +7047,9 @@
           <a:p>
             <a:pPr algn="ctr"/>
             <a:r>
-              <a:rPr lang="en-US" dirty="0" smtClean="0"/>
+              <a:rPr lang="en-US" dirty="0"/>
               <a:t>Your Scripts</a:t>
             </a:r>
-            <a:endParaRPr lang="en-US" dirty="0"/>
           </a:p>
         </p:txBody>
       </p:sp>
@@ -7114,10 +7089,9 @@
           <a:lstStyle/>
           <a:p>
             <a:r>
-              <a:rPr lang="en-US" dirty="0" smtClean="0"/>
+              <a:rPr lang="en-US" dirty="0"/>
               <a:t>You Build</a:t>
             </a:r>
-            <a:endParaRPr lang="en-US" dirty="0"/>
           </a:p>
         </p:txBody>
       </p:sp>
@@ -7157,10 +7131,9 @@
           <a:lstStyle/>
           <a:p>
             <a:r>
-              <a:rPr lang="en-US" dirty="0" smtClean="0"/>
+              <a:rPr lang="en-US" dirty="0"/>
               <a:t>You Build</a:t>
             </a:r>
-            <a:endParaRPr lang="en-US" dirty="0"/>
           </a:p>
         </p:txBody>
       </p:sp>
@@ -7200,10 +7173,9 @@
           <a:lstStyle/>
           <a:p>
             <a:r>
-              <a:rPr lang="en-US" dirty="0" smtClean="0"/>
+              <a:rPr lang="en-US" dirty="0"/>
               <a:t>We Build</a:t>
             </a:r>
-            <a:endParaRPr lang="en-US" dirty="0"/>
           </a:p>
         </p:txBody>
       </p:sp>
@@ -7243,10 +7215,9 @@
           <a:lstStyle/>
           <a:p>
             <a:r>
-              <a:rPr lang="en-US" dirty="0" smtClean="0"/>
+              <a:rPr lang="en-US" dirty="0"/>
               <a:t>We Build</a:t>
             </a:r>
-            <a:endParaRPr lang="en-US" dirty="0"/>
           </a:p>
         </p:txBody>
       </p:sp>
@@ -7286,10 +7257,9 @@
           <a:lstStyle/>
           <a:p>
             <a:r>
-              <a:rPr lang="en-US" dirty="0" smtClean="0"/>
+              <a:rPr lang="en-US" dirty="0"/>
               <a:t>We Build</a:t>
             </a:r>
-            <a:endParaRPr lang="en-US" dirty="0"/>
           </a:p>
         </p:txBody>
       </p:sp>
@@ -7329,10 +7299,9 @@
           <a:lstStyle/>
           <a:p>
             <a:r>
-              <a:rPr lang="en-US" dirty="0" smtClean="0"/>
+              <a:rPr lang="en-US" dirty="0"/>
               <a:t>Comes Free</a:t>
             </a:r>
-            <a:endParaRPr lang="en-US" dirty="0"/>
           </a:p>
         </p:txBody>
       </p:sp>
@@ -7372,10 +7341,9 @@
           <a:lstStyle/>
           <a:p>
             <a:r>
-              <a:rPr lang="en-US" dirty="0" smtClean="0"/>
+              <a:rPr lang="en-US" dirty="0"/>
               <a:t>EF Generates</a:t>
             </a:r>
-            <a:endParaRPr lang="en-US" dirty="0"/>
           </a:p>
         </p:txBody>
       </p:sp>
@@ -7414,10 +7382,9 @@
           <a:p>
             <a:pPr algn="ctr"/>
             <a:r>
-              <a:rPr lang="en-US" dirty="0" smtClean="0"/>
+              <a:rPr lang="en-US" dirty="0"/>
               <a:t>Your Code</a:t>
             </a:r>
-            <a:endParaRPr lang="en-US" dirty="0"/>
           </a:p>
         </p:txBody>
       </p:sp>
@@ -7458,10 +7425,9 @@
           <a:p>
             <a:pPr algn="ctr"/>
             <a:r>
-              <a:rPr lang="en-US" sz="1200" dirty="0" smtClean="0"/>
+              <a:rPr lang="en-US" sz="1200" dirty="0"/>
               <a:t>Business Logic</a:t>
             </a:r>
-            <a:endParaRPr lang="en-US" sz="1200" dirty="0"/>
           </a:p>
         </p:txBody>
       </p:sp>
@@ -7502,10 +7468,9 @@
           <a:p>
             <a:pPr algn="ctr"/>
             <a:r>
-              <a:rPr lang="en-US" sz="1200" dirty="0" smtClean="0"/>
+              <a:rPr lang="en-US" sz="1200" dirty="0"/>
               <a:t>View Models</a:t>
             </a:r>
-            <a:endParaRPr lang="en-US" sz="1200" dirty="0"/>
           </a:p>
         </p:txBody>
       </p:sp>
@@ -7545,10 +7510,9 @@
           <a:lstStyle/>
           <a:p>
             <a:r>
-              <a:rPr lang="en-US" dirty="0" smtClean="0"/>
+              <a:rPr lang="en-US" dirty="0"/>
               <a:t>You Build</a:t>
             </a:r>
-            <a:endParaRPr lang="en-US" dirty="0"/>
           </a:p>
         </p:txBody>
       </p:sp>
@@ -7617,10 +7581,10 @@
           <a:p>
             <a:pPr algn="ctr"/>
             <a:r>
-              <a:rPr lang="en-US" dirty="0" err="1" smtClean="0"/>
+              <a:rPr lang="en-US" dirty="0" err="1"/>
               <a:t>DbContext</a:t>
             </a:r>
-            <a:endParaRPr lang="en-US" dirty="0" smtClean="0"/>
+            <a:endParaRPr lang="en-US" dirty="0"/>
           </a:p>
           <a:p>
             <a:pPr algn="ctr"/>
@@ -7636,10 +7600,9 @@
           <a:p>
             <a:pPr algn="ctr"/>
             <a:r>
-              <a:rPr lang="en-US" sz="1400" dirty="0" smtClean="0"/>
+              <a:rPr lang="en-US" sz="1400" dirty="0"/>
               <a:t>People</a:t>
             </a:r>
-            <a:endParaRPr lang="en-US" sz="1400" dirty="0"/>
           </a:p>
         </p:txBody>
       </p:sp>
@@ -7678,10 +7641,9 @@
           <a:p>
             <a:pPr algn="ctr"/>
             <a:r>
-              <a:rPr lang="en-US" dirty="0" smtClean="0"/>
+              <a:rPr lang="en-US" dirty="0"/>
               <a:t>SQL Server Database</a:t>
             </a:r>
-            <a:endParaRPr lang="en-US" dirty="0"/>
           </a:p>
         </p:txBody>
       </p:sp>
@@ -7722,17 +7684,16 @@
           <a:p>
             <a:pPr algn="ctr"/>
             <a:r>
-              <a:rPr lang="en-US" sz="1400" dirty="0" smtClean="0"/>
+              <a:rPr lang="en-US" sz="1400" dirty="0"/>
               <a:t>Person</a:t>
             </a:r>
           </a:p>
           <a:p>
             <a:pPr algn="ctr"/>
             <a:r>
-              <a:rPr lang="en-US" sz="1400" dirty="0" smtClean="0"/>
+              <a:rPr lang="en-US" sz="1400" dirty="0"/>
               <a:t>(POCO)</a:t>
             </a:r>
-            <a:endParaRPr lang="en-US" sz="1400" dirty="0" smtClean="0"/>
           </a:p>
         </p:txBody>
       </p:sp>
@@ -7773,7 +7734,7 @@
           <a:p>
             <a:pPr algn="ctr"/>
             <a:r>
-              <a:rPr lang="en-US" sz="1400" dirty="0" smtClean="0"/>
+              <a:rPr lang="en-US" sz="1400" dirty="0"/>
               <a:t>Person</a:t>
             </a:r>
           </a:p>
@@ -7814,10 +7775,10 @@
           <a:p>
             <a:pPr algn="ctr"/>
             <a:r>
-              <a:rPr lang="en-US" sz="1400" dirty="0" err="1" smtClean="0"/>
+              <a:rPr lang="en-US" sz="1400" dirty="0" err="1"/>
               <a:t>ReflectionRepository</a:t>
             </a:r>
-            <a:endParaRPr lang="en-US" sz="1400" dirty="0" smtClean="0"/>
+            <a:endParaRPr lang="en-US" sz="1400" dirty="0"/>
           </a:p>
         </p:txBody>
       </p:sp>
@@ -7856,15 +7817,15 @@
           <a:p>
             <a:pPr algn="ctr"/>
             <a:r>
-              <a:rPr lang="en-US" sz="1400" dirty="0" err="1" smtClean="0"/>
+              <a:rPr lang="en-US" sz="1400" dirty="0" err="1"/>
               <a:t>ClassViewModel</a:t>
             </a:r>
-            <a:endParaRPr lang="en-US" sz="1400" dirty="0" smtClean="0"/>
+            <a:endParaRPr lang="en-US" sz="1400" dirty="0"/>
           </a:p>
           <a:p>
             <a:pPr algn="ctr"/>
             <a:r>
-              <a:rPr lang="en-US" sz="1400" dirty="0" smtClean="0"/>
+              <a:rPr lang="en-US" sz="1400" dirty="0"/>
               <a:t>For Person</a:t>
             </a:r>
           </a:p>
@@ -7905,7 +7866,7 @@
           <a:p>
             <a:pPr algn="ctr"/>
             <a:r>
-              <a:rPr lang="en-US" sz="1400" dirty="0" smtClean="0"/>
+              <a:rPr lang="en-US" sz="1400" dirty="0"/>
               <a:t>Code Generator</a:t>
             </a:r>
           </a:p>
@@ -7946,7 +7907,7 @@
           <a:p>
             <a:pPr algn="ctr"/>
             <a:r>
-              <a:rPr lang="en-US" sz="1400" dirty="0" smtClean="0"/>
+              <a:rPr lang="en-US" sz="1400" dirty="0"/>
               <a:t>Base Classes</a:t>
             </a:r>
           </a:p>
@@ -7987,7 +7948,7 @@
           <a:p>
             <a:pPr algn="ctr"/>
             <a:r>
-              <a:rPr lang="en-US" sz="1400" dirty="0" smtClean="0"/>
+              <a:rPr lang="en-US" sz="1400" dirty="0"/>
               <a:t>Views</a:t>
             </a:r>
           </a:p>
@@ -8030,22 +7991,21 @@
           <a:p>
             <a:pPr algn="ctr"/>
             <a:r>
-              <a:rPr lang="en-US" sz="1400" dirty="0" smtClean="0"/>
+              <a:rPr lang="en-US" sz="1400" dirty="0"/>
               <a:t>Index, Editor, Docs</a:t>
             </a:r>
+          </a:p>
+          <a:p>
+            <a:pPr algn="ctr"/>
+            <a:r>
+              <a:rPr lang="en-US" sz="1400" dirty="0"/>
+              <a:t>.</a:t>
+            </a:r>
+            <a:r>
+              <a:rPr lang="en-US" sz="1400" dirty="0" err="1"/>
+              <a:t>cshtml</a:t>
+            </a:r>
             <a:endParaRPr lang="en-US" sz="1400" dirty="0"/>
-          </a:p>
-          <a:p>
-            <a:pPr algn="ctr"/>
-            <a:r>
-              <a:rPr lang="en-US" sz="1400" dirty="0" smtClean="0"/>
-              <a:t>.</a:t>
-            </a:r>
-            <a:r>
-              <a:rPr lang="en-US" sz="1400" dirty="0" err="1" smtClean="0"/>
-              <a:t>cshtml</a:t>
-            </a:r>
-            <a:endParaRPr lang="en-US" sz="1400" dirty="0" smtClean="0"/>
           </a:p>
         </p:txBody>
       </p:sp>
@@ -8084,14 +8044,14 @@
           <a:p>
             <a:pPr algn="ctr"/>
             <a:r>
-              <a:rPr lang="en-US" sz="1400" dirty="0" smtClean="0"/>
+              <a:rPr lang="en-US" sz="1400" dirty="0"/>
               <a:t>View Controller</a:t>
             </a:r>
           </a:p>
           <a:p>
             <a:pPr algn="ctr"/>
             <a:r>
-              <a:rPr lang="en-US" sz="1400" dirty="0" smtClean="0"/>
+              <a:rPr lang="en-US" sz="1400" dirty="0"/>
               <a:t> API Controller</a:t>
             </a:r>
           </a:p>
@@ -8132,7 +8092,7 @@
           <a:p>
             <a:pPr algn="ctr"/>
             <a:r>
-              <a:rPr lang="en-US" sz="1400" dirty="0" smtClean="0"/>
+              <a:rPr lang="en-US" sz="1400" dirty="0"/>
               <a:t>C# Generated Controllers</a:t>
             </a:r>
           </a:p>
@@ -8175,18 +8135,18 @@
           <a:p>
             <a:pPr algn="ctr"/>
             <a:r>
-              <a:rPr lang="en-US" sz="1400" dirty="0" smtClean="0"/>
+              <a:rPr lang="en-US" sz="1400" dirty="0"/>
               <a:t>Person</a:t>
             </a:r>
           </a:p>
           <a:p>
             <a:pPr algn="ctr"/>
             <a:r>
-              <a:rPr lang="en-US" sz="1400" dirty="0" err="1" smtClean="0"/>
+              <a:rPr lang="en-US" sz="1400" dirty="0" err="1"/>
               <a:t>Api</a:t>
             </a:r>
             <a:r>
-              <a:rPr lang="en-US" sz="1400" dirty="0" smtClean="0"/>
+              <a:rPr lang="en-US" sz="1400" dirty="0"/>
               <a:t>/Person</a:t>
             </a:r>
           </a:p>
@@ -8229,7 +8189,7 @@
           <a:p>
             <a:pPr algn="ctr"/>
             <a:r>
-              <a:rPr lang="en-US" sz="1400" dirty="0" smtClean="0"/>
+              <a:rPr lang="en-US" sz="1400" dirty="0"/>
               <a:t>Object VM, List VM, Views, APIs</a:t>
             </a:r>
           </a:p>
@@ -8270,7 +8230,7 @@
           <a:p>
             <a:pPr algn="ctr"/>
             <a:r>
-              <a:rPr lang="en-US" sz="1400" dirty="0" smtClean="0"/>
+              <a:rPr lang="en-US" sz="1400" dirty="0"/>
               <a:t>TS Generated View Models</a:t>
             </a:r>
           </a:p>
@@ -8313,17 +8273,17 @@
           <a:p>
             <a:pPr algn="ctr"/>
             <a:r>
-              <a:rPr lang="en-US" sz="1400" dirty="0" smtClean="0"/>
+              <a:rPr lang="en-US" sz="1400" dirty="0"/>
               <a:t>Person</a:t>
             </a:r>
           </a:p>
           <a:p>
             <a:pPr algn="ctr"/>
             <a:r>
-              <a:rPr lang="en-US" sz="1400" dirty="0" err="1" smtClean="0"/>
+              <a:rPr lang="en-US" sz="1400" dirty="0" err="1"/>
               <a:t>PersonList</a:t>
             </a:r>
-            <a:endParaRPr lang="en-US" sz="1400" dirty="0" smtClean="0"/>
+            <a:endParaRPr lang="en-US" sz="1400" dirty="0"/>
           </a:p>
         </p:txBody>
       </p:sp>
@@ -8362,7 +8322,7 @@
           <a:p>
             <a:pPr algn="ctr"/>
             <a:r>
-              <a:rPr lang="en-US" sz="1400" dirty="0" smtClean="0"/>
+              <a:rPr lang="en-US" sz="1400" dirty="0"/>
               <a:t>Helpers</a:t>
             </a:r>
           </a:p>
@@ -8403,14 +8363,14 @@
           <a:p>
             <a:pPr algn="ctr"/>
             <a:r>
-              <a:rPr lang="en-US" sz="1400" dirty="0" smtClean="0"/>
+              <a:rPr lang="en-US" sz="1400" dirty="0"/>
               <a:t>Display, Table,</a:t>
             </a:r>
           </a:p>
           <a:p>
             <a:pPr algn="ctr"/>
             <a:r>
-              <a:rPr lang="en-US" sz="1400" dirty="0" smtClean="0"/>
+              <a:rPr lang="en-US" sz="1400" dirty="0"/>
               <a:t>Knockout</a:t>
             </a:r>
           </a:p>
@@ -8451,7 +8411,7 @@
           <a:p>
             <a:pPr algn="ctr"/>
             <a:r>
-              <a:rPr lang="en-US" sz="1400" dirty="0" smtClean="0"/>
+              <a:rPr lang="en-US" sz="1400" dirty="0"/>
               <a:t>TS/JS Utilities</a:t>
             </a:r>
           </a:p>
@@ -8494,7 +8454,7 @@
           <a:p>
             <a:pPr algn="ctr"/>
             <a:r>
-              <a:rPr lang="en-US" sz="1400" dirty="0" smtClean="0"/>
+              <a:rPr lang="en-US" sz="1400" dirty="0"/>
               <a:t>Bindings, Utilities</a:t>
             </a:r>
           </a:p>
@@ -8535,11 +8495,11 @@
           <a:p>
             <a:pPr algn="ctr"/>
             <a:r>
-              <a:rPr lang="en-US" sz="1400" dirty="0" err="1" smtClean="0"/>
+              <a:rPr lang="en-US" sz="1400" dirty="0" err="1"/>
               <a:t>Compliled</a:t>
             </a:r>
             <a:r>
-              <a:rPr lang="en-US" sz="1400" dirty="0" smtClean="0"/>
+              <a:rPr lang="en-US" sz="1400" dirty="0"/>
               <a:t> JS</a:t>
             </a:r>
           </a:p>
@@ -8582,14 +8542,14 @@
           <a:p>
             <a:pPr algn="ctr"/>
             <a:r>
-              <a:rPr lang="en-US" sz="1400" dirty="0" smtClean="0"/>
+              <a:rPr lang="en-US" sz="1400" dirty="0"/>
               <a:t>App.js</a:t>
             </a:r>
           </a:p>
           <a:p>
             <a:pPr algn="ctr"/>
             <a:r>
-              <a:rPr lang="en-US" sz="1400" dirty="0" smtClean="0"/>
+              <a:rPr lang="en-US" sz="1400" dirty="0"/>
               <a:t>Map files</a:t>
             </a:r>
           </a:p>
@@ -8630,7 +8590,7 @@
           <a:p>
             <a:pPr algn="ctr"/>
             <a:r>
-              <a:rPr lang="en-US" dirty="0" smtClean="0"/>
+              <a:rPr lang="en-US" dirty="0"/>
               <a:t>Your App</a:t>
             </a:r>
             <a:endParaRPr lang="en-US" sz="1400" dirty="0"/>
@@ -8674,17 +8634,16 @@
           <a:p>
             <a:pPr algn="ctr"/>
             <a:r>
-              <a:rPr lang="en-US" sz="1400" dirty="0" smtClean="0"/>
+              <a:rPr lang="en-US" sz="1400" dirty="0"/>
               <a:t>Controllers</a:t>
             </a:r>
           </a:p>
           <a:p>
             <a:pPr algn="ctr"/>
             <a:r>
-              <a:rPr lang="en-US" sz="1400" dirty="0" smtClean="0"/>
+              <a:rPr lang="en-US" sz="1400" dirty="0"/>
               <a:t>View and API</a:t>
             </a:r>
-            <a:endParaRPr lang="en-US" sz="1400" dirty="0" smtClean="0"/>
           </a:p>
         </p:txBody>
       </p:sp>
@@ -8725,10 +8684,9 @@
           <a:p>
             <a:pPr algn="ctr"/>
             <a:r>
-              <a:rPr lang="en-US" sz="1400" dirty="0" smtClean="0"/>
+              <a:rPr lang="en-US" sz="1400" dirty="0"/>
               <a:t>Custom TS/JS</a:t>
             </a:r>
-            <a:endParaRPr lang="en-US" sz="1400" dirty="0" smtClean="0"/>
           </a:p>
         </p:txBody>
       </p:sp>
@@ -8769,10 +8727,9 @@
           <a:p>
             <a:pPr algn="ctr"/>
             <a:r>
-              <a:rPr lang="en-US" sz="1400" dirty="0" smtClean="0"/>
+              <a:rPr lang="en-US" sz="1400" dirty="0"/>
               <a:t>SCSS/CSS</a:t>
             </a:r>
-            <a:endParaRPr lang="en-US" sz="1400" dirty="0" smtClean="0"/>
           </a:p>
         </p:txBody>
       </p:sp>
@@ -8813,10 +8770,10 @@
           <a:p>
             <a:pPr algn="ctr"/>
             <a:r>
-              <a:rPr lang="en-US" sz="1400" smtClean="0"/>
+              <a:rPr lang="en-US" sz="1400"/>
               <a:t>Other Logic</a:t>
             </a:r>
-            <a:endParaRPr lang="en-US" sz="1400" dirty="0" smtClean="0"/>
+            <a:endParaRPr lang="en-US" sz="1400" dirty="0"/>
           </a:p>
         </p:txBody>
       </p:sp>

--- a/Coalesce Diagrams.pptx
+++ b/Coalesce Diagrams.pptx
@@ -327,7 +327,7 @@
           <a:p>
             <a:fld id="{64BF311C-CCA0-4B11-AF0A-CF55FF4C099E}" type="datetimeFigureOut">
               <a:rPr lang="en-US" smtClean="0"/>
-              <a:t>7/22/2016</a:t>
+              <a:t>8/9/2016</a:t>
             </a:fld>
             <a:endParaRPr lang="en-US"/>
           </a:p>
@@ -618,7 +618,7 @@
           <a:p>
             <a:fld id="{64BF311C-CCA0-4B11-AF0A-CF55FF4C099E}" type="datetimeFigureOut">
               <a:rPr lang="en-US" smtClean="0"/>
-              <a:t>7/22/2016</a:t>
+              <a:t>8/9/2016</a:t>
             </a:fld>
             <a:endParaRPr lang="en-US"/>
           </a:p>
@@ -877,7 +877,7 @@
           <a:p>
             <a:fld id="{64BF311C-CCA0-4B11-AF0A-CF55FF4C099E}" type="datetimeFigureOut">
               <a:rPr lang="en-US" smtClean="0"/>
-              <a:t>7/22/2016</a:t>
+              <a:t>8/9/2016</a:t>
             </a:fld>
             <a:endParaRPr lang="en-US"/>
           </a:p>
@@ -1346,7 +1346,7 @@
           <a:p>
             <a:fld id="{64BF311C-CCA0-4B11-AF0A-CF55FF4C099E}" type="datetimeFigureOut">
               <a:rPr lang="en-US" smtClean="0"/>
-              <a:t>7/22/2016</a:t>
+              <a:t>8/9/2016</a:t>
             </a:fld>
             <a:endParaRPr lang="en-US"/>
           </a:p>
@@ -1526,7 +1526,7 @@
           <a:p>
             <a:fld id="{64BF311C-CCA0-4B11-AF0A-CF55FF4C099E}" type="datetimeFigureOut">
               <a:rPr lang="en-US" smtClean="0"/>
-              <a:t>7/22/2016</a:t>
+              <a:t>8/9/2016</a:t>
             </a:fld>
             <a:endParaRPr lang="en-US"/>
           </a:p>
@@ -2102,7 +2102,7 @@
           <a:p>
             <a:fld id="{64BF311C-CCA0-4B11-AF0A-CF55FF4C099E}" type="datetimeFigureOut">
               <a:rPr lang="en-US" smtClean="0"/>
-              <a:t>7/22/2016</a:t>
+              <a:t>8/9/2016</a:t>
             </a:fld>
             <a:endParaRPr lang="en-US"/>
           </a:p>
@@ -2434,7 +2434,7 @@
           <a:p>
             <a:fld id="{64BF311C-CCA0-4B11-AF0A-CF55FF4C099E}" type="datetimeFigureOut">
               <a:rPr lang="en-US" smtClean="0"/>
-              <a:t>7/22/2016</a:t>
+              <a:t>8/9/2016</a:t>
             </a:fld>
             <a:endParaRPr lang="en-US"/>
           </a:p>
@@ -2609,7 +2609,7 @@
           <a:p>
             <a:fld id="{64BF311C-CCA0-4B11-AF0A-CF55FF4C099E}" type="datetimeFigureOut">
               <a:rPr lang="en-US" smtClean="0"/>
-              <a:t>7/22/2016</a:t>
+              <a:t>8/9/2016</a:t>
             </a:fld>
             <a:endParaRPr lang="en-US"/>
           </a:p>
@@ -2789,7 +2789,7 @@
           <a:p>
             <a:fld id="{64BF311C-CCA0-4B11-AF0A-CF55FF4C099E}" type="datetimeFigureOut">
               <a:rPr lang="en-US" smtClean="0"/>
-              <a:t>7/22/2016</a:t>
+              <a:t>8/9/2016</a:t>
             </a:fld>
             <a:endParaRPr lang="en-US"/>
           </a:p>
@@ -2959,7 +2959,7 @@
           <a:p>
             <a:fld id="{64BF311C-CCA0-4B11-AF0A-CF55FF4C099E}" type="datetimeFigureOut">
               <a:rPr lang="en-US" smtClean="0"/>
-              <a:t>7/22/2016</a:t>
+              <a:t>8/9/2016</a:t>
             </a:fld>
             <a:endParaRPr lang="en-US"/>
           </a:p>
@@ -3216,7 +3216,7 @@
           <a:p>
             <a:fld id="{64BF311C-CCA0-4B11-AF0A-CF55FF4C099E}" type="datetimeFigureOut">
               <a:rPr lang="en-US" smtClean="0"/>
-              <a:t>7/22/2016</a:t>
+              <a:t>8/9/2016</a:t>
             </a:fld>
             <a:endParaRPr lang="en-US"/>
           </a:p>
@@ -3508,7 +3508,7 @@
           <a:p>
             <a:fld id="{64BF311C-CCA0-4B11-AF0A-CF55FF4C099E}" type="datetimeFigureOut">
               <a:rPr lang="en-US" smtClean="0"/>
-              <a:t>7/22/2016</a:t>
+              <a:t>8/9/2016</a:t>
             </a:fld>
             <a:endParaRPr lang="en-US"/>
           </a:p>
@@ -3938,7 +3938,7 @@
           <a:p>
             <a:fld id="{64BF311C-CCA0-4B11-AF0A-CF55FF4C099E}" type="datetimeFigureOut">
               <a:rPr lang="en-US" smtClean="0"/>
-              <a:t>7/22/2016</a:t>
+              <a:t>8/9/2016</a:t>
             </a:fld>
             <a:endParaRPr lang="en-US"/>
           </a:p>
@@ -4056,7 +4056,7 @@
           <a:p>
             <a:fld id="{64BF311C-CCA0-4B11-AF0A-CF55FF4C099E}" type="datetimeFigureOut">
               <a:rPr lang="en-US" smtClean="0"/>
-              <a:t>7/22/2016</a:t>
+              <a:t>8/9/2016</a:t>
             </a:fld>
             <a:endParaRPr lang="en-US"/>
           </a:p>
@@ -4151,7 +4151,7 @@
           <a:p>
             <a:fld id="{64BF311C-CCA0-4B11-AF0A-CF55FF4C099E}" type="datetimeFigureOut">
               <a:rPr lang="en-US" smtClean="0"/>
-              <a:t>7/22/2016</a:t>
+              <a:t>8/9/2016</a:t>
             </a:fld>
             <a:endParaRPr lang="en-US"/>
           </a:p>
@@ -4434,7 +4434,7 @@
           <a:p>
             <a:fld id="{64BF311C-CCA0-4B11-AF0A-CF55FF4C099E}" type="datetimeFigureOut">
               <a:rPr lang="en-US" smtClean="0"/>
-              <a:t>7/22/2016</a:t>
+              <a:t>8/9/2016</a:t>
             </a:fld>
             <a:endParaRPr lang="en-US"/>
           </a:p>
@@ -4725,7 +4725,7 @@
           <a:p>
             <a:fld id="{64BF311C-CCA0-4B11-AF0A-CF55FF4C099E}" type="datetimeFigureOut">
               <a:rPr lang="en-US" smtClean="0"/>
-              <a:t>7/22/2016</a:t>
+              <a:t>8/9/2016</a:t>
             </a:fld>
             <a:endParaRPr lang="en-US"/>
           </a:p>
@@ -4956,7 +4956,7 @@
           <a:p>
             <a:fld id="{64BF311C-CCA0-4B11-AF0A-CF55FF4C099E}" type="datetimeFigureOut">
               <a:rPr lang="en-US" smtClean="0"/>
-              <a:t>7/22/2016</a:t>
+              <a:t>8/9/2016</a:t>
             </a:fld>
             <a:endParaRPr lang="en-US"/>
           </a:p>
@@ -5742,7 +5742,7 @@
           <a:p>
             <a:r>
               <a:rPr lang="en-US" dirty="0"/>
-              <a:t>Coalesce Diagrams</a:t>
+              <a:t>Coalesce</a:t>
             </a:r>
           </a:p>
         </p:txBody>
@@ -6209,7 +6209,7 @@
             <a:pPr algn="ctr"/>
             <a:r>
               <a:rPr lang="en-US" sz="1000" dirty="0"/>
-              <a:t>API for Class 3</a:t>
+              <a:t>DTO for Class 1</a:t>
             </a:r>
           </a:p>
         </p:txBody>
@@ -6250,7 +6250,7 @@
             <a:pPr algn="ctr"/>
             <a:r>
               <a:rPr lang="en-US" sz="1000" dirty="0"/>
-              <a:t>API for Class 4</a:t>
+              <a:t>DTO for Class 2</a:t>
             </a:r>
           </a:p>
         </p:txBody>
@@ -6291,7 +6291,7 @@
             <a:pPr algn="ctr"/>
             <a:r>
               <a:rPr lang="en-US" dirty="0"/>
-              <a:t>Bootstrap Admin Views</a:t>
+              <a:t>Admin Controllers &amp; Views</a:t>
             </a:r>
           </a:p>
         </p:txBody>
@@ -6377,7 +6377,14 @@
             <a:pPr algn="ctr"/>
             <a:r>
               <a:rPr lang="en-US" sz="1000" dirty="0"/>
-              <a:t>VM for Class 1</a:t>
+              <a:t>VM </a:t>
+            </a:r>
+          </a:p>
+          <a:p>
+            <a:pPr algn="ctr"/>
+            <a:r>
+              <a:rPr lang="en-US" sz="1000" dirty="0"/>
+              <a:t>Class 1</a:t>
             </a:r>
           </a:p>
         </p:txBody>
@@ -6418,7 +6425,14 @@
             <a:pPr algn="ctr"/>
             <a:r>
               <a:rPr lang="en-US" sz="1000" dirty="0"/>
-              <a:t>VM for Class 2</a:t>
+              <a:t>VM </a:t>
+            </a:r>
+          </a:p>
+          <a:p>
+            <a:pPr algn="ctr"/>
+            <a:r>
+              <a:rPr lang="en-US" sz="1000" dirty="0"/>
+              <a:t>Class 2</a:t>
             </a:r>
           </a:p>
         </p:txBody>
@@ -6459,7 +6473,7 @@
             <a:pPr algn="ctr"/>
             <a:r>
               <a:rPr lang="en-US" sz="1000" dirty="0"/>
-              <a:t>VM for Class 3</a:t>
+              <a:t>List VM Class 1</a:t>
             </a:r>
           </a:p>
         </p:txBody>
@@ -6500,7 +6514,7 @@
             <a:pPr algn="ctr"/>
             <a:r>
               <a:rPr lang="en-US" sz="1000" dirty="0"/>
-              <a:t>VM for Class 4</a:t>
+              <a:t>List VM Class 2</a:t>
             </a:r>
           </a:p>
         </p:txBody>
@@ -6746,7 +6760,14 @@
             <a:pPr algn="ctr"/>
             <a:r>
               <a:rPr lang="en-US" sz="800" dirty="0"/>
-              <a:t>View for Class 1</a:t>
+              <a:t>Views for </a:t>
+            </a:r>
+          </a:p>
+          <a:p>
+            <a:pPr algn="ctr"/>
+            <a:r>
+              <a:rPr lang="en-US" sz="800" dirty="0"/>
+              <a:t>Class 1</a:t>
             </a:r>
           </a:p>
         </p:txBody>
@@ -6787,7 +6808,14 @@
             <a:pPr algn="ctr"/>
             <a:r>
               <a:rPr lang="en-US" sz="800" dirty="0"/>
-              <a:t>View for Class 2</a:t>
+              <a:t>Views for </a:t>
+            </a:r>
+          </a:p>
+          <a:p>
+            <a:pPr algn="ctr"/>
+            <a:r>
+              <a:rPr lang="en-US" sz="800" dirty="0"/>
+              <a:t>Class 2</a:t>
             </a:r>
           </a:p>
         </p:txBody>
@@ -6828,7 +6856,7 @@
             <a:pPr algn="ctr"/>
             <a:r>
               <a:rPr lang="en-US" sz="800" dirty="0"/>
-              <a:t>View for Class 3</a:t>
+              <a:t>Controller for Class 1</a:t>
             </a:r>
           </a:p>
         </p:txBody>
@@ -6869,13 +6897,8 @@
             <a:pPr algn="ctr"/>
             <a:r>
               <a:rPr lang="en-US" sz="800" dirty="0"/>
-              <a:t>View for </a:t>
-            </a:r>
-            <a:r>
-              <a:rPr lang="en-US" sz="800"/>
-              <a:t>Class 4</a:t>
-            </a:r>
-            <a:endParaRPr lang="en-US" sz="800" dirty="0"/>
+              <a:t>Controller for Class 2</a:t>
+            </a:r>
           </a:p>
         </p:txBody>
       </p:sp>
@@ -7229,7 +7252,7 @@
         </p:nvSpPr>
         <p:spPr>
           <a:xfrm rot="20408567">
-            <a:off x="6432783" y="1597474"/>
+            <a:off x="6329152" y="1250857"/>
             <a:ext cx="1146468" cy="369332"/>
           </a:xfrm>
           <a:prstGeom prst="rect">
@@ -7546,265 +7569,1645 @@
           <a:chExt cx="0" cy="0"/>
         </a:xfrm>
       </p:grpSpPr>
-      <p:sp>
-        <p:nvSpPr>
-          <p:cNvPr id="44" name="Rectangle 43"/>
-          <p:cNvSpPr/>
+      <p:grpSp>
+        <p:nvGrpSpPr>
+          <p:cNvPr id="21" name="Group 20"/>
+          <p:cNvGrpSpPr/>
           <p:nvPr/>
-        </p:nvSpPr>
+        </p:nvGrpSpPr>
+        <p:grpSpPr>
+          <a:xfrm>
+            <a:off x="2631057" y="310552"/>
+            <a:ext cx="9463177" cy="4199910"/>
+            <a:chOff x="2631057" y="310552"/>
+            <a:chExt cx="9463177" cy="4199910"/>
+          </a:xfrm>
+        </p:grpSpPr>
+        <p:sp>
+          <p:nvSpPr>
+            <p:cNvPr id="6" name="Rectangle 5"/>
+            <p:cNvSpPr/>
+            <p:nvPr/>
+          </p:nvSpPr>
+          <p:spPr>
+            <a:xfrm>
+              <a:off x="2631057" y="310552"/>
+              <a:ext cx="9463177" cy="4199910"/>
+            </a:xfrm>
+            <a:prstGeom prst="rect">
+              <a:avLst/>
+            </a:prstGeom>
+            <a:solidFill>
+              <a:schemeClr val="accent1">
+                <a:alpha val="32000"/>
+              </a:schemeClr>
+            </a:solidFill>
+          </p:spPr>
+          <p:style>
+            <a:lnRef idx="2">
+              <a:schemeClr val="accent1">
+                <a:shade val="50000"/>
+              </a:schemeClr>
+            </a:lnRef>
+            <a:fillRef idx="1">
+              <a:schemeClr val="accent1"/>
+            </a:fillRef>
+            <a:effectRef idx="0">
+              <a:schemeClr val="accent1"/>
+            </a:effectRef>
+            <a:fontRef idx="minor">
+              <a:schemeClr val="lt1"/>
+            </a:fontRef>
+          </p:style>
+          <p:txBody>
+            <a:bodyPr rtlCol="0" anchor="ctr"/>
+            <a:lstStyle/>
+            <a:p>
+              <a:pPr algn="ctr"/>
+              <a:endParaRPr lang="en-US"/>
+            </a:p>
+          </p:txBody>
+        </p:sp>
+        <p:sp>
+          <p:nvSpPr>
+            <p:cNvPr id="42" name="TextBox 41"/>
+            <p:cNvSpPr txBox="1"/>
+            <p:nvPr/>
+          </p:nvSpPr>
+          <p:spPr>
+            <a:xfrm>
+              <a:off x="6705612" y="4054274"/>
+              <a:ext cx="1558440" cy="369332"/>
+            </a:xfrm>
+            <a:prstGeom prst="rect">
+              <a:avLst/>
+            </a:prstGeom>
+            <a:noFill/>
+          </p:spPr>
+          <p:txBody>
+            <a:bodyPr wrap="none" rtlCol="0">
+              <a:spAutoFit/>
+            </a:bodyPr>
+            <a:lstStyle/>
+            <a:p>
+              <a:r>
+                <a:rPr lang="en-US" dirty="0"/>
+                <a:t>Web Project</a:t>
+              </a:r>
+            </a:p>
+          </p:txBody>
+        </p:sp>
+      </p:grpSp>
+      <p:grpSp>
+        <p:nvGrpSpPr>
+          <p:cNvPr id="22" name="Group 21"/>
+          <p:cNvGrpSpPr/>
+          <p:nvPr/>
+        </p:nvGrpSpPr>
+        <p:grpSpPr>
+          <a:xfrm>
+            <a:off x="167899" y="294345"/>
+            <a:ext cx="2267486" cy="3514553"/>
+            <a:chOff x="167899" y="294345"/>
+            <a:chExt cx="2267486" cy="3514553"/>
+          </a:xfrm>
+        </p:grpSpPr>
+        <p:sp>
+          <p:nvSpPr>
+            <p:cNvPr id="49" name="Rectangle 48"/>
+            <p:cNvSpPr/>
+            <p:nvPr/>
+          </p:nvSpPr>
+          <p:spPr>
+            <a:xfrm>
+              <a:off x="167899" y="294345"/>
+              <a:ext cx="2267486" cy="3514553"/>
+            </a:xfrm>
+            <a:prstGeom prst="rect">
+              <a:avLst/>
+            </a:prstGeom>
+            <a:solidFill>
+              <a:schemeClr val="accent1">
+                <a:alpha val="32000"/>
+              </a:schemeClr>
+            </a:solidFill>
+          </p:spPr>
+          <p:style>
+            <a:lnRef idx="2">
+              <a:schemeClr val="accent1">
+                <a:shade val="50000"/>
+              </a:schemeClr>
+            </a:lnRef>
+            <a:fillRef idx="1">
+              <a:schemeClr val="accent1"/>
+            </a:fillRef>
+            <a:effectRef idx="0">
+              <a:schemeClr val="accent1"/>
+            </a:effectRef>
+            <a:fontRef idx="minor">
+              <a:schemeClr val="lt1"/>
+            </a:fontRef>
+          </p:style>
+          <p:txBody>
+            <a:bodyPr rtlCol="0" anchor="ctr"/>
+            <a:lstStyle/>
+            <a:p>
+              <a:pPr algn="ctr"/>
+              <a:endParaRPr lang="en-US"/>
+            </a:p>
+          </p:txBody>
+        </p:sp>
+        <p:sp>
+          <p:nvSpPr>
+            <p:cNvPr id="5" name="TextBox 4"/>
+            <p:cNvSpPr txBox="1"/>
+            <p:nvPr/>
+          </p:nvSpPr>
+          <p:spPr>
+            <a:xfrm>
+              <a:off x="568367" y="3420050"/>
+              <a:ext cx="1593706" cy="208506"/>
+            </a:xfrm>
+            <a:prstGeom prst="rect">
+              <a:avLst/>
+            </a:prstGeom>
+            <a:noFill/>
+          </p:spPr>
+          <p:txBody>
+            <a:bodyPr wrap="none" rtlCol="0">
+              <a:spAutoFit/>
+            </a:bodyPr>
+            <a:lstStyle/>
+            <a:p>
+              <a:r>
+                <a:rPr lang="en-US" dirty="0"/>
+                <a:t>Data Project</a:t>
+              </a:r>
+            </a:p>
+          </p:txBody>
+        </p:sp>
+      </p:grpSp>
+      <p:grpSp>
+        <p:nvGrpSpPr>
+          <p:cNvPr id="19" name="Group 18"/>
+          <p:cNvGrpSpPr/>
+          <p:nvPr/>
+        </p:nvGrpSpPr>
+        <p:grpSpPr>
+          <a:xfrm>
+            <a:off x="356678" y="1347787"/>
+            <a:ext cx="1924867" cy="1876425"/>
+            <a:chOff x="356678" y="1347787"/>
+            <a:chExt cx="1924867" cy="1876425"/>
+          </a:xfrm>
+        </p:grpSpPr>
+        <p:sp>
+          <p:nvSpPr>
+            <p:cNvPr id="44" name="Rectangle 43"/>
+            <p:cNvSpPr/>
+            <p:nvPr/>
+          </p:nvSpPr>
+          <p:spPr>
+            <a:xfrm>
+              <a:off x="356678" y="1347787"/>
+              <a:ext cx="1924867" cy="1876425"/>
+            </a:xfrm>
+            <a:prstGeom prst="rect">
+              <a:avLst/>
+            </a:prstGeom>
+          </p:spPr>
+          <p:style>
+            <a:lnRef idx="1">
+              <a:schemeClr val="accent6"/>
+            </a:lnRef>
+            <a:fillRef idx="2">
+              <a:schemeClr val="accent6"/>
+            </a:fillRef>
+            <a:effectRef idx="1">
+              <a:schemeClr val="accent6"/>
+            </a:effectRef>
+            <a:fontRef idx="minor">
+              <a:schemeClr val="dk1"/>
+            </a:fontRef>
+          </p:style>
+          <p:txBody>
+            <a:bodyPr rtlCol="0" anchor="t" anchorCtr="0"/>
+            <a:lstStyle/>
+            <a:p>
+              <a:pPr algn="ctr"/>
+              <a:r>
+                <a:rPr lang="en-US" dirty="0" err="1"/>
+                <a:t>DbContext</a:t>
+              </a:r>
+              <a:endParaRPr lang="en-US" dirty="0"/>
+            </a:p>
+            <a:p>
+              <a:pPr algn="ctr"/>
+              <a:r>
+                <a:rPr lang="en-US" sz="1400" dirty="0" err="1"/>
+                <a:t>DbSet</a:t>
+              </a:r>
+              <a:r>
+                <a:rPr lang="en-US" sz="1400" dirty="0"/>
+                <a:t>&lt;Person&gt;</a:t>
+              </a:r>
+            </a:p>
+            <a:p>
+              <a:pPr algn="ctr"/>
+              <a:r>
+                <a:rPr lang="en-US" sz="1400" dirty="0"/>
+                <a:t>People</a:t>
+              </a:r>
+            </a:p>
+          </p:txBody>
+        </p:sp>
+        <p:sp>
+          <p:nvSpPr>
+            <p:cNvPr id="8" name="Rectangle 7"/>
+            <p:cNvSpPr/>
+            <p:nvPr/>
+          </p:nvSpPr>
+          <p:spPr>
+            <a:xfrm>
+              <a:off x="552348" y="2281237"/>
+              <a:ext cx="1533525" cy="638710"/>
+            </a:xfrm>
+            <a:prstGeom prst="rect">
+              <a:avLst/>
+            </a:prstGeom>
+          </p:spPr>
+          <p:style>
+            <a:lnRef idx="2">
+              <a:schemeClr val="accent6">
+                <a:shade val="50000"/>
+              </a:schemeClr>
+            </a:lnRef>
+            <a:fillRef idx="1">
+              <a:schemeClr val="accent6"/>
+            </a:fillRef>
+            <a:effectRef idx="0">
+              <a:schemeClr val="accent6"/>
+            </a:effectRef>
+            <a:fontRef idx="minor">
+              <a:schemeClr val="lt1"/>
+            </a:fontRef>
+          </p:style>
+          <p:txBody>
+            <a:bodyPr rtlCol="0" anchor="ctr"/>
+            <a:lstStyle/>
+            <a:p>
+              <a:pPr algn="ctr"/>
+              <a:r>
+                <a:rPr lang="en-US" sz="1400" dirty="0"/>
+                <a:t>Person</a:t>
+              </a:r>
+            </a:p>
+            <a:p>
+              <a:pPr algn="ctr"/>
+              <a:r>
+                <a:rPr lang="en-US" sz="1400" dirty="0"/>
+                <a:t>(POCO)</a:t>
+              </a:r>
+            </a:p>
+          </p:txBody>
+        </p:sp>
+      </p:grpSp>
+      <p:grpSp>
+        <p:nvGrpSpPr>
+          <p:cNvPr id="18" name="Group 17"/>
+          <p:cNvGrpSpPr/>
+          <p:nvPr/>
+        </p:nvGrpSpPr>
+        <p:grpSpPr>
+          <a:xfrm>
+            <a:off x="289706" y="4424799"/>
+            <a:ext cx="1924867" cy="2105397"/>
+            <a:chOff x="289706" y="4424799"/>
+            <a:chExt cx="1924867" cy="2105397"/>
+          </a:xfrm>
+        </p:grpSpPr>
+        <p:sp>
+          <p:nvSpPr>
+            <p:cNvPr id="4" name="Can 3"/>
+            <p:cNvSpPr/>
+            <p:nvPr/>
+          </p:nvSpPr>
+          <p:spPr>
+            <a:xfrm>
+              <a:off x="289706" y="4424799"/>
+              <a:ext cx="1924867" cy="2105397"/>
+            </a:xfrm>
+            <a:prstGeom prst="can">
+              <a:avLst/>
+            </a:prstGeom>
+          </p:spPr>
+          <p:style>
+            <a:lnRef idx="1">
+              <a:schemeClr val="dk1"/>
+            </a:lnRef>
+            <a:fillRef idx="3">
+              <a:schemeClr val="dk1"/>
+            </a:fillRef>
+            <a:effectRef idx="2">
+              <a:schemeClr val="dk1"/>
+            </a:effectRef>
+            <a:fontRef idx="minor">
+              <a:schemeClr val="lt1"/>
+            </a:fontRef>
+          </p:style>
+          <p:txBody>
+            <a:bodyPr rtlCol="0" anchor="t" anchorCtr="0"/>
+            <a:lstStyle/>
+            <a:p>
+              <a:pPr algn="ctr"/>
+              <a:r>
+                <a:rPr lang="en-US" dirty="0"/>
+                <a:t>SQL Server Database</a:t>
+              </a:r>
+            </a:p>
+          </p:txBody>
+        </p:sp>
+        <p:sp>
+          <p:nvSpPr>
+            <p:cNvPr id="47" name="Rectangle 46"/>
+            <p:cNvSpPr/>
+            <p:nvPr/>
+          </p:nvSpPr>
+          <p:spPr>
+            <a:xfrm>
+              <a:off x="614969" y="5691074"/>
+              <a:ext cx="1352448" cy="457735"/>
+            </a:xfrm>
+            <a:prstGeom prst="rect">
+              <a:avLst/>
+            </a:prstGeom>
+          </p:spPr>
+          <p:style>
+            <a:lnRef idx="2">
+              <a:schemeClr val="dk1">
+                <a:shade val="50000"/>
+              </a:schemeClr>
+            </a:lnRef>
+            <a:fillRef idx="1">
+              <a:schemeClr val="dk1"/>
+            </a:fillRef>
+            <a:effectRef idx="0">
+              <a:schemeClr val="dk1"/>
+            </a:effectRef>
+            <a:fontRef idx="minor">
+              <a:schemeClr val="lt1"/>
+            </a:fontRef>
+          </p:style>
+          <p:txBody>
+            <a:bodyPr rtlCol="0" anchor="ctr"/>
+            <a:lstStyle/>
+            <a:p>
+              <a:pPr algn="ctr"/>
+              <a:r>
+                <a:rPr lang="en-US" sz="1400" dirty="0"/>
+                <a:t>Person</a:t>
+              </a:r>
+            </a:p>
+          </p:txBody>
+        </p:sp>
+      </p:grpSp>
+      <p:grpSp>
+        <p:nvGrpSpPr>
+          <p:cNvPr id="13" name="Group 12"/>
+          <p:cNvGrpSpPr/>
+          <p:nvPr/>
+        </p:nvGrpSpPr>
+        <p:grpSpPr>
+          <a:xfrm>
+            <a:off x="2727787" y="2665362"/>
+            <a:ext cx="2171700" cy="1238250"/>
+            <a:chOff x="2727787" y="2665362"/>
+            <a:chExt cx="2171700" cy="1238250"/>
+          </a:xfrm>
+        </p:grpSpPr>
+        <p:sp>
+          <p:nvSpPr>
+            <p:cNvPr id="54" name="Rectangle 53"/>
+            <p:cNvSpPr/>
+            <p:nvPr/>
+          </p:nvSpPr>
+          <p:spPr>
+            <a:xfrm>
+              <a:off x="2727787" y="2665362"/>
+              <a:ext cx="2171700" cy="1238250"/>
+            </a:xfrm>
+            <a:prstGeom prst="rect">
+              <a:avLst/>
+            </a:prstGeom>
+          </p:spPr>
+          <p:style>
+            <a:lnRef idx="1">
+              <a:schemeClr val="accent4"/>
+            </a:lnRef>
+            <a:fillRef idx="2">
+              <a:schemeClr val="accent4"/>
+            </a:fillRef>
+            <a:effectRef idx="1">
+              <a:schemeClr val="accent4"/>
+            </a:effectRef>
+            <a:fontRef idx="minor">
+              <a:schemeClr val="dk1"/>
+            </a:fontRef>
+          </p:style>
+          <p:txBody>
+            <a:bodyPr rtlCol="0" anchor="t" anchorCtr="0"/>
+            <a:lstStyle/>
+            <a:p>
+              <a:pPr algn="ctr"/>
+              <a:r>
+                <a:rPr lang="en-US" sz="1400" dirty="0"/>
+                <a:t>Generated Views</a:t>
+              </a:r>
+            </a:p>
+          </p:txBody>
+        </p:sp>
+        <p:sp>
+          <p:nvSpPr>
+            <p:cNvPr id="55" name="Rectangle 54"/>
+            <p:cNvSpPr/>
+            <p:nvPr/>
+          </p:nvSpPr>
+          <p:spPr>
+            <a:xfrm>
+              <a:off x="2861851" y="3016880"/>
+              <a:ext cx="1891463" cy="638710"/>
+            </a:xfrm>
+            <a:prstGeom prst="rect">
+              <a:avLst/>
+            </a:prstGeom>
+          </p:spPr>
+          <p:style>
+            <a:lnRef idx="2">
+              <a:schemeClr val="accent4">
+                <a:shade val="50000"/>
+              </a:schemeClr>
+            </a:lnRef>
+            <a:fillRef idx="1">
+              <a:schemeClr val="accent4"/>
+            </a:fillRef>
+            <a:effectRef idx="0">
+              <a:schemeClr val="accent4"/>
+            </a:effectRef>
+            <a:fontRef idx="minor">
+              <a:schemeClr val="lt1"/>
+            </a:fontRef>
+          </p:style>
+          <p:txBody>
+            <a:bodyPr rtlCol="0" anchor="ctr"/>
+            <a:lstStyle/>
+            <a:p>
+              <a:pPr algn="ctr"/>
+              <a:r>
+                <a:rPr lang="en-US" sz="1400" dirty="0"/>
+                <a:t>Index, Editor, Cards .</a:t>
+              </a:r>
+              <a:r>
+                <a:rPr lang="en-US" sz="1400" dirty="0" err="1"/>
+                <a:t>cshtml</a:t>
+              </a:r>
+              <a:endParaRPr lang="en-US" sz="1400" dirty="0"/>
+            </a:p>
+          </p:txBody>
+        </p:sp>
+      </p:grpSp>
+      <p:grpSp>
+        <p:nvGrpSpPr>
+          <p:cNvPr id="7" name="Group 6"/>
+          <p:cNvGrpSpPr/>
+          <p:nvPr/>
+        </p:nvGrpSpPr>
+        <p:grpSpPr>
+          <a:xfrm>
+            <a:off x="3813637" y="4888821"/>
+            <a:ext cx="2171700" cy="1238250"/>
+            <a:chOff x="2727787" y="4586821"/>
+            <a:chExt cx="2171700" cy="1238250"/>
+          </a:xfrm>
+        </p:grpSpPr>
+        <p:sp>
+          <p:nvSpPr>
+            <p:cNvPr id="53" name="Rectangle 52"/>
+            <p:cNvSpPr/>
+            <p:nvPr/>
+          </p:nvSpPr>
+          <p:spPr>
+            <a:xfrm>
+              <a:off x="2727787" y="4586821"/>
+              <a:ext cx="2171700" cy="1238250"/>
+            </a:xfrm>
+            <a:prstGeom prst="rect">
+              <a:avLst/>
+            </a:prstGeom>
+          </p:spPr>
+          <p:style>
+            <a:lnRef idx="1">
+              <a:schemeClr val="accent1"/>
+            </a:lnRef>
+            <a:fillRef idx="2">
+              <a:schemeClr val="accent1"/>
+            </a:fillRef>
+            <a:effectRef idx="1">
+              <a:schemeClr val="accent1"/>
+            </a:effectRef>
+            <a:fontRef idx="minor">
+              <a:schemeClr val="dk1"/>
+            </a:fontRef>
+          </p:style>
+          <p:txBody>
+            <a:bodyPr rtlCol="0" anchor="t" anchorCtr="0"/>
+            <a:lstStyle/>
+            <a:p>
+              <a:pPr algn="ctr"/>
+              <a:r>
+                <a:rPr lang="en-US" sz="1400" dirty="0"/>
+                <a:t>Controller Base Classes</a:t>
+              </a:r>
+            </a:p>
+          </p:txBody>
+        </p:sp>
+        <p:sp>
+          <p:nvSpPr>
+            <p:cNvPr id="57" name="Rectangle 56"/>
+            <p:cNvSpPr/>
+            <p:nvPr/>
+          </p:nvSpPr>
+          <p:spPr>
+            <a:xfrm>
+              <a:off x="2861852" y="4938339"/>
+              <a:ext cx="1904284" cy="638710"/>
+            </a:xfrm>
+            <a:prstGeom prst="rect">
+              <a:avLst/>
+            </a:prstGeom>
+          </p:spPr>
+          <p:style>
+            <a:lnRef idx="3">
+              <a:schemeClr val="lt1"/>
+            </a:lnRef>
+            <a:fillRef idx="1">
+              <a:schemeClr val="accent1"/>
+            </a:fillRef>
+            <a:effectRef idx="1">
+              <a:schemeClr val="accent1"/>
+            </a:effectRef>
+            <a:fontRef idx="minor">
+              <a:schemeClr val="lt1"/>
+            </a:fontRef>
+          </p:style>
+          <p:txBody>
+            <a:bodyPr rtlCol="0" anchor="ctr"/>
+            <a:lstStyle/>
+            <a:p>
+              <a:pPr algn="ctr"/>
+              <a:r>
+                <a:rPr lang="en-US" sz="1400" dirty="0"/>
+                <a:t>View Controller</a:t>
+              </a:r>
+            </a:p>
+            <a:p>
+              <a:pPr algn="ctr"/>
+              <a:r>
+                <a:rPr lang="en-US" sz="1400" dirty="0"/>
+                <a:t> API Controller</a:t>
+              </a:r>
+            </a:p>
+          </p:txBody>
+        </p:sp>
+      </p:grpSp>
+      <p:grpSp>
+        <p:nvGrpSpPr>
+          <p:cNvPr id="14" name="Group 13"/>
+          <p:cNvGrpSpPr/>
+          <p:nvPr/>
+        </p:nvGrpSpPr>
+        <p:grpSpPr>
+          <a:xfrm>
+            <a:off x="2727787" y="690829"/>
+            <a:ext cx="2171700" cy="1238250"/>
+            <a:chOff x="2727787" y="690829"/>
+            <a:chExt cx="2171700" cy="1238250"/>
+          </a:xfrm>
+        </p:grpSpPr>
+        <p:sp>
+          <p:nvSpPr>
+            <p:cNvPr id="58" name="Rectangle 57"/>
+            <p:cNvSpPr/>
+            <p:nvPr/>
+          </p:nvSpPr>
+          <p:spPr>
+            <a:xfrm>
+              <a:off x="2727787" y="690829"/>
+              <a:ext cx="2171700" cy="1238250"/>
+            </a:xfrm>
+            <a:prstGeom prst="rect">
+              <a:avLst/>
+            </a:prstGeom>
+          </p:spPr>
+          <p:style>
+            <a:lnRef idx="1">
+              <a:schemeClr val="accent2"/>
+            </a:lnRef>
+            <a:fillRef idx="2">
+              <a:schemeClr val="accent2"/>
+            </a:fillRef>
+            <a:effectRef idx="1">
+              <a:schemeClr val="accent2"/>
+            </a:effectRef>
+            <a:fontRef idx="minor">
+              <a:schemeClr val="dk1"/>
+            </a:fontRef>
+          </p:style>
+          <p:txBody>
+            <a:bodyPr rtlCol="0" anchor="t" anchorCtr="0"/>
+            <a:lstStyle/>
+            <a:p>
+              <a:pPr algn="ctr"/>
+              <a:r>
+                <a:rPr lang="en-US" sz="1400" dirty="0"/>
+                <a:t>C# Generated View Controllers</a:t>
+              </a:r>
+            </a:p>
+          </p:txBody>
+        </p:sp>
+        <p:sp>
+          <p:nvSpPr>
+            <p:cNvPr id="59" name="Rectangle 58"/>
+            <p:cNvSpPr/>
+            <p:nvPr/>
+          </p:nvSpPr>
+          <p:spPr>
+            <a:xfrm>
+              <a:off x="2861851" y="1195654"/>
+              <a:ext cx="1904285" cy="638710"/>
+            </a:xfrm>
+            <a:prstGeom prst="rect">
+              <a:avLst/>
+            </a:prstGeom>
+          </p:spPr>
+          <p:style>
+            <a:lnRef idx="2">
+              <a:schemeClr val="accent2">
+                <a:shade val="50000"/>
+              </a:schemeClr>
+            </a:lnRef>
+            <a:fillRef idx="1">
+              <a:schemeClr val="accent2"/>
+            </a:fillRef>
+            <a:effectRef idx="0">
+              <a:schemeClr val="accent2"/>
+            </a:effectRef>
+            <a:fontRef idx="minor">
+              <a:schemeClr val="lt1"/>
+            </a:fontRef>
+          </p:style>
+          <p:txBody>
+            <a:bodyPr rtlCol="0" anchor="ctr"/>
+            <a:lstStyle/>
+            <a:p>
+              <a:pPr algn="ctr"/>
+              <a:r>
+                <a:rPr lang="en-US" sz="1400" dirty="0"/>
+                <a:t>Person</a:t>
+              </a:r>
+            </a:p>
+            <a:p>
+              <a:pPr algn="ctr"/>
+              <a:r>
+                <a:rPr lang="en-US" sz="1400" dirty="0" err="1"/>
+                <a:t>Api</a:t>
+              </a:r>
+              <a:r>
+                <a:rPr lang="en-US" sz="1400" dirty="0"/>
+                <a:t>/Person</a:t>
+              </a:r>
+            </a:p>
+          </p:txBody>
+        </p:sp>
+      </p:grpSp>
+      <p:grpSp>
+        <p:nvGrpSpPr>
+          <p:cNvPr id="16" name="Group 15"/>
+          <p:cNvGrpSpPr/>
+          <p:nvPr/>
+        </p:nvGrpSpPr>
+        <p:grpSpPr>
+          <a:xfrm>
+            <a:off x="7654463" y="691545"/>
+            <a:ext cx="2077881" cy="1238250"/>
+            <a:chOff x="7654463" y="691545"/>
+            <a:chExt cx="2077881" cy="1238250"/>
+          </a:xfrm>
+        </p:grpSpPr>
+        <p:sp>
+          <p:nvSpPr>
+            <p:cNvPr id="63" name="Rectangle 62"/>
+            <p:cNvSpPr/>
+            <p:nvPr/>
+          </p:nvSpPr>
+          <p:spPr>
+            <a:xfrm>
+              <a:off x="7654463" y="691545"/>
+              <a:ext cx="2077881" cy="1238250"/>
+            </a:xfrm>
+            <a:prstGeom prst="rect">
+              <a:avLst/>
+            </a:prstGeom>
+          </p:spPr>
+          <p:style>
+            <a:lnRef idx="1">
+              <a:schemeClr val="accent2"/>
+            </a:lnRef>
+            <a:fillRef idx="2">
+              <a:schemeClr val="accent2"/>
+            </a:fillRef>
+            <a:effectRef idx="1">
+              <a:schemeClr val="accent2"/>
+            </a:effectRef>
+            <a:fontRef idx="minor">
+              <a:schemeClr val="dk1"/>
+            </a:fontRef>
+          </p:style>
+          <p:txBody>
+            <a:bodyPr rtlCol="0" anchor="t" anchorCtr="0"/>
+            <a:lstStyle/>
+            <a:p>
+              <a:pPr algn="ctr"/>
+              <a:r>
+                <a:rPr lang="en-US" sz="1400" dirty="0"/>
+                <a:t>TS Generated View Models</a:t>
+              </a:r>
+            </a:p>
+          </p:txBody>
+        </p:sp>
+        <p:sp>
+          <p:nvSpPr>
+            <p:cNvPr id="64" name="Rectangle 63"/>
+            <p:cNvSpPr/>
+            <p:nvPr/>
+          </p:nvSpPr>
+          <p:spPr>
+            <a:xfrm>
+              <a:off x="7787814" y="1180914"/>
+              <a:ext cx="1809750" cy="638710"/>
+            </a:xfrm>
+            <a:prstGeom prst="rect">
+              <a:avLst/>
+            </a:prstGeom>
+          </p:spPr>
+          <p:style>
+            <a:lnRef idx="2">
+              <a:schemeClr val="accent2">
+                <a:shade val="50000"/>
+              </a:schemeClr>
+            </a:lnRef>
+            <a:fillRef idx="1">
+              <a:schemeClr val="accent2"/>
+            </a:fillRef>
+            <a:effectRef idx="0">
+              <a:schemeClr val="accent2"/>
+            </a:effectRef>
+            <a:fontRef idx="minor">
+              <a:schemeClr val="lt1"/>
+            </a:fontRef>
+          </p:style>
+          <p:txBody>
+            <a:bodyPr rtlCol="0" anchor="ctr"/>
+            <a:lstStyle/>
+            <a:p>
+              <a:pPr algn="ctr"/>
+              <a:r>
+                <a:rPr lang="en-US" sz="1400" dirty="0"/>
+                <a:t>Person</a:t>
+              </a:r>
+            </a:p>
+            <a:p>
+              <a:pPr algn="ctr"/>
+              <a:r>
+                <a:rPr lang="en-US" sz="1400" dirty="0" err="1"/>
+                <a:t>PersonList</a:t>
+              </a:r>
+              <a:endParaRPr lang="en-US" sz="1400" dirty="0"/>
+            </a:p>
+          </p:txBody>
+        </p:sp>
+      </p:grpSp>
+      <p:grpSp>
+        <p:nvGrpSpPr>
+          <p:cNvPr id="9" name="Group 8"/>
+          <p:cNvGrpSpPr/>
+          <p:nvPr/>
+        </p:nvGrpSpPr>
+        <p:grpSpPr>
+          <a:xfrm>
+            <a:off x="6323170" y="4888821"/>
+            <a:ext cx="2171700" cy="1238250"/>
+            <a:chOff x="5237320" y="4586821"/>
+            <a:chExt cx="2171700" cy="1238250"/>
+          </a:xfrm>
+        </p:grpSpPr>
+        <p:sp>
+          <p:nvSpPr>
+            <p:cNvPr id="65" name="Rectangle 64"/>
+            <p:cNvSpPr/>
+            <p:nvPr/>
+          </p:nvSpPr>
+          <p:spPr>
+            <a:xfrm>
+              <a:off x="5237320" y="4586821"/>
+              <a:ext cx="2171700" cy="1238250"/>
+            </a:xfrm>
+            <a:prstGeom prst="rect">
+              <a:avLst/>
+            </a:prstGeom>
+          </p:spPr>
+          <p:style>
+            <a:lnRef idx="1">
+              <a:schemeClr val="accent1"/>
+            </a:lnRef>
+            <a:fillRef idx="2">
+              <a:schemeClr val="accent1"/>
+            </a:fillRef>
+            <a:effectRef idx="1">
+              <a:schemeClr val="accent1"/>
+            </a:effectRef>
+            <a:fontRef idx="minor">
+              <a:schemeClr val="dk1"/>
+            </a:fontRef>
+          </p:style>
+          <p:txBody>
+            <a:bodyPr rtlCol="0" anchor="t" anchorCtr="0"/>
+            <a:lstStyle/>
+            <a:p>
+              <a:pPr algn="ctr"/>
+              <a:r>
+                <a:rPr lang="en-US" sz="1400" dirty="0"/>
+                <a:t>Helpers</a:t>
+              </a:r>
+            </a:p>
+          </p:txBody>
+        </p:sp>
+        <p:sp>
+          <p:nvSpPr>
+            <p:cNvPr id="66" name="Rectangle 65"/>
+            <p:cNvSpPr/>
+            <p:nvPr/>
+          </p:nvSpPr>
+          <p:spPr>
+            <a:xfrm>
+              <a:off x="5382776" y="4957761"/>
+              <a:ext cx="1891463" cy="638710"/>
+            </a:xfrm>
+            <a:prstGeom prst="rect">
+              <a:avLst/>
+            </a:prstGeom>
+          </p:spPr>
+          <p:style>
+            <a:lnRef idx="3">
+              <a:schemeClr val="lt1"/>
+            </a:lnRef>
+            <a:fillRef idx="1">
+              <a:schemeClr val="accent1"/>
+            </a:fillRef>
+            <a:effectRef idx="1">
+              <a:schemeClr val="accent1"/>
+            </a:effectRef>
+            <a:fontRef idx="minor">
+              <a:schemeClr val="lt1"/>
+            </a:fontRef>
+          </p:style>
+          <p:txBody>
+            <a:bodyPr rtlCol="0" anchor="ctr"/>
+            <a:lstStyle/>
+            <a:p>
+              <a:pPr algn="ctr"/>
+              <a:r>
+                <a:rPr lang="en-US" sz="1400" dirty="0"/>
+                <a:t>Display, Table,</a:t>
+              </a:r>
+            </a:p>
+            <a:p>
+              <a:pPr algn="ctr"/>
+              <a:r>
+                <a:rPr lang="en-US" sz="1400" dirty="0"/>
+                <a:t>Knockout</a:t>
+              </a:r>
+            </a:p>
+          </p:txBody>
+        </p:sp>
+      </p:grpSp>
+      <p:grpSp>
+        <p:nvGrpSpPr>
+          <p:cNvPr id="10" name="Group 9"/>
+          <p:cNvGrpSpPr/>
+          <p:nvPr/>
+        </p:nvGrpSpPr>
+        <p:grpSpPr>
+          <a:xfrm>
+            <a:off x="8740313" y="4888821"/>
+            <a:ext cx="2077881" cy="1238250"/>
+            <a:chOff x="7654463" y="4586821"/>
+            <a:chExt cx="2077881" cy="1238250"/>
+          </a:xfrm>
+        </p:grpSpPr>
+        <p:sp>
+          <p:nvSpPr>
+            <p:cNvPr id="67" name="Rectangle 66"/>
+            <p:cNvSpPr/>
+            <p:nvPr/>
+          </p:nvSpPr>
+          <p:spPr>
+            <a:xfrm>
+              <a:off x="7654463" y="4586821"/>
+              <a:ext cx="2077881" cy="1238250"/>
+            </a:xfrm>
+            <a:prstGeom prst="rect">
+              <a:avLst/>
+            </a:prstGeom>
+          </p:spPr>
+          <p:style>
+            <a:lnRef idx="1">
+              <a:schemeClr val="accent1"/>
+            </a:lnRef>
+            <a:fillRef idx="2">
+              <a:schemeClr val="accent1"/>
+            </a:fillRef>
+            <a:effectRef idx="1">
+              <a:schemeClr val="accent1"/>
+            </a:effectRef>
+            <a:fontRef idx="minor">
+              <a:schemeClr val="dk1"/>
+            </a:fontRef>
+          </p:style>
+          <p:txBody>
+            <a:bodyPr rtlCol="0" anchor="t" anchorCtr="0"/>
+            <a:lstStyle/>
+            <a:p>
+              <a:pPr algn="ctr"/>
+              <a:r>
+                <a:rPr lang="en-US" sz="1400" dirty="0"/>
+                <a:t>TS/JS Utilities</a:t>
+              </a:r>
+            </a:p>
+          </p:txBody>
+        </p:sp>
+        <p:sp>
+          <p:nvSpPr>
+            <p:cNvPr id="68" name="Rectangle 67"/>
+            <p:cNvSpPr/>
+            <p:nvPr/>
+          </p:nvSpPr>
+          <p:spPr>
+            <a:xfrm>
+              <a:off x="7788528" y="4938339"/>
+              <a:ext cx="1809750" cy="638710"/>
+            </a:xfrm>
+            <a:prstGeom prst="rect">
+              <a:avLst/>
+            </a:prstGeom>
+          </p:spPr>
+          <p:style>
+            <a:lnRef idx="3">
+              <a:schemeClr val="lt1"/>
+            </a:lnRef>
+            <a:fillRef idx="1">
+              <a:schemeClr val="accent1"/>
+            </a:fillRef>
+            <a:effectRef idx="1">
+              <a:schemeClr val="accent1"/>
+            </a:effectRef>
+            <a:fontRef idx="minor">
+              <a:schemeClr val="lt1"/>
+            </a:fontRef>
+          </p:style>
+          <p:txBody>
+            <a:bodyPr rtlCol="0" anchor="ctr"/>
+            <a:lstStyle/>
+            <a:p>
+              <a:pPr algn="ctr"/>
+              <a:r>
+                <a:rPr lang="en-US" sz="1400" dirty="0"/>
+                <a:t>Bindings, Utilities</a:t>
+              </a:r>
+            </a:p>
+          </p:txBody>
+        </p:sp>
+      </p:grpSp>
+      <p:grpSp>
+        <p:nvGrpSpPr>
+          <p:cNvPr id="23" name="Group 22"/>
+          <p:cNvGrpSpPr/>
+          <p:nvPr/>
+        </p:nvGrpSpPr>
+        <p:grpSpPr>
+          <a:xfrm>
+            <a:off x="10070176" y="690829"/>
+            <a:ext cx="1924867" cy="3644725"/>
+            <a:chOff x="10070176" y="690829"/>
+            <a:chExt cx="1924867" cy="3644725"/>
+          </a:xfrm>
+        </p:grpSpPr>
+        <p:sp>
+          <p:nvSpPr>
+            <p:cNvPr id="71" name="Rectangle 70"/>
+            <p:cNvSpPr/>
+            <p:nvPr/>
+          </p:nvSpPr>
+          <p:spPr>
+            <a:xfrm>
+              <a:off x="10070176" y="690829"/>
+              <a:ext cx="1924867" cy="3644725"/>
+            </a:xfrm>
+            <a:prstGeom prst="rect">
+              <a:avLst/>
+            </a:prstGeom>
+          </p:spPr>
+          <p:style>
+            <a:lnRef idx="1">
+              <a:schemeClr val="accent6"/>
+            </a:lnRef>
+            <a:fillRef idx="2">
+              <a:schemeClr val="accent6"/>
+            </a:fillRef>
+            <a:effectRef idx="1">
+              <a:schemeClr val="accent6"/>
+            </a:effectRef>
+            <a:fontRef idx="minor">
+              <a:schemeClr val="dk1"/>
+            </a:fontRef>
+          </p:style>
+          <p:txBody>
+            <a:bodyPr rtlCol="0" anchor="t" anchorCtr="0"/>
+            <a:lstStyle/>
+            <a:p>
+              <a:pPr algn="ctr"/>
+              <a:r>
+                <a:rPr lang="en-US" dirty="0"/>
+                <a:t>Your Code</a:t>
+              </a:r>
+              <a:endParaRPr lang="en-US" sz="1400" dirty="0"/>
+            </a:p>
+          </p:txBody>
+        </p:sp>
+        <p:sp>
+          <p:nvSpPr>
+            <p:cNvPr id="72" name="Rectangle 71"/>
+            <p:cNvSpPr/>
+            <p:nvPr/>
+          </p:nvSpPr>
+          <p:spPr>
+            <a:xfrm>
+              <a:off x="10265846" y="1081354"/>
+              <a:ext cx="1533525" cy="638710"/>
+            </a:xfrm>
+            <a:prstGeom prst="rect">
+              <a:avLst/>
+            </a:prstGeom>
+          </p:spPr>
+          <p:style>
+            <a:lnRef idx="2">
+              <a:schemeClr val="accent6">
+                <a:shade val="50000"/>
+              </a:schemeClr>
+            </a:lnRef>
+            <a:fillRef idx="1">
+              <a:schemeClr val="accent6"/>
+            </a:fillRef>
+            <a:effectRef idx="0">
+              <a:schemeClr val="accent6"/>
+            </a:effectRef>
+            <a:fontRef idx="minor">
+              <a:schemeClr val="lt1"/>
+            </a:fontRef>
+          </p:style>
+          <p:txBody>
+            <a:bodyPr rtlCol="0" anchor="ctr"/>
+            <a:lstStyle/>
+            <a:p>
+              <a:pPr algn="ctr"/>
+              <a:r>
+                <a:rPr lang="en-US" sz="1400" dirty="0"/>
+                <a:t>Controllers</a:t>
+              </a:r>
+            </a:p>
+            <a:p>
+              <a:pPr algn="ctr"/>
+              <a:r>
+                <a:rPr lang="en-US" sz="1400" dirty="0"/>
+                <a:t>View and API</a:t>
+              </a:r>
+            </a:p>
+          </p:txBody>
+        </p:sp>
+        <p:sp>
+          <p:nvSpPr>
+            <p:cNvPr id="73" name="Rectangle 72"/>
+            <p:cNvSpPr/>
+            <p:nvPr/>
+          </p:nvSpPr>
+          <p:spPr>
+            <a:xfrm>
+              <a:off x="10265845" y="1882089"/>
+              <a:ext cx="1533525" cy="638710"/>
+            </a:xfrm>
+            <a:prstGeom prst="rect">
+              <a:avLst/>
+            </a:prstGeom>
+          </p:spPr>
+          <p:style>
+            <a:lnRef idx="2">
+              <a:schemeClr val="accent6">
+                <a:shade val="50000"/>
+              </a:schemeClr>
+            </a:lnRef>
+            <a:fillRef idx="1">
+              <a:schemeClr val="accent6"/>
+            </a:fillRef>
+            <a:effectRef idx="0">
+              <a:schemeClr val="accent6"/>
+            </a:effectRef>
+            <a:fontRef idx="minor">
+              <a:schemeClr val="lt1"/>
+            </a:fontRef>
+          </p:style>
+          <p:txBody>
+            <a:bodyPr rtlCol="0" anchor="ctr"/>
+            <a:lstStyle/>
+            <a:p>
+              <a:pPr algn="ctr"/>
+              <a:r>
+                <a:rPr lang="en-US" sz="1400" dirty="0"/>
+                <a:t>Custom TS/JS</a:t>
+              </a:r>
+            </a:p>
+          </p:txBody>
+        </p:sp>
+        <p:sp>
+          <p:nvSpPr>
+            <p:cNvPr id="74" name="Rectangle 73"/>
+            <p:cNvSpPr/>
+            <p:nvPr/>
+          </p:nvSpPr>
+          <p:spPr>
+            <a:xfrm>
+              <a:off x="10265844" y="2698252"/>
+              <a:ext cx="1533525" cy="638710"/>
+            </a:xfrm>
+            <a:prstGeom prst="rect">
+              <a:avLst/>
+            </a:prstGeom>
+          </p:spPr>
+          <p:style>
+            <a:lnRef idx="2">
+              <a:schemeClr val="accent6">
+                <a:shade val="50000"/>
+              </a:schemeClr>
+            </a:lnRef>
+            <a:fillRef idx="1">
+              <a:schemeClr val="accent6"/>
+            </a:fillRef>
+            <a:effectRef idx="0">
+              <a:schemeClr val="accent6"/>
+            </a:effectRef>
+            <a:fontRef idx="minor">
+              <a:schemeClr val="lt1"/>
+            </a:fontRef>
+          </p:style>
+          <p:txBody>
+            <a:bodyPr rtlCol="0" anchor="ctr"/>
+            <a:lstStyle/>
+            <a:p>
+              <a:pPr algn="ctr"/>
+              <a:r>
+                <a:rPr lang="en-US" sz="1400" dirty="0"/>
+                <a:t>SCSS/CSS</a:t>
+              </a:r>
+            </a:p>
+          </p:txBody>
+        </p:sp>
+        <p:sp>
+          <p:nvSpPr>
+            <p:cNvPr id="75" name="Rectangle 74"/>
+            <p:cNvSpPr/>
+            <p:nvPr/>
+          </p:nvSpPr>
+          <p:spPr>
+            <a:xfrm>
+              <a:off x="10265843" y="3506118"/>
+              <a:ext cx="1533525" cy="638710"/>
+            </a:xfrm>
+            <a:prstGeom prst="rect">
+              <a:avLst/>
+            </a:prstGeom>
+          </p:spPr>
+          <p:style>
+            <a:lnRef idx="2">
+              <a:schemeClr val="accent6">
+                <a:shade val="50000"/>
+              </a:schemeClr>
+            </a:lnRef>
+            <a:fillRef idx="1">
+              <a:schemeClr val="accent6"/>
+            </a:fillRef>
+            <a:effectRef idx="0">
+              <a:schemeClr val="accent6"/>
+            </a:effectRef>
+            <a:fontRef idx="minor">
+              <a:schemeClr val="lt1"/>
+            </a:fontRef>
+          </p:style>
+          <p:txBody>
+            <a:bodyPr rtlCol="0" anchor="ctr"/>
+            <a:lstStyle/>
+            <a:p>
+              <a:pPr algn="ctr"/>
+              <a:r>
+                <a:rPr lang="en-US" sz="1400" dirty="0"/>
+                <a:t>Business Logic</a:t>
+              </a:r>
+            </a:p>
+          </p:txBody>
+        </p:sp>
+      </p:grpSp>
+      <p:grpSp>
+        <p:nvGrpSpPr>
+          <p:cNvPr id="12" name="Group 11"/>
+          <p:cNvGrpSpPr/>
+          <p:nvPr/>
+        </p:nvGrpSpPr>
+        <p:grpSpPr>
+          <a:xfrm>
+            <a:off x="5237319" y="2665362"/>
+            <a:ext cx="2171700" cy="1238250"/>
+            <a:chOff x="5237319" y="2665362"/>
+            <a:chExt cx="2171700" cy="1238250"/>
+          </a:xfrm>
+        </p:grpSpPr>
+        <p:sp>
+          <p:nvSpPr>
+            <p:cNvPr id="32" name="Rectangle 31"/>
+            <p:cNvSpPr/>
+            <p:nvPr/>
+          </p:nvSpPr>
+          <p:spPr>
+            <a:xfrm>
+              <a:off x="5237319" y="2665362"/>
+              <a:ext cx="2171700" cy="1238250"/>
+            </a:xfrm>
+            <a:prstGeom prst="rect">
+              <a:avLst/>
+            </a:prstGeom>
+          </p:spPr>
+          <p:style>
+            <a:lnRef idx="1">
+              <a:schemeClr val="accent2"/>
+            </a:lnRef>
+            <a:fillRef idx="2">
+              <a:schemeClr val="accent2"/>
+            </a:fillRef>
+            <a:effectRef idx="1">
+              <a:schemeClr val="accent2"/>
+            </a:effectRef>
+            <a:fontRef idx="minor">
+              <a:schemeClr val="dk1"/>
+            </a:fontRef>
+          </p:style>
+          <p:txBody>
+            <a:bodyPr rtlCol="0" anchor="t" anchorCtr="0"/>
+            <a:lstStyle/>
+            <a:p>
+              <a:pPr algn="ctr"/>
+              <a:r>
+                <a:rPr lang="en-US" sz="1400" dirty="0"/>
+                <a:t>C# Generated </a:t>
+              </a:r>
+            </a:p>
+            <a:p>
+              <a:pPr algn="ctr"/>
+              <a:r>
+                <a:rPr lang="en-US" sz="1400" dirty="0"/>
+                <a:t>DTOs</a:t>
+              </a:r>
+            </a:p>
+          </p:txBody>
+        </p:sp>
+        <p:sp>
+          <p:nvSpPr>
+            <p:cNvPr id="33" name="Rectangle 32"/>
+            <p:cNvSpPr/>
+            <p:nvPr/>
+          </p:nvSpPr>
+          <p:spPr>
+            <a:xfrm>
+              <a:off x="5371383" y="3170187"/>
+              <a:ext cx="1904285" cy="638710"/>
+            </a:xfrm>
+            <a:prstGeom prst="rect">
+              <a:avLst/>
+            </a:prstGeom>
+          </p:spPr>
+          <p:style>
+            <a:lnRef idx="2">
+              <a:schemeClr val="accent2">
+                <a:shade val="50000"/>
+              </a:schemeClr>
+            </a:lnRef>
+            <a:fillRef idx="1">
+              <a:schemeClr val="accent2"/>
+            </a:fillRef>
+            <a:effectRef idx="0">
+              <a:schemeClr val="accent2"/>
+            </a:effectRef>
+            <a:fontRef idx="minor">
+              <a:schemeClr val="lt1"/>
+            </a:fontRef>
+          </p:style>
+          <p:txBody>
+            <a:bodyPr rtlCol="0" anchor="ctr"/>
+            <a:lstStyle/>
+            <a:p>
+              <a:pPr algn="ctr"/>
+              <a:r>
+                <a:rPr lang="en-US" sz="1400" dirty="0" err="1"/>
+                <a:t>PersonDto</a:t>
+              </a:r>
+              <a:endParaRPr lang="en-US" sz="1400" dirty="0"/>
+            </a:p>
+          </p:txBody>
+        </p:sp>
+      </p:grpSp>
+      <p:grpSp>
+        <p:nvGrpSpPr>
+          <p:cNvPr id="15" name="Group 14"/>
+          <p:cNvGrpSpPr/>
+          <p:nvPr/>
+        </p:nvGrpSpPr>
+        <p:grpSpPr>
+          <a:xfrm>
+            <a:off x="5237319" y="690829"/>
+            <a:ext cx="2171700" cy="1238250"/>
+            <a:chOff x="5237319" y="690829"/>
+            <a:chExt cx="2171700" cy="1238250"/>
+          </a:xfrm>
+        </p:grpSpPr>
+        <p:sp>
+          <p:nvSpPr>
+            <p:cNvPr id="35" name="Rectangle 34"/>
+            <p:cNvSpPr/>
+            <p:nvPr/>
+          </p:nvSpPr>
+          <p:spPr>
+            <a:xfrm>
+              <a:off x="5237319" y="690829"/>
+              <a:ext cx="2171700" cy="1238250"/>
+            </a:xfrm>
+            <a:prstGeom prst="rect">
+              <a:avLst/>
+            </a:prstGeom>
+          </p:spPr>
+          <p:style>
+            <a:lnRef idx="1">
+              <a:schemeClr val="accent2"/>
+            </a:lnRef>
+            <a:fillRef idx="2">
+              <a:schemeClr val="accent2"/>
+            </a:fillRef>
+            <a:effectRef idx="1">
+              <a:schemeClr val="accent2"/>
+            </a:effectRef>
+            <a:fontRef idx="minor">
+              <a:schemeClr val="dk1"/>
+            </a:fontRef>
+          </p:style>
+          <p:txBody>
+            <a:bodyPr rtlCol="0" anchor="t" anchorCtr="0"/>
+            <a:lstStyle/>
+            <a:p>
+              <a:pPr algn="ctr"/>
+              <a:r>
+                <a:rPr lang="en-US" sz="1400" dirty="0"/>
+                <a:t>C# Generated API Controllers</a:t>
+              </a:r>
+            </a:p>
+          </p:txBody>
+        </p:sp>
+        <p:sp>
+          <p:nvSpPr>
+            <p:cNvPr id="36" name="Rectangle 35"/>
+            <p:cNvSpPr/>
+            <p:nvPr/>
+          </p:nvSpPr>
+          <p:spPr>
+            <a:xfrm>
+              <a:off x="5371383" y="1195654"/>
+              <a:ext cx="1904285" cy="638710"/>
+            </a:xfrm>
+            <a:prstGeom prst="rect">
+              <a:avLst/>
+            </a:prstGeom>
+          </p:spPr>
+          <p:style>
+            <a:lnRef idx="2">
+              <a:schemeClr val="accent2">
+                <a:shade val="50000"/>
+              </a:schemeClr>
+            </a:lnRef>
+            <a:fillRef idx="1">
+              <a:schemeClr val="accent2"/>
+            </a:fillRef>
+            <a:effectRef idx="0">
+              <a:schemeClr val="accent2"/>
+            </a:effectRef>
+            <a:fontRef idx="minor">
+              <a:schemeClr val="lt1"/>
+            </a:fontRef>
+          </p:style>
+          <p:txBody>
+            <a:bodyPr rtlCol="0" anchor="ctr"/>
+            <a:lstStyle/>
+            <a:p>
+              <a:pPr algn="ctr"/>
+              <a:r>
+                <a:rPr lang="en-US" sz="1400" dirty="0" err="1"/>
+                <a:t>Api</a:t>
+              </a:r>
+              <a:r>
+                <a:rPr lang="en-US" sz="1400" dirty="0"/>
+                <a:t>/Person</a:t>
+              </a:r>
+            </a:p>
+          </p:txBody>
+        </p:sp>
+      </p:grpSp>
+      <p:grpSp>
+        <p:nvGrpSpPr>
+          <p:cNvPr id="11" name="Group 10"/>
+          <p:cNvGrpSpPr/>
+          <p:nvPr/>
+        </p:nvGrpSpPr>
+        <p:grpSpPr>
+          <a:xfrm>
+            <a:off x="7654463" y="2665362"/>
+            <a:ext cx="2077881" cy="1238250"/>
+            <a:chOff x="7654463" y="2665362"/>
+            <a:chExt cx="2077881" cy="1238250"/>
+          </a:xfrm>
+        </p:grpSpPr>
+        <p:sp>
+          <p:nvSpPr>
+            <p:cNvPr id="37" name="Rectangle 36"/>
+            <p:cNvSpPr/>
+            <p:nvPr/>
+          </p:nvSpPr>
+          <p:spPr>
+            <a:xfrm>
+              <a:off x="7654463" y="2665362"/>
+              <a:ext cx="2077881" cy="1238250"/>
+            </a:xfrm>
+            <a:prstGeom prst="rect">
+              <a:avLst/>
+            </a:prstGeom>
+          </p:spPr>
+          <p:style>
+            <a:lnRef idx="1">
+              <a:schemeClr val="accent2"/>
+            </a:lnRef>
+            <a:fillRef idx="2">
+              <a:schemeClr val="accent2"/>
+            </a:fillRef>
+            <a:effectRef idx="1">
+              <a:schemeClr val="accent2"/>
+            </a:effectRef>
+            <a:fontRef idx="minor">
+              <a:schemeClr val="dk1"/>
+            </a:fontRef>
+          </p:style>
+          <p:txBody>
+            <a:bodyPr rtlCol="0" anchor="t" anchorCtr="0"/>
+            <a:lstStyle/>
+            <a:p>
+              <a:pPr algn="ctr"/>
+              <a:r>
+                <a:rPr lang="en-US" sz="1400" dirty="0"/>
+                <a:t>Automatic API Documentation</a:t>
+              </a:r>
+            </a:p>
+          </p:txBody>
+        </p:sp>
+        <p:sp>
+          <p:nvSpPr>
+            <p:cNvPr id="38" name="Rectangle 37"/>
+            <p:cNvSpPr/>
+            <p:nvPr/>
+          </p:nvSpPr>
+          <p:spPr>
+            <a:xfrm>
+              <a:off x="7787814" y="3154731"/>
+              <a:ext cx="1809750" cy="638710"/>
+            </a:xfrm>
+            <a:prstGeom prst="rect">
+              <a:avLst/>
+            </a:prstGeom>
+          </p:spPr>
+          <p:style>
+            <a:lnRef idx="2">
+              <a:schemeClr val="accent2">
+                <a:shade val="50000"/>
+              </a:schemeClr>
+            </a:lnRef>
+            <a:fillRef idx="1">
+              <a:schemeClr val="accent2"/>
+            </a:fillRef>
+            <a:effectRef idx="0">
+              <a:schemeClr val="accent2"/>
+            </a:effectRef>
+            <a:fontRef idx="minor">
+              <a:schemeClr val="lt1"/>
+            </a:fontRef>
+          </p:style>
+          <p:txBody>
+            <a:bodyPr rtlCol="0" anchor="ctr"/>
+            <a:lstStyle/>
+            <a:p>
+              <a:pPr algn="ctr"/>
+              <a:r>
+                <a:rPr lang="en-US" sz="1400" dirty="0"/>
+                <a:t>Person/Docs</a:t>
+              </a:r>
+            </a:p>
+          </p:txBody>
+        </p:sp>
+      </p:grpSp>
+      <p:cxnSp>
+        <p:nvCxnSpPr>
+          <p:cNvPr id="3" name="Straight Connector 2"/>
+          <p:cNvCxnSpPr/>
+          <p:nvPr/>
+        </p:nvCxnSpPr>
         <p:spPr>
           <a:xfrm>
-            <a:off x="432878" y="1347787"/>
-            <a:ext cx="1924867" cy="1876425"/>
+            <a:off x="2536165" y="422694"/>
+            <a:ext cx="0" cy="5969480"/>
           </a:xfrm>
-          <a:prstGeom prst="rect">
-            <a:avLst/>
-          </a:prstGeom>
-        </p:spPr>
-        <p:style>
-          <a:lnRef idx="1">
-            <a:schemeClr val="accent6"/>
-          </a:lnRef>
-          <a:fillRef idx="2">
-            <a:schemeClr val="accent6"/>
-          </a:fillRef>
-          <a:effectRef idx="1">
-            <a:schemeClr val="accent6"/>
-          </a:effectRef>
-          <a:fontRef idx="minor">
-            <a:schemeClr val="dk1"/>
-          </a:fontRef>
-        </p:style>
-        <p:txBody>
-          <a:bodyPr rtlCol="0" anchor="t" anchorCtr="0"/>
-          <a:lstStyle/>
-          <a:p>
-            <a:pPr algn="ctr"/>
-            <a:r>
-              <a:rPr lang="en-US" dirty="0" err="1"/>
-              <a:t>DbContext</a:t>
-            </a:r>
-            <a:endParaRPr lang="en-US" dirty="0"/>
-          </a:p>
-          <a:p>
-            <a:pPr algn="ctr"/>
-            <a:r>
-              <a:rPr lang="en-US" sz="1400" dirty="0" err="1"/>
-              <a:t>DbSet</a:t>
-            </a:r>
-            <a:r>
-              <a:rPr lang="en-US" sz="1400" dirty="0"/>
-              <a:t>&lt;Person&gt;</a:t>
-            </a:r>
-          </a:p>
-          <a:p>
-            <a:pPr algn="ctr"/>
-            <a:r>
-              <a:rPr lang="en-US" sz="1400" dirty="0"/>
-              <a:t>People</a:t>
-            </a:r>
-          </a:p>
-        </p:txBody>
-      </p:sp>
-      <p:sp>
-        <p:nvSpPr>
-          <p:cNvPr id="4" name="Can 3"/>
-          <p:cNvSpPr/>
-          <p:nvPr/>
-        </p:nvSpPr>
-        <p:spPr>
-          <a:xfrm>
-            <a:off x="432878" y="4100512"/>
-            <a:ext cx="1924867" cy="2105397"/>
-          </a:xfrm>
-          <a:prstGeom prst="can">
-            <a:avLst/>
-          </a:prstGeom>
-        </p:spPr>
-        <p:style>
-          <a:lnRef idx="1">
-            <a:schemeClr val="dk1"/>
-          </a:lnRef>
-          <a:fillRef idx="3">
-            <a:schemeClr val="dk1"/>
-          </a:fillRef>
-          <a:effectRef idx="2">
-            <a:schemeClr val="dk1"/>
-          </a:effectRef>
-          <a:fontRef idx="minor">
-            <a:schemeClr val="lt1"/>
-          </a:fontRef>
-        </p:style>
-        <p:txBody>
-          <a:bodyPr rtlCol="0" anchor="t" anchorCtr="0"/>
-          <a:lstStyle/>
-          <a:p>
-            <a:pPr algn="ctr"/>
-            <a:r>
-              <a:rPr lang="en-US" dirty="0"/>
-              <a:t>SQL Server Database</a:t>
-            </a:r>
-          </a:p>
-        </p:txBody>
-      </p:sp>
-      <p:sp>
-        <p:nvSpPr>
-          <p:cNvPr id="8" name="Rectangle 7"/>
-          <p:cNvSpPr/>
-          <p:nvPr/>
-        </p:nvSpPr>
-        <p:spPr>
-          <a:xfrm>
-            <a:off x="628548" y="2281237"/>
-            <a:ext cx="1533525" cy="638710"/>
-          </a:xfrm>
-          <a:prstGeom prst="rect">
-            <a:avLst/>
-          </a:prstGeom>
-        </p:spPr>
-        <p:style>
-          <a:lnRef idx="2">
-            <a:schemeClr val="accent6">
-              <a:shade val="50000"/>
-            </a:schemeClr>
-          </a:lnRef>
-          <a:fillRef idx="1">
-            <a:schemeClr val="accent6"/>
-          </a:fillRef>
-          <a:effectRef idx="0">
-            <a:schemeClr val="accent6"/>
-          </a:effectRef>
-          <a:fontRef idx="minor">
-            <a:schemeClr val="lt1"/>
-          </a:fontRef>
-        </p:style>
-        <p:txBody>
-          <a:bodyPr rtlCol="0" anchor="ctr"/>
-          <a:lstStyle/>
-          <a:p>
-            <a:pPr algn="ctr"/>
-            <a:r>
-              <a:rPr lang="en-US" sz="1400" dirty="0"/>
-              <a:t>Person</a:t>
-            </a:r>
-          </a:p>
-          <a:p>
-            <a:pPr algn="ctr"/>
-            <a:r>
-              <a:rPr lang="en-US" sz="1400" dirty="0"/>
-              <a:t>(POCO)</a:t>
-            </a:r>
-          </a:p>
-        </p:txBody>
-      </p:sp>
-      <p:sp>
-        <p:nvSpPr>
-          <p:cNvPr id="47" name="Rectangle 46"/>
-          <p:cNvSpPr/>
-          <p:nvPr/>
-        </p:nvSpPr>
-        <p:spPr>
-          <a:xfrm>
-            <a:off x="714375" y="5367336"/>
-            <a:ext cx="1352448" cy="457735"/>
-          </a:xfrm>
-          <a:prstGeom prst="rect">
-            <a:avLst/>
-          </a:prstGeom>
-        </p:spPr>
-        <p:style>
-          <a:lnRef idx="2">
-            <a:schemeClr val="dk1">
-              <a:shade val="50000"/>
-            </a:schemeClr>
-          </a:lnRef>
-          <a:fillRef idx="1">
-            <a:schemeClr val="dk1"/>
-          </a:fillRef>
-          <a:effectRef idx="0">
-            <a:schemeClr val="dk1"/>
-          </a:effectRef>
-          <a:fontRef idx="minor">
-            <a:schemeClr val="lt1"/>
-          </a:fontRef>
-        </p:style>
-        <p:txBody>
-          <a:bodyPr rtlCol="0" anchor="ctr"/>
-          <a:lstStyle/>
-          <a:p>
-            <a:pPr algn="ctr"/>
-            <a:r>
-              <a:rPr lang="en-US" sz="1400" dirty="0"/>
-              <a:t>Person</a:t>
-            </a:r>
-          </a:p>
-        </p:txBody>
-      </p:sp>
-      <p:sp>
-        <p:nvSpPr>
-          <p:cNvPr id="50" name="Rectangle 49"/>
-          <p:cNvSpPr/>
-          <p:nvPr/>
-        </p:nvSpPr>
-        <p:spPr>
-          <a:xfrm>
-            <a:off x="5238750" y="4586821"/>
-            <a:ext cx="2077881" cy="1238250"/>
-          </a:xfrm>
-          <a:prstGeom prst="rect">
-            <a:avLst/>
-          </a:prstGeom>
-        </p:spPr>
-        <p:style>
-          <a:lnRef idx="1">
-            <a:schemeClr val="accent1"/>
-          </a:lnRef>
-          <a:fillRef idx="2">
-            <a:schemeClr val="accent1"/>
-          </a:fillRef>
-          <a:effectRef idx="1">
-            <a:schemeClr val="accent1"/>
-          </a:effectRef>
-          <a:fontRef idx="minor">
-            <a:schemeClr val="dk1"/>
-          </a:fontRef>
-        </p:style>
-        <p:txBody>
-          <a:bodyPr rtlCol="0" anchor="t" anchorCtr="0"/>
-          <a:lstStyle/>
-          <a:p>
-            <a:pPr algn="ctr"/>
-            <a:r>
-              <a:rPr lang="en-US" sz="1400" dirty="0" err="1"/>
-              <a:t>ReflectionRepository</a:t>
-            </a:r>
-            <a:endParaRPr lang="en-US" sz="1400" dirty="0"/>
-          </a:p>
-        </p:txBody>
-      </p:sp>
-      <p:sp>
-        <p:nvSpPr>
-          <p:cNvPr id="51" name="Rectangle 50"/>
-          <p:cNvSpPr/>
-          <p:nvPr/>
-        </p:nvSpPr>
-        <p:spPr>
-          <a:xfrm>
-            <a:off x="5372101" y="4957761"/>
-            <a:ext cx="1809750" cy="638710"/>
-          </a:xfrm>
-          <a:prstGeom prst="rect">
+          <a:prstGeom prst="line">
             <a:avLst/>
           </a:prstGeom>
         </p:spPr>
         <p:style>
           <a:lnRef idx="3">
-            <a:schemeClr val="lt1"/>
+            <a:schemeClr val="accent2"/>
+          </a:lnRef>
+          <a:fillRef idx="0">
+            <a:schemeClr val="accent2"/>
+          </a:fillRef>
+          <a:effectRef idx="2">
+            <a:schemeClr val="accent2"/>
+          </a:effectRef>
+          <a:fontRef idx="minor">
+            <a:schemeClr val="tx1"/>
+          </a:fontRef>
+        </p:style>
+      </p:cxnSp>
+      <p:sp>
+        <p:nvSpPr>
+          <p:cNvPr id="43" name="Speech Bubble: Rectangle 42"/>
+          <p:cNvSpPr/>
+          <p:nvPr/>
+        </p:nvSpPr>
+        <p:spPr>
+          <a:xfrm>
+            <a:off x="518705" y="186805"/>
+            <a:ext cx="1643370" cy="939374"/>
+          </a:xfrm>
+          <a:prstGeom prst="wedgeRectCallout">
+            <a:avLst>
+              <a:gd name="adj1" fmla="val -15584"/>
+              <a:gd name="adj2" fmla="val 84540"/>
+            </a:avLst>
+          </a:prstGeom>
+          <a:solidFill>
+            <a:srgbClr val="7030A0"/>
+          </a:solidFill>
+          <a:ln>
+            <a:solidFill>
+              <a:srgbClr val="002060"/>
+            </a:solidFill>
+          </a:ln>
+        </p:spPr>
+        <p:style>
+          <a:lnRef idx="2">
+            <a:schemeClr val="accent1">
+              <a:shade val="50000"/>
+            </a:schemeClr>
           </a:lnRef>
           <a:fillRef idx="1">
             <a:schemeClr val="accent1"/>
           </a:fillRef>
-          <a:effectRef idx="1">
+          <a:effectRef idx="0">
             <a:schemeClr val="accent1"/>
           </a:effectRef>
           <a:fontRef idx="minor">
@@ -7817,221 +9220,48 @@
           <a:p>
             <a:pPr algn="ctr"/>
             <a:r>
-              <a:rPr lang="en-US" sz="1400" dirty="0" err="1"/>
-              <a:t>ClassViewModel</a:t>
-            </a:r>
-            <a:endParaRPr lang="en-US" sz="1400" dirty="0"/>
-          </a:p>
-          <a:p>
-            <a:pPr algn="ctr"/>
-            <a:r>
               <a:rPr lang="en-US" sz="1400" dirty="0"/>
-              <a:t>For Person</a:t>
-            </a:r>
-          </a:p>
-        </p:txBody>
-      </p:sp>
-      <p:sp>
-        <p:nvSpPr>
-          <p:cNvPr id="52" name="Rectangle 51"/>
+              <a:t>Create your POCOs and Context</a:t>
+            </a:r>
+          </a:p>
+        </p:txBody>
+      </p:sp>
+      <p:sp>
+        <p:nvSpPr>
+          <p:cNvPr id="45" name="Speech Bubble: Rectangle 44"/>
           <p:cNvSpPr/>
           <p:nvPr/>
         </p:nvSpPr>
         <p:spPr>
           <a:xfrm>
-            <a:off x="2727787" y="4586821"/>
-            <a:ext cx="2077881" cy="1238250"/>
+            <a:off x="68166" y="2926852"/>
+            <a:ext cx="1643370" cy="939374"/>
           </a:xfrm>
-          <a:prstGeom prst="rect">
-            <a:avLst/>
+          <a:prstGeom prst="wedgeRectCallout">
+            <a:avLst>
+              <a:gd name="adj1" fmla="val -12434"/>
+              <a:gd name="adj2" fmla="val 81785"/>
+            </a:avLst>
           </a:prstGeom>
-        </p:spPr>
-        <p:style>
-          <a:lnRef idx="1">
-            <a:schemeClr val="accent3"/>
-          </a:lnRef>
-          <a:fillRef idx="2">
-            <a:schemeClr val="accent3"/>
-          </a:fillRef>
-          <a:effectRef idx="1">
-            <a:schemeClr val="accent3"/>
-          </a:effectRef>
-          <a:fontRef idx="minor">
-            <a:schemeClr val="dk1"/>
-          </a:fontRef>
-        </p:style>
-        <p:txBody>
-          <a:bodyPr rtlCol="0" anchor="t" anchorCtr="0"/>
-          <a:lstStyle/>
-          <a:p>
-            <a:pPr algn="ctr"/>
-            <a:r>
-              <a:rPr lang="en-US" sz="1400" dirty="0"/>
-              <a:t>Code Generator</a:t>
-            </a:r>
-          </a:p>
-        </p:txBody>
-      </p:sp>
-      <p:sp>
-        <p:nvSpPr>
-          <p:cNvPr id="53" name="Rectangle 52"/>
-          <p:cNvSpPr/>
-          <p:nvPr/>
-        </p:nvSpPr>
-        <p:spPr>
-          <a:xfrm>
-            <a:off x="2727787" y="2638825"/>
-            <a:ext cx="2171700" cy="1238250"/>
-          </a:xfrm>
-          <a:prstGeom prst="rect">
-            <a:avLst/>
-          </a:prstGeom>
-        </p:spPr>
-        <p:style>
-          <a:lnRef idx="1">
-            <a:schemeClr val="accent1"/>
-          </a:lnRef>
-          <a:fillRef idx="2">
-            <a:schemeClr val="accent1"/>
-          </a:fillRef>
-          <a:effectRef idx="1">
-            <a:schemeClr val="accent1"/>
-          </a:effectRef>
-          <a:fontRef idx="minor">
-            <a:schemeClr val="dk1"/>
-          </a:fontRef>
-        </p:style>
-        <p:txBody>
-          <a:bodyPr rtlCol="0" anchor="t" anchorCtr="0"/>
-          <a:lstStyle/>
-          <a:p>
-            <a:pPr algn="ctr"/>
-            <a:r>
-              <a:rPr lang="en-US" sz="1400" dirty="0"/>
-              <a:t>Base Classes</a:t>
-            </a:r>
-          </a:p>
-        </p:txBody>
-      </p:sp>
-      <p:sp>
-        <p:nvSpPr>
-          <p:cNvPr id="54" name="Rectangle 53"/>
-          <p:cNvSpPr/>
-          <p:nvPr/>
-        </p:nvSpPr>
-        <p:spPr>
-          <a:xfrm>
-            <a:off x="5238750" y="2665362"/>
-            <a:ext cx="2077881" cy="1238250"/>
-          </a:xfrm>
-          <a:prstGeom prst="rect">
-            <a:avLst/>
-          </a:prstGeom>
-        </p:spPr>
-        <p:style>
-          <a:lnRef idx="1">
-            <a:schemeClr val="accent4"/>
-          </a:lnRef>
-          <a:fillRef idx="2">
-            <a:schemeClr val="accent4"/>
-          </a:fillRef>
-          <a:effectRef idx="1">
-            <a:schemeClr val="accent4"/>
-          </a:effectRef>
-          <a:fontRef idx="minor">
-            <a:schemeClr val="dk1"/>
-          </a:fontRef>
-        </p:style>
-        <p:txBody>
-          <a:bodyPr rtlCol="0" anchor="t" anchorCtr="0"/>
-          <a:lstStyle/>
-          <a:p>
-            <a:pPr algn="ctr"/>
-            <a:r>
-              <a:rPr lang="en-US" sz="1400" dirty="0"/>
-              <a:t>Views</a:t>
-            </a:r>
-          </a:p>
-        </p:txBody>
-      </p:sp>
-      <p:sp>
-        <p:nvSpPr>
-          <p:cNvPr id="55" name="Rectangle 54"/>
-          <p:cNvSpPr/>
-          <p:nvPr/>
-        </p:nvSpPr>
-        <p:spPr>
-          <a:xfrm>
-            <a:off x="5372815" y="3016880"/>
-            <a:ext cx="1809750" cy="638710"/>
-          </a:xfrm>
-          <a:prstGeom prst="rect">
-            <a:avLst/>
-          </a:prstGeom>
+          <a:solidFill>
+            <a:srgbClr val="7030A0"/>
+          </a:solidFill>
+          <a:ln>
+            <a:solidFill>
+              <a:srgbClr val="002060"/>
+            </a:solidFill>
+          </a:ln>
         </p:spPr>
         <p:style>
           <a:lnRef idx="2">
-            <a:schemeClr val="accent4">
+            <a:schemeClr val="accent1">
               <a:shade val="50000"/>
             </a:schemeClr>
           </a:lnRef>
           <a:fillRef idx="1">
-            <a:schemeClr val="accent4"/>
+            <a:schemeClr val="accent1"/>
           </a:fillRef>
           <a:effectRef idx="0">
-            <a:schemeClr val="accent4"/>
-          </a:effectRef>
-          <a:fontRef idx="minor">
-            <a:schemeClr val="lt1"/>
-          </a:fontRef>
-        </p:style>
-        <p:txBody>
-          <a:bodyPr rtlCol="0" anchor="ctr"/>
-          <a:lstStyle/>
-          <a:p>
-            <a:pPr algn="ctr"/>
-            <a:r>
-              <a:rPr lang="en-US" sz="1400" dirty="0"/>
-              <a:t>Index, Editor, Docs</a:t>
-            </a:r>
-          </a:p>
-          <a:p>
-            <a:pPr algn="ctr"/>
-            <a:r>
-              <a:rPr lang="en-US" sz="1400" dirty="0"/>
-              <a:t>.</a:t>
-            </a:r>
-            <a:r>
-              <a:rPr lang="en-US" sz="1400" dirty="0" err="1"/>
-              <a:t>cshtml</a:t>
-            </a:r>
-            <a:endParaRPr lang="en-US" sz="1400" dirty="0"/>
-          </a:p>
-        </p:txBody>
-      </p:sp>
-      <p:sp>
-        <p:nvSpPr>
-          <p:cNvPr id="57" name="Rectangle 56"/>
-          <p:cNvSpPr/>
-          <p:nvPr/>
-        </p:nvSpPr>
-        <p:spPr>
-          <a:xfrm>
-            <a:off x="2861852" y="2990343"/>
-            <a:ext cx="1904284" cy="638710"/>
-          </a:xfrm>
-          <a:prstGeom prst="rect">
-            <a:avLst/>
-          </a:prstGeom>
-        </p:spPr>
-        <p:style>
-          <a:lnRef idx="3">
-            <a:schemeClr val="lt1"/>
-          </a:lnRef>
-          <a:fillRef idx="1">
-            <a:schemeClr val="accent1"/>
-          </a:fillRef>
-          <a:effectRef idx="1">
             <a:schemeClr val="accent1"/>
           </a:effectRef>
           <a:fontRef idx="minor">
@@ -8045,312 +9275,47 @@
             <a:pPr algn="ctr"/>
             <a:r>
               <a:rPr lang="en-US" sz="1400" dirty="0"/>
-              <a:t>View Controller</a:t>
-            </a:r>
-          </a:p>
-          <a:p>
-            <a:pPr algn="ctr"/>
-            <a:r>
-              <a:rPr lang="en-US" sz="1400" dirty="0"/>
-              <a:t> API Controller</a:t>
-            </a:r>
-          </a:p>
-        </p:txBody>
-      </p:sp>
-      <p:sp>
-        <p:nvSpPr>
-          <p:cNvPr id="58" name="Rectangle 57"/>
+              <a:t>Add EF Migrations</a:t>
+            </a:r>
+          </a:p>
+        </p:txBody>
+      </p:sp>
+      <p:sp>
+        <p:nvSpPr>
+          <p:cNvPr id="46" name="Speech Bubble: Rectangle 45"/>
           <p:cNvSpPr/>
           <p:nvPr/>
         </p:nvSpPr>
         <p:spPr>
           <a:xfrm>
-            <a:off x="2727787" y="690829"/>
-            <a:ext cx="2171700" cy="1238250"/>
+            <a:off x="6349119" y="2814800"/>
+            <a:ext cx="1643370" cy="939374"/>
           </a:xfrm>
-          <a:prstGeom prst="rect">
-            <a:avLst/>
+          <a:prstGeom prst="wedgeRectCallout">
+            <a:avLst>
+              <a:gd name="adj1" fmla="val -15584"/>
+              <a:gd name="adj2" fmla="val 84540"/>
+            </a:avLst>
           </a:prstGeom>
-        </p:spPr>
-        <p:style>
-          <a:lnRef idx="1">
-            <a:schemeClr val="accent2"/>
-          </a:lnRef>
-          <a:fillRef idx="2">
-            <a:schemeClr val="accent2"/>
-          </a:fillRef>
-          <a:effectRef idx="1">
-            <a:schemeClr val="accent2"/>
-          </a:effectRef>
-          <a:fontRef idx="minor">
-            <a:schemeClr val="dk1"/>
-          </a:fontRef>
-        </p:style>
-        <p:txBody>
-          <a:bodyPr rtlCol="0" anchor="t" anchorCtr="0"/>
-          <a:lstStyle/>
-          <a:p>
-            <a:pPr algn="ctr"/>
-            <a:r>
-              <a:rPr lang="en-US" sz="1400" dirty="0"/>
-              <a:t>C# Generated Controllers</a:t>
-            </a:r>
-          </a:p>
-        </p:txBody>
-      </p:sp>
-      <p:sp>
-        <p:nvSpPr>
-          <p:cNvPr id="59" name="Rectangle 58"/>
-          <p:cNvSpPr/>
-          <p:nvPr/>
-        </p:nvSpPr>
-        <p:spPr>
-          <a:xfrm>
-            <a:off x="2861851" y="1195654"/>
-            <a:ext cx="1904285" cy="638710"/>
-          </a:xfrm>
-          <a:prstGeom prst="rect">
-            <a:avLst/>
-          </a:prstGeom>
+          <a:solidFill>
+            <a:srgbClr val="7030A0"/>
+          </a:solidFill>
+          <a:ln>
+            <a:solidFill>
+              <a:srgbClr val="002060"/>
+            </a:solidFill>
+          </a:ln>
         </p:spPr>
         <p:style>
           <a:lnRef idx="2">
-            <a:schemeClr val="accent2">
+            <a:schemeClr val="accent1">
               <a:shade val="50000"/>
             </a:schemeClr>
           </a:lnRef>
           <a:fillRef idx="1">
-            <a:schemeClr val="accent2"/>
+            <a:schemeClr val="accent1"/>
           </a:fillRef>
           <a:effectRef idx="0">
-            <a:schemeClr val="accent2"/>
-          </a:effectRef>
-          <a:fontRef idx="minor">
-            <a:schemeClr val="lt1"/>
-          </a:fontRef>
-        </p:style>
-        <p:txBody>
-          <a:bodyPr rtlCol="0" anchor="ctr"/>
-          <a:lstStyle/>
-          <a:p>
-            <a:pPr algn="ctr"/>
-            <a:r>
-              <a:rPr lang="en-US" sz="1400" dirty="0"/>
-              <a:t>Person</a:t>
-            </a:r>
-          </a:p>
-          <a:p>
-            <a:pPr algn="ctr"/>
-            <a:r>
-              <a:rPr lang="en-US" sz="1400" dirty="0" err="1"/>
-              <a:t>Api</a:t>
-            </a:r>
-            <a:r>
-              <a:rPr lang="en-US" sz="1400" dirty="0"/>
-              <a:t>/Person</a:t>
-            </a:r>
-          </a:p>
-        </p:txBody>
-      </p:sp>
-      <p:sp>
-        <p:nvSpPr>
-          <p:cNvPr id="60" name="Rectangle 59"/>
-          <p:cNvSpPr/>
-          <p:nvPr/>
-        </p:nvSpPr>
-        <p:spPr>
-          <a:xfrm>
-            <a:off x="2861851" y="4915328"/>
-            <a:ext cx="1809750" cy="638710"/>
-          </a:xfrm>
-          <a:prstGeom prst="rect">
-            <a:avLst/>
-          </a:prstGeom>
-        </p:spPr>
-        <p:style>
-          <a:lnRef idx="2">
-            <a:schemeClr val="accent3">
-              <a:shade val="50000"/>
-            </a:schemeClr>
-          </a:lnRef>
-          <a:fillRef idx="1">
-            <a:schemeClr val="accent3"/>
-          </a:fillRef>
-          <a:effectRef idx="0">
-            <a:schemeClr val="accent3"/>
-          </a:effectRef>
-          <a:fontRef idx="minor">
-            <a:schemeClr val="lt1"/>
-          </a:fontRef>
-        </p:style>
-        <p:txBody>
-          <a:bodyPr rtlCol="0" anchor="ctr"/>
-          <a:lstStyle/>
-          <a:p>
-            <a:pPr algn="ctr"/>
-            <a:r>
-              <a:rPr lang="en-US" sz="1400" dirty="0"/>
-              <a:t>Object VM, List VM, Views, APIs</a:t>
-            </a:r>
-          </a:p>
-        </p:txBody>
-      </p:sp>
-      <p:sp>
-        <p:nvSpPr>
-          <p:cNvPr id="63" name="Rectangle 62"/>
-          <p:cNvSpPr/>
-          <p:nvPr/>
-        </p:nvSpPr>
-        <p:spPr>
-          <a:xfrm>
-            <a:off x="5238750" y="690829"/>
-            <a:ext cx="2077881" cy="1238250"/>
-          </a:xfrm>
-          <a:prstGeom prst="rect">
-            <a:avLst/>
-          </a:prstGeom>
-        </p:spPr>
-        <p:style>
-          <a:lnRef idx="1">
-            <a:schemeClr val="accent2"/>
-          </a:lnRef>
-          <a:fillRef idx="2">
-            <a:schemeClr val="accent2"/>
-          </a:fillRef>
-          <a:effectRef idx="1">
-            <a:schemeClr val="accent2"/>
-          </a:effectRef>
-          <a:fontRef idx="minor">
-            <a:schemeClr val="dk1"/>
-          </a:fontRef>
-        </p:style>
-        <p:txBody>
-          <a:bodyPr rtlCol="0" anchor="t" anchorCtr="0"/>
-          <a:lstStyle/>
-          <a:p>
-            <a:pPr algn="ctr"/>
-            <a:r>
-              <a:rPr lang="en-US" sz="1400" dirty="0"/>
-              <a:t>TS Generated View Models</a:t>
-            </a:r>
-          </a:p>
-        </p:txBody>
-      </p:sp>
-      <p:sp>
-        <p:nvSpPr>
-          <p:cNvPr id="64" name="Rectangle 63"/>
-          <p:cNvSpPr/>
-          <p:nvPr/>
-        </p:nvSpPr>
-        <p:spPr>
-          <a:xfrm>
-            <a:off x="5372101" y="1180198"/>
-            <a:ext cx="1809750" cy="638710"/>
-          </a:xfrm>
-          <a:prstGeom prst="rect">
-            <a:avLst/>
-          </a:prstGeom>
-        </p:spPr>
-        <p:style>
-          <a:lnRef idx="2">
-            <a:schemeClr val="accent2">
-              <a:shade val="50000"/>
-            </a:schemeClr>
-          </a:lnRef>
-          <a:fillRef idx="1">
-            <a:schemeClr val="accent2"/>
-          </a:fillRef>
-          <a:effectRef idx="0">
-            <a:schemeClr val="accent2"/>
-          </a:effectRef>
-          <a:fontRef idx="minor">
-            <a:schemeClr val="lt1"/>
-          </a:fontRef>
-        </p:style>
-        <p:txBody>
-          <a:bodyPr rtlCol="0" anchor="ctr"/>
-          <a:lstStyle/>
-          <a:p>
-            <a:pPr algn="ctr"/>
-            <a:r>
-              <a:rPr lang="en-US" sz="1400" dirty="0"/>
-              <a:t>Person</a:t>
-            </a:r>
-          </a:p>
-          <a:p>
-            <a:pPr algn="ctr"/>
-            <a:r>
-              <a:rPr lang="en-US" sz="1400" dirty="0" err="1"/>
-              <a:t>PersonList</a:t>
-            </a:r>
-            <a:endParaRPr lang="en-US" sz="1400" dirty="0"/>
-          </a:p>
-        </p:txBody>
-      </p:sp>
-      <p:sp>
-        <p:nvSpPr>
-          <p:cNvPr id="65" name="Rectangle 64"/>
-          <p:cNvSpPr/>
-          <p:nvPr/>
-        </p:nvSpPr>
-        <p:spPr>
-          <a:xfrm>
-            <a:off x="7654463" y="4586821"/>
-            <a:ext cx="2077881" cy="1238250"/>
-          </a:xfrm>
-          <a:prstGeom prst="rect">
-            <a:avLst/>
-          </a:prstGeom>
-        </p:spPr>
-        <p:style>
-          <a:lnRef idx="1">
-            <a:schemeClr val="accent1"/>
-          </a:lnRef>
-          <a:fillRef idx="2">
-            <a:schemeClr val="accent1"/>
-          </a:fillRef>
-          <a:effectRef idx="1">
-            <a:schemeClr val="accent1"/>
-          </a:effectRef>
-          <a:fontRef idx="minor">
-            <a:schemeClr val="dk1"/>
-          </a:fontRef>
-        </p:style>
-        <p:txBody>
-          <a:bodyPr rtlCol="0" anchor="t" anchorCtr="0"/>
-          <a:lstStyle/>
-          <a:p>
-            <a:pPr algn="ctr"/>
-            <a:r>
-              <a:rPr lang="en-US" sz="1400" dirty="0"/>
-              <a:t>Helpers</a:t>
-            </a:r>
-          </a:p>
-        </p:txBody>
-      </p:sp>
-      <p:sp>
-        <p:nvSpPr>
-          <p:cNvPr id="66" name="Rectangle 65"/>
-          <p:cNvSpPr/>
-          <p:nvPr/>
-        </p:nvSpPr>
-        <p:spPr>
-          <a:xfrm>
-            <a:off x="7787814" y="4957761"/>
-            <a:ext cx="1809750" cy="638710"/>
-          </a:xfrm>
-          <a:prstGeom prst="rect">
-            <a:avLst/>
-          </a:prstGeom>
-        </p:spPr>
-        <p:style>
-          <a:lnRef idx="3">
-            <a:schemeClr val="lt1"/>
-          </a:lnRef>
-          <a:fillRef idx="1">
-            <a:schemeClr val="accent1"/>
-          </a:fillRef>
-          <a:effectRef idx="1">
             <a:schemeClr val="accent1"/>
           </a:effectRef>
           <a:fontRef idx="minor">
@@ -8364,85 +9329,48 @@
             <a:pPr algn="ctr"/>
             <a:r>
               <a:rPr lang="en-US" sz="1400" dirty="0"/>
-              <a:t>Display, Table,</a:t>
-            </a:r>
-          </a:p>
-          <a:p>
-            <a:pPr algn="ctr"/>
-            <a:r>
-              <a:rPr lang="en-US" sz="1400" dirty="0"/>
-              <a:t>Knockout</a:t>
-            </a:r>
-          </a:p>
-        </p:txBody>
-      </p:sp>
-      <p:sp>
-        <p:nvSpPr>
-          <p:cNvPr id="67" name="Rectangle 66"/>
+              <a:t>Create a Web project</a:t>
+            </a:r>
+          </a:p>
+        </p:txBody>
+      </p:sp>
+      <p:sp>
+        <p:nvSpPr>
+          <p:cNvPr id="48" name="Speech Bubble: Rectangle 47"/>
           <p:cNvSpPr/>
           <p:nvPr/>
         </p:nvSpPr>
         <p:spPr>
           <a:xfrm>
-            <a:off x="7654463" y="2665362"/>
-            <a:ext cx="2077881" cy="1238250"/>
+            <a:off x="633757" y="2318576"/>
+            <a:ext cx="1643370" cy="939374"/>
           </a:xfrm>
-          <a:prstGeom prst="rect">
-            <a:avLst/>
+          <a:prstGeom prst="wedgeRectCallout">
+            <a:avLst>
+              <a:gd name="adj1" fmla="val -15584"/>
+              <a:gd name="adj2" fmla="val 84540"/>
+            </a:avLst>
           </a:prstGeom>
-        </p:spPr>
-        <p:style>
-          <a:lnRef idx="1">
-            <a:schemeClr val="accent4"/>
-          </a:lnRef>
-          <a:fillRef idx="2">
-            <a:schemeClr val="accent4"/>
-          </a:fillRef>
-          <a:effectRef idx="1">
-            <a:schemeClr val="accent4"/>
-          </a:effectRef>
-          <a:fontRef idx="minor">
-            <a:schemeClr val="dk1"/>
-          </a:fontRef>
-        </p:style>
-        <p:txBody>
-          <a:bodyPr rtlCol="0" anchor="t" anchorCtr="0"/>
-          <a:lstStyle/>
-          <a:p>
-            <a:pPr algn="ctr"/>
-            <a:r>
-              <a:rPr lang="en-US" sz="1400" dirty="0"/>
-              <a:t>TS/JS Utilities</a:t>
-            </a:r>
-          </a:p>
-        </p:txBody>
-      </p:sp>
-      <p:sp>
-        <p:nvSpPr>
-          <p:cNvPr id="68" name="Rectangle 67"/>
-          <p:cNvSpPr/>
-          <p:nvPr/>
-        </p:nvSpPr>
-        <p:spPr>
-          <a:xfrm>
-            <a:off x="7788528" y="3016880"/>
-            <a:ext cx="1809750" cy="638710"/>
-          </a:xfrm>
-          <a:prstGeom prst="rect">
-            <a:avLst/>
-          </a:prstGeom>
+          <a:solidFill>
+            <a:srgbClr val="7030A0"/>
+          </a:solidFill>
+          <a:ln>
+            <a:solidFill>
+              <a:srgbClr val="002060"/>
+            </a:solidFill>
+          </a:ln>
         </p:spPr>
         <p:style>
           <a:lnRef idx="2">
-            <a:schemeClr val="accent4">
+            <a:schemeClr val="accent1">
               <a:shade val="50000"/>
             </a:schemeClr>
           </a:lnRef>
           <a:fillRef idx="1">
-            <a:schemeClr val="accent4"/>
+            <a:schemeClr val="accent1"/>
           </a:fillRef>
           <a:effectRef idx="0">
-            <a:schemeClr val="accent4"/>
+            <a:schemeClr val="accent1"/>
           </a:effectRef>
           <a:fontRef idx="minor">
             <a:schemeClr val="lt1"/>
@@ -8455,82 +9383,48 @@
             <a:pPr algn="ctr"/>
             <a:r>
               <a:rPr lang="en-US" sz="1400" dirty="0"/>
-              <a:t>Bindings, Utilities</a:t>
-            </a:r>
-          </a:p>
-        </p:txBody>
-      </p:sp>
-      <p:sp>
-        <p:nvSpPr>
-          <p:cNvPr id="69" name="Rectangle 68"/>
+              <a:t>Create a Data project</a:t>
+            </a:r>
+          </a:p>
+        </p:txBody>
+      </p:sp>
+      <p:sp>
+        <p:nvSpPr>
+          <p:cNvPr id="56" name="Speech Bubble: Rectangle 55"/>
           <p:cNvSpPr/>
           <p:nvPr/>
         </p:nvSpPr>
         <p:spPr>
           <a:xfrm>
-            <a:off x="7654463" y="690829"/>
-            <a:ext cx="2077881" cy="1238250"/>
+            <a:off x="2873998" y="3618446"/>
+            <a:ext cx="1643370" cy="939374"/>
           </a:xfrm>
-          <a:prstGeom prst="rect">
-            <a:avLst/>
+          <a:prstGeom prst="wedgeRectCallout">
+            <a:avLst>
+              <a:gd name="adj1" fmla="val 35606"/>
+              <a:gd name="adj2" fmla="val 80646"/>
+            </a:avLst>
           </a:prstGeom>
-        </p:spPr>
-        <p:style>
-          <a:lnRef idx="1">
-            <a:schemeClr val="dk1"/>
-          </a:lnRef>
-          <a:fillRef idx="2">
-            <a:schemeClr val="dk1"/>
-          </a:fillRef>
-          <a:effectRef idx="1">
-            <a:schemeClr val="dk1"/>
-          </a:effectRef>
-          <a:fontRef idx="minor">
-            <a:schemeClr val="dk1"/>
-          </a:fontRef>
-        </p:style>
-        <p:txBody>
-          <a:bodyPr rtlCol="0" anchor="t" anchorCtr="0"/>
-          <a:lstStyle/>
-          <a:p>
-            <a:pPr algn="ctr"/>
-            <a:r>
-              <a:rPr lang="en-US" sz="1400" dirty="0" err="1"/>
-              <a:t>Compliled</a:t>
-            </a:r>
-            <a:r>
-              <a:rPr lang="en-US" sz="1400" dirty="0"/>
-              <a:t> JS</a:t>
-            </a:r>
-          </a:p>
-        </p:txBody>
-      </p:sp>
-      <p:sp>
-        <p:nvSpPr>
-          <p:cNvPr id="70" name="Rectangle 69"/>
-          <p:cNvSpPr/>
-          <p:nvPr/>
-        </p:nvSpPr>
-        <p:spPr>
-          <a:xfrm>
-            <a:off x="7787814" y="1038225"/>
-            <a:ext cx="1809750" cy="780683"/>
-          </a:xfrm>
-          <a:prstGeom prst="rect">
-            <a:avLst/>
-          </a:prstGeom>
+          <a:solidFill>
+            <a:srgbClr val="7030A0"/>
+          </a:solidFill>
+          <a:ln>
+            <a:solidFill>
+              <a:srgbClr val="002060"/>
+            </a:solidFill>
+          </a:ln>
         </p:spPr>
         <p:style>
           <a:lnRef idx="2">
-            <a:schemeClr val="dk1">
+            <a:schemeClr val="accent1">
               <a:shade val="50000"/>
             </a:schemeClr>
           </a:lnRef>
           <a:fillRef idx="1">
-            <a:schemeClr val="dk1"/>
+            <a:schemeClr val="accent1"/>
           </a:fillRef>
           <a:effectRef idx="0">
-            <a:schemeClr val="dk1"/>
+            <a:schemeClr val="accent1"/>
           </a:effectRef>
           <a:fontRef idx="minor">
             <a:schemeClr val="lt1"/>
@@ -8543,86 +9437,48 @@
             <a:pPr algn="ctr"/>
             <a:r>
               <a:rPr lang="en-US" sz="1400" dirty="0"/>
-              <a:t>App.js</a:t>
-            </a:r>
-          </a:p>
-          <a:p>
-            <a:pPr algn="ctr"/>
-            <a:r>
-              <a:rPr lang="en-US" sz="1400" dirty="0"/>
-              <a:t>Map files</a:t>
-            </a:r>
-          </a:p>
-        </p:txBody>
-      </p:sp>
-      <p:sp>
-        <p:nvSpPr>
-          <p:cNvPr id="71" name="Rectangle 70"/>
+              <a:t>Reference Coalesce</a:t>
+            </a:r>
+          </a:p>
+        </p:txBody>
+      </p:sp>
+      <p:sp>
+        <p:nvSpPr>
+          <p:cNvPr id="76" name="Speech Bubble: Rectangle 75"/>
           <p:cNvSpPr/>
           <p:nvPr/>
         </p:nvSpPr>
         <p:spPr>
           <a:xfrm>
-            <a:off x="10070176" y="690829"/>
-            <a:ext cx="1924867" cy="5134242"/>
+            <a:off x="912460" y="283331"/>
+            <a:ext cx="1643370" cy="939374"/>
           </a:xfrm>
-          <a:prstGeom prst="rect">
-            <a:avLst/>
+          <a:prstGeom prst="wedgeRectCallout">
+            <a:avLst>
+              <a:gd name="adj1" fmla="val 67322"/>
+              <a:gd name="adj2" fmla="val 91354"/>
+            </a:avLst>
           </a:prstGeom>
-        </p:spPr>
-        <p:style>
-          <a:lnRef idx="1">
-            <a:schemeClr val="accent6"/>
-          </a:lnRef>
-          <a:fillRef idx="2">
-            <a:schemeClr val="accent6"/>
-          </a:fillRef>
-          <a:effectRef idx="1">
-            <a:schemeClr val="accent6"/>
-          </a:effectRef>
-          <a:fontRef idx="minor">
-            <a:schemeClr val="dk1"/>
-          </a:fontRef>
-        </p:style>
-        <p:txBody>
-          <a:bodyPr rtlCol="0" anchor="t" anchorCtr="0"/>
-          <a:lstStyle/>
-          <a:p>
-            <a:pPr algn="ctr"/>
-            <a:r>
-              <a:rPr lang="en-US" dirty="0"/>
-              <a:t>Your App</a:t>
-            </a:r>
-            <a:endParaRPr lang="en-US" sz="1400" dirty="0"/>
-          </a:p>
-        </p:txBody>
-      </p:sp>
-      <p:sp>
-        <p:nvSpPr>
-          <p:cNvPr id="72" name="Rectangle 71"/>
-          <p:cNvSpPr/>
-          <p:nvPr/>
-        </p:nvSpPr>
-        <p:spPr>
-          <a:xfrm>
-            <a:off x="10265846" y="1309954"/>
-            <a:ext cx="1533525" cy="638710"/>
-          </a:xfrm>
-          <a:prstGeom prst="rect">
-            <a:avLst/>
-          </a:prstGeom>
+          <a:solidFill>
+            <a:srgbClr val="7030A0"/>
+          </a:solidFill>
+          <a:ln>
+            <a:solidFill>
+              <a:srgbClr val="002060"/>
+            </a:solidFill>
+          </a:ln>
         </p:spPr>
         <p:style>
           <a:lnRef idx="2">
-            <a:schemeClr val="accent6">
+            <a:schemeClr val="accent1">
               <a:shade val="50000"/>
             </a:schemeClr>
           </a:lnRef>
           <a:fillRef idx="1">
-            <a:schemeClr val="accent6"/>
+            <a:schemeClr val="accent1"/>
           </a:fillRef>
           <a:effectRef idx="0">
-            <a:schemeClr val="accent6"/>
+            <a:schemeClr val="accent1"/>
           </a:effectRef>
           <a:fontRef idx="minor">
             <a:schemeClr val="lt1"/>
@@ -8635,44 +9491,48 @@
             <a:pPr algn="ctr"/>
             <a:r>
               <a:rPr lang="en-US" sz="1400" dirty="0"/>
-              <a:t>Controllers</a:t>
-            </a:r>
-          </a:p>
-          <a:p>
-            <a:pPr algn="ctr"/>
-            <a:r>
-              <a:rPr lang="en-US" sz="1400" dirty="0"/>
-              <a:t>View and API</a:t>
-            </a:r>
-          </a:p>
-        </p:txBody>
-      </p:sp>
-      <p:sp>
-        <p:nvSpPr>
-          <p:cNvPr id="73" name="Rectangle 72"/>
+              <a:t>Generate Code</a:t>
+            </a:r>
+          </a:p>
+        </p:txBody>
+      </p:sp>
+      <p:sp>
+        <p:nvSpPr>
+          <p:cNvPr id="77" name="Speech Bubble: Rectangle 76"/>
           <p:cNvSpPr/>
           <p:nvPr/>
         </p:nvSpPr>
         <p:spPr>
           <a:xfrm>
-            <a:off x="10265846" y="2294890"/>
-            <a:ext cx="1533525" cy="638710"/>
+            <a:off x="8327615" y="254609"/>
+            <a:ext cx="1643370" cy="939374"/>
           </a:xfrm>
-          <a:prstGeom prst="rect">
-            <a:avLst/>
+          <a:prstGeom prst="wedgeRectCallout">
+            <a:avLst>
+              <a:gd name="adj1" fmla="val 67322"/>
+              <a:gd name="adj2" fmla="val 91354"/>
+            </a:avLst>
           </a:prstGeom>
+          <a:solidFill>
+            <a:srgbClr val="7030A0"/>
+          </a:solidFill>
+          <a:ln>
+            <a:solidFill>
+              <a:srgbClr val="002060"/>
+            </a:solidFill>
+          </a:ln>
         </p:spPr>
         <p:style>
           <a:lnRef idx="2">
-            <a:schemeClr val="accent6">
+            <a:schemeClr val="accent1">
               <a:shade val="50000"/>
             </a:schemeClr>
           </a:lnRef>
           <a:fillRef idx="1">
-            <a:schemeClr val="accent6"/>
+            <a:schemeClr val="accent1"/>
           </a:fillRef>
           <a:effectRef idx="0">
-            <a:schemeClr val="accent6"/>
+            <a:schemeClr val="accent1"/>
           </a:effectRef>
           <a:fontRef idx="minor">
             <a:schemeClr val="lt1"/>
@@ -8685,95 +9545,8 @@
             <a:pPr algn="ctr"/>
             <a:r>
               <a:rPr lang="en-US" sz="1400" dirty="0"/>
-              <a:t>Custom TS/JS</a:t>
-            </a:r>
-          </a:p>
-        </p:txBody>
-      </p:sp>
-      <p:sp>
-        <p:nvSpPr>
-          <p:cNvPr id="74" name="Rectangle 73"/>
-          <p:cNvSpPr/>
-          <p:nvPr/>
-        </p:nvSpPr>
-        <p:spPr>
-          <a:xfrm>
-            <a:off x="10265846" y="3309698"/>
-            <a:ext cx="1533525" cy="638710"/>
-          </a:xfrm>
-          <a:prstGeom prst="rect">
-            <a:avLst/>
-          </a:prstGeom>
-        </p:spPr>
-        <p:style>
-          <a:lnRef idx="2">
-            <a:schemeClr val="accent6">
-              <a:shade val="50000"/>
-            </a:schemeClr>
-          </a:lnRef>
-          <a:fillRef idx="1">
-            <a:schemeClr val="accent6"/>
-          </a:fillRef>
-          <a:effectRef idx="0">
-            <a:schemeClr val="accent6"/>
-          </a:effectRef>
-          <a:fontRef idx="minor">
-            <a:schemeClr val="lt1"/>
-          </a:fontRef>
-        </p:style>
-        <p:txBody>
-          <a:bodyPr rtlCol="0" anchor="ctr"/>
-          <a:lstStyle/>
-          <a:p>
-            <a:pPr algn="ctr"/>
-            <a:r>
-              <a:rPr lang="en-US" sz="1400" dirty="0"/>
-              <a:t>SCSS/CSS</a:t>
-            </a:r>
-          </a:p>
-        </p:txBody>
-      </p:sp>
-      <p:sp>
-        <p:nvSpPr>
-          <p:cNvPr id="75" name="Rectangle 74"/>
-          <p:cNvSpPr/>
-          <p:nvPr/>
-        </p:nvSpPr>
-        <p:spPr>
-          <a:xfrm>
-            <a:off x="10265845" y="4248029"/>
-            <a:ext cx="1533525" cy="638710"/>
-          </a:xfrm>
-          <a:prstGeom prst="rect">
-            <a:avLst/>
-          </a:prstGeom>
-        </p:spPr>
-        <p:style>
-          <a:lnRef idx="2">
-            <a:schemeClr val="accent6">
-              <a:shade val="50000"/>
-            </a:schemeClr>
-          </a:lnRef>
-          <a:fillRef idx="1">
-            <a:schemeClr val="accent6"/>
-          </a:fillRef>
-          <a:effectRef idx="0">
-            <a:schemeClr val="accent6"/>
-          </a:effectRef>
-          <a:fontRef idx="minor">
-            <a:schemeClr val="lt1"/>
-          </a:fontRef>
-        </p:style>
-        <p:txBody>
-          <a:bodyPr rtlCol="0" anchor="ctr"/>
-          <a:lstStyle/>
-          <a:p>
-            <a:pPr algn="ctr"/>
-            <a:r>
-              <a:rPr lang="en-US" sz="1400"/>
-              <a:t>Other Logic</a:t>
-            </a:r>
-            <a:endParaRPr lang="en-US" sz="1400" dirty="0"/>
+              <a:t>Add Your Custom Code</a:t>
+            </a:r>
           </a:p>
         </p:txBody>
       </p:sp>
@@ -8787,6 +9560,1508 @@
   <p:clrMapOvr>
     <a:masterClrMapping/>
   </p:clrMapOvr>
+  <p:timing>
+    <p:tnLst>
+      <p:par>
+        <p:cTn id="1" dur="indefinite" restart="never" nodeType="tmRoot">
+          <p:childTnLst>
+            <p:seq concurrent="1" nextAc="seek">
+              <p:cTn id="2" dur="indefinite" nodeType="mainSeq">
+                <p:childTnLst>
+                  <p:par>
+                    <p:cTn id="3" fill="hold">
+                      <p:stCondLst>
+                        <p:cond delay="indefinite"/>
+                      </p:stCondLst>
+                      <p:childTnLst>
+                        <p:par>
+                          <p:cTn id="4" fill="hold">
+                            <p:stCondLst>
+                              <p:cond delay="0"/>
+                            </p:stCondLst>
+                            <p:childTnLst>
+                              <p:par>
+                                <p:cTn id="5" presetID="2" presetClass="entr" presetSubtype="4" fill="hold" nodeType="clickEffect">
+                                  <p:stCondLst>
+                                    <p:cond delay="0"/>
+                                  </p:stCondLst>
+                                  <p:childTnLst>
+                                    <p:set>
+                                      <p:cBhvr>
+                                        <p:cTn id="6" dur="1" fill="hold">
+                                          <p:stCondLst>
+                                            <p:cond delay="0"/>
+                                          </p:stCondLst>
+                                        </p:cTn>
+                                        <p:tgtEl>
+                                          <p:spTgt spid="21"/>
+                                        </p:tgtEl>
+                                        <p:attrNameLst>
+                                          <p:attrName>style.visibility</p:attrName>
+                                        </p:attrNameLst>
+                                      </p:cBhvr>
+                                      <p:to>
+                                        <p:strVal val="visible"/>
+                                      </p:to>
+                                    </p:set>
+                                    <p:anim calcmode="lin" valueType="num">
+                                      <p:cBhvr additive="base">
+                                        <p:cTn id="7" dur="500" fill="hold"/>
+                                        <p:tgtEl>
+                                          <p:spTgt spid="21"/>
+                                        </p:tgtEl>
+                                        <p:attrNameLst>
+                                          <p:attrName>ppt_x</p:attrName>
+                                        </p:attrNameLst>
+                                      </p:cBhvr>
+                                      <p:tavLst>
+                                        <p:tav tm="0">
+                                          <p:val>
+                                            <p:strVal val="#ppt_x"/>
+                                          </p:val>
+                                        </p:tav>
+                                        <p:tav tm="100000">
+                                          <p:val>
+                                            <p:strVal val="#ppt_x"/>
+                                          </p:val>
+                                        </p:tav>
+                                      </p:tavLst>
+                                    </p:anim>
+                                    <p:anim calcmode="lin" valueType="num">
+                                      <p:cBhvr additive="base">
+                                        <p:cTn id="8" dur="500" fill="hold"/>
+                                        <p:tgtEl>
+                                          <p:spTgt spid="21"/>
+                                        </p:tgtEl>
+                                        <p:attrNameLst>
+                                          <p:attrName>ppt_y</p:attrName>
+                                        </p:attrNameLst>
+                                      </p:cBhvr>
+                                      <p:tavLst>
+                                        <p:tav tm="0">
+                                          <p:val>
+                                            <p:strVal val="1+#ppt_h/2"/>
+                                          </p:val>
+                                        </p:tav>
+                                        <p:tav tm="100000">
+                                          <p:val>
+                                            <p:strVal val="#ppt_y"/>
+                                          </p:val>
+                                        </p:tav>
+                                      </p:tavLst>
+                                    </p:anim>
+                                  </p:childTnLst>
+                                </p:cTn>
+                              </p:par>
+                              <p:par>
+                                <p:cTn id="9" presetID="10" presetClass="entr" presetSubtype="0" fill="hold" grpId="0" nodeType="withEffect">
+                                  <p:stCondLst>
+                                    <p:cond delay="0"/>
+                                  </p:stCondLst>
+                                  <p:childTnLst>
+                                    <p:set>
+                                      <p:cBhvr>
+                                        <p:cTn id="10" dur="1" fill="hold">
+                                          <p:stCondLst>
+                                            <p:cond delay="0"/>
+                                          </p:stCondLst>
+                                        </p:cTn>
+                                        <p:tgtEl>
+                                          <p:spTgt spid="46"/>
+                                        </p:tgtEl>
+                                        <p:attrNameLst>
+                                          <p:attrName>style.visibility</p:attrName>
+                                        </p:attrNameLst>
+                                      </p:cBhvr>
+                                      <p:to>
+                                        <p:strVal val="visible"/>
+                                      </p:to>
+                                    </p:set>
+                                    <p:animEffect transition="in" filter="fade">
+                                      <p:cBhvr>
+                                        <p:cTn id="11" dur="500"/>
+                                        <p:tgtEl>
+                                          <p:spTgt spid="46"/>
+                                        </p:tgtEl>
+                                      </p:cBhvr>
+                                    </p:animEffect>
+                                  </p:childTnLst>
+                                  <p:subTnLst>
+                                    <p:set>
+                                      <p:cBhvr override="childStyle">
+                                        <p:cTn dur="1" fill="hold" display="0" masterRel="nextClick" afterEffect="1"/>
+                                        <p:tgtEl>
+                                          <p:spTgt spid="46"/>
+                                        </p:tgtEl>
+                                        <p:attrNameLst>
+                                          <p:attrName>style.visibility</p:attrName>
+                                        </p:attrNameLst>
+                                      </p:cBhvr>
+                                      <p:to>
+                                        <p:strVal val="hidden"/>
+                                      </p:to>
+                                    </p:set>
+                                  </p:subTnLst>
+                                </p:cTn>
+                              </p:par>
+                            </p:childTnLst>
+                          </p:cTn>
+                        </p:par>
+                      </p:childTnLst>
+                    </p:cTn>
+                  </p:par>
+                  <p:par>
+                    <p:cTn id="12" fill="hold">
+                      <p:stCondLst>
+                        <p:cond delay="indefinite"/>
+                      </p:stCondLst>
+                      <p:childTnLst>
+                        <p:par>
+                          <p:cTn id="13" fill="hold">
+                            <p:stCondLst>
+                              <p:cond delay="0"/>
+                            </p:stCondLst>
+                            <p:childTnLst>
+                              <p:par>
+                                <p:cTn id="14" presetID="2" presetClass="entr" presetSubtype="4" fill="hold" nodeType="clickEffect">
+                                  <p:stCondLst>
+                                    <p:cond delay="0"/>
+                                  </p:stCondLst>
+                                  <p:childTnLst>
+                                    <p:set>
+                                      <p:cBhvr>
+                                        <p:cTn id="15" dur="1" fill="hold">
+                                          <p:stCondLst>
+                                            <p:cond delay="0"/>
+                                          </p:stCondLst>
+                                        </p:cTn>
+                                        <p:tgtEl>
+                                          <p:spTgt spid="22"/>
+                                        </p:tgtEl>
+                                        <p:attrNameLst>
+                                          <p:attrName>style.visibility</p:attrName>
+                                        </p:attrNameLst>
+                                      </p:cBhvr>
+                                      <p:to>
+                                        <p:strVal val="visible"/>
+                                      </p:to>
+                                    </p:set>
+                                    <p:anim calcmode="lin" valueType="num">
+                                      <p:cBhvr additive="base">
+                                        <p:cTn id="16" dur="500" fill="hold"/>
+                                        <p:tgtEl>
+                                          <p:spTgt spid="22"/>
+                                        </p:tgtEl>
+                                        <p:attrNameLst>
+                                          <p:attrName>ppt_x</p:attrName>
+                                        </p:attrNameLst>
+                                      </p:cBhvr>
+                                      <p:tavLst>
+                                        <p:tav tm="0">
+                                          <p:val>
+                                            <p:strVal val="#ppt_x"/>
+                                          </p:val>
+                                        </p:tav>
+                                        <p:tav tm="100000">
+                                          <p:val>
+                                            <p:strVal val="#ppt_x"/>
+                                          </p:val>
+                                        </p:tav>
+                                      </p:tavLst>
+                                    </p:anim>
+                                    <p:anim calcmode="lin" valueType="num">
+                                      <p:cBhvr additive="base">
+                                        <p:cTn id="17" dur="500" fill="hold"/>
+                                        <p:tgtEl>
+                                          <p:spTgt spid="22"/>
+                                        </p:tgtEl>
+                                        <p:attrNameLst>
+                                          <p:attrName>ppt_y</p:attrName>
+                                        </p:attrNameLst>
+                                      </p:cBhvr>
+                                      <p:tavLst>
+                                        <p:tav tm="0">
+                                          <p:val>
+                                            <p:strVal val="1+#ppt_h/2"/>
+                                          </p:val>
+                                        </p:tav>
+                                        <p:tav tm="100000">
+                                          <p:val>
+                                            <p:strVal val="#ppt_y"/>
+                                          </p:val>
+                                        </p:tav>
+                                      </p:tavLst>
+                                    </p:anim>
+                                  </p:childTnLst>
+                                </p:cTn>
+                              </p:par>
+                              <p:par>
+                                <p:cTn id="18" presetID="10" presetClass="entr" presetSubtype="0" fill="hold" grpId="0" nodeType="withEffect">
+                                  <p:stCondLst>
+                                    <p:cond delay="0"/>
+                                  </p:stCondLst>
+                                  <p:childTnLst>
+                                    <p:set>
+                                      <p:cBhvr>
+                                        <p:cTn id="19" dur="1" fill="hold">
+                                          <p:stCondLst>
+                                            <p:cond delay="0"/>
+                                          </p:stCondLst>
+                                        </p:cTn>
+                                        <p:tgtEl>
+                                          <p:spTgt spid="48"/>
+                                        </p:tgtEl>
+                                        <p:attrNameLst>
+                                          <p:attrName>style.visibility</p:attrName>
+                                        </p:attrNameLst>
+                                      </p:cBhvr>
+                                      <p:to>
+                                        <p:strVal val="visible"/>
+                                      </p:to>
+                                    </p:set>
+                                    <p:animEffect transition="in" filter="fade">
+                                      <p:cBhvr>
+                                        <p:cTn id="20" dur="500"/>
+                                        <p:tgtEl>
+                                          <p:spTgt spid="48"/>
+                                        </p:tgtEl>
+                                      </p:cBhvr>
+                                    </p:animEffect>
+                                  </p:childTnLst>
+                                  <p:subTnLst>
+                                    <p:set>
+                                      <p:cBhvr override="childStyle">
+                                        <p:cTn dur="1" fill="hold" display="0" masterRel="nextClick" afterEffect="1"/>
+                                        <p:tgtEl>
+                                          <p:spTgt spid="48"/>
+                                        </p:tgtEl>
+                                        <p:attrNameLst>
+                                          <p:attrName>style.visibility</p:attrName>
+                                        </p:attrNameLst>
+                                      </p:cBhvr>
+                                      <p:to>
+                                        <p:strVal val="hidden"/>
+                                      </p:to>
+                                    </p:set>
+                                  </p:subTnLst>
+                                </p:cTn>
+                              </p:par>
+                            </p:childTnLst>
+                          </p:cTn>
+                        </p:par>
+                      </p:childTnLst>
+                    </p:cTn>
+                  </p:par>
+                  <p:par>
+                    <p:cTn id="21" fill="hold">
+                      <p:stCondLst>
+                        <p:cond delay="indefinite"/>
+                      </p:stCondLst>
+                      <p:childTnLst>
+                        <p:par>
+                          <p:cTn id="22" fill="hold">
+                            <p:stCondLst>
+                              <p:cond delay="0"/>
+                            </p:stCondLst>
+                            <p:childTnLst>
+                              <p:par>
+                                <p:cTn id="23" presetID="42" presetClass="entr" presetSubtype="0" fill="hold" nodeType="clickEffect">
+                                  <p:stCondLst>
+                                    <p:cond delay="0"/>
+                                  </p:stCondLst>
+                                  <p:childTnLst>
+                                    <p:set>
+                                      <p:cBhvr>
+                                        <p:cTn id="24" dur="1" fill="hold">
+                                          <p:stCondLst>
+                                            <p:cond delay="0"/>
+                                          </p:stCondLst>
+                                        </p:cTn>
+                                        <p:tgtEl>
+                                          <p:spTgt spid="19"/>
+                                        </p:tgtEl>
+                                        <p:attrNameLst>
+                                          <p:attrName>style.visibility</p:attrName>
+                                        </p:attrNameLst>
+                                      </p:cBhvr>
+                                      <p:to>
+                                        <p:strVal val="visible"/>
+                                      </p:to>
+                                    </p:set>
+                                    <p:animEffect transition="in" filter="fade">
+                                      <p:cBhvr>
+                                        <p:cTn id="25" dur="1000"/>
+                                        <p:tgtEl>
+                                          <p:spTgt spid="19"/>
+                                        </p:tgtEl>
+                                      </p:cBhvr>
+                                    </p:animEffect>
+                                    <p:anim calcmode="lin" valueType="num">
+                                      <p:cBhvr>
+                                        <p:cTn id="26" dur="1000" fill="hold"/>
+                                        <p:tgtEl>
+                                          <p:spTgt spid="19"/>
+                                        </p:tgtEl>
+                                        <p:attrNameLst>
+                                          <p:attrName>ppt_x</p:attrName>
+                                        </p:attrNameLst>
+                                      </p:cBhvr>
+                                      <p:tavLst>
+                                        <p:tav tm="0">
+                                          <p:val>
+                                            <p:strVal val="#ppt_x"/>
+                                          </p:val>
+                                        </p:tav>
+                                        <p:tav tm="100000">
+                                          <p:val>
+                                            <p:strVal val="#ppt_x"/>
+                                          </p:val>
+                                        </p:tav>
+                                      </p:tavLst>
+                                    </p:anim>
+                                    <p:anim calcmode="lin" valueType="num">
+                                      <p:cBhvr>
+                                        <p:cTn id="27" dur="1000" fill="hold"/>
+                                        <p:tgtEl>
+                                          <p:spTgt spid="19"/>
+                                        </p:tgtEl>
+                                        <p:attrNameLst>
+                                          <p:attrName>ppt_y</p:attrName>
+                                        </p:attrNameLst>
+                                      </p:cBhvr>
+                                      <p:tavLst>
+                                        <p:tav tm="0">
+                                          <p:val>
+                                            <p:strVal val="#ppt_y+.1"/>
+                                          </p:val>
+                                        </p:tav>
+                                        <p:tav tm="100000">
+                                          <p:val>
+                                            <p:strVal val="#ppt_y"/>
+                                          </p:val>
+                                        </p:tav>
+                                      </p:tavLst>
+                                    </p:anim>
+                                  </p:childTnLst>
+                                </p:cTn>
+                              </p:par>
+                              <p:par>
+                                <p:cTn id="28" presetID="10" presetClass="entr" presetSubtype="0" fill="hold" grpId="0" nodeType="withEffect">
+                                  <p:stCondLst>
+                                    <p:cond delay="0"/>
+                                  </p:stCondLst>
+                                  <p:childTnLst>
+                                    <p:set>
+                                      <p:cBhvr>
+                                        <p:cTn id="29" dur="1" fill="hold">
+                                          <p:stCondLst>
+                                            <p:cond delay="0"/>
+                                          </p:stCondLst>
+                                        </p:cTn>
+                                        <p:tgtEl>
+                                          <p:spTgt spid="43"/>
+                                        </p:tgtEl>
+                                        <p:attrNameLst>
+                                          <p:attrName>style.visibility</p:attrName>
+                                        </p:attrNameLst>
+                                      </p:cBhvr>
+                                      <p:to>
+                                        <p:strVal val="visible"/>
+                                      </p:to>
+                                    </p:set>
+                                    <p:animEffect transition="in" filter="fade">
+                                      <p:cBhvr>
+                                        <p:cTn id="30" dur="500"/>
+                                        <p:tgtEl>
+                                          <p:spTgt spid="43"/>
+                                        </p:tgtEl>
+                                      </p:cBhvr>
+                                    </p:animEffect>
+                                  </p:childTnLst>
+                                  <p:subTnLst>
+                                    <p:set>
+                                      <p:cBhvr override="childStyle">
+                                        <p:cTn dur="1" fill="hold" display="0" masterRel="nextClick" afterEffect="1"/>
+                                        <p:tgtEl>
+                                          <p:spTgt spid="43"/>
+                                        </p:tgtEl>
+                                        <p:attrNameLst>
+                                          <p:attrName>style.visibility</p:attrName>
+                                        </p:attrNameLst>
+                                      </p:cBhvr>
+                                      <p:to>
+                                        <p:strVal val="hidden"/>
+                                      </p:to>
+                                    </p:set>
+                                  </p:subTnLst>
+                                </p:cTn>
+                              </p:par>
+                            </p:childTnLst>
+                          </p:cTn>
+                        </p:par>
+                      </p:childTnLst>
+                    </p:cTn>
+                  </p:par>
+                  <p:par>
+                    <p:cTn id="31" fill="hold">
+                      <p:stCondLst>
+                        <p:cond delay="indefinite"/>
+                      </p:stCondLst>
+                      <p:childTnLst>
+                        <p:par>
+                          <p:cTn id="32" fill="hold">
+                            <p:stCondLst>
+                              <p:cond delay="0"/>
+                            </p:stCondLst>
+                            <p:childTnLst>
+                              <p:par>
+                                <p:cTn id="33" presetID="42" presetClass="entr" presetSubtype="0" fill="hold" nodeType="clickEffect">
+                                  <p:stCondLst>
+                                    <p:cond delay="0"/>
+                                  </p:stCondLst>
+                                  <p:childTnLst>
+                                    <p:set>
+                                      <p:cBhvr>
+                                        <p:cTn id="34" dur="1" fill="hold">
+                                          <p:stCondLst>
+                                            <p:cond delay="0"/>
+                                          </p:stCondLst>
+                                        </p:cTn>
+                                        <p:tgtEl>
+                                          <p:spTgt spid="18"/>
+                                        </p:tgtEl>
+                                        <p:attrNameLst>
+                                          <p:attrName>style.visibility</p:attrName>
+                                        </p:attrNameLst>
+                                      </p:cBhvr>
+                                      <p:to>
+                                        <p:strVal val="visible"/>
+                                      </p:to>
+                                    </p:set>
+                                    <p:animEffect transition="in" filter="fade">
+                                      <p:cBhvr>
+                                        <p:cTn id="35" dur="1000"/>
+                                        <p:tgtEl>
+                                          <p:spTgt spid="18"/>
+                                        </p:tgtEl>
+                                      </p:cBhvr>
+                                    </p:animEffect>
+                                    <p:anim calcmode="lin" valueType="num">
+                                      <p:cBhvr>
+                                        <p:cTn id="36" dur="1000" fill="hold"/>
+                                        <p:tgtEl>
+                                          <p:spTgt spid="18"/>
+                                        </p:tgtEl>
+                                        <p:attrNameLst>
+                                          <p:attrName>ppt_x</p:attrName>
+                                        </p:attrNameLst>
+                                      </p:cBhvr>
+                                      <p:tavLst>
+                                        <p:tav tm="0">
+                                          <p:val>
+                                            <p:strVal val="#ppt_x"/>
+                                          </p:val>
+                                        </p:tav>
+                                        <p:tav tm="100000">
+                                          <p:val>
+                                            <p:strVal val="#ppt_x"/>
+                                          </p:val>
+                                        </p:tav>
+                                      </p:tavLst>
+                                    </p:anim>
+                                    <p:anim calcmode="lin" valueType="num">
+                                      <p:cBhvr>
+                                        <p:cTn id="37" dur="1000" fill="hold"/>
+                                        <p:tgtEl>
+                                          <p:spTgt spid="18"/>
+                                        </p:tgtEl>
+                                        <p:attrNameLst>
+                                          <p:attrName>ppt_y</p:attrName>
+                                        </p:attrNameLst>
+                                      </p:cBhvr>
+                                      <p:tavLst>
+                                        <p:tav tm="0">
+                                          <p:val>
+                                            <p:strVal val="#ppt_y+.1"/>
+                                          </p:val>
+                                        </p:tav>
+                                        <p:tav tm="100000">
+                                          <p:val>
+                                            <p:strVal val="#ppt_y"/>
+                                          </p:val>
+                                        </p:tav>
+                                      </p:tavLst>
+                                    </p:anim>
+                                  </p:childTnLst>
+                                </p:cTn>
+                              </p:par>
+                              <p:par>
+                                <p:cTn id="38" presetID="10" presetClass="entr" presetSubtype="0" fill="hold" grpId="0" nodeType="withEffect">
+                                  <p:stCondLst>
+                                    <p:cond delay="0"/>
+                                  </p:stCondLst>
+                                  <p:childTnLst>
+                                    <p:set>
+                                      <p:cBhvr>
+                                        <p:cTn id="39" dur="1" fill="hold">
+                                          <p:stCondLst>
+                                            <p:cond delay="0"/>
+                                          </p:stCondLst>
+                                        </p:cTn>
+                                        <p:tgtEl>
+                                          <p:spTgt spid="45"/>
+                                        </p:tgtEl>
+                                        <p:attrNameLst>
+                                          <p:attrName>style.visibility</p:attrName>
+                                        </p:attrNameLst>
+                                      </p:cBhvr>
+                                      <p:to>
+                                        <p:strVal val="visible"/>
+                                      </p:to>
+                                    </p:set>
+                                    <p:animEffect transition="in" filter="fade">
+                                      <p:cBhvr>
+                                        <p:cTn id="40" dur="500"/>
+                                        <p:tgtEl>
+                                          <p:spTgt spid="45"/>
+                                        </p:tgtEl>
+                                      </p:cBhvr>
+                                    </p:animEffect>
+                                  </p:childTnLst>
+                                  <p:subTnLst>
+                                    <p:set>
+                                      <p:cBhvr override="childStyle">
+                                        <p:cTn dur="1" fill="hold" display="0" masterRel="nextClick" afterEffect="1"/>
+                                        <p:tgtEl>
+                                          <p:spTgt spid="45"/>
+                                        </p:tgtEl>
+                                        <p:attrNameLst>
+                                          <p:attrName>style.visibility</p:attrName>
+                                        </p:attrNameLst>
+                                      </p:cBhvr>
+                                      <p:to>
+                                        <p:strVal val="hidden"/>
+                                      </p:to>
+                                    </p:set>
+                                  </p:subTnLst>
+                                </p:cTn>
+                              </p:par>
+                            </p:childTnLst>
+                          </p:cTn>
+                        </p:par>
+                      </p:childTnLst>
+                    </p:cTn>
+                  </p:par>
+                  <p:par>
+                    <p:cTn id="41" fill="hold">
+                      <p:stCondLst>
+                        <p:cond delay="indefinite"/>
+                      </p:stCondLst>
+                      <p:childTnLst>
+                        <p:par>
+                          <p:cTn id="42" fill="hold">
+                            <p:stCondLst>
+                              <p:cond delay="0"/>
+                            </p:stCondLst>
+                            <p:childTnLst>
+                              <p:par>
+                                <p:cTn id="43" presetID="16" presetClass="entr" presetSubtype="21" fill="hold" nodeType="clickEffect">
+                                  <p:stCondLst>
+                                    <p:cond delay="0"/>
+                                  </p:stCondLst>
+                                  <p:childTnLst>
+                                    <p:set>
+                                      <p:cBhvr>
+                                        <p:cTn id="44" dur="1" fill="hold">
+                                          <p:stCondLst>
+                                            <p:cond delay="0"/>
+                                          </p:stCondLst>
+                                        </p:cTn>
+                                        <p:tgtEl>
+                                          <p:spTgt spid="9"/>
+                                        </p:tgtEl>
+                                        <p:attrNameLst>
+                                          <p:attrName>style.visibility</p:attrName>
+                                        </p:attrNameLst>
+                                      </p:cBhvr>
+                                      <p:to>
+                                        <p:strVal val="visible"/>
+                                      </p:to>
+                                    </p:set>
+                                    <p:animEffect transition="in" filter="barn(inVertical)">
+                                      <p:cBhvr>
+                                        <p:cTn id="45" dur="500"/>
+                                        <p:tgtEl>
+                                          <p:spTgt spid="9"/>
+                                        </p:tgtEl>
+                                      </p:cBhvr>
+                                    </p:animEffect>
+                                  </p:childTnLst>
+                                </p:cTn>
+                              </p:par>
+                              <p:par>
+                                <p:cTn id="46" presetID="16" presetClass="entr" presetSubtype="21" fill="hold" nodeType="withEffect">
+                                  <p:stCondLst>
+                                    <p:cond delay="0"/>
+                                  </p:stCondLst>
+                                  <p:childTnLst>
+                                    <p:set>
+                                      <p:cBhvr>
+                                        <p:cTn id="47" dur="1" fill="hold">
+                                          <p:stCondLst>
+                                            <p:cond delay="0"/>
+                                          </p:stCondLst>
+                                        </p:cTn>
+                                        <p:tgtEl>
+                                          <p:spTgt spid="7"/>
+                                        </p:tgtEl>
+                                        <p:attrNameLst>
+                                          <p:attrName>style.visibility</p:attrName>
+                                        </p:attrNameLst>
+                                      </p:cBhvr>
+                                      <p:to>
+                                        <p:strVal val="visible"/>
+                                      </p:to>
+                                    </p:set>
+                                    <p:animEffect transition="in" filter="barn(inVertical)">
+                                      <p:cBhvr>
+                                        <p:cTn id="48" dur="500"/>
+                                        <p:tgtEl>
+                                          <p:spTgt spid="7"/>
+                                        </p:tgtEl>
+                                      </p:cBhvr>
+                                    </p:animEffect>
+                                  </p:childTnLst>
+                                </p:cTn>
+                              </p:par>
+                              <p:par>
+                                <p:cTn id="49" presetID="16" presetClass="entr" presetSubtype="21" fill="hold" nodeType="withEffect">
+                                  <p:stCondLst>
+                                    <p:cond delay="0"/>
+                                  </p:stCondLst>
+                                  <p:childTnLst>
+                                    <p:set>
+                                      <p:cBhvr>
+                                        <p:cTn id="50" dur="1" fill="hold">
+                                          <p:stCondLst>
+                                            <p:cond delay="0"/>
+                                          </p:stCondLst>
+                                        </p:cTn>
+                                        <p:tgtEl>
+                                          <p:spTgt spid="10"/>
+                                        </p:tgtEl>
+                                        <p:attrNameLst>
+                                          <p:attrName>style.visibility</p:attrName>
+                                        </p:attrNameLst>
+                                      </p:cBhvr>
+                                      <p:to>
+                                        <p:strVal val="visible"/>
+                                      </p:to>
+                                    </p:set>
+                                    <p:animEffect transition="in" filter="barn(inVertical)">
+                                      <p:cBhvr>
+                                        <p:cTn id="51" dur="500"/>
+                                        <p:tgtEl>
+                                          <p:spTgt spid="10"/>
+                                        </p:tgtEl>
+                                      </p:cBhvr>
+                                    </p:animEffect>
+                                  </p:childTnLst>
+                                </p:cTn>
+                              </p:par>
+                              <p:par>
+                                <p:cTn id="52" presetID="10" presetClass="entr" presetSubtype="0" fill="hold" grpId="0" nodeType="withEffect">
+                                  <p:stCondLst>
+                                    <p:cond delay="0"/>
+                                  </p:stCondLst>
+                                  <p:childTnLst>
+                                    <p:set>
+                                      <p:cBhvr>
+                                        <p:cTn id="53" dur="1" fill="hold">
+                                          <p:stCondLst>
+                                            <p:cond delay="0"/>
+                                          </p:stCondLst>
+                                        </p:cTn>
+                                        <p:tgtEl>
+                                          <p:spTgt spid="56"/>
+                                        </p:tgtEl>
+                                        <p:attrNameLst>
+                                          <p:attrName>style.visibility</p:attrName>
+                                        </p:attrNameLst>
+                                      </p:cBhvr>
+                                      <p:to>
+                                        <p:strVal val="visible"/>
+                                      </p:to>
+                                    </p:set>
+                                    <p:animEffect transition="in" filter="fade">
+                                      <p:cBhvr>
+                                        <p:cTn id="54" dur="500"/>
+                                        <p:tgtEl>
+                                          <p:spTgt spid="56"/>
+                                        </p:tgtEl>
+                                      </p:cBhvr>
+                                    </p:animEffect>
+                                  </p:childTnLst>
+                                  <p:subTnLst>
+                                    <p:set>
+                                      <p:cBhvr override="childStyle">
+                                        <p:cTn dur="1" fill="hold" display="0" masterRel="nextClick" afterEffect="1"/>
+                                        <p:tgtEl>
+                                          <p:spTgt spid="56"/>
+                                        </p:tgtEl>
+                                        <p:attrNameLst>
+                                          <p:attrName>style.visibility</p:attrName>
+                                        </p:attrNameLst>
+                                      </p:cBhvr>
+                                      <p:to>
+                                        <p:strVal val="hidden"/>
+                                      </p:to>
+                                    </p:set>
+                                  </p:subTnLst>
+                                </p:cTn>
+                              </p:par>
+                            </p:childTnLst>
+                          </p:cTn>
+                        </p:par>
+                      </p:childTnLst>
+                    </p:cTn>
+                  </p:par>
+                  <p:par>
+                    <p:cTn id="55" fill="hold">
+                      <p:stCondLst>
+                        <p:cond delay="indefinite"/>
+                      </p:stCondLst>
+                      <p:childTnLst>
+                        <p:par>
+                          <p:cTn id="56" fill="hold">
+                            <p:stCondLst>
+                              <p:cond delay="0"/>
+                            </p:stCondLst>
+                            <p:childTnLst>
+                              <p:par>
+                                <p:cTn id="57" presetID="42" presetClass="entr" presetSubtype="0" fill="hold" nodeType="clickEffect">
+                                  <p:stCondLst>
+                                    <p:cond delay="0"/>
+                                  </p:stCondLst>
+                                  <p:childTnLst>
+                                    <p:set>
+                                      <p:cBhvr>
+                                        <p:cTn id="58" dur="1" fill="hold">
+                                          <p:stCondLst>
+                                            <p:cond delay="0"/>
+                                          </p:stCondLst>
+                                        </p:cTn>
+                                        <p:tgtEl>
+                                          <p:spTgt spid="14"/>
+                                        </p:tgtEl>
+                                        <p:attrNameLst>
+                                          <p:attrName>style.visibility</p:attrName>
+                                        </p:attrNameLst>
+                                      </p:cBhvr>
+                                      <p:to>
+                                        <p:strVal val="visible"/>
+                                      </p:to>
+                                    </p:set>
+                                    <p:animEffect transition="in" filter="fade">
+                                      <p:cBhvr>
+                                        <p:cTn id="59" dur="1000"/>
+                                        <p:tgtEl>
+                                          <p:spTgt spid="14"/>
+                                        </p:tgtEl>
+                                      </p:cBhvr>
+                                    </p:animEffect>
+                                    <p:anim calcmode="lin" valueType="num">
+                                      <p:cBhvr>
+                                        <p:cTn id="60" dur="1000" fill="hold"/>
+                                        <p:tgtEl>
+                                          <p:spTgt spid="14"/>
+                                        </p:tgtEl>
+                                        <p:attrNameLst>
+                                          <p:attrName>ppt_x</p:attrName>
+                                        </p:attrNameLst>
+                                      </p:cBhvr>
+                                      <p:tavLst>
+                                        <p:tav tm="0">
+                                          <p:val>
+                                            <p:strVal val="#ppt_x"/>
+                                          </p:val>
+                                        </p:tav>
+                                        <p:tav tm="100000">
+                                          <p:val>
+                                            <p:strVal val="#ppt_x"/>
+                                          </p:val>
+                                        </p:tav>
+                                      </p:tavLst>
+                                    </p:anim>
+                                    <p:anim calcmode="lin" valueType="num">
+                                      <p:cBhvr>
+                                        <p:cTn id="61" dur="1000" fill="hold"/>
+                                        <p:tgtEl>
+                                          <p:spTgt spid="14"/>
+                                        </p:tgtEl>
+                                        <p:attrNameLst>
+                                          <p:attrName>ppt_y</p:attrName>
+                                        </p:attrNameLst>
+                                      </p:cBhvr>
+                                      <p:tavLst>
+                                        <p:tav tm="0">
+                                          <p:val>
+                                            <p:strVal val="#ppt_y+.1"/>
+                                          </p:val>
+                                        </p:tav>
+                                        <p:tav tm="100000">
+                                          <p:val>
+                                            <p:strVal val="#ppt_y"/>
+                                          </p:val>
+                                        </p:tav>
+                                      </p:tavLst>
+                                    </p:anim>
+                                  </p:childTnLst>
+                                </p:cTn>
+                              </p:par>
+                              <p:par>
+                                <p:cTn id="62" presetID="42" presetClass="entr" presetSubtype="0" fill="hold" nodeType="withEffect">
+                                  <p:stCondLst>
+                                    <p:cond delay="0"/>
+                                  </p:stCondLst>
+                                  <p:childTnLst>
+                                    <p:set>
+                                      <p:cBhvr>
+                                        <p:cTn id="63" dur="1" fill="hold">
+                                          <p:stCondLst>
+                                            <p:cond delay="0"/>
+                                          </p:stCondLst>
+                                        </p:cTn>
+                                        <p:tgtEl>
+                                          <p:spTgt spid="15"/>
+                                        </p:tgtEl>
+                                        <p:attrNameLst>
+                                          <p:attrName>style.visibility</p:attrName>
+                                        </p:attrNameLst>
+                                      </p:cBhvr>
+                                      <p:to>
+                                        <p:strVal val="visible"/>
+                                      </p:to>
+                                    </p:set>
+                                    <p:animEffect transition="in" filter="fade">
+                                      <p:cBhvr>
+                                        <p:cTn id="64" dur="1000"/>
+                                        <p:tgtEl>
+                                          <p:spTgt spid="15"/>
+                                        </p:tgtEl>
+                                      </p:cBhvr>
+                                    </p:animEffect>
+                                    <p:anim calcmode="lin" valueType="num">
+                                      <p:cBhvr>
+                                        <p:cTn id="65" dur="1000" fill="hold"/>
+                                        <p:tgtEl>
+                                          <p:spTgt spid="15"/>
+                                        </p:tgtEl>
+                                        <p:attrNameLst>
+                                          <p:attrName>ppt_x</p:attrName>
+                                        </p:attrNameLst>
+                                      </p:cBhvr>
+                                      <p:tavLst>
+                                        <p:tav tm="0">
+                                          <p:val>
+                                            <p:strVal val="#ppt_x"/>
+                                          </p:val>
+                                        </p:tav>
+                                        <p:tav tm="100000">
+                                          <p:val>
+                                            <p:strVal val="#ppt_x"/>
+                                          </p:val>
+                                        </p:tav>
+                                      </p:tavLst>
+                                    </p:anim>
+                                    <p:anim calcmode="lin" valueType="num">
+                                      <p:cBhvr>
+                                        <p:cTn id="66" dur="1000" fill="hold"/>
+                                        <p:tgtEl>
+                                          <p:spTgt spid="15"/>
+                                        </p:tgtEl>
+                                        <p:attrNameLst>
+                                          <p:attrName>ppt_y</p:attrName>
+                                        </p:attrNameLst>
+                                      </p:cBhvr>
+                                      <p:tavLst>
+                                        <p:tav tm="0">
+                                          <p:val>
+                                            <p:strVal val="#ppt_y+.1"/>
+                                          </p:val>
+                                        </p:tav>
+                                        <p:tav tm="100000">
+                                          <p:val>
+                                            <p:strVal val="#ppt_y"/>
+                                          </p:val>
+                                        </p:tav>
+                                      </p:tavLst>
+                                    </p:anim>
+                                  </p:childTnLst>
+                                </p:cTn>
+                              </p:par>
+                              <p:par>
+                                <p:cTn id="67" presetID="42" presetClass="entr" presetSubtype="0" fill="hold" nodeType="withEffect">
+                                  <p:stCondLst>
+                                    <p:cond delay="0"/>
+                                  </p:stCondLst>
+                                  <p:childTnLst>
+                                    <p:set>
+                                      <p:cBhvr>
+                                        <p:cTn id="68" dur="1" fill="hold">
+                                          <p:stCondLst>
+                                            <p:cond delay="0"/>
+                                          </p:stCondLst>
+                                        </p:cTn>
+                                        <p:tgtEl>
+                                          <p:spTgt spid="16"/>
+                                        </p:tgtEl>
+                                        <p:attrNameLst>
+                                          <p:attrName>style.visibility</p:attrName>
+                                        </p:attrNameLst>
+                                      </p:cBhvr>
+                                      <p:to>
+                                        <p:strVal val="visible"/>
+                                      </p:to>
+                                    </p:set>
+                                    <p:animEffect transition="in" filter="fade">
+                                      <p:cBhvr>
+                                        <p:cTn id="69" dur="1000"/>
+                                        <p:tgtEl>
+                                          <p:spTgt spid="16"/>
+                                        </p:tgtEl>
+                                      </p:cBhvr>
+                                    </p:animEffect>
+                                    <p:anim calcmode="lin" valueType="num">
+                                      <p:cBhvr>
+                                        <p:cTn id="70" dur="1000" fill="hold"/>
+                                        <p:tgtEl>
+                                          <p:spTgt spid="16"/>
+                                        </p:tgtEl>
+                                        <p:attrNameLst>
+                                          <p:attrName>ppt_x</p:attrName>
+                                        </p:attrNameLst>
+                                      </p:cBhvr>
+                                      <p:tavLst>
+                                        <p:tav tm="0">
+                                          <p:val>
+                                            <p:strVal val="#ppt_x"/>
+                                          </p:val>
+                                        </p:tav>
+                                        <p:tav tm="100000">
+                                          <p:val>
+                                            <p:strVal val="#ppt_x"/>
+                                          </p:val>
+                                        </p:tav>
+                                      </p:tavLst>
+                                    </p:anim>
+                                    <p:anim calcmode="lin" valueType="num">
+                                      <p:cBhvr>
+                                        <p:cTn id="71" dur="1000" fill="hold"/>
+                                        <p:tgtEl>
+                                          <p:spTgt spid="16"/>
+                                        </p:tgtEl>
+                                        <p:attrNameLst>
+                                          <p:attrName>ppt_y</p:attrName>
+                                        </p:attrNameLst>
+                                      </p:cBhvr>
+                                      <p:tavLst>
+                                        <p:tav tm="0">
+                                          <p:val>
+                                            <p:strVal val="#ppt_y+.1"/>
+                                          </p:val>
+                                        </p:tav>
+                                        <p:tav tm="100000">
+                                          <p:val>
+                                            <p:strVal val="#ppt_y"/>
+                                          </p:val>
+                                        </p:tav>
+                                      </p:tavLst>
+                                    </p:anim>
+                                  </p:childTnLst>
+                                </p:cTn>
+                              </p:par>
+                              <p:par>
+                                <p:cTn id="72" presetID="42" presetClass="entr" presetSubtype="0" fill="hold" nodeType="withEffect">
+                                  <p:stCondLst>
+                                    <p:cond delay="0"/>
+                                  </p:stCondLst>
+                                  <p:childTnLst>
+                                    <p:set>
+                                      <p:cBhvr>
+                                        <p:cTn id="73" dur="1" fill="hold">
+                                          <p:stCondLst>
+                                            <p:cond delay="0"/>
+                                          </p:stCondLst>
+                                        </p:cTn>
+                                        <p:tgtEl>
+                                          <p:spTgt spid="11"/>
+                                        </p:tgtEl>
+                                        <p:attrNameLst>
+                                          <p:attrName>style.visibility</p:attrName>
+                                        </p:attrNameLst>
+                                      </p:cBhvr>
+                                      <p:to>
+                                        <p:strVal val="visible"/>
+                                      </p:to>
+                                    </p:set>
+                                    <p:animEffect transition="in" filter="fade">
+                                      <p:cBhvr>
+                                        <p:cTn id="74" dur="1000"/>
+                                        <p:tgtEl>
+                                          <p:spTgt spid="11"/>
+                                        </p:tgtEl>
+                                      </p:cBhvr>
+                                    </p:animEffect>
+                                    <p:anim calcmode="lin" valueType="num">
+                                      <p:cBhvr>
+                                        <p:cTn id="75" dur="1000" fill="hold"/>
+                                        <p:tgtEl>
+                                          <p:spTgt spid="11"/>
+                                        </p:tgtEl>
+                                        <p:attrNameLst>
+                                          <p:attrName>ppt_x</p:attrName>
+                                        </p:attrNameLst>
+                                      </p:cBhvr>
+                                      <p:tavLst>
+                                        <p:tav tm="0">
+                                          <p:val>
+                                            <p:strVal val="#ppt_x"/>
+                                          </p:val>
+                                        </p:tav>
+                                        <p:tav tm="100000">
+                                          <p:val>
+                                            <p:strVal val="#ppt_x"/>
+                                          </p:val>
+                                        </p:tav>
+                                      </p:tavLst>
+                                    </p:anim>
+                                    <p:anim calcmode="lin" valueType="num">
+                                      <p:cBhvr>
+                                        <p:cTn id="76" dur="1000" fill="hold"/>
+                                        <p:tgtEl>
+                                          <p:spTgt spid="11"/>
+                                        </p:tgtEl>
+                                        <p:attrNameLst>
+                                          <p:attrName>ppt_y</p:attrName>
+                                        </p:attrNameLst>
+                                      </p:cBhvr>
+                                      <p:tavLst>
+                                        <p:tav tm="0">
+                                          <p:val>
+                                            <p:strVal val="#ppt_y+.1"/>
+                                          </p:val>
+                                        </p:tav>
+                                        <p:tav tm="100000">
+                                          <p:val>
+                                            <p:strVal val="#ppt_y"/>
+                                          </p:val>
+                                        </p:tav>
+                                      </p:tavLst>
+                                    </p:anim>
+                                  </p:childTnLst>
+                                </p:cTn>
+                              </p:par>
+                              <p:par>
+                                <p:cTn id="77" presetID="42" presetClass="entr" presetSubtype="0" fill="hold" nodeType="withEffect">
+                                  <p:stCondLst>
+                                    <p:cond delay="0"/>
+                                  </p:stCondLst>
+                                  <p:childTnLst>
+                                    <p:set>
+                                      <p:cBhvr>
+                                        <p:cTn id="78" dur="1" fill="hold">
+                                          <p:stCondLst>
+                                            <p:cond delay="0"/>
+                                          </p:stCondLst>
+                                        </p:cTn>
+                                        <p:tgtEl>
+                                          <p:spTgt spid="12"/>
+                                        </p:tgtEl>
+                                        <p:attrNameLst>
+                                          <p:attrName>style.visibility</p:attrName>
+                                        </p:attrNameLst>
+                                      </p:cBhvr>
+                                      <p:to>
+                                        <p:strVal val="visible"/>
+                                      </p:to>
+                                    </p:set>
+                                    <p:animEffect transition="in" filter="fade">
+                                      <p:cBhvr>
+                                        <p:cTn id="79" dur="1000"/>
+                                        <p:tgtEl>
+                                          <p:spTgt spid="12"/>
+                                        </p:tgtEl>
+                                      </p:cBhvr>
+                                    </p:animEffect>
+                                    <p:anim calcmode="lin" valueType="num">
+                                      <p:cBhvr>
+                                        <p:cTn id="80" dur="1000" fill="hold"/>
+                                        <p:tgtEl>
+                                          <p:spTgt spid="12"/>
+                                        </p:tgtEl>
+                                        <p:attrNameLst>
+                                          <p:attrName>ppt_x</p:attrName>
+                                        </p:attrNameLst>
+                                      </p:cBhvr>
+                                      <p:tavLst>
+                                        <p:tav tm="0">
+                                          <p:val>
+                                            <p:strVal val="#ppt_x"/>
+                                          </p:val>
+                                        </p:tav>
+                                        <p:tav tm="100000">
+                                          <p:val>
+                                            <p:strVal val="#ppt_x"/>
+                                          </p:val>
+                                        </p:tav>
+                                      </p:tavLst>
+                                    </p:anim>
+                                    <p:anim calcmode="lin" valueType="num">
+                                      <p:cBhvr>
+                                        <p:cTn id="81" dur="1000" fill="hold"/>
+                                        <p:tgtEl>
+                                          <p:spTgt spid="12"/>
+                                        </p:tgtEl>
+                                        <p:attrNameLst>
+                                          <p:attrName>ppt_y</p:attrName>
+                                        </p:attrNameLst>
+                                      </p:cBhvr>
+                                      <p:tavLst>
+                                        <p:tav tm="0">
+                                          <p:val>
+                                            <p:strVal val="#ppt_y+.1"/>
+                                          </p:val>
+                                        </p:tav>
+                                        <p:tav tm="100000">
+                                          <p:val>
+                                            <p:strVal val="#ppt_y"/>
+                                          </p:val>
+                                        </p:tav>
+                                      </p:tavLst>
+                                    </p:anim>
+                                  </p:childTnLst>
+                                </p:cTn>
+                              </p:par>
+                              <p:par>
+                                <p:cTn id="82" presetID="42" presetClass="entr" presetSubtype="0" fill="hold" nodeType="withEffect">
+                                  <p:stCondLst>
+                                    <p:cond delay="0"/>
+                                  </p:stCondLst>
+                                  <p:childTnLst>
+                                    <p:set>
+                                      <p:cBhvr>
+                                        <p:cTn id="83" dur="1" fill="hold">
+                                          <p:stCondLst>
+                                            <p:cond delay="0"/>
+                                          </p:stCondLst>
+                                        </p:cTn>
+                                        <p:tgtEl>
+                                          <p:spTgt spid="13"/>
+                                        </p:tgtEl>
+                                        <p:attrNameLst>
+                                          <p:attrName>style.visibility</p:attrName>
+                                        </p:attrNameLst>
+                                      </p:cBhvr>
+                                      <p:to>
+                                        <p:strVal val="visible"/>
+                                      </p:to>
+                                    </p:set>
+                                    <p:animEffect transition="in" filter="fade">
+                                      <p:cBhvr>
+                                        <p:cTn id="84" dur="1000"/>
+                                        <p:tgtEl>
+                                          <p:spTgt spid="13"/>
+                                        </p:tgtEl>
+                                      </p:cBhvr>
+                                    </p:animEffect>
+                                    <p:anim calcmode="lin" valueType="num">
+                                      <p:cBhvr>
+                                        <p:cTn id="85" dur="1000" fill="hold"/>
+                                        <p:tgtEl>
+                                          <p:spTgt spid="13"/>
+                                        </p:tgtEl>
+                                        <p:attrNameLst>
+                                          <p:attrName>ppt_x</p:attrName>
+                                        </p:attrNameLst>
+                                      </p:cBhvr>
+                                      <p:tavLst>
+                                        <p:tav tm="0">
+                                          <p:val>
+                                            <p:strVal val="#ppt_x"/>
+                                          </p:val>
+                                        </p:tav>
+                                        <p:tav tm="100000">
+                                          <p:val>
+                                            <p:strVal val="#ppt_x"/>
+                                          </p:val>
+                                        </p:tav>
+                                      </p:tavLst>
+                                    </p:anim>
+                                    <p:anim calcmode="lin" valueType="num">
+                                      <p:cBhvr>
+                                        <p:cTn id="86" dur="1000" fill="hold"/>
+                                        <p:tgtEl>
+                                          <p:spTgt spid="13"/>
+                                        </p:tgtEl>
+                                        <p:attrNameLst>
+                                          <p:attrName>ppt_y</p:attrName>
+                                        </p:attrNameLst>
+                                      </p:cBhvr>
+                                      <p:tavLst>
+                                        <p:tav tm="0">
+                                          <p:val>
+                                            <p:strVal val="#ppt_y+.1"/>
+                                          </p:val>
+                                        </p:tav>
+                                        <p:tav tm="100000">
+                                          <p:val>
+                                            <p:strVal val="#ppt_y"/>
+                                          </p:val>
+                                        </p:tav>
+                                      </p:tavLst>
+                                    </p:anim>
+                                  </p:childTnLst>
+                                </p:cTn>
+                              </p:par>
+                              <p:par>
+                                <p:cTn id="87" presetID="10" presetClass="entr" presetSubtype="0" fill="hold" grpId="0" nodeType="withEffect">
+                                  <p:stCondLst>
+                                    <p:cond delay="0"/>
+                                  </p:stCondLst>
+                                  <p:childTnLst>
+                                    <p:set>
+                                      <p:cBhvr>
+                                        <p:cTn id="88" dur="1" fill="hold">
+                                          <p:stCondLst>
+                                            <p:cond delay="0"/>
+                                          </p:stCondLst>
+                                        </p:cTn>
+                                        <p:tgtEl>
+                                          <p:spTgt spid="76"/>
+                                        </p:tgtEl>
+                                        <p:attrNameLst>
+                                          <p:attrName>style.visibility</p:attrName>
+                                        </p:attrNameLst>
+                                      </p:cBhvr>
+                                      <p:to>
+                                        <p:strVal val="visible"/>
+                                      </p:to>
+                                    </p:set>
+                                    <p:animEffect transition="in" filter="fade">
+                                      <p:cBhvr>
+                                        <p:cTn id="89" dur="500"/>
+                                        <p:tgtEl>
+                                          <p:spTgt spid="76"/>
+                                        </p:tgtEl>
+                                      </p:cBhvr>
+                                    </p:animEffect>
+                                  </p:childTnLst>
+                                  <p:subTnLst>
+                                    <p:set>
+                                      <p:cBhvr override="childStyle">
+                                        <p:cTn dur="1" fill="hold" display="0" masterRel="nextClick" afterEffect="1"/>
+                                        <p:tgtEl>
+                                          <p:spTgt spid="76"/>
+                                        </p:tgtEl>
+                                        <p:attrNameLst>
+                                          <p:attrName>style.visibility</p:attrName>
+                                        </p:attrNameLst>
+                                      </p:cBhvr>
+                                      <p:to>
+                                        <p:strVal val="hidden"/>
+                                      </p:to>
+                                    </p:set>
+                                  </p:subTnLst>
+                                </p:cTn>
+                              </p:par>
+                            </p:childTnLst>
+                          </p:cTn>
+                        </p:par>
+                      </p:childTnLst>
+                    </p:cTn>
+                  </p:par>
+                  <p:par>
+                    <p:cTn id="90" fill="hold">
+                      <p:stCondLst>
+                        <p:cond delay="indefinite"/>
+                      </p:stCondLst>
+                      <p:childTnLst>
+                        <p:par>
+                          <p:cTn id="91" fill="hold">
+                            <p:stCondLst>
+                              <p:cond delay="0"/>
+                            </p:stCondLst>
+                            <p:childTnLst>
+                              <p:par>
+                                <p:cTn id="92" presetID="42" presetClass="entr" presetSubtype="0" fill="hold" nodeType="clickEffect">
+                                  <p:stCondLst>
+                                    <p:cond delay="0"/>
+                                  </p:stCondLst>
+                                  <p:childTnLst>
+                                    <p:set>
+                                      <p:cBhvr>
+                                        <p:cTn id="93" dur="1" fill="hold">
+                                          <p:stCondLst>
+                                            <p:cond delay="0"/>
+                                          </p:stCondLst>
+                                        </p:cTn>
+                                        <p:tgtEl>
+                                          <p:spTgt spid="23"/>
+                                        </p:tgtEl>
+                                        <p:attrNameLst>
+                                          <p:attrName>style.visibility</p:attrName>
+                                        </p:attrNameLst>
+                                      </p:cBhvr>
+                                      <p:to>
+                                        <p:strVal val="visible"/>
+                                      </p:to>
+                                    </p:set>
+                                    <p:animEffect transition="in" filter="fade">
+                                      <p:cBhvr>
+                                        <p:cTn id="94" dur="1000"/>
+                                        <p:tgtEl>
+                                          <p:spTgt spid="23"/>
+                                        </p:tgtEl>
+                                      </p:cBhvr>
+                                    </p:animEffect>
+                                    <p:anim calcmode="lin" valueType="num">
+                                      <p:cBhvr>
+                                        <p:cTn id="95" dur="1000" fill="hold"/>
+                                        <p:tgtEl>
+                                          <p:spTgt spid="23"/>
+                                        </p:tgtEl>
+                                        <p:attrNameLst>
+                                          <p:attrName>ppt_x</p:attrName>
+                                        </p:attrNameLst>
+                                      </p:cBhvr>
+                                      <p:tavLst>
+                                        <p:tav tm="0">
+                                          <p:val>
+                                            <p:strVal val="#ppt_x"/>
+                                          </p:val>
+                                        </p:tav>
+                                        <p:tav tm="100000">
+                                          <p:val>
+                                            <p:strVal val="#ppt_x"/>
+                                          </p:val>
+                                        </p:tav>
+                                      </p:tavLst>
+                                    </p:anim>
+                                    <p:anim calcmode="lin" valueType="num">
+                                      <p:cBhvr>
+                                        <p:cTn id="96" dur="1000" fill="hold"/>
+                                        <p:tgtEl>
+                                          <p:spTgt spid="23"/>
+                                        </p:tgtEl>
+                                        <p:attrNameLst>
+                                          <p:attrName>ppt_y</p:attrName>
+                                        </p:attrNameLst>
+                                      </p:cBhvr>
+                                      <p:tavLst>
+                                        <p:tav tm="0">
+                                          <p:val>
+                                            <p:strVal val="#ppt_y+.1"/>
+                                          </p:val>
+                                        </p:tav>
+                                        <p:tav tm="100000">
+                                          <p:val>
+                                            <p:strVal val="#ppt_y"/>
+                                          </p:val>
+                                        </p:tav>
+                                      </p:tavLst>
+                                    </p:anim>
+                                  </p:childTnLst>
+                                </p:cTn>
+                              </p:par>
+                              <p:par>
+                                <p:cTn id="97" presetID="10" presetClass="entr" presetSubtype="0" fill="hold" grpId="0" nodeType="withEffect">
+                                  <p:stCondLst>
+                                    <p:cond delay="0"/>
+                                  </p:stCondLst>
+                                  <p:childTnLst>
+                                    <p:set>
+                                      <p:cBhvr>
+                                        <p:cTn id="98" dur="1" fill="hold">
+                                          <p:stCondLst>
+                                            <p:cond delay="0"/>
+                                          </p:stCondLst>
+                                        </p:cTn>
+                                        <p:tgtEl>
+                                          <p:spTgt spid="77"/>
+                                        </p:tgtEl>
+                                        <p:attrNameLst>
+                                          <p:attrName>style.visibility</p:attrName>
+                                        </p:attrNameLst>
+                                      </p:cBhvr>
+                                      <p:to>
+                                        <p:strVal val="visible"/>
+                                      </p:to>
+                                    </p:set>
+                                    <p:animEffect transition="in" filter="fade">
+                                      <p:cBhvr>
+                                        <p:cTn id="99" dur="500"/>
+                                        <p:tgtEl>
+                                          <p:spTgt spid="77"/>
+                                        </p:tgtEl>
+                                      </p:cBhvr>
+                                    </p:animEffect>
+                                  </p:childTnLst>
+                                  <p:subTnLst>
+                                    <p:set>
+                                      <p:cBhvr override="childStyle">
+                                        <p:cTn dur="1" fill="hold" display="0" masterRel="nextClick" afterEffect="1"/>
+                                        <p:tgtEl>
+                                          <p:spTgt spid="77"/>
+                                        </p:tgtEl>
+                                        <p:attrNameLst>
+                                          <p:attrName>style.visibility</p:attrName>
+                                        </p:attrNameLst>
+                                      </p:cBhvr>
+                                      <p:to>
+                                        <p:strVal val="hidden"/>
+                                      </p:to>
+                                    </p:set>
+                                  </p:subTnLst>
+                                </p:cTn>
+                              </p:par>
+                            </p:childTnLst>
+                          </p:cTn>
+                        </p:par>
+                      </p:childTnLst>
+                    </p:cTn>
+                  </p:par>
+                </p:childTnLst>
+              </p:cTn>
+              <p:prevCondLst>
+                <p:cond evt="onPrev" delay="0">
+                  <p:tgtEl>
+                    <p:sldTgt/>
+                  </p:tgtEl>
+                </p:cond>
+              </p:prevCondLst>
+              <p:nextCondLst>
+                <p:cond evt="onNext" delay="0">
+                  <p:tgtEl>
+                    <p:sldTgt/>
+                  </p:tgtEl>
+                </p:cond>
+              </p:nextCondLst>
+            </p:seq>
+          </p:childTnLst>
+        </p:cTn>
+      </p:par>
+    </p:tnLst>
+    <p:bldLst>
+      <p:bldP spid="43" grpId="0" animBg="1"/>
+      <p:bldP spid="45" grpId="0" animBg="1"/>
+      <p:bldP spid="46" grpId="0" animBg="1"/>
+      <p:bldP spid="48" grpId="0" animBg="1"/>
+      <p:bldP spid="56" grpId="0" animBg="1"/>
+      <p:bldP spid="76" grpId="0" animBg="1"/>
+      <p:bldP spid="77" grpId="0" animBg="1"/>
+    </p:bldLst>
+  </p:timing>
 </p:sld>
 </file>
 

--- a/Coalesce Diagrams.pptx
+++ b/Coalesce Diagrams.pptx
@@ -6,8 +6,11 @@
   </p:sldMasterIdLst>
   <p:sldIdLst>
     <p:sldId id="256" r:id="rId2"/>
-    <p:sldId id="258" r:id="rId3"/>
-    <p:sldId id="259" r:id="rId4"/>
+    <p:sldId id="260" r:id="rId3"/>
+    <p:sldId id="261" r:id="rId4"/>
+    <p:sldId id="262" r:id="rId5"/>
+    <p:sldId id="258" r:id="rId6"/>
+    <p:sldId id="259" r:id="rId7"/>
   </p:sldIdLst>
   <p:sldSz cx="12192000" cy="6858000"/>
   <p:notesSz cx="6858000" cy="9144000"/>
@@ -327,7 +330,7 @@
           <a:p>
             <a:fld id="{64BF311C-CCA0-4B11-AF0A-CF55FF4C099E}" type="datetimeFigureOut">
               <a:rPr lang="en-US" smtClean="0"/>
-              <a:t>8/9/2016</a:t>
+              <a:t>8/10/2016</a:t>
             </a:fld>
             <a:endParaRPr lang="en-US"/>
           </a:p>
@@ -618,7 +621,7 @@
           <a:p>
             <a:fld id="{64BF311C-CCA0-4B11-AF0A-CF55FF4C099E}" type="datetimeFigureOut">
               <a:rPr lang="en-US" smtClean="0"/>
-              <a:t>8/9/2016</a:t>
+              <a:t>8/10/2016</a:t>
             </a:fld>
             <a:endParaRPr lang="en-US"/>
           </a:p>
@@ -877,7 +880,7 @@
           <a:p>
             <a:fld id="{64BF311C-CCA0-4B11-AF0A-CF55FF4C099E}" type="datetimeFigureOut">
               <a:rPr lang="en-US" smtClean="0"/>
-              <a:t>8/9/2016</a:t>
+              <a:t>8/10/2016</a:t>
             </a:fld>
             <a:endParaRPr lang="en-US"/>
           </a:p>
@@ -1346,7 +1349,7 @@
           <a:p>
             <a:fld id="{64BF311C-CCA0-4B11-AF0A-CF55FF4C099E}" type="datetimeFigureOut">
               <a:rPr lang="en-US" smtClean="0"/>
-              <a:t>8/9/2016</a:t>
+              <a:t>8/10/2016</a:t>
             </a:fld>
             <a:endParaRPr lang="en-US"/>
           </a:p>
@@ -1526,7 +1529,7 @@
           <a:p>
             <a:fld id="{64BF311C-CCA0-4B11-AF0A-CF55FF4C099E}" type="datetimeFigureOut">
               <a:rPr lang="en-US" smtClean="0"/>
-              <a:t>8/9/2016</a:t>
+              <a:t>8/10/2016</a:t>
             </a:fld>
             <a:endParaRPr lang="en-US"/>
           </a:p>
@@ -2102,7 +2105,7 @@
           <a:p>
             <a:fld id="{64BF311C-CCA0-4B11-AF0A-CF55FF4C099E}" type="datetimeFigureOut">
               <a:rPr lang="en-US" smtClean="0"/>
-              <a:t>8/9/2016</a:t>
+              <a:t>8/10/2016</a:t>
             </a:fld>
             <a:endParaRPr lang="en-US"/>
           </a:p>
@@ -2434,7 +2437,7 @@
           <a:p>
             <a:fld id="{64BF311C-CCA0-4B11-AF0A-CF55FF4C099E}" type="datetimeFigureOut">
               <a:rPr lang="en-US" smtClean="0"/>
-              <a:t>8/9/2016</a:t>
+              <a:t>8/10/2016</a:t>
             </a:fld>
             <a:endParaRPr lang="en-US"/>
           </a:p>
@@ -2609,7 +2612,7 @@
           <a:p>
             <a:fld id="{64BF311C-CCA0-4B11-AF0A-CF55FF4C099E}" type="datetimeFigureOut">
               <a:rPr lang="en-US" smtClean="0"/>
-              <a:t>8/9/2016</a:t>
+              <a:t>8/10/2016</a:t>
             </a:fld>
             <a:endParaRPr lang="en-US"/>
           </a:p>
@@ -2789,7 +2792,7 @@
           <a:p>
             <a:fld id="{64BF311C-CCA0-4B11-AF0A-CF55FF4C099E}" type="datetimeFigureOut">
               <a:rPr lang="en-US" smtClean="0"/>
-              <a:t>8/9/2016</a:t>
+              <a:t>8/10/2016</a:t>
             </a:fld>
             <a:endParaRPr lang="en-US"/>
           </a:p>
@@ -2959,7 +2962,7 @@
           <a:p>
             <a:fld id="{64BF311C-CCA0-4B11-AF0A-CF55FF4C099E}" type="datetimeFigureOut">
               <a:rPr lang="en-US" smtClean="0"/>
-              <a:t>8/9/2016</a:t>
+              <a:t>8/10/2016</a:t>
             </a:fld>
             <a:endParaRPr lang="en-US"/>
           </a:p>
@@ -3216,7 +3219,7 @@
           <a:p>
             <a:fld id="{64BF311C-CCA0-4B11-AF0A-CF55FF4C099E}" type="datetimeFigureOut">
               <a:rPr lang="en-US" smtClean="0"/>
-              <a:t>8/9/2016</a:t>
+              <a:t>8/10/2016</a:t>
             </a:fld>
             <a:endParaRPr lang="en-US"/>
           </a:p>
@@ -3508,7 +3511,7 @@
           <a:p>
             <a:fld id="{64BF311C-CCA0-4B11-AF0A-CF55FF4C099E}" type="datetimeFigureOut">
               <a:rPr lang="en-US" smtClean="0"/>
-              <a:t>8/9/2016</a:t>
+              <a:t>8/10/2016</a:t>
             </a:fld>
             <a:endParaRPr lang="en-US"/>
           </a:p>
@@ -3938,7 +3941,7 @@
           <a:p>
             <a:fld id="{64BF311C-CCA0-4B11-AF0A-CF55FF4C099E}" type="datetimeFigureOut">
               <a:rPr lang="en-US" smtClean="0"/>
-              <a:t>8/9/2016</a:t>
+              <a:t>8/10/2016</a:t>
             </a:fld>
             <a:endParaRPr lang="en-US"/>
           </a:p>
@@ -4056,7 +4059,7 @@
           <a:p>
             <a:fld id="{64BF311C-CCA0-4B11-AF0A-CF55FF4C099E}" type="datetimeFigureOut">
               <a:rPr lang="en-US" smtClean="0"/>
-              <a:t>8/9/2016</a:t>
+              <a:t>8/10/2016</a:t>
             </a:fld>
             <a:endParaRPr lang="en-US"/>
           </a:p>
@@ -4151,7 +4154,7 @@
           <a:p>
             <a:fld id="{64BF311C-CCA0-4B11-AF0A-CF55FF4C099E}" type="datetimeFigureOut">
               <a:rPr lang="en-US" smtClean="0"/>
-              <a:t>8/9/2016</a:t>
+              <a:t>8/10/2016</a:t>
             </a:fld>
             <a:endParaRPr lang="en-US"/>
           </a:p>
@@ -4434,7 +4437,7 @@
           <a:p>
             <a:fld id="{64BF311C-CCA0-4B11-AF0A-CF55FF4C099E}" type="datetimeFigureOut">
               <a:rPr lang="en-US" smtClean="0"/>
-              <a:t>8/9/2016</a:t>
+              <a:t>8/10/2016</a:t>
             </a:fld>
             <a:endParaRPr lang="en-US"/>
           </a:p>
@@ -4725,7 +4728,7 @@
           <a:p>
             <a:fld id="{64BF311C-CCA0-4B11-AF0A-CF55FF4C099E}" type="datetimeFigureOut">
               <a:rPr lang="en-US" smtClean="0"/>
-              <a:t>8/9/2016</a:t>
+              <a:t>8/10/2016</a:t>
             </a:fld>
             <a:endParaRPr lang="en-US"/>
           </a:p>
@@ -4956,7 +4959,7 @@
           <a:p>
             <a:fld id="{64BF311C-CCA0-4B11-AF0A-CF55FF4C099E}" type="datetimeFigureOut">
               <a:rPr lang="en-US" smtClean="0"/>
-              <a:t>8/9/2016</a:t>
+              <a:t>8/10/2016</a:t>
             </a:fld>
             <a:endParaRPr lang="en-US"/>
           </a:p>
@@ -5762,7 +5765,49 @@
           <a:bodyPr/>
           <a:lstStyle/>
           <a:p>
-            <a:endParaRPr lang="en-US"/>
+            <a:r>
+              <a:rPr lang="en-US" dirty="0"/>
+              <a:t>Def: </a:t>
+            </a:r>
+            <a:r>
+              <a:rPr lang="en-US" dirty="0">
+                <a:effectLst/>
+              </a:rPr>
+              <a:t>come together and form one</a:t>
+            </a:r>
+            <a:endParaRPr lang="en-US" dirty="0"/>
+          </a:p>
+        </p:txBody>
+      </p:sp>
+      <p:sp>
+        <p:nvSpPr>
+          <p:cNvPr id="5" name="Rectangle 4"/>
+          <p:cNvSpPr/>
+          <p:nvPr/>
+        </p:nvSpPr>
+        <p:spPr>
+          <a:xfrm>
+            <a:off x="5540735" y="2723634"/>
+            <a:ext cx="1096775" cy="369332"/>
+          </a:xfrm>
+          <a:prstGeom prst="rect">
+            <a:avLst/>
+          </a:prstGeom>
+        </p:spPr>
+        <p:txBody>
+          <a:bodyPr wrap="none">
+            <a:spAutoFit/>
+          </a:bodyPr>
+          <a:lstStyle/>
+          <a:p>
+            <a:r>
+              <a:rPr lang="en-US" dirty="0" err="1"/>
+              <a:t>kō</a:t>
+            </a:r>
+            <a:r>
+              <a:rPr lang="en-US" dirty="0"/>
+              <a:t>-ə-ˈles</a:t>
+            </a:r>
           </a:p>
         </p:txBody>
       </p:sp>
@@ -5798,6 +5843,572 @@
       </p:grpSpPr>
       <p:sp>
         <p:nvSpPr>
+          <p:cNvPr id="2" name="Title 1"/>
+          <p:cNvSpPr>
+            <a:spLocks noGrp="1"/>
+          </p:cNvSpPr>
+          <p:nvPr>
+            <p:ph type="title"/>
+          </p:nvPr>
+        </p:nvSpPr>
+        <p:spPr/>
+        <p:txBody>
+          <a:bodyPr/>
+          <a:lstStyle/>
+          <a:p>
+            <a:r>
+              <a:rPr lang="en-US" dirty="0"/>
+              <a:t>Why Coalesce?</a:t>
+            </a:r>
+          </a:p>
+        </p:txBody>
+      </p:sp>
+      <p:sp>
+        <p:nvSpPr>
+          <p:cNvPr id="3" name="Content Placeholder 2"/>
+          <p:cNvSpPr>
+            <a:spLocks noGrp="1"/>
+          </p:cNvSpPr>
+          <p:nvPr>
+            <p:ph idx="1"/>
+          </p:nvPr>
+        </p:nvSpPr>
+        <p:spPr/>
+        <p:txBody>
+          <a:bodyPr>
+            <a:normAutofit lnSpcReduction="10000"/>
+          </a:bodyPr>
+          <a:lstStyle/>
+          <a:p>
+            <a:r>
+              <a:rPr lang="en-US" dirty="0"/>
+              <a:t>Web development is too hard!</a:t>
+            </a:r>
+          </a:p>
+          <a:p>
+            <a:pPr lvl="1"/>
+            <a:r>
+              <a:rPr lang="en-US" dirty="0"/>
+              <a:t>Actually Web development isn’t too bad</a:t>
+            </a:r>
+          </a:p>
+          <a:p>
+            <a:pPr lvl="1"/>
+            <a:r>
+              <a:rPr lang="en-US" dirty="0"/>
+              <a:t>Great web sites are hard</a:t>
+            </a:r>
+          </a:p>
+          <a:p>
+            <a:r>
+              <a:rPr lang="en-US" dirty="0"/>
+              <a:t>Tired of writing all the code to do cool stuff</a:t>
+            </a:r>
+          </a:p>
+          <a:p>
+            <a:pPr lvl="1"/>
+            <a:r>
+              <a:rPr lang="en-US" dirty="0"/>
+              <a:t>DTOs, Controllers, By-hand select lists, Searchable select lists, automatic saves, list paging, </a:t>
+            </a:r>
+            <a:r>
+              <a:rPr lang="en-US" dirty="0" err="1"/>
+              <a:t>etc</a:t>
+            </a:r>
+            <a:r>
+              <a:rPr lang="en-US" dirty="0"/>
+              <a:t>…</a:t>
+            </a:r>
+          </a:p>
+          <a:p>
+            <a:r>
+              <a:rPr lang="en-US" dirty="0"/>
+              <a:t>Do more of the fun stuff</a:t>
+            </a:r>
+          </a:p>
+          <a:p>
+            <a:pPr lvl="1"/>
+            <a:r>
+              <a:rPr lang="en-US" dirty="0"/>
+              <a:t>Create data models, write user interfaces, </a:t>
+            </a:r>
+          </a:p>
+        </p:txBody>
+      </p:sp>
+      <p:pic>
+        <p:nvPicPr>
+          <p:cNvPr id="1026" name="Picture 2" descr="http://i9.photobucket.com/albums/a83/tigerlillytx33/codemonkey.jpg"/>
+          <p:cNvPicPr>
+            <a:picLocks noChangeAspect="1" noChangeArrowheads="1"/>
+          </p:cNvPicPr>
+          <p:nvPr/>
+        </p:nvPicPr>
+        <p:blipFill>
+          <a:blip r:embed="rId2">
+            <a:extLst>
+              <a:ext uri="{BEBA8EAE-BF5A-486C-A8C5-ECC9F3942E4B}">
+                <a14:imgProps xmlns:a14="http://schemas.microsoft.com/office/drawing/2010/main">
+                  <a14:imgLayer r:embed="rId3">
+                    <a14:imgEffect>
+                      <a14:backgroundRemoval t="0" b="96065" l="0" r="100000"/>
+                    </a14:imgEffect>
+                  </a14:imgLayer>
+                </a14:imgProps>
+              </a:ext>
+              <a:ext uri="{28A0092B-C50C-407E-A947-70E740481C1C}">
+                <a14:useLocalDpi xmlns:a14="http://schemas.microsoft.com/office/drawing/2010/main" val="0"/>
+              </a:ext>
+            </a:extLst>
+          </a:blip>
+          <a:srcRect/>
+          <a:stretch>
+            <a:fillRect/>
+          </a:stretch>
+        </p:blipFill>
+        <p:spPr bwMode="auto">
+          <a:xfrm>
+            <a:off x="7435969" y="514709"/>
+            <a:ext cx="3736256" cy="3228126"/>
+          </a:xfrm>
+          <a:prstGeom prst="rect">
+            <a:avLst/>
+          </a:prstGeom>
+          <a:noFill/>
+          <a:extLst>
+            <a:ext uri="{909E8E84-426E-40DD-AFC4-6F175D3DCCD1}">
+              <a14:hiddenFill xmlns:a14="http://schemas.microsoft.com/office/drawing/2010/main">
+                <a:solidFill>
+                  <a:srgbClr val="FFFFFF"/>
+                </a:solidFill>
+              </a14:hiddenFill>
+            </a:ext>
+          </a:extLst>
+        </p:spPr>
+      </p:pic>
+    </p:spTree>
+    <p:extLst>
+      <p:ext uri="{BB962C8B-B14F-4D97-AF65-F5344CB8AC3E}">
+        <p14:creationId xmlns:p14="http://schemas.microsoft.com/office/powerpoint/2010/main" val="3218039854"/>
+      </p:ext>
+    </p:extLst>
+  </p:cSld>
+  <p:clrMapOvr>
+    <a:masterClrMapping/>
+  </p:clrMapOvr>
+</p:sld>
+</file>
+
+<file path=ppt/slides/slide3.xml><?xml version="1.0" encoding="utf-8"?>
+<p:sld xmlns:a="http://schemas.openxmlformats.org/drawingml/2006/main" xmlns:r="http://schemas.openxmlformats.org/officeDocument/2006/relationships" xmlns:p="http://schemas.openxmlformats.org/presentationml/2006/main">
+  <p:cSld>
+    <p:spTree>
+      <p:nvGrpSpPr>
+        <p:cNvPr id="1" name=""/>
+        <p:cNvGrpSpPr/>
+        <p:nvPr/>
+      </p:nvGrpSpPr>
+      <p:grpSpPr>
+        <a:xfrm>
+          <a:off x="0" y="0"/>
+          <a:ext cx="0" cy="0"/>
+          <a:chOff x="0" y="0"/>
+          <a:chExt cx="0" cy="0"/>
+        </a:xfrm>
+      </p:grpSpPr>
+      <p:sp>
+        <p:nvSpPr>
+          <p:cNvPr id="2" name="Title 1"/>
+          <p:cNvSpPr>
+            <a:spLocks noGrp="1"/>
+          </p:cNvSpPr>
+          <p:nvPr>
+            <p:ph type="title"/>
+          </p:nvPr>
+        </p:nvSpPr>
+        <p:spPr/>
+        <p:txBody>
+          <a:bodyPr/>
+          <a:lstStyle/>
+          <a:p>
+            <a:r>
+              <a:rPr lang="en-US" dirty="0"/>
+              <a:t>What does Coalesce Do?</a:t>
+            </a:r>
+          </a:p>
+        </p:txBody>
+      </p:sp>
+      <p:sp>
+        <p:nvSpPr>
+          <p:cNvPr id="3" name="Content Placeholder 2"/>
+          <p:cNvSpPr>
+            <a:spLocks noGrp="1"/>
+          </p:cNvSpPr>
+          <p:nvPr>
+            <p:ph idx="1"/>
+          </p:nvPr>
+        </p:nvSpPr>
+        <p:spPr/>
+        <p:txBody>
+          <a:bodyPr>
+            <a:normAutofit lnSpcReduction="10000"/>
+          </a:bodyPr>
+          <a:lstStyle/>
+          <a:p>
+            <a:r>
+              <a:rPr lang="en-US" dirty="0"/>
+              <a:t>Let’s you do the fun stuff where you have to think</a:t>
+            </a:r>
+          </a:p>
+          <a:p>
+            <a:r>
+              <a:rPr lang="en-US" dirty="0"/>
+              <a:t>Does the no thinking, plumbing, stuff that is boring</a:t>
+            </a:r>
+          </a:p>
+          <a:p>
+            <a:pPr lvl="1"/>
+            <a:r>
+              <a:rPr lang="en-US" dirty="0"/>
+              <a:t>That you often cheat on anyway because it is such a pain to write correctly</a:t>
+            </a:r>
+          </a:p>
+          <a:p>
+            <a:pPr lvl="1"/>
+            <a:r>
+              <a:rPr lang="en-US" dirty="0"/>
+              <a:t>API Controllers</a:t>
+            </a:r>
+          </a:p>
+          <a:p>
+            <a:pPr lvl="1"/>
+            <a:r>
+              <a:rPr lang="en-US" dirty="0" err="1"/>
+              <a:t>TypeScript</a:t>
+            </a:r>
+            <a:r>
+              <a:rPr lang="en-US" dirty="0"/>
+              <a:t> View Models for Objects and Lists</a:t>
+            </a:r>
+          </a:p>
+          <a:p>
+            <a:pPr lvl="1"/>
+            <a:r>
+              <a:rPr lang="en-US" dirty="0"/>
+              <a:t>Admin Views</a:t>
+            </a:r>
+          </a:p>
+          <a:p>
+            <a:pPr lvl="1"/>
+            <a:r>
+              <a:rPr lang="en-US" dirty="0"/>
+              <a:t>Helpers to get UIs built faster</a:t>
+            </a:r>
+          </a:p>
+          <a:p>
+            <a:r>
+              <a:rPr lang="en-US" dirty="0"/>
+              <a:t>Eat More Cake</a:t>
+            </a:r>
+          </a:p>
+        </p:txBody>
+      </p:sp>
+      <p:pic>
+        <p:nvPicPr>
+          <p:cNvPr id="2050" name="Picture 2" descr="https://i.ytimg.com/vi/AenC4B59rSA/maxresdefault.jpg"/>
+          <p:cNvPicPr>
+            <a:picLocks noChangeAspect="1" noChangeArrowheads="1"/>
+          </p:cNvPicPr>
+          <p:nvPr/>
+        </p:nvPicPr>
+        <p:blipFill>
+          <a:blip r:embed="rId2" cstate="print">
+            <a:extLst>
+              <a:ext uri="{BEBA8EAE-BF5A-486C-A8C5-ECC9F3942E4B}">
+                <a14:imgProps xmlns:a14="http://schemas.microsoft.com/office/drawing/2010/main">
+                  <a14:imgLayer r:embed="rId3">
+                    <a14:imgEffect>
+                      <a14:backgroundRemoval t="10000" b="90000" l="10625" r="90000">
+                        <a14:foregroundMark x1="17604" y1="44630" x2="16042" y2="46667"/>
+                        <a14:foregroundMark x1="19896" y1="37222" x2="18646" y2="37222"/>
+                        <a14:foregroundMark x1="23958" y1="33889" x2="25938" y2="36111"/>
+                        <a14:foregroundMark x1="28542" y1="36296" x2="30104" y2="40926"/>
+                        <a14:foregroundMark x1="31563" y1="43704" x2="30521" y2="46296"/>
+                        <a14:foregroundMark x1="28854" y1="56852" x2="26042" y2="58148"/>
+                        <a14:foregroundMark x1="23542" y1="59815" x2="20833" y2="58333"/>
+                        <a14:foregroundMark x1="17917" y1="53704" x2="18125" y2="57222"/>
+                        <a14:foregroundMark x1="38542" y1="43519" x2="38229" y2="47222"/>
+                        <a14:foregroundMark x1="45625" y1="43148" x2="45313" y2="46296"/>
+                        <a14:foregroundMark x1="61146" y1="43889" x2="61250" y2="46481"/>
+                        <a14:foregroundMark x1="66667" y1="43519" x2="66563" y2="46481"/>
+                        <a14:foregroundMark x1="74688" y1="44444" x2="74479" y2="47407"/>
+                        <a14:foregroundMark x1="82500" y1="44259" x2="82292" y2="46667"/>
+                        <a14:foregroundMark x1="84063" y1="55185" x2="84063" y2="55185"/>
+                        <a14:foregroundMark x1="80208" y1="55926" x2="80208" y2="55926"/>
+                        <a14:foregroundMark x1="76979" y1="55741" x2="76979" y2="55741"/>
+                        <a14:foregroundMark x1="73542" y1="55926" x2="73542" y2="55926"/>
+                        <a14:foregroundMark x1="70208" y1="55926" x2="70208" y2="55926"/>
+                        <a14:foregroundMark x1="65313" y1="55926" x2="65313" y2="55926"/>
+                        <a14:foregroundMark x1="61979" y1="56481" x2="61979" y2="56481"/>
+                        <a14:foregroundMark x1="57500" y1="56111" x2="57500" y2="56111"/>
+                        <a14:foregroundMark x1="53854" y1="56296" x2="53854" y2="56296"/>
+                        <a14:foregroundMark x1="49479" y1="56481" x2="49479" y2="56481"/>
+                        <a14:foregroundMark x1="45104" y1="56111" x2="45104" y2="56111"/>
+                        <a14:foregroundMark x1="40104" y1="55556" x2="40104" y2="55556"/>
+                        <a14:foregroundMark x1="51771" y1="45926" x2="51771" y2="45926"/>
+                        <a14:foregroundMark x1="61458" y1="54444" x2="61458" y2="54444"/>
+                        <a14:foregroundMark x1="60781" y1="56759" x2="60781" y2="56759"/>
+                        <a14:backgroundMark x1="32604" y1="46111" x2="32604" y2="46111"/>
+                        <a14:backgroundMark x1="40104" y1="44259" x2="40104" y2="44259"/>
+                        <a14:backgroundMark x1="53958" y1="44444" x2="53958" y2="44444"/>
+                        <a14:backgroundMark x1="76667" y1="43333" x2="76667" y2="43333"/>
+                        <a14:backgroundMark x1="53125" y1="55556" x2="53125" y2="55556"/>
+                        <a14:backgroundMark x1="48750" y1="55000" x2="48750" y2="55000"/>
+                        <a14:backgroundMark x1="48646" y1="56667" x2="48646" y2="56667"/>
+                        <a14:backgroundMark x1="69167" y1="56296" x2="69167" y2="56296"/>
+                        <a14:backgroundMark x1="73750" y1="54815" x2="73750" y2="54815"/>
+                        <a14:backgroundMark x1="44479" y1="55556" x2="44479" y2="55556"/>
+                        <a14:backgroundMark x1="57240" y1="55185" x2="57240" y2="55185"/>
+                        <a14:backgroundMark x1="61458" y1="55648" x2="61458" y2="55648"/>
+                      </a14:backgroundRemoval>
+                    </a14:imgEffect>
+                  </a14:imgLayer>
+                </a14:imgProps>
+              </a:ext>
+              <a:ext uri="{28A0092B-C50C-407E-A947-70E740481C1C}">
+                <a14:useLocalDpi xmlns:a14="http://schemas.microsoft.com/office/drawing/2010/main" val="0"/>
+              </a:ext>
+            </a:extLst>
+          </a:blip>
+          <a:srcRect/>
+          <a:stretch>
+            <a:fillRect/>
+          </a:stretch>
+        </p:blipFill>
+        <p:spPr bwMode="auto">
+          <a:xfrm>
+            <a:off x="7367411" y="4648199"/>
+            <a:ext cx="5040489" cy="2835275"/>
+          </a:xfrm>
+          <a:prstGeom prst="rect">
+            <a:avLst/>
+          </a:prstGeom>
+          <a:noFill/>
+          <a:extLst>
+            <a:ext uri="{909E8E84-426E-40DD-AFC4-6F175D3DCCD1}">
+              <a14:hiddenFill xmlns:a14="http://schemas.microsoft.com/office/drawing/2010/main">
+                <a:solidFill>
+                  <a:srgbClr val="FFFFFF"/>
+                </a:solidFill>
+              </a14:hiddenFill>
+            </a:ext>
+          </a:extLst>
+        </p:spPr>
+      </p:pic>
+      <p:pic>
+        <p:nvPicPr>
+          <p:cNvPr id="2052" name="Picture 4" descr="http://i1.theportalwiki.net/img/thumb/3/34/Portal_Companion_Cube.png/175px-Portal_Companion_Cube.png"/>
+          <p:cNvPicPr>
+            <a:picLocks noChangeAspect="1" noChangeArrowheads="1"/>
+          </p:cNvPicPr>
+          <p:nvPr/>
+        </p:nvPicPr>
+        <p:blipFill>
+          <a:blip r:embed="rId4">
+            <a:extLst>
+              <a:ext uri="{28A0092B-C50C-407E-A947-70E740481C1C}">
+                <a14:useLocalDpi xmlns:a14="http://schemas.microsoft.com/office/drawing/2010/main" val="0"/>
+              </a:ext>
+            </a:extLst>
+          </a:blip>
+          <a:srcRect/>
+          <a:stretch>
+            <a:fillRect/>
+          </a:stretch>
+        </p:blipFill>
+        <p:spPr bwMode="auto">
+          <a:xfrm>
+            <a:off x="9809868" y="728662"/>
+            <a:ext cx="1666875" cy="1666875"/>
+          </a:xfrm>
+          <a:prstGeom prst="rect">
+            <a:avLst/>
+          </a:prstGeom>
+          <a:noFill/>
+          <a:extLst>
+            <a:ext uri="{909E8E84-426E-40DD-AFC4-6F175D3DCCD1}">
+              <a14:hiddenFill xmlns:a14="http://schemas.microsoft.com/office/drawing/2010/main">
+                <a:solidFill>
+                  <a:srgbClr val="FFFFFF"/>
+                </a:solidFill>
+              </a14:hiddenFill>
+            </a:ext>
+          </a:extLst>
+        </p:spPr>
+      </p:pic>
+    </p:spTree>
+    <p:extLst>
+      <p:ext uri="{BB962C8B-B14F-4D97-AF65-F5344CB8AC3E}">
+        <p14:creationId xmlns:p14="http://schemas.microsoft.com/office/powerpoint/2010/main" val="3829185239"/>
+      </p:ext>
+    </p:extLst>
+  </p:cSld>
+  <p:clrMapOvr>
+    <a:masterClrMapping/>
+  </p:clrMapOvr>
+</p:sld>
+</file>
+
+<file path=ppt/slides/slide4.xml><?xml version="1.0" encoding="utf-8"?>
+<p:sld xmlns:a="http://schemas.openxmlformats.org/drawingml/2006/main" xmlns:r="http://schemas.openxmlformats.org/officeDocument/2006/relationships" xmlns:p="http://schemas.openxmlformats.org/presentationml/2006/main">
+  <p:cSld>
+    <p:spTree>
+      <p:nvGrpSpPr>
+        <p:cNvPr id="1" name=""/>
+        <p:cNvGrpSpPr/>
+        <p:nvPr/>
+      </p:nvGrpSpPr>
+      <p:grpSpPr>
+        <a:xfrm>
+          <a:off x="0" y="0"/>
+          <a:ext cx="0" cy="0"/>
+          <a:chOff x="0" y="0"/>
+          <a:chExt cx="0" cy="0"/>
+        </a:xfrm>
+      </p:grpSpPr>
+      <p:sp>
+        <p:nvSpPr>
+          <p:cNvPr id="2" name="Title 1"/>
+          <p:cNvSpPr>
+            <a:spLocks noGrp="1"/>
+          </p:cNvSpPr>
+          <p:nvPr>
+            <p:ph type="title"/>
+          </p:nvPr>
+        </p:nvSpPr>
+        <p:spPr/>
+        <p:txBody>
+          <a:bodyPr/>
+          <a:lstStyle/>
+          <a:p>
+            <a:r>
+              <a:rPr lang="en-US" dirty="0"/>
+              <a:t>What is Coalesce Built on?</a:t>
+            </a:r>
+          </a:p>
+        </p:txBody>
+      </p:sp>
+      <p:sp>
+        <p:nvSpPr>
+          <p:cNvPr id="3" name="Content Placeholder 2"/>
+          <p:cNvSpPr>
+            <a:spLocks noGrp="1"/>
+          </p:cNvSpPr>
+          <p:nvPr>
+            <p:ph idx="1"/>
+          </p:nvPr>
+        </p:nvSpPr>
+        <p:spPr/>
+        <p:txBody>
+          <a:bodyPr>
+            <a:normAutofit fontScale="92500" lnSpcReduction="10000"/>
+          </a:bodyPr>
+          <a:lstStyle/>
+          <a:p>
+            <a:r>
+              <a:rPr lang="en-US" dirty="0"/>
+              <a:t>ASP.NET Core: web infrastructure</a:t>
+            </a:r>
+          </a:p>
+          <a:p>
+            <a:r>
+              <a:rPr lang="en-US" dirty="0"/>
+              <a:t>Entity Framework Core: Object Relational Mapper</a:t>
+            </a:r>
+          </a:p>
+          <a:p>
+            <a:r>
+              <a:rPr lang="en-US" dirty="0" err="1"/>
+              <a:t>JQuery</a:t>
+            </a:r>
+            <a:r>
+              <a:rPr lang="en-US" dirty="0"/>
+              <a:t>: Mapping HTML manipulation easy</a:t>
+            </a:r>
+          </a:p>
+          <a:p>
+            <a:r>
+              <a:rPr lang="en-US" dirty="0"/>
+              <a:t>Bootstrap: Tools for pretty sites</a:t>
+            </a:r>
+          </a:p>
+          <a:p>
+            <a:r>
+              <a:rPr lang="en-US" dirty="0"/>
+              <a:t>Knockout: Straightforward HTML data-binding</a:t>
+            </a:r>
+          </a:p>
+          <a:p>
+            <a:r>
+              <a:rPr lang="en-US" dirty="0"/>
+              <a:t>Typescript: Compile time checking of JavaScript with </a:t>
+            </a:r>
+            <a:r>
+              <a:rPr lang="en-US" dirty="0" err="1"/>
+              <a:t>IntlliSense</a:t>
+            </a:r>
+            <a:endParaRPr lang="en-US" dirty="0"/>
+          </a:p>
+          <a:p>
+            <a:r>
+              <a:rPr lang="en-US" dirty="0"/>
+              <a:t>Moment: Making JavaScript dates less painful</a:t>
+            </a:r>
+          </a:p>
+          <a:p>
+            <a:r>
+              <a:rPr lang="en-US" dirty="0"/>
+              <a:t>Select2: Pretty drop </a:t>
+            </a:r>
+            <a:r>
+              <a:rPr lang="en-US"/>
+              <a:t>down lists</a:t>
+            </a:r>
+            <a:endParaRPr lang="en-US" dirty="0"/>
+          </a:p>
+        </p:txBody>
+      </p:sp>
+    </p:spTree>
+    <p:extLst>
+      <p:ext uri="{BB962C8B-B14F-4D97-AF65-F5344CB8AC3E}">
+        <p14:creationId xmlns:p14="http://schemas.microsoft.com/office/powerpoint/2010/main" val="1321123406"/>
+      </p:ext>
+    </p:extLst>
+  </p:cSld>
+  <p:clrMapOvr>
+    <a:masterClrMapping/>
+  </p:clrMapOvr>
+</p:sld>
+</file>
+
+<file path=ppt/slides/slide5.xml><?xml version="1.0" encoding="utf-8"?>
+<p:sld xmlns:a="http://schemas.openxmlformats.org/drawingml/2006/main" xmlns:r="http://schemas.openxmlformats.org/officeDocument/2006/relationships" xmlns:p="http://schemas.openxmlformats.org/presentationml/2006/main">
+  <p:cSld>
+    <p:spTree>
+      <p:nvGrpSpPr>
+        <p:cNvPr id="1" name=""/>
+        <p:cNvGrpSpPr/>
+        <p:nvPr/>
+      </p:nvGrpSpPr>
+      <p:grpSpPr>
+        <a:xfrm>
+          <a:off x="0" y="0"/>
+          <a:ext cx="0" cy="0"/>
+          <a:chOff x="0" y="0"/>
+          <a:chExt cx="0" cy="0"/>
+        </a:xfrm>
+      </p:grpSpPr>
+      <p:sp>
+        <p:nvSpPr>
           <p:cNvPr id="4" name="Can 3"/>
           <p:cNvSpPr/>
           <p:nvPr/>
@@ -7552,7 +8163,7 @@
 </p:sld>
 </file>
 
-<file path=ppt/slides/slide3.xml><?xml version="1.0" encoding="utf-8"?>
+<file path=ppt/slides/slide6.xml><?xml version="1.0" encoding="utf-8"?>
 <p:sld xmlns:a="http://schemas.openxmlformats.org/drawingml/2006/main" xmlns:r="http://schemas.openxmlformats.org/officeDocument/2006/relationships" xmlns:p="http://schemas.openxmlformats.org/presentationml/2006/main">
   <p:cSld>
     <p:spTree>

--- a/Coalesce Diagrams.pptx
+++ b/Coalesce Diagrams.pptx
@@ -8,9 +8,16 @@
     <p:sldId id="256" r:id="rId2"/>
     <p:sldId id="260" r:id="rId3"/>
     <p:sldId id="261" r:id="rId4"/>
-    <p:sldId id="262" r:id="rId5"/>
-    <p:sldId id="258" r:id="rId6"/>
-    <p:sldId id="259" r:id="rId7"/>
+    <p:sldId id="258" r:id="rId5"/>
+    <p:sldId id="262" r:id="rId6"/>
+    <p:sldId id="264" r:id="rId7"/>
+    <p:sldId id="259" r:id="rId8"/>
+    <p:sldId id="263" r:id="rId9"/>
+    <p:sldId id="266" r:id="rId10"/>
+    <p:sldId id="268" r:id="rId11"/>
+    <p:sldId id="265" r:id="rId12"/>
+    <p:sldId id="267" r:id="rId13"/>
+    <p:sldId id="269" r:id="rId14"/>
   </p:sldIdLst>
   <p:sldSz cx="12192000" cy="6858000"/>
   <p:notesSz cx="6858000" cy="9144000"/>
@@ -330,7 +337,7 @@
           <a:p>
             <a:fld id="{64BF311C-CCA0-4B11-AF0A-CF55FF4C099E}" type="datetimeFigureOut">
               <a:rPr lang="en-US" smtClean="0"/>
-              <a:t>8/10/2016</a:t>
+              <a:t>8/11/2016</a:t>
             </a:fld>
             <a:endParaRPr lang="en-US"/>
           </a:p>
@@ -621,7 +628,7 @@
           <a:p>
             <a:fld id="{64BF311C-CCA0-4B11-AF0A-CF55FF4C099E}" type="datetimeFigureOut">
               <a:rPr lang="en-US" smtClean="0"/>
-              <a:t>8/10/2016</a:t>
+              <a:t>8/11/2016</a:t>
             </a:fld>
             <a:endParaRPr lang="en-US"/>
           </a:p>
@@ -880,7 +887,7 @@
           <a:p>
             <a:fld id="{64BF311C-CCA0-4B11-AF0A-CF55FF4C099E}" type="datetimeFigureOut">
               <a:rPr lang="en-US" smtClean="0"/>
-              <a:t>8/10/2016</a:t>
+              <a:t>8/11/2016</a:t>
             </a:fld>
             <a:endParaRPr lang="en-US"/>
           </a:p>
@@ -1349,7 +1356,7 @@
           <a:p>
             <a:fld id="{64BF311C-CCA0-4B11-AF0A-CF55FF4C099E}" type="datetimeFigureOut">
               <a:rPr lang="en-US" smtClean="0"/>
-              <a:t>8/10/2016</a:t>
+              <a:t>8/11/2016</a:t>
             </a:fld>
             <a:endParaRPr lang="en-US"/>
           </a:p>
@@ -1529,7 +1536,7 @@
           <a:p>
             <a:fld id="{64BF311C-CCA0-4B11-AF0A-CF55FF4C099E}" type="datetimeFigureOut">
               <a:rPr lang="en-US" smtClean="0"/>
-              <a:t>8/10/2016</a:t>
+              <a:t>8/11/2016</a:t>
             </a:fld>
             <a:endParaRPr lang="en-US"/>
           </a:p>
@@ -2105,7 +2112,7 @@
           <a:p>
             <a:fld id="{64BF311C-CCA0-4B11-AF0A-CF55FF4C099E}" type="datetimeFigureOut">
               <a:rPr lang="en-US" smtClean="0"/>
-              <a:t>8/10/2016</a:t>
+              <a:t>8/11/2016</a:t>
             </a:fld>
             <a:endParaRPr lang="en-US"/>
           </a:p>
@@ -2437,7 +2444,7 @@
           <a:p>
             <a:fld id="{64BF311C-CCA0-4B11-AF0A-CF55FF4C099E}" type="datetimeFigureOut">
               <a:rPr lang="en-US" smtClean="0"/>
-              <a:t>8/10/2016</a:t>
+              <a:t>8/11/2016</a:t>
             </a:fld>
             <a:endParaRPr lang="en-US"/>
           </a:p>
@@ -2612,7 +2619,7 @@
           <a:p>
             <a:fld id="{64BF311C-CCA0-4B11-AF0A-CF55FF4C099E}" type="datetimeFigureOut">
               <a:rPr lang="en-US" smtClean="0"/>
-              <a:t>8/10/2016</a:t>
+              <a:t>8/11/2016</a:t>
             </a:fld>
             <a:endParaRPr lang="en-US"/>
           </a:p>
@@ -2792,7 +2799,7 @@
           <a:p>
             <a:fld id="{64BF311C-CCA0-4B11-AF0A-CF55FF4C099E}" type="datetimeFigureOut">
               <a:rPr lang="en-US" smtClean="0"/>
-              <a:t>8/10/2016</a:t>
+              <a:t>8/11/2016</a:t>
             </a:fld>
             <a:endParaRPr lang="en-US"/>
           </a:p>
@@ -2962,7 +2969,7 @@
           <a:p>
             <a:fld id="{64BF311C-CCA0-4B11-AF0A-CF55FF4C099E}" type="datetimeFigureOut">
               <a:rPr lang="en-US" smtClean="0"/>
-              <a:t>8/10/2016</a:t>
+              <a:t>8/11/2016</a:t>
             </a:fld>
             <a:endParaRPr lang="en-US"/>
           </a:p>
@@ -3219,7 +3226,7 @@
           <a:p>
             <a:fld id="{64BF311C-CCA0-4B11-AF0A-CF55FF4C099E}" type="datetimeFigureOut">
               <a:rPr lang="en-US" smtClean="0"/>
-              <a:t>8/10/2016</a:t>
+              <a:t>8/11/2016</a:t>
             </a:fld>
             <a:endParaRPr lang="en-US"/>
           </a:p>
@@ -3511,7 +3518,7 @@
           <a:p>
             <a:fld id="{64BF311C-CCA0-4B11-AF0A-CF55FF4C099E}" type="datetimeFigureOut">
               <a:rPr lang="en-US" smtClean="0"/>
-              <a:t>8/10/2016</a:t>
+              <a:t>8/11/2016</a:t>
             </a:fld>
             <a:endParaRPr lang="en-US"/>
           </a:p>
@@ -3941,7 +3948,7 @@
           <a:p>
             <a:fld id="{64BF311C-CCA0-4B11-AF0A-CF55FF4C099E}" type="datetimeFigureOut">
               <a:rPr lang="en-US" smtClean="0"/>
-              <a:t>8/10/2016</a:t>
+              <a:t>8/11/2016</a:t>
             </a:fld>
             <a:endParaRPr lang="en-US"/>
           </a:p>
@@ -4059,7 +4066,7 @@
           <a:p>
             <a:fld id="{64BF311C-CCA0-4B11-AF0A-CF55FF4C099E}" type="datetimeFigureOut">
               <a:rPr lang="en-US" smtClean="0"/>
-              <a:t>8/10/2016</a:t>
+              <a:t>8/11/2016</a:t>
             </a:fld>
             <a:endParaRPr lang="en-US"/>
           </a:p>
@@ -4154,7 +4161,7 @@
           <a:p>
             <a:fld id="{64BF311C-CCA0-4B11-AF0A-CF55FF4C099E}" type="datetimeFigureOut">
               <a:rPr lang="en-US" smtClean="0"/>
-              <a:t>8/10/2016</a:t>
+              <a:t>8/11/2016</a:t>
             </a:fld>
             <a:endParaRPr lang="en-US"/>
           </a:p>
@@ -4437,7 +4444,7 @@
           <a:p>
             <a:fld id="{64BF311C-CCA0-4B11-AF0A-CF55FF4C099E}" type="datetimeFigureOut">
               <a:rPr lang="en-US" smtClean="0"/>
-              <a:t>8/10/2016</a:t>
+              <a:t>8/11/2016</a:t>
             </a:fld>
             <a:endParaRPr lang="en-US"/>
           </a:p>
@@ -4728,7 +4735,7 @@
           <a:p>
             <a:fld id="{64BF311C-CCA0-4B11-AF0A-CF55FF4C099E}" type="datetimeFigureOut">
               <a:rPr lang="en-US" smtClean="0"/>
-              <a:t>8/10/2016</a:t>
+              <a:t>8/11/2016</a:t>
             </a:fld>
             <a:endParaRPr lang="en-US"/>
           </a:p>
@@ -4959,7 +4966,7 @@
           <a:p>
             <a:fld id="{64BF311C-CCA0-4B11-AF0A-CF55FF4C099E}" type="datetimeFigureOut">
               <a:rPr lang="en-US" smtClean="0"/>
-              <a:t>8/10/2016</a:t>
+              <a:t>8/11/2016</a:t>
             </a:fld>
             <a:endParaRPr lang="en-US"/>
           </a:p>
@@ -5824,6 +5831,655 @@
 </p:sld>
 </file>
 
+<file path=ppt/slides/slide10.xml><?xml version="1.0" encoding="utf-8"?>
+<p:sld xmlns:a="http://schemas.openxmlformats.org/drawingml/2006/main" xmlns:r="http://schemas.openxmlformats.org/officeDocument/2006/relationships" xmlns:p="http://schemas.openxmlformats.org/presentationml/2006/main">
+  <p:cSld>
+    <p:spTree>
+      <p:nvGrpSpPr>
+        <p:cNvPr id="1" name=""/>
+        <p:cNvGrpSpPr/>
+        <p:nvPr/>
+      </p:nvGrpSpPr>
+      <p:grpSpPr>
+        <a:xfrm>
+          <a:off x="0" y="0"/>
+          <a:ext cx="0" cy="0"/>
+          <a:chOff x="0" y="0"/>
+          <a:chExt cx="0" cy="0"/>
+        </a:xfrm>
+      </p:grpSpPr>
+      <p:sp>
+        <p:nvSpPr>
+          <p:cNvPr id="2" name="Title 1"/>
+          <p:cNvSpPr>
+            <a:spLocks noGrp="1"/>
+          </p:cNvSpPr>
+          <p:nvPr>
+            <p:ph type="title"/>
+          </p:nvPr>
+        </p:nvSpPr>
+        <p:spPr/>
+        <p:txBody>
+          <a:bodyPr/>
+          <a:lstStyle/>
+          <a:p>
+            <a:r>
+              <a:rPr lang="en-US" dirty="0"/>
+              <a:t>Coalesce Design</a:t>
+            </a:r>
+          </a:p>
+        </p:txBody>
+      </p:sp>
+      <p:sp>
+        <p:nvSpPr>
+          <p:cNvPr id="3" name="Content Placeholder 2"/>
+          <p:cNvSpPr>
+            <a:spLocks noGrp="1"/>
+          </p:cNvSpPr>
+          <p:nvPr>
+            <p:ph idx="1"/>
+          </p:nvPr>
+        </p:nvSpPr>
+        <p:spPr/>
+        <p:txBody>
+          <a:bodyPr>
+            <a:normAutofit fontScale="92500" lnSpcReduction="10000"/>
+          </a:bodyPr>
+          <a:lstStyle/>
+          <a:p>
+            <a:r>
+              <a:rPr lang="en-US" dirty="0"/>
+              <a:t>One piece in a larger puzzle of tooling</a:t>
+            </a:r>
+          </a:p>
+          <a:p>
+            <a:r>
+              <a:rPr lang="en-US" dirty="0"/>
+              <a:t>Make it as simple as possible</a:t>
+            </a:r>
+          </a:p>
+          <a:p>
+            <a:r>
+              <a:rPr lang="en-US" dirty="0"/>
+              <a:t>It must make development easier</a:t>
+            </a:r>
+          </a:p>
+          <a:p>
+            <a:r>
+              <a:rPr lang="en-US" dirty="0"/>
+              <a:t>Things should work as ‘expected’</a:t>
+            </a:r>
+          </a:p>
+          <a:p>
+            <a:r>
+              <a:rPr lang="en-US" dirty="0"/>
+              <a:t>Minimize cognitive load</a:t>
+            </a:r>
+          </a:p>
+          <a:p>
+            <a:r>
+              <a:rPr lang="en-US" dirty="0"/>
+              <a:t>Features should intuitively ‘fit’</a:t>
+            </a:r>
+          </a:p>
+          <a:p>
+            <a:r>
+              <a:rPr lang="en-US" dirty="0"/>
+              <a:t>Resist building what we ‘might’ need</a:t>
+            </a:r>
+          </a:p>
+          <a:p>
+            <a:r>
+              <a:rPr lang="en-US" dirty="0"/>
+              <a:t>Will never send email</a:t>
+            </a:r>
+          </a:p>
+        </p:txBody>
+      </p:sp>
+      <p:pic>
+        <p:nvPicPr>
+          <p:cNvPr id="4" name="Picture 3"/>
+          <p:cNvPicPr>
+            <a:picLocks noChangeAspect="1"/>
+          </p:cNvPicPr>
+          <p:nvPr/>
+        </p:nvPicPr>
+        <p:blipFill>
+          <a:blip r:embed="rId2"/>
+          <a:stretch>
+            <a:fillRect/>
+          </a:stretch>
+        </p:blipFill>
+        <p:spPr>
+          <a:xfrm>
+            <a:off x="3994346" y="1743443"/>
+            <a:ext cx="7944612" cy="5114557"/>
+          </a:xfrm>
+          <a:prstGeom prst="rect">
+            <a:avLst/>
+          </a:prstGeom>
+        </p:spPr>
+      </p:pic>
+    </p:spTree>
+    <p:extLst>
+      <p:ext uri="{BB962C8B-B14F-4D97-AF65-F5344CB8AC3E}">
+        <p14:creationId xmlns:p14="http://schemas.microsoft.com/office/powerpoint/2010/main" val="2657718087"/>
+      </p:ext>
+    </p:extLst>
+  </p:cSld>
+  <p:clrMapOvr>
+    <a:masterClrMapping/>
+  </p:clrMapOvr>
+</p:sld>
+</file>
+
+<file path=ppt/slides/slide11.xml><?xml version="1.0" encoding="utf-8"?>
+<p:sld xmlns:a="http://schemas.openxmlformats.org/drawingml/2006/main" xmlns:r="http://schemas.openxmlformats.org/officeDocument/2006/relationships" xmlns:p="http://schemas.openxmlformats.org/presentationml/2006/main">
+  <p:cSld>
+    <p:spTree>
+      <p:nvGrpSpPr>
+        <p:cNvPr id="1" name=""/>
+        <p:cNvGrpSpPr/>
+        <p:nvPr/>
+      </p:nvGrpSpPr>
+      <p:grpSpPr>
+        <a:xfrm>
+          <a:off x="0" y="0"/>
+          <a:ext cx="0" cy="0"/>
+          <a:chOff x="0" y="0"/>
+          <a:chExt cx="0" cy="0"/>
+        </a:xfrm>
+      </p:grpSpPr>
+      <p:sp>
+        <p:nvSpPr>
+          <p:cNvPr id="2" name="Title 1"/>
+          <p:cNvSpPr>
+            <a:spLocks noGrp="1"/>
+          </p:cNvSpPr>
+          <p:nvPr>
+            <p:ph type="title"/>
+          </p:nvPr>
+        </p:nvSpPr>
+        <p:spPr/>
+        <p:txBody>
+          <a:bodyPr/>
+          <a:lstStyle/>
+          <a:p>
+            <a:r>
+              <a:rPr lang="en-US" dirty="0"/>
+              <a:t>The Caveats</a:t>
+            </a:r>
+          </a:p>
+        </p:txBody>
+      </p:sp>
+      <p:sp>
+        <p:nvSpPr>
+          <p:cNvPr id="3" name="Content Placeholder 2"/>
+          <p:cNvSpPr>
+            <a:spLocks noGrp="1"/>
+          </p:cNvSpPr>
+          <p:nvPr>
+            <p:ph idx="1"/>
+          </p:nvPr>
+        </p:nvSpPr>
+        <p:spPr/>
+        <p:txBody>
+          <a:bodyPr>
+            <a:normAutofit/>
+          </a:bodyPr>
+          <a:lstStyle/>
+          <a:p>
+            <a:r>
+              <a:rPr lang="en-US" dirty="0"/>
+              <a:t>The Visual Studio tooling for ASP.NET Core is Preview</a:t>
+            </a:r>
+          </a:p>
+          <a:p>
+            <a:r>
+              <a:rPr lang="en-US" dirty="0"/>
+              <a:t>The project setup is not automated yet. Takes about an hour.</a:t>
+            </a:r>
+          </a:p>
+          <a:p>
+            <a:pPr lvl="1"/>
+            <a:r>
+              <a:rPr lang="en-US" dirty="0"/>
+              <a:t>Typically done from an existing project.</a:t>
+            </a:r>
+          </a:p>
+          <a:p>
+            <a:r>
+              <a:rPr lang="en-US" dirty="0"/>
+              <a:t>Uses the full framework (Reflection, etc.)</a:t>
+            </a:r>
+          </a:p>
+          <a:p>
+            <a:r>
+              <a:rPr lang="en-US" dirty="0"/>
+              <a:t>All tables have to have a single primary key</a:t>
+            </a:r>
+          </a:p>
+        </p:txBody>
+      </p:sp>
+      <p:pic>
+        <p:nvPicPr>
+          <p:cNvPr id="6146" name="Picture 2" descr="http://images.digopaul.com/wp-content/uploads/related_images/2015/09/08/caveats_1.jpg"/>
+          <p:cNvPicPr>
+            <a:picLocks noChangeAspect="1" noChangeArrowheads="1"/>
+          </p:cNvPicPr>
+          <p:nvPr/>
+        </p:nvPicPr>
+        <p:blipFill>
+          <a:blip r:embed="rId2">
+            <a:extLst>
+              <a:ext uri="{BEBA8EAE-BF5A-486C-A8C5-ECC9F3942E4B}">
+                <a14:imgProps xmlns:a14="http://schemas.microsoft.com/office/drawing/2010/main">
+                  <a14:imgLayer r:embed="rId3">
+                    <a14:imgEffect>
+                      <a14:backgroundRemoval t="0" b="100000" l="0" r="100000">
+                        <a14:foregroundMark x1="62333" y1="82963" x2="61667" y2="92963"/>
+                        <a14:foregroundMark x1="70667" y1="90741" x2="70667" y2="90741"/>
+                        <a14:foregroundMark x1="49000" y1="91111" x2="49000" y2="91111"/>
+                        <a14:foregroundMark x1="38667" y1="91481" x2="38667" y2="91481"/>
+                      </a14:backgroundRemoval>
+                    </a14:imgEffect>
+                  </a14:imgLayer>
+                </a14:imgProps>
+              </a:ext>
+              <a:ext uri="{28A0092B-C50C-407E-A947-70E740481C1C}">
+                <a14:useLocalDpi xmlns:a14="http://schemas.microsoft.com/office/drawing/2010/main" val="0"/>
+              </a:ext>
+            </a:extLst>
+          </a:blip>
+          <a:srcRect/>
+          <a:stretch>
+            <a:fillRect/>
+          </a:stretch>
+        </p:blipFill>
+        <p:spPr bwMode="auto">
+          <a:xfrm>
+            <a:off x="8600835" y="500511"/>
+            <a:ext cx="2857500" cy="2571751"/>
+          </a:xfrm>
+          <a:prstGeom prst="rect">
+            <a:avLst/>
+          </a:prstGeom>
+          <a:noFill/>
+          <a:extLst>
+            <a:ext uri="{909E8E84-426E-40DD-AFC4-6F175D3DCCD1}">
+              <a14:hiddenFill xmlns:a14="http://schemas.microsoft.com/office/drawing/2010/main">
+                <a:solidFill>
+                  <a:srgbClr val="FFFFFF"/>
+                </a:solidFill>
+              </a14:hiddenFill>
+            </a:ext>
+          </a:extLst>
+        </p:spPr>
+      </p:pic>
+    </p:spTree>
+    <p:extLst>
+      <p:ext uri="{BB962C8B-B14F-4D97-AF65-F5344CB8AC3E}">
+        <p14:creationId xmlns:p14="http://schemas.microsoft.com/office/powerpoint/2010/main" val="2615239675"/>
+      </p:ext>
+    </p:extLst>
+  </p:cSld>
+  <p:clrMapOvr>
+    <a:masterClrMapping/>
+  </p:clrMapOvr>
+</p:sld>
+</file>
+
+<file path=ppt/slides/slide12.xml><?xml version="1.0" encoding="utf-8"?>
+<p:sld xmlns:a="http://schemas.openxmlformats.org/drawingml/2006/main" xmlns:r="http://schemas.openxmlformats.org/officeDocument/2006/relationships" xmlns:p="http://schemas.openxmlformats.org/presentationml/2006/main">
+  <p:cSld>
+    <p:spTree>
+      <p:nvGrpSpPr>
+        <p:cNvPr id="1" name=""/>
+        <p:cNvGrpSpPr/>
+        <p:nvPr/>
+      </p:nvGrpSpPr>
+      <p:grpSpPr>
+        <a:xfrm>
+          <a:off x="0" y="0"/>
+          <a:ext cx="0" cy="0"/>
+          <a:chOff x="0" y="0"/>
+          <a:chExt cx="0" cy="0"/>
+        </a:xfrm>
+      </p:grpSpPr>
+      <p:sp>
+        <p:nvSpPr>
+          <p:cNvPr id="2" name="Title 1"/>
+          <p:cNvSpPr>
+            <a:spLocks noGrp="1"/>
+          </p:cNvSpPr>
+          <p:nvPr>
+            <p:ph type="title"/>
+          </p:nvPr>
+        </p:nvSpPr>
+        <p:spPr/>
+        <p:txBody>
+          <a:bodyPr/>
+          <a:lstStyle/>
+          <a:p>
+            <a:r>
+              <a:rPr lang="en-US" dirty="0"/>
+              <a:t>How can I Contribute?</a:t>
+            </a:r>
+          </a:p>
+        </p:txBody>
+      </p:sp>
+      <p:sp>
+        <p:nvSpPr>
+          <p:cNvPr id="3" name="Content Placeholder 2"/>
+          <p:cNvSpPr>
+            <a:spLocks noGrp="1"/>
+          </p:cNvSpPr>
+          <p:nvPr>
+            <p:ph idx="1"/>
+          </p:nvPr>
+        </p:nvSpPr>
+        <p:spPr>
+          <a:xfrm>
+            <a:off x="1141413" y="2225615"/>
+            <a:ext cx="9905998" cy="3942272"/>
+          </a:xfrm>
+        </p:spPr>
+        <p:txBody>
+          <a:bodyPr>
+            <a:normAutofit/>
+          </a:bodyPr>
+          <a:lstStyle/>
+          <a:p>
+            <a:r>
+              <a:rPr lang="en-US" dirty="0"/>
+              <a:t>Process</a:t>
+            </a:r>
+          </a:p>
+          <a:p>
+            <a:pPr lvl="1"/>
+            <a:r>
+              <a:rPr lang="en-US" dirty="0"/>
+              <a:t>Download the repo</a:t>
+            </a:r>
+          </a:p>
+          <a:p>
+            <a:pPr lvl="1"/>
+            <a:r>
+              <a:rPr lang="en-US" dirty="0"/>
+              <a:t>make changes &amp; Update Docs</a:t>
+            </a:r>
+          </a:p>
+          <a:p>
+            <a:pPr lvl="1"/>
+            <a:r>
+              <a:rPr lang="en-US" dirty="0"/>
+              <a:t>Issue a Pull-Request</a:t>
+            </a:r>
+          </a:p>
+          <a:p>
+            <a:r>
+              <a:rPr lang="en-US" dirty="0"/>
+              <a:t>Areas</a:t>
+            </a:r>
+          </a:p>
+          <a:p>
+            <a:pPr lvl="1"/>
+            <a:r>
+              <a:rPr lang="en-US" dirty="0"/>
+              <a:t>New features, with discussion</a:t>
+            </a:r>
+          </a:p>
+          <a:p>
+            <a:pPr lvl="1"/>
+            <a:r>
+              <a:rPr lang="en-US" dirty="0"/>
+              <a:t>Data Bindings for Knockout</a:t>
+            </a:r>
+          </a:p>
+          <a:p>
+            <a:pPr lvl="1"/>
+            <a:r>
+              <a:rPr lang="en-US" dirty="0"/>
+              <a:t>Utilities</a:t>
+            </a:r>
+          </a:p>
+          <a:p>
+            <a:pPr lvl="1"/>
+            <a:r>
+              <a:rPr lang="en-US" dirty="0"/>
+              <a:t>Security infrastructure</a:t>
+            </a:r>
+          </a:p>
+          <a:p>
+            <a:pPr lvl="1"/>
+            <a:endParaRPr lang="en-US" dirty="0"/>
+          </a:p>
+        </p:txBody>
+      </p:sp>
+      <p:pic>
+        <p:nvPicPr>
+          <p:cNvPr id="7170" name="Picture 2" descr="http://bloodworld.in/WebResources/images/contribute.png"/>
+          <p:cNvPicPr>
+            <a:picLocks noChangeAspect="1" noChangeArrowheads="1"/>
+          </p:cNvPicPr>
+          <p:nvPr/>
+        </p:nvPicPr>
+        <p:blipFill>
+          <a:blip r:embed="rId2">
+            <a:extLst>
+              <a:ext uri="{28A0092B-C50C-407E-A947-70E740481C1C}">
+                <a14:useLocalDpi xmlns:a14="http://schemas.microsoft.com/office/drawing/2010/main" val="0"/>
+              </a:ext>
+            </a:extLst>
+          </a:blip>
+          <a:srcRect/>
+          <a:stretch>
+            <a:fillRect/>
+          </a:stretch>
+        </p:blipFill>
+        <p:spPr bwMode="auto">
+          <a:xfrm>
+            <a:off x="5725206" y="897146"/>
+            <a:ext cx="6466794" cy="4459857"/>
+          </a:xfrm>
+          <a:prstGeom prst="rect">
+            <a:avLst/>
+          </a:prstGeom>
+          <a:noFill/>
+          <a:extLst>
+            <a:ext uri="{909E8E84-426E-40DD-AFC4-6F175D3DCCD1}">
+              <a14:hiddenFill xmlns:a14="http://schemas.microsoft.com/office/drawing/2010/main">
+                <a:solidFill>
+                  <a:srgbClr val="FFFFFF"/>
+                </a:solidFill>
+              </a14:hiddenFill>
+            </a:ext>
+          </a:extLst>
+        </p:spPr>
+      </p:pic>
+    </p:spTree>
+    <p:extLst>
+      <p:ext uri="{BB962C8B-B14F-4D97-AF65-F5344CB8AC3E}">
+        <p14:creationId xmlns:p14="http://schemas.microsoft.com/office/powerpoint/2010/main" val="3885801222"/>
+      </p:ext>
+    </p:extLst>
+  </p:cSld>
+  <p:clrMapOvr>
+    <a:masterClrMapping/>
+  </p:clrMapOvr>
+</p:sld>
+</file>
+
+<file path=ppt/slides/slide13.xml><?xml version="1.0" encoding="utf-8"?>
+<p:sld xmlns:a="http://schemas.openxmlformats.org/drawingml/2006/main" xmlns:r="http://schemas.openxmlformats.org/officeDocument/2006/relationships" xmlns:p="http://schemas.openxmlformats.org/presentationml/2006/main">
+  <p:cSld>
+    <p:spTree>
+      <p:nvGrpSpPr>
+        <p:cNvPr id="1" name=""/>
+        <p:cNvGrpSpPr/>
+        <p:nvPr/>
+      </p:nvGrpSpPr>
+      <p:grpSpPr>
+        <a:xfrm>
+          <a:off x="0" y="0"/>
+          <a:ext cx="0" cy="0"/>
+          <a:chOff x="0" y="0"/>
+          <a:chExt cx="0" cy="0"/>
+        </a:xfrm>
+      </p:grpSpPr>
+      <p:sp>
+        <p:nvSpPr>
+          <p:cNvPr id="2" name="Title 1"/>
+          <p:cNvSpPr>
+            <a:spLocks noGrp="1"/>
+          </p:cNvSpPr>
+          <p:nvPr>
+            <p:ph type="title"/>
+          </p:nvPr>
+        </p:nvSpPr>
+        <p:spPr/>
+        <p:txBody>
+          <a:bodyPr/>
+          <a:lstStyle/>
+          <a:p>
+            <a:r>
+              <a:rPr lang="en-US" dirty="0"/>
+              <a:t>Grand Vision</a:t>
+            </a:r>
+          </a:p>
+        </p:txBody>
+      </p:sp>
+      <p:sp>
+        <p:nvSpPr>
+          <p:cNvPr id="3" name="Content Placeholder 2"/>
+          <p:cNvSpPr>
+            <a:spLocks noGrp="1"/>
+          </p:cNvSpPr>
+          <p:nvPr>
+            <p:ph idx="1"/>
+          </p:nvPr>
+        </p:nvSpPr>
+        <p:spPr/>
+        <p:txBody>
+          <a:bodyPr/>
+          <a:lstStyle/>
+          <a:p>
+            <a:r>
+              <a:rPr lang="en-US" dirty="0"/>
+              <a:t>Access Online</a:t>
+            </a:r>
+          </a:p>
+          <a:p>
+            <a:r>
+              <a:rPr lang="en-US" dirty="0"/>
+              <a:t>Coalesce represents the Engine component of this vision</a:t>
+            </a:r>
+          </a:p>
+          <a:p>
+            <a:r>
+              <a:rPr lang="en-US" dirty="0"/>
+              <a:t>Tooling needed</a:t>
+            </a:r>
+          </a:p>
+          <a:p>
+            <a:pPr lvl="1"/>
+            <a:r>
+              <a:rPr lang="en-US" dirty="0"/>
+              <a:t>POCO class builder</a:t>
+            </a:r>
+          </a:p>
+          <a:p>
+            <a:pPr lvl="1"/>
+            <a:r>
+              <a:rPr lang="en-US" dirty="0"/>
+              <a:t>WISIWIG editor for web pages</a:t>
+            </a:r>
+          </a:p>
+          <a:p>
+            <a:pPr lvl="1"/>
+            <a:r>
+              <a:rPr lang="en-US" dirty="0"/>
+              <a:t>All the tooling for a site builder</a:t>
+            </a:r>
+          </a:p>
+        </p:txBody>
+      </p:sp>
+      <p:pic>
+        <p:nvPicPr>
+          <p:cNvPr id="8194" name="Picture 2" descr="https://thumbs.dreamstime.com/z/vision-bulb-word-cloud-business-concept-51328714.jpg"/>
+          <p:cNvPicPr>
+            <a:picLocks noChangeAspect="1" noChangeArrowheads="1"/>
+          </p:cNvPicPr>
+          <p:nvPr/>
+        </p:nvPicPr>
+        <p:blipFill rotWithShape="1">
+          <a:blip r:embed="rId2">
+            <a:extLst>
+              <a:ext uri="{BEBA8EAE-BF5A-486C-A8C5-ECC9F3942E4B}">
+                <a14:imgProps xmlns:a14="http://schemas.microsoft.com/office/drawing/2010/main">
+                  <a14:imgLayer r:embed="rId3">
+                    <a14:imgEffect>
+                      <a14:backgroundRemoval t="0" b="89108" l="10000" r="90000">
+                        <a14:foregroundMark x1="66385" y1="32676" x2="66385" y2="32676"/>
+                        <a14:foregroundMark x1="57308" y1="28826" x2="57308" y2="28826"/>
+                        <a14:foregroundMark x1="39769" y1="52394" x2="39769" y2="52394"/>
+                        <a14:foregroundMark x1="70615" y1="36056" x2="70615" y2="36056"/>
+                        <a14:foregroundMark x1="68538" y1="37277" x2="68538" y2="37277"/>
+                        <a14:foregroundMark x1="68385" y1="39249" x2="68385" y2="39249"/>
+                        <a14:foregroundMark x1="69538" y1="37746" x2="69538" y2="37746"/>
+                        <a14:foregroundMark x1="68000" y1="42535" x2="68000" y2="42535"/>
+                        <a14:foregroundMark x1="66462" y1="44225" x2="66462" y2="44225"/>
+                        <a14:foregroundMark x1="62000" y1="49859" x2="62000" y2="49859"/>
+                        <a14:foregroundMark x1="40923" y1="53146" x2="40923" y2="53146"/>
+                        <a14:foregroundMark x1="57462" y1="5728" x2="57462" y2="5728"/>
+                        <a14:foregroundMark x1="30000" y1="26667" x2="30000" y2="26667"/>
+                        <a14:foregroundMark x1="50308" y1="86291" x2="50308" y2="86291"/>
+                      </a14:backgroundRemoval>
+                    </a14:imgEffect>
+                  </a14:imgLayer>
+                </a14:imgProps>
+              </a:ext>
+              <a:ext uri="{28A0092B-C50C-407E-A947-70E740481C1C}">
+                <a14:useLocalDpi xmlns:a14="http://schemas.microsoft.com/office/drawing/2010/main" val="0"/>
+              </a:ext>
+            </a:extLst>
+          </a:blip>
+          <a:srcRect b="9797"/>
+          <a:stretch/>
+        </p:blipFill>
+        <p:spPr bwMode="auto">
+          <a:xfrm>
+            <a:off x="6626884" y="969644"/>
+            <a:ext cx="5439386" cy="4019551"/>
+          </a:xfrm>
+          <a:prstGeom prst="rect">
+            <a:avLst/>
+          </a:prstGeom>
+          <a:noFill/>
+          <a:extLst>
+            <a:ext uri="{909E8E84-426E-40DD-AFC4-6F175D3DCCD1}">
+              <a14:hiddenFill xmlns:a14="http://schemas.microsoft.com/office/drawing/2010/main">
+                <a:solidFill>
+                  <a:srgbClr val="FFFFFF"/>
+                </a:solidFill>
+              </a14:hiddenFill>
+            </a:ext>
+          </a:extLst>
+        </p:spPr>
+      </p:pic>
+    </p:spTree>
+    <p:extLst>
+      <p:ext uri="{BB962C8B-B14F-4D97-AF65-F5344CB8AC3E}">
+        <p14:creationId xmlns:p14="http://schemas.microsoft.com/office/powerpoint/2010/main" val="2235235890"/>
+      </p:ext>
+    </p:extLst>
+  </p:cSld>
+  <p:clrMapOvr>
+    <a:masterClrMapping/>
+  </p:clrMapOvr>
+</p:sld>
+</file>
+
 <file path=ppt/slides/slide2.xml><?xml version="1.0" encoding="utf-8"?>
 <p:sld xmlns:a="http://schemas.openxmlformats.org/drawingml/2006/main" xmlns:r="http://schemas.openxmlformats.org/officeDocument/2006/relationships" xmlns:p="http://schemas.openxmlformats.org/presentationml/2006/main">
   <p:cSld>
@@ -5876,7 +6532,7 @@
         <p:spPr/>
         <p:txBody>
           <a:bodyPr>
-            <a:normAutofit lnSpcReduction="10000"/>
+            <a:normAutofit fontScale="92500" lnSpcReduction="20000"/>
           </a:bodyPr>
           <a:lstStyle/>
           <a:p>
@@ -5896,7 +6552,7 @@
             <a:pPr lvl="1"/>
             <a:r>
               <a:rPr lang="en-US" dirty="0"/>
-              <a:t>Great web sites are hard</a:t>
+              <a:t>Building great web sites is hard</a:t>
             </a:r>
           </a:p>
           <a:p>
@@ -5930,7 +6586,13 @@
             <a:pPr lvl="1"/>
             <a:r>
               <a:rPr lang="en-US" dirty="0"/>
-              <a:t>Create data models, write user interfaces, </a:t>
+              <a:t>Create data models, write user interfaces</a:t>
+            </a:r>
+          </a:p>
+          <a:p>
+            <a:r>
+              <a:rPr lang="en-US" dirty="0"/>
+              <a:t>Help IntelliTect to be more competitive</a:t>
             </a:r>
           </a:p>
         </p:txBody>
@@ -6082,12 +6744,8 @@
           <a:p>
             <a:pPr lvl="1"/>
             <a:r>
-              <a:rPr lang="en-US" dirty="0" err="1"/>
-              <a:t>TypeScript</a:t>
-            </a:r>
-            <a:r>
               <a:rPr lang="en-US" dirty="0"/>
-              <a:t> View Models for Objects and Lists</a:t>
+              <a:t>TypeScript View Models for Objects and Lists</a:t>
             </a:r>
           </a:p>
           <a:p>
@@ -6277,110 +6935,1779 @@
       </p:grpSpPr>
       <p:sp>
         <p:nvSpPr>
-          <p:cNvPr id="2" name="Title 1"/>
-          <p:cNvSpPr>
-            <a:spLocks noGrp="1"/>
-          </p:cNvSpPr>
-          <p:nvPr>
-            <p:ph type="title"/>
-          </p:nvPr>
-        </p:nvSpPr>
-        <p:spPr/>
-        <p:txBody>
-          <a:bodyPr/>
+          <p:cNvPr id="4" name="Can 3"/>
+          <p:cNvSpPr/>
+          <p:nvPr/>
+        </p:nvSpPr>
+        <p:spPr>
+          <a:xfrm>
+            <a:off x="9201261" y="5036842"/>
+            <a:ext cx="1355271" cy="1343758"/>
+          </a:xfrm>
+          <a:prstGeom prst="can">
+            <a:avLst/>
+          </a:prstGeom>
+        </p:spPr>
+        <p:style>
+          <a:lnRef idx="1">
+            <a:schemeClr val="dk1"/>
+          </a:lnRef>
+          <a:fillRef idx="3">
+            <a:schemeClr val="dk1"/>
+          </a:fillRef>
+          <a:effectRef idx="2">
+            <a:schemeClr val="dk1"/>
+          </a:effectRef>
+          <a:fontRef idx="minor">
+            <a:schemeClr val="lt1"/>
+          </a:fontRef>
+        </p:style>
+        <p:txBody>
+          <a:bodyPr rtlCol="0" anchor="ctr"/>
           <a:lstStyle/>
           <a:p>
+            <a:pPr algn="ctr"/>
             <a:r>
               <a:rPr lang="en-US" dirty="0"/>
-              <a:t>What is Coalesce Built on?</a:t>
-            </a:r>
-          </a:p>
-        </p:txBody>
-      </p:sp>
-      <p:sp>
-        <p:nvSpPr>
-          <p:cNvPr id="3" name="Content Placeholder 2"/>
-          <p:cNvSpPr>
-            <a:spLocks noGrp="1"/>
-          </p:cNvSpPr>
-          <p:nvPr>
-            <p:ph idx="1"/>
-          </p:nvPr>
-        </p:nvSpPr>
-        <p:spPr/>
-        <p:txBody>
-          <a:bodyPr>
-            <a:normAutofit fontScale="92500" lnSpcReduction="10000"/>
+              <a:t>SQL Server Database</a:t>
+            </a:r>
+          </a:p>
+        </p:txBody>
+      </p:sp>
+      <p:sp>
+        <p:nvSpPr>
+          <p:cNvPr id="6" name="Rectangle 5"/>
+          <p:cNvSpPr/>
+          <p:nvPr/>
+        </p:nvSpPr>
+        <p:spPr>
+          <a:xfrm>
+            <a:off x="776776" y="5039668"/>
+            <a:ext cx="6797806" cy="1436914"/>
+          </a:xfrm>
+          <a:prstGeom prst="rect">
+            <a:avLst/>
+          </a:prstGeom>
+        </p:spPr>
+        <p:style>
+          <a:lnRef idx="0">
+            <a:schemeClr val="dk1"/>
+          </a:lnRef>
+          <a:fillRef idx="3">
+            <a:schemeClr val="dk1"/>
+          </a:fillRef>
+          <a:effectRef idx="3">
+            <a:schemeClr val="dk1"/>
+          </a:effectRef>
+          <a:fontRef idx="minor">
+            <a:schemeClr val="lt1"/>
+          </a:fontRef>
+        </p:style>
+        <p:txBody>
+          <a:bodyPr rtlCol="0" anchor="t" anchorCtr="0"/>
+          <a:lstStyle/>
+          <a:p>
+            <a:pPr algn="ctr"/>
+            <a:r>
+              <a:rPr lang="en-US" dirty="0"/>
+              <a:t>C# Entity Framework Data Context</a:t>
+            </a:r>
+          </a:p>
+        </p:txBody>
+      </p:sp>
+      <p:sp>
+        <p:nvSpPr>
+          <p:cNvPr id="2" name="Rectangle 1"/>
+          <p:cNvSpPr/>
+          <p:nvPr/>
+        </p:nvSpPr>
+        <p:spPr>
+          <a:xfrm>
+            <a:off x="1459532" y="5517034"/>
+            <a:ext cx="1046285" cy="663819"/>
+          </a:xfrm>
+          <a:prstGeom prst="rect">
+            <a:avLst/>
+          </a:prstGeom>
+        </p:spPr>
+        <p:style>
+          <a:lnRef idx="2">
+            <a:schemeClr val="accent6">
+              <a:shade val="50000"/>
+            </a:schemeClr>
+          </a:lnRef>
+          <a:fillRef idx="1">
+            <a:schemeClr val="accent6"/>
+          </a:fillRef>
+          <a:effectRef idx="0">
+            <a:schemeClr val="accent6"/>
+          </a:effectRef>
+          <a:fontRef idx="minor">
+            <a:schemeClr val="lt1"/>
+          </a:fontRef>
+        </p:style>
+        <p:txBody>
+          <a:bodyPr rtlCol="0" anchor="ctr"/>
+          <a:lstStyle/>
+          <a:p>
+            <a:pPr algn="ctr"/>
+            <a:r>
+              <a:rPr lang="en-US" dirty="0"/>
+              <a:t>Class 1</a:t>
+            </a:r>
+          </a:p>
+        </p:txBody>
+      </p:sp>
+      <p:sp>
+        <p:nvSpPr>
+          <p:cNvPr id="5" name="Rectangle 4"/>
+          <p:cNvSpPr/>
+          <p:nvPr/>
+        </p:nvSpPr>
+        <p:spPr>
+          <a:xfrm>
+            <a:off x="2851647" y="5517034"/>
+            <a:ext cx="1046285" cy="663819"/>
+          </a:xfrm>
+          <a:prstGeom prst="rect">
+            <a:avLst/>
+          </a:prstGeom>
+        </p:spPr>
+        <p:style>
+          <a:lnRef idx="2">
+            <a:schemeClr val="accent6">
+              <a:shade val="50000"/>
+            </a:schemeClr>
+          </a:lnRef>
+          <a:fillRef idx="1">
+            <a:schemeClr val="accent6"/>
+          </a:fillRef>
+          <a:effectRef idx="0">
+            <a:schemeClr val="accent6"/>
+          </a:effectRef>
+          <a:fontRef idx="minor">
+            <a:schemeClr val="lt1"/>
+          </a:fontRef>
+        </p:style>
+        <p:txBody>
+          <a:bodyPr rtlCol="0" anchor="ctr"/>
+          <a:lstStyle/>
+          <a:p>
+            <a:pPr algn="ctr"/>
+            <a:r>
+              <a:rPr lang="en-US" dirty="0"/>
+              <a:t>Class 2</a:t>
+            </a:r>
+          </a:p>
+        </p:txBody>
+      </p:sp>
+      <p:sp>
+        <p:nvSpPr>
+          <p:cNvPr id="7" name="Rectangle 6"/>
+          <p:cNvSpPr/>
+          <p:nvPr/>
+        </p:nvSpPr>
+        <p:spPr>
+          <a:xfrm>
+            <a:off x="4243762" y="5517033"/>
+            <a:ext cx="1046285" cy="663819"/>
+          </a:xfrm>
+          <a:prstGeom prst="rect">
+            <a:avLst/>
+          </a:prstGeom>
+        </p:spPr>
+        <p:style>
+          <a:lnRef idx="2">
+            <a:schemeClr val="accent6">
+              <a:shade val="50000"/>
+            </a:schemeClr>
+          </a:lnRef>
+          <a:fillRef idx="1">
+            <a:schemeClr val="accent6"/>
+          </a:fillRef>
+          <a:effectRef idx="0">
+            <a:schemeClr val="accent6"/>
+          </a:effectRef>
+          <a:fontRef idx="minor">
+            <a:schemeClr val="lt1"/>
+          </a:fontRef>
+        </p:style>
+        <p:txBody>
+          <a:bodyPr rtlCol="0" anchor="ctr"/>
+          <a:lstStyle/>
+          <a:p>
+            <a:pPr algn="ctr"/>
+            <a:r>
+              <a:rPr lang="en-US" dirty="0"/>
+              <a:t>Class 3</a:t>
+            </a:r>
+          </a:p>
+        </p:txBody>
+      </p:sp>
+      <p:sp>
+        <p:nvSpPr>
+          <p:cNvPr id="8" name="Rectangle 7"/>
+          <p:cNvSpPr/>
+          <p:nvPr/>
+        </p:nvSpPr>
+        <p:spPr>
+          <a:xfrm>
+            <a:off x="5635877" y="5517033"/>
+            <a:ext cx="1046285" cy="663819"/>
+          </a:xfrm>
+          <a:prstGeom prst="rect">
+            <a:avLst/>
+          </a:prstGeom>
+        </p:spPr>
+        <p:style>
+          <a:lnRef idx="2">
+            <a:schemeClr val="accent6">
+              <a:shade val="50000"/>
+            </a:schemeClr>
+          </a:lnRef>
+          <a:fillRef idx="1">
+            <a:schemeClr val="accent6"/>
+          </a:fillRef>
+          <a:effectRef idx="0">
+            <a:schemeClr val="accent6"/>
+          </a:effectRef>
+          <a:fontRef idx="minor">
+            <a:schemeClr val="lt1"/>
+          </a:fontRef>
+        </p:style>
+        <p:txBody>
+          <a:bodyPr rtlCol="0" anchor="ctr"/>
+          <a:lstStyle/>
+          <a:p>
+            <a:pPr algn="ctr"/>
+            <a:r>
+              <a:rPr lang="en-US" dirty="0"/>
+              <a:t>Class 4</a:t>
+            </a:r>
+          </a:p>
+        </p:txBody>
+      </p:sp>
+      <p:sp>
+        <p:nvSpPr>
+          <p:cNvPr id="9" name="Rectangle 8"/>
+          <p:cNvSpPr/>
+          <p:nvPr/>
+        </p:nvSpPr>
+        <p:spPr>
+          <a:xfrm>
+            <a:off x="2930994" y="3878558"/>
+            <a:ext cx="4612812" cy="866670"/>
+          </a:xfrm>
+          <a:prstGeom prst="rect">
+            <a:avLst/>
+          </a:prstGeom>
+        </p:spPr>
+        <p:style>
+          <a:lnRef idx="1">
+            <a:schemeClr val="dk1"/>
+          </a:lnRef>
+          <a:fillRef idx="2">
+            <a:schemeClr val="dk1"/>
+          </a:fillRef>
+          <a:effectRef idx="1">
+            <a:schemeClr val="dk1"/>
+          </a:effectRef>
+          <a:fontRef idx="minor">
+            <a:schemeClr val="dk1"/>
+          </a:fontRef>
+        </p:style>
+        <p:txBody>
+          <a:bodyPr rtlCol="0" anchor="t" anchorCtr="0"/>
+          <a:lstStyle/>
+          <a:p>
+            <a:pPr algn="ctr"/>
+            <a:r>
+              <a:rPr lang="en-US" dirty="0"/>
+              <a:t>C# Web APIs</a:t>
+            </a:r>
+          </a:p>
+        </p:txBody>
+      </p:sp>
+      <p:sp>
+        <p:nvSpPr>
+          <p:cNvPr id="10" name="Rectangle 9"/>
+          <p:cNvSpPr/>
+          <p:nvPr/>
+        </p:nvSpPr>
+        <p:spPr>
+          <a:xfrm>
+            <a:off x="3254362" y="4247834"/>
+            <a:ext cx="759069" cy="346877"/>
+          </a:xfrm>
+          <a:prstGeom prst="rect">
+            <a:avLst/>
+          </a:prstGeom>
+        </p:spPr>
+        <p:style>
+          <a:lnRef idx="3">
+            <a:schemeClr val="lt1"/>
+          </a:lnRef>
+          <a:fillRef idx="1">
+            <a:schemeClr val="accent3"/>
+          </a:fillRef>
+          <a:effectRef idx="1">
+            <a:schemeClr val="accent3"/>
+          </a:effectRef>
+          <a:fontRef idx="minor">
+            <a:schemeClr val="lt1"/>
+          </a:fontRef>
+        </p:style>
+        <p:txBody>
+          <a:bodyPr rtlCol="0" anchor="ctr"/>
+          <a:lstStyle/>
+          <a:p>
+            <a:pPr algn="ctr"/>
+            <a:r>
+              <a:rPr lang="en-US" sz="1000" dirty="0"/>
+              <a:t>API for Class 1</a:t>
+            </a:r>
+          </a:p>
+        </p:txBody>
+      </p:sp>
+      <p:sp>
+        <p:nvSpPr>
+          <p:cNvPr id="11" name="Rectangle 10"/>
+          <p:cNvSpPr/>
+          <p:nvPr/>
+        </p:nvSpPr>
+        <p:spPr>
+          <a:xfrm>
+            <a:off x="4306047" y="4247833"/>
+            <a:ext cx="759069" cy="346877"/>
+          </a:xfrm>
+          <a:prstGeom prst="rect">
+            <a:avLst/>
+          </a:prstGeom>
+        </p:spPr>
+        <p:style>
+          <a:lnRef idx="3">
+            <a:schemeClr val="lt1"/>
+          </a:lnRef>
+          <a:fillRef idx="1">
+            <a:schemeClr val="accent3"/>
+          </a:fillRef>
+          <a:effectRef idx="1">
+            <a:schemeClr val="accent3"/>
+          </a:effectRef>
+          <a:fontRef idx="minor">
+            <a:schemeClr val="lt1"/>
+          </a:fontRef>
+        </p:style>
+        <p:txBody>
+          <a:bodyPr rtlCol="0" anchor="ctr"/>
+          <a:lstStyle/>
+          <a:p>
+            <a:pPr algn="ctr"/>
+            <a:r>
+              <a:rPr lang="en-US" sz="1000" dirty="0"/>
+              <a:t>API for Class 2</a:t>
+            </a:r>
+          </a:p>
+        </p:txBody>
+      </p:sp>
+      <p:sp>
+        <p:nvSpPr>
+          <p:cNvPr id="12" name="Rectangle 11"/>
+          <p:cNvSpPr/>
+          <p:nvPr/>
+        </p:nvSpPr>
+        <p:spPr>
+          <a:xfrm>
+            <a:off x="5357732" y="4247833"/>
+            <a:ext cx="759069" cy="346877"/>
+          </a:xfrm>
+          <a:prstGeom prst="rect">
+            <a:avLst/>
+          </a:prstGeom>
+          <a:ln>
+            <a:solidFill>
+              <a:schemeClr val="accent5">
+                <a:lumMod val="40000"/>
+                <a:lumOff val="60000"/>
+              </a:schemeClr>
+            </a:solidFill>
+          </a:ln>
+        </p:spPr>
+        <p:style>
+          <a:lnRef idx="3">
+            <a:schemeClr val="lt1"/>
+          </a:lnRef>
+          <a:fillRef idx="1">
+            <a:schemeClr val="accent3"/>
+          </a:fillRef>
+          <a:effectRef idx="1">
+            <a:schemeClr val="accent3"/>
+          </a:effectRef>
+          <a:fontRef idx="minor">
+            <a:schemeClr val="lt1"/>
+          </a:fontRef>
+        </p:style>
+        <p:txBody>
+          <a:bodyPr rtlCol="0" anchor="ctr"/>
+          <a:lstStyle/>
+          <a:p>
+            <a:pPr algn="ctr"/>
+            <a:r>
+              <a:rPr lang="en-US" sz="1000" dirty="0"/>
+              <a:t>DTO for Class 1</a:t>
+            </a:r>
+          </a:p>
+        </p:txBody>
+      </p:sp>
+      <p:sp>
+        <p:nvSpPr>
+          <p:cNvPr id="13" name="Rectangle 12"/>
+          <p:cNvSpPr/>
+          <p:nvPr/>
+        </p:nvSpPr>
+        <p:spPr>
+          <a:xfrm>
+            <a:off x="6409417" y="4247833"/>
+            <a:ext cx="759069" cy="346877"/>
+          </a:xfrm>
+          <a:prstGeom prst="rect">
+            <a:avLst/>
+          </a:prstGeom>
+          <a:ln>
+            <a:solidFill>
+              <a:schemeClr val="accent5">
+                <a:lumMod val="40000"/>
+                <a:lumOff val="60000"/>
+              </a:schemeClr>
+            </a:solidFill>
+          </a:ln>
+        </p:spPr>
+        <p:style>
+          <a:lnRef idx="3">
+            <a:schemeClr val="lt1"/>
+          </a:lnRef>
+          <a:fillRef idx="1">
+            <a:schemeClr val="accent3"/>
+          </a:fillRef>
+          <a:effectRef idx="1">
+            <a:schemeClr val="accent3"/>
+          </a:effectRef>
+          <a:fontRef idx="minor">
+            <a:schemeClr val="lt1"/>
+          </a:fontRef>
+        </p:style>
+        <p:txBody>
+          <a:bodyPr rtlCol="0" anchor="ctr"/>
+          <a:lstStyle/>
+          <a:p>
+            <a:pPr algn="ctr"/>
+            <a:r>
+              <a:rPr lang="en-US" sz="1000" dirty="0"/>
+              <a:t>DTO for Class 2</a:t>
+            </a:r>
+          </a:p>
+        </p:txBody>
+      </p:sp>
+      <p:sp>
+        <p:nvSpPr>
+          <p:cNvPr id="14" name="Rectangle 13"/>
+          <p:cNvSpPr/>
+          <p:nvPr/>
+        </p:nvSpPr>
+        <p:spPr>
+          <a:xfrm>
+            <a:off x="6380289" y="1586384"/>
+            <a:ext cx="5143499" cy="866670"/>
+          </a:xfrm>
+          <a:prstGeom prst="rect">
+            <a:avLst/>
+          </a:prstGeom>
+        </p:spPr>
+        <p:style>
+          <a:lnRef idx="1">
+            <a:schemeClr val="dk1"/>
+          </a:lnRef>
+          <a:fillRef idx="2">
+            <a:schemeClr val="dk1"/>
+          </a:fillRef>
+          <a:effectRef idx="1">
+            <a:schemeClr val="dk1"/>
+          </a:effectRef>
+          <a:fontRef idx="minor">
+            <a:schemeClr val="dk1"/>
+          </a:fontRef>
+        </p:style>
+        <p:txBody>
+          <a:bodyPr rtlCol="0" anchor="t" anchorCtr="0"/>
+          <a:lstStyle/>
+          <a:p>
+            <a:pPr algn="ctr"/>
+            <a:r>
+              <a:rPr lang="en-US" dirty="0"/>
+              <a:t>Admin Controllers &amp; Views</a:t>
+            </a:r>
+          </a:p>
+        </p:txBody>
+      </p:sp>
+      <p:sp>
+        <p:nvSpPr>
+          <p:cNvPr id="19" name="Rectangle 18"/>
+          <p:cNvSpPr/>
+          <p:nvPr/>
+        </p:nvSpPr>
+        <p:spPr>
+          <a:xfrm>
+            <a:off x="2930994" y="2827250"/>
+            <a:ext cx="4643586" cy="866670"/>
+          </a:xfrm>
+          <a:prstGeom prst="rect">
+            <a:avLst/>
+          </a:prstGeom>
+        </p:spPr>
+        <p:style>
+          <a:lnRef idx="1">
+            <a:schemeClr val="dk1"/>
+          </a:lnRef>
+          <a:fillRef idx="2">
+            <a:schemeClr val="dk1"/>
+          </a:fillRef>
+          <a:effectRef idx="1">
+            <a:schemeClr val="dk1"/>
+          </a:effectRef>
+          <a:fontRef idx="minor">
+            <a:schemeClr val="dk1"/>
+          </a:fontRef>
+        </p:style>
+        <p:txBody>
+          <a:bodyPr rtlCol="0" anchor="t" anchorCtr="0"/>
+          <a:lstStyle/>
+          <a:p>
+            <a:pPr algn="ctr"/>
+            <a:r>
+              <a:rPr lang="en-US" dirty="0"/>
+              <a:t>TypeScript View Models</a:t>
+            </a:r>
+          </a:p>
+        </p:txBody>
+      </p:sp>
+      <p:sp>
+        <p:nvSpPr>
+          <p:cNvPr id="20" name="Rectangle 19"/>
+          <p:cNvSpPr/>
+          <p:nvPr/>
+        </p:nvSpPr>
+        <p:spPr>
+          <a:xfrm>
+            <a:off x="3264387" y="3227195"/>
+            <a:ext cx="749044" cy="346877"/>
+          </a:xfrm>
+          <a:prstGeom prst="rect">
+            <a:avLst/>
+          </a:prstGeom>
+        </p:spPr>
+        <p:style>
+          <a:lnRef idx="3">
+            <a:schemeClr val="lt1"/>
+          </a:lnRef>
+          <a:fillRef idx="1">
+            <a:schemeClr val="accent3"/>
+          </a:fillRef>
+          <a:effectRef idx="1">
+            <a:schemeClr val="accent3"/>
+          </a:effectRef>
+          <a:fontRef idx="minor">
+            <a:schemeClr val="lt1"/>
+          </a:fontRef>
+        </p:style>
+        <p:txBody>
+          <a:bodyPr rtlCol="0" anchor="ctr"/>
+          <a:lstStyle/>
+          <a:p>
+            <a:pPr algn="ctr"/>
+            <a:r>
+              <a:rPr lang="en-US" sz="1000" dirty="0"/>
+              <a:t>VM </a:t>
+            </a:r>
+          </a:p>
+          <a:p>
+            <a:pPr algn="ctr"/>
+            <a:r>
+              <a:rPr lang="en-US" sz="1000" dirty="0"/>
+              <a:t>Class 1</a:t>
+            </a:r>
+          </a:p>
+        </p:txBody>
+      </p:sp>
+      <p:sp>
+        <p:nvSpPr>
+          <p:cNvPr id="21" name="Rectangle 20"/>
+          <p:cNvSpPr/>
+          <p:nvPr/>
+        </p:nvSpPr>
+        <p:spPr>
+          <a:xfrm>
+            <a:off x="4306046" y="3226671"/>
+            <a:ext cx="759069" cy="346877"/>
+          </a:xfrm>
+          <a:prstGeom prst="rect">
+            <a:avLst/>
+          </a:prstGeom>
+        </p:spPr>
+        <p:style>
+          <a:lnRef idx="3">
+            <a:schemeClr val="lt1"/>
+          </a:lnRef>
+          <a:fillRef idx="1">
+            <a:schemeClr val="accent3"/>
+          </a:fillRef>
+          <a:effectRef idx="1">
+            <a:schemeClr val="accent3"/>
+          </a:effectRef>
+          <a:fontRef idx="minor">
+            <a:schemeClr val="lt1"/>
+          </a:fontRef>
+        </p:style>
+        <p:txBody>
+          <a:bodyPr rtlCol="0" anchor="ctr"/>
+          <a:lstStyle/>
+          <a:p>
+            <a:pPr algn="ctr"/>
+            <a:r>
+              <a:rPr lang="en-US" sz="1000" dirty="0"/>
+              <a:t>VM </a:t>
+            </a:r>
+          </a:p>
+          <a:p>
+            <a:pPr algn="ctr"/>
+            <a:r>
+              <a:rPr lang="en-US" sz="1000" dirty="0"/>
+              <a:t>Class 2</a:t>
+            </a:r>
+          </a:p>
+        </p:txBody>
+      </p:sp>
+      <p:sp>
+        <p:nvSpPr>
+          <p:cNvPr id="22" name="Rectangle 21"/>
+          <p:cNvSpPr/>
+          <p:nvPr/>
+        </p:nvSpPr>
+        <p:spPr>
+          <a:xfrm>
+            <a:off x="5353907" y="3226043"/>
+            <a:ext cx="762893" cy="346877"/>
+          </a:xfrm>
+          <a:prstGeom prst="rect">
+            <a:avLst/>
+          </a:prstGeom>
+          <a:ln>
+            <a:solidFill>
+              <a:schemeClr val="accent5">
+                <a:lumMod val="40000"/>
+                <a:lumOff val="60000"/>
+              </a:schemeClr>
+            </a:solidFill>
+          </a:ln>
+        </p:spPr>
+        <p:style>
+          <a:lnRef idx="3">
+            <a:schemeClr val="lt1"/>
+          </a:lnRef>
+          <a:fillRef idx="1">
+            <a:schemeClr val="accent3"/>
+          </a:fillRef>
+          <a:effectRef idx="1">
+            <a:schemeClr val="accent3"/>
+          </a:effectRef>
+          <a:fontRef idx="minor">
+            <a:schemeClr val="lt1"/>
+          </a:fontRef>
+        </p:style>
+        <p:txBody>
+          <a:bodyPr rtlCol="0" anchor="ctr"/>
+          <a:lstStyle/>
+          <a:p>
+            <a:pPr algn="ctr"/>
+            <a:r>
+              <a:rPr lang="en-US" sz="1000" dirty="0"/>
+              <a:t>List VM Class 1</a:t>
+            </a:r>
+          </a:p>
+        </p:txBody>
+      </p:sp>
+      <p:sp>
+        <p:nvSpPr>
+          <p:cNvPr id="23" name="Rectangle 22"/>
+          <p:cNvSpPr/>
+          <p:nvPr/>
+        </p:nvSpPr>
+        <p:spPr>
+          <a:xfrm>
+            <a:off x="6414630" y="3216726"/>
+            <a:ext cx="753855" cy="346877"/>
+          </a:xfrm>
+          <a:prstGeom prst="rect">
+            <a:avLst/>
+          </a:prstGeom>
+          <a:ln>
+            <a:solidFill>
+              <a:schemeClr val="accent5">
+                <a:lumMod val="40000"/>
+                <a:lumOff val="60000"/>
+              </a:schemeClr>
+            </a:solidFill>
+          </a:ln>
+        </p:spPr>
+        <p:style>
+          <a:lnRef idx="3">
+            <a:schemeClr val="lt1"/>
+          </a:lnRef>
+          <a:fillRef idx="1">
+            <a:schemeClr val="accent3"/>
+          </a:fillRef>
+          <a:effectRef idx="1">
+            <a:schemeClr val="accent3"/>
+          </a:effectRef>
+          <a:fontRef idx="minor">
+            <a:schemeClr val="lt1"/>
+          </a:fontRef>
+        </p:style>
+        <p:txBody>
+          <a:bodyPr rtlCol="0" anchor="ctr"/>
+          <a:lstStyle/>
+          <a:p>
+            <a:pPr algn="ctr"/>
+            <a:r>
+              <a:rPr lang="en-US" sz="1000" dirty="0"/>
+              <a:t>List VM Class 2</a:t>
+            </a:r>
+          </a:p>
+        </p:txBody>
+      </p:sp>
+      <p:sp>
+        <p:nvSpPr>
+          <p:cNvPr id="24" name="Rectangle 23"/>
+          <p:cNvSpPr/>
+          <p:nvPr/>
+        </p:nvSpPr>
+        <p:spPr>
+          <a:xfrm>
+            <a:off x="7983423" y="2822329"/>
+            <a:ext cx="3421673" cy="1463921"/>
+          </a:xfrm>
+          <a:prstGeom prst="rect">
+            <a:avLst/>
+          </a:prstGeom>
+        </p:spPr>
+        <p:style>
+          <a:lnRef idx="1">
+            <a:schemeClr val="accent1"/>
+          </a:lnRef>
+          <a:fillRef idx="2">
+            <a:schemeClr val="accent1"/>
+          </a:fillRef>
+          <a:effectRef idx="1">
+            <a:schemeClr val="accent1"/>
+          </a:effectRef>
+          <a:fontRef idx="minor">
+            <a:schemeClr val="dk1"/>
+          </a:fontRef>
+        </p:style>
+        <p:txBody>
+          <a:bodyPr rtlCol="0" anchor="t" anchorCtr="0"/>
+          <a:lstStyle/>
+          <a:p>
+            <a:pPr algn="ctr"/>
+            <a:r>
+              <a:rPr lang="en-US" dirty="0"/>
+              <a:t>                 HTML Helper Library</a:t>
+            </a:r>
+          </a:p>
+        </p:txBody>
+      </p:sp>
+      <p:sp>
+        <p:nvSpPr>
+          <p:cNvPr id="17" name="Rectangle 16"/>
+          <p:cNvSpPr/>
+          <p:nvPr/>
+        </p:nvSpPr>
+        <p:spPr>
+          <a:xfrm>
+            <a:off x="8352701" y="3236145"/>
+            <a:ext cx="1197949" cy="346877"/>
+          </a:xfrm>
+          <a:prstGeom prst="rect">
+            <a:avLst/>
+          </a:prstGeom>
+        </p:spPr>
+        <p:style>
+          <a:lnRef idx="3">
+            <a:schemeClr val="lt1"/>
+          </a:lnRef>
+          <a:fillRef idx="1">
+            <a:schemeClr val="accent5"/>
+          </a:fillRef>
+          <a:effectRef idx="1">
+            <a:schemeClr val="accent5"/>
+          </a:effectRef>
+          <a:fontRef idx="minor">
+            <a:schemeClr val="lt1"/>
+          </a:fontRef>
+        </p:style>
+        <p:txBody>
+          <a:bodyPr rtlCol="0" anchor="ctr"/>
+          <a:lstStyle/>
+          <a:p>
+            <a:pPr algn="ctr"/>
+            <a:r>
+              <a:rPr lang="en-US" sz="1000" dirty="0"/>
+              <a:t>Display Helpers</a:t>
+            </a:r>
+          </a:p>
+        </p:txBody>
+      </p:sp>
+      <p:sp>
+        <p:nvSpPr>
+          <p:cNvPr id="18" name="Rectangle 17"/>
+          <p:cNvSpPr/>
+          <p:nvPr/>
+        </p:nvSpPr>
+        <p:spPr>
+          <a:xfrm>
+            <a:off x="9878898" y="3226045"/>
+            <a:ext cx="1197949" cy="346877"/>
+          </a:xfrm>
+          <a:prstGeom prst="rect">
+            <a:avLst/>
+          </a:prstGeom>
+        </p:spPr>
+        <p:style>
+          <a:lnRef idx="3">
+            <a:schemeClr val="lt1"/>
+          </a:lnRef>
+          <a:fillRef idx="1">
+            <a:schemeClr val="accent5"/>
+          </a:fillRef>
+          <a:effectRef idx="1">
+            <a:schemeClr val="accent5"/>
+          </a:effectRef>
+          <a:fontRef idx="minor">
+            <a:schemeClr val="lt1"/>
+          </a:fontRef>
+        </p:style>
+        <p:txBody>
+          <a:bodyPr rtlCol="0" anchor="ctr"/>
+          <a:lstStyle/>
+          <a:p>
+            <a:pPr algn="ctr"/>
+            <a:r>
+              <a:rPr lang="en-US" sz="1000" dirty="0"/>
+              <a:t>Editor Helpers</a:t>
+            </a:r>
+          </a:p>
+        </p:txBody>
+      </p:sp>
+      <p:sp>
+        <p:nvSpPr>
+          <p:cNvPr id="25" name="Rectangle 24"/>
+          <p:cNvSpPr/>
+          <p:nvPr/>
+        </p:nvSpPr>
+        <p:spPr>
+          <a:xfrm>
+            <a:off x="8352701" y="3761197"/>
+            <a:ext cx="1197949" cy="346877"/>
+          </a:xfrm>
+          <a:prstGeom prst="rect">
+            <a:avLst/>
+          </a:prstGeom>
+        </p:spPr>
+        <p:style>
+          <a:lnRef idx="3">
+            <a:schemeClr val="lt1"/>
+          </a:lnRef>
+          <a:fillRef idx="1">
+            <a:schemeClr val="accent5"/>
+          </a:fillRef>
+          <a:effectRef idx="1">
+            <a:schemeClr val="accent5"/>
+          </a:effectRef>
+          <a:fontRef idx="minor">
+            <a:schemeClr val="lt1"/>
+          </a:fontRef>
+        </p:style>
+        <p:txBody>
+          <a:bodyPr rtlCol="0" anchor="ctr"/>
+          <a:lstStyle/>
+          <a:p>
+            <a:pPr algn="ctr"/>
+            <a:r>
+              <a:rPr lang="en-US" sz="1000" dirty="0"/>
+              <a:t>Grid Helpers</a:t>
+            </a:r>
+          </a:p>
+        </p:txBody>
+      </p:sp>
+      <p:sp>
+        <p:nvSpPr>
+          <p:cNvPr id="26" name="Rectangle 25"/>
+          <p:cNvSpPr/>
+          <p:nvPr/>
+        </p:nvSpPr>
+        <p:spPr>
+          <a:xfrm>
+            <a:off x="9878897" y="3756147"/>
+            <a:ext cx="1197949" cy="346877"/>
+          </a:xfrm>
+          <a:prstGeom prst="rect">
+            <a:avLst/>
+          </a:prstGeom>
+        </p:spPr>
+        <p:style>
+          <a:lnRef idx="3">
+            <a:schemeClr val="lt1"/>
+          </a:lnRef>
+          <a:fillRef idx="1">
+            <a:schemeClr val="accent5"/>
+          </a:fillRef>
+          <a:effectRef idx="1">
+            <a:schemeClr val="accent5"/>
+          </a:effectRef>
+          <a:fontRef idx="minor">
+            <a:schemeClr val="lt1"/>
+          </a:fontRef>
+        </p:style>
+        <p:txBody>
+          <a:bodyPr rtlCol="0" anchor="ctr"/>
+          <a:lstStyle/>
+          <a:p>
+            <a:pPr algn="ctr"/>
+            <a:r>
+              <a:rPr lang="en-US" sz="1000" dirty="0"/>
+              <a:t>Script Helpers</a:t>
+            </a:r>
+          </a:p>
+        </p:txBody>
+      </p:sp>
+      <p:sp>
+        <p:nvSpPr>
+          <p:cNvPr id="27" name="Rectangle 26"/>
+          <p:cNvSpPr/>
+          <p:nvPr/>
+        </p:nvSpPr>
+        <p:spPr>
+          <a:xfrm>
+            <a:off x="6592773" y="1996168"/>
+            <a:ext cx="981807" cy="346877"/>
+          </a:xfrm>
+          <a:prstGeom prst="rect">
+            <a:avLst/>
+          </a:prstGeom>
+        </p:spPr>
+        <p:style>
+          <a:lnRef idx="3">
+            <a:schemeClr val="lt1"/>
+          </a:lnRef>
+          <a:fillRef idx="1">
+            <a:schemeClr val="accent3"/>
+          </a:fillRef>
+          <a:effectRef idx="1">
+            <a:schemeClr val="accent3"/>
+          </a:effectRef>
+          <a:fontRef idx="minor">
+            <a:schemeClr val="lt1"/>
+          </a:fontRef>
+        </p:style>
+        <p:txBody>
+          <a:bodyPr rtlCol="0" anchor="ctr"/>
+          <a:lstStyle/>
+          <a:p>
+            <a:pPr algn="ctr"/>
+            <a:r>
+              <a:rPr lang="en-US" sz="800" dirty="0"/>
+              <a:t>Views for </a:t>
+            </a:r>
+          </a:p>
+          <a:p>
+            <a:pPr algn="ctr"/>
+            <a:r>
+              <a:rPr lang="en-US" sz="800" dirty="0"/>
+              <a:t>Class 1</a:t>
+            </a:r>
+          </a:p>
+        </p:txBody>
+      </p:sp>
+      <p:sp>
+        <p:nvSpPr>
+          <p:cNvPr id="28" name="Rectangle 27"/>
+          <p:cNvSpPr/>
+          <p:nvPr/>
+        </p:nvSpPr>
+        <p:spPr>
+          <a:xfrm>
+            <a:off x="7851539" y="1996167"/>
+            <a:ext cx="981807" cy="346877"/>
+          </a:xfrm>
+          <a:prstGeom prst="rect">
+            <a:avLst/>
+          </a:prstGeom>
+        </p:spPr>
+        <p:style>
+          <a:lnRef idx="3">
+            <a:schemeClr val="lt1"/>
+          </a:lnRef>
+          <a:fillRef idx="1">
+            <a:schemeClr val="accent3"/>
+          </a:fillRef>
+          <a:effectRef idx="1">
+            <a:schemeClr val="accent3"/>
+          </a:effectRef>
+          <a:fontRef idx="minor">
+            <a:schemeClr val="lt1"/>
+          </a:fontRef>
+        </p:style>
+        <p:txBody>
+          <a:bodyPr rtlCol="0" anchor="ctr"/>
+          <a:lstStyle/>
+          <a:p>
+            <a:pPr algn="ctr"/>
+            <a:r>
+              <a:rPr lang="en-US" sz="800" dirty="0"/>
+              <a:t>Views for </a:t>
+            </a:r>
+          </a:p>
+          <a:p>
+            <a:pPr algn="ctr"/>
+            <a:r>
+              <a:rPr lang="en-US" sz="800" dirty="0"/>
+              <a:t>Class 2</a:t>
+            </a:r>
+          </a:p>
+        </p:txBody>
+      </p:sp>
+      <p:sp>
+        <p:nvSpPr>
+          <p:cNvPr id="29" name="Rectangle 28"/>
+          <p:cNvSpPr/>
+          <p:nvPr/>
+        </p:nvSpPr>
+        <p:spPr>
+          <a:xfrm>
+            <a:off x="9110305" y="1996166"/>
+            <a:ext cx="981807" cy="346877"/>
+          </a:xfrm>
+          <a:prstGeom prst="rect">
+            <a:avLst/>
+          </a:prstGeom>
+        </p:spPr>
+        <p:style>
+          <a:lnRef idx="3">
+            <a:schemeClr val="lt1"/>
+          </a:lnRef>
+          <a:fillRef idx="1">
+            <a:schemeClr val="accent3"/>
+          </a:fillRef>
+          <a:effectRef idx="1">
+            <a:schemeClr val="accent3"/>
+          </a:effectRef>
+          <a:fontRef idx="minor">
+            <a:schemeClr val="lt1"/>
+          </a:fontRef>
+        </p:style>
+        <p:txBody>
+          <a:bodyPr rtlCol="0" anchor="ctr"/>
+          <a:lstStyle/>
+          <a:p>
+            <a:pPr algn="ctr"/>
+            <a:r>
+              <a:rPr lang="en-US" sz="800" dirty="0"/>
+              <a:t>Controller for Class 1</a:t>
+            </a:r>
+          </a:p>
+        </p:txBody>
+      </p:sp>
+      <p:sp>
+        <p:nvSpPr>
+          <p:cNvPr id="30" name="Rectangle 29"/>
+          <p:cNvSpPr/>
+          <p:nvPr/>
+        </p:nvSpPr>
+        <p:spPr>
+          <a:xfrm>
+            <a:off x="10369071" y="1996165"/>
+            <a:ext cx="981807" cy="346877"/>
+          </a:xfrm>
+          <a:prstGeom prst="rect">
+            <a:avLst/>
+          </a:prstGeom>
+        </p:spPr>
+        <p:style>
+          <a:lnRef idx="3">
+            <a:schemeClr val="lt1"/>
+          </a:lnRef>
+          <a:fillRef idx="1">
+            <a:schemeClr val="accent3"/>
+          </a:fillRef>
+          <a:effectRef idx="1">
+            <a:schemeClr val="accent3"/>
+          </a:effectRef>
+          <a:fontRef idx="minor">
+            <a:schemeClr val="lt1"/>
+          </a:fontRef>
+        </p:style>
+        <p:txBody>
+          <a:bodyPr rtlCol="0" anchor="ctr"/>
+          <a:lstStyle/>
+          <a:p>
+            <a:pPr algn="ctr"/>
+            <a:r>
+              <a:rPr lang="en-US" sz="800" dirty="0"/>
+              <a:t>Controller for Class 2</a:t>
+            </a:r>
+          </a:p>
+        </p:txBody>
+      </p:sp>
+      <p:sp>
+        <p:nvSpPr>
+          <p:cNvPr id="31" name="Rectangle 30"/>
+          <p:cNvSpPr/>
+          <p:nvPr/>
+        </p:nvSpPr>
+        <p:spPr>
+          <a:xfrm>
+            <a:off x="776775" y="424124"/>
+            <a:ext cx="5382245" cy="2028930"/>
+          </a:xfrm>
+          <a:prstGeom prst="rect">
+            <a:avLst/>
+          </a:prstGeom>
+        </p:spPr>
+        <p:style>
+          <a:lnRef idx="0">
+            <a:schemeClr val="dk1"/>
+          </a:lnRef>
+          <a:fillRef idx="3">
+            <a:schemeClr val="dk1"/>
+          </a:fillRef>
+          <a:effectRef idx="3">
+            <a:schemeClr val="dk1"/>
+          </a:effectRef>
+          <a:fontRef idx="minor">
+            <a:schemeClr val="lt1"/>
+          </a:fontRef>
+        </p:style>
+        <p:txBody>
+          <a:bodyPr rtlCol="0" anchor="t" anchorCtr="0"/>
+          <a:lstStyle/>
+          <a:p>
+            <a:pPr algn="ctr"/>
+            <a:r>
+              <a:rPr lang="en-US" dirty="0">
+                <a:solidFill>
+                  <a:schemeClr val="lt1"/>
+                </a:solidFill>
+              </a:rPr>
+              <a:t>Your Web Site</a:t>
+            </a:r>
+          </a:p>
+        </p:txBody>
+      </p:sp>
+      <p:sp>
+        <p:nvSpPr>
+          <p:cNvPr id="32" name="Rectangle 31"/>
+          <p:cNvSpPr/>
+          <p:nvPr/>
+        </p:nvSpPr>
+        <p:spPr>
+          <a:xfrm>
+            <a:off x="1520142" y="982820"/>
+            <a:ext cx="1122485" cy="929053"/>
+          </a:xfrm>
+          <a:prstGeom prst="rect">
+            <a:avLst/>
+          </a:prstGeom>
+        </p:spPr>
+        <p:style>
+          <a:lnRef idx="2">
+            <a:schemeClr val="accent6">
+              <a:shade val="50000"/>
+            </a:schemeClr>
+          </a:lnRef>
+          <a:fillRef idx="1">
+            <a:schemeClr val="accent6"/>
+          </a:fillRef>
+          <a:effectRef idx="0">
+            <a:schemeClr val="accent6"/>
+          </a:effectRef>
+          <a:fontRef idx="minor">
+            <a:schemeClr val="lt1"/>
+          </a:fontRef>
+        </p:style>
+        <p:txBody>
+          <a:bodyPr rtlCol="0" anchor="ctr"/>
+          <a:lstStyle/>
+          <a:p>
+            <a:pPr algn="ctr"/>
+            <a:r>
+              <a:rPr lang="en-US" dirty="0"/>
+              <a:t>Your Layout</a:t>
+            </a:r>
+          </a:p>
+        </p:txBody>
+      </p:sp>
+      <p:sp>
+        <p:nvSpPr>
+          <p:cNvPr id="33" name="Rectangle 32"/>
+          <p:cNvSpPr/>
+          <p:nvPr/>
+        </p:nvSpPr>
+        <p:spPr>
+          <a:xfrm>
+            <a:off x="2912257" y="982820"/>
+            <a:ext cx="1122485" cy="929053"/>
+          </a:xfrm>
+          <a:prstGeom prst="rect">
+            <a:avLst/>
+          </a:prstGeom>
+        </p:spPr>
+        <p:style>
+          <a:lnRef idx="2">
+            <a:schemeClr val="accent6">
+              <a:shade val="50000"/>
+            </a:schemeClr>
+          </a:lnRef>
+          <a:fillRef idx="1">
+            <a:schemeClr val="accent6"/>
+          </a:fillRef>
+          <a:effectRef idx="0">
+            <a:schemeClr val="accent6"/>
+          </a:effectRef>
+          <a:fontRef idx="minor">
+            <a:schemeClr val="lt1"/>
+          </a:fontRef>
+        </p:style>
+        <p:txBody>
+          <a:bodyPr rtlCol="0" anchor="ctr"/>
+          <a:lstStyle/>
+          <a:p>
+            <a:pPr algn="ctr"/>
+            <a:r>
+              <a:rPr lang="en-US" dirty="0"/>
+              <a:t>Your Styling</a:t>
+            </a:r>
+          </a:p>
+        </p:txBody>
+      </p:sp>
+      <p:sp>
+        <p:nvSpPr>
+          <p:cNvPr id="36" name="Rectangle 35"/>
+          <p:cNvSpPr/>
+          <p:nvPr/>
+        </p:nvSpPr>
+        <p:spPr>
+          <a:xfrm>
+            <a:off x="4304372" y="982819"/>
+            <a:ext cx="1122485" cy="929053"/>
+          </a:xfrm>
+          <a:prstGeom prst="rect">
+            <a:avLst/>
+          </a:prstGeom>
+        </p:spPr>
+        <p:style>
+          <a:lnRef idx="2">
+            <a:schemeClr val="accent6">
+              <a:shade val="50000"/>
+            </a:schemeClr>
+          </a:lnRef>
+          <a:fillRef idx="1">
+            <a:schemeClr val="accent6"/>
+          </a:fillRef>
+          <a:effectRef idx="0">
+            <a:schemeClr val="accent6"/>
+          </a:effectRef>
+          <a:fontRef idx="minor">
+            <a:schemeClr val="lt1"/>
+          </a:fontRef>
+        </p:style>
+        <p:txBody>
+          <a:bodyPr rtlCol="0" anchor="ctr"/>
+          <a:lstStyle/>
+          <a:p>
+            <a:pPr algn="ctr"/>
+            <a:r>
+              <a:rPr lang="en-US" dirty="0"/>
+              <a:t>Your Scripts</a:t>
+            </a:r>
+          </a:p>
+        </p:txBody>
+      </p:sp>
+      <p:sp>
+        <p:nvSpPr>
+          <p:cNvPr id="37" name="TextBox 36"/>
+          <p:cNvSpPr txBox="1"/>
+          <p:nvPr/>
+        </p:nvSpPr>
+        <p:spPr>
+          <a:xfrm rot="20408567">
+            <a:off x="531851" y="485957"/>
+            <a:ext cx="1202573" cy="369332"/>
+          </a:xfrm>
+          <a:prstGeom prst="rect">
+            <a:avLst/>
+          </a:prstGeom>
+        </p:spPr>
+        <p:style>
+          <a:lnRef idx="0">
+            <a:schemeClr val="accent6"/>
+          </a:lnRef>
+          <a:fillRef idx="3">
+            <a:schemeClr val="accent6"/>
+          </a:fillRef>
+          <a:effectRef idx="3">
+            <a:schemeClr val="accent6"/>
+          </a:effectRef>
+          <a:fontRef idx="minor">
+            <a:schemeClr val="lt1"/>
+          </a:fontRef>
+        </p:style>
+        <p:txBody>
+          <a:bodyPr wrap="none" rtlCol="0">
+            <a:spAutoFit/>
           </a:bodyPr>
           <a:lstStyle/>
           <a:p>
             <a:r>
               <a:rPr lang="en-US" dirty="0"/>
-              <a:t>ASP.NET Core: web infrastructure</a:t>
-            </a:r>
-          </a:p>
+              <a:t>You Build</a:t>
+            </a:r>
+          </a:p>
+        </p:txBody>
+      </p:sp>
+      <p:sp>
+        <p:nvSpPr>
+          <p:cNvPr id="38" name="TextBox 37"/>
+          <p:cNvSpPr txBox="1"/>
+          <p:nvPr/>
+        </p:nvSpPr>
+        <p:spPr>
+          <a:xfrm rot="20408567">
+            <a:off x="509063" y="5060178"/>
+            <a:ext cx="1202573" cy="369332"/>
+          </a:xfrm>
+          <a:prstGeom prst="rect">
+            <a:avLst/>
+          </a:prstGeom>
+        </p:spPr>
+        <p:style>
+          <a:lnRef idx="0">
+            <a:schemeClr val="accent6"/>
+          </a:lnRef>
+          <a:fillRef idx="3">
+            <a:schemeClr val="accent6"/>
+          </a:fillRef>
+          <a:effectRef idx="3">
+            <a:schemeClr val="accent6"/>
+          </a:effectRef>
+          <a:fontRef idx="minor">
+            <a:schemeClr val="lt1"/>
+          </a:fontRef>
+        </p:style>
+        <p:txBody>
+          <a:bodyPr wrap="none" rtlCol="0">
+            <a:spAutoFit/>
+          </a:bodyPr>
+          <a:lstStyle/>
           <a:p>
             <a:r>
               <a:rPr lang="en-US" dirty="0"/>
-              <a:t>Entity Framework Core: Object Relational Mapper</a:t>
-            </a:r>
-          </a:p>
-          <a:p>
-            <a:r>
-              <a:rPr lang="en-US" dirty="0" err="1"/>
-              <a:t>JQuery</a:t>
-            </a:r>
+              <a:t>You Build</a:t>
+            </a:r>
+          </a:p>
+        </p:txBody>
+      </p:sp>
+      <p:sp>
+        <p:nvSpPr>
+          <p:cNvPr id="39" name="TextBox 38"/>
+          <p:cNvSpPr txBox="1"/>
+          <p:nvPr/>
+        </p:nvSpPr>
+        <p:spPr>
+          <a:xfrm rot="20408567">
+            <a:off x="2783909" y="2709262"/>
+            <a:ext cx="1146468" cy="369332"/>
+          </a:xfrm>
+          <a:prstGeom prst="rect">
+            <a:avLst/>
+          </a:prstGeom>
+        </p:spPr>
+        <p:style>
+          <a:lnRef idx="0">
+            <a:schemeClr val="accent2"/>
+          </a:lnRef>
+          <a:fillRef idx="3">
+            <a:schemeClr val="accent2"/>
+          </a:fillRef>
+          <a:effectRef idx="3">
+            <a:schemeClr val="accent2"/>
+          </a:effectRef>
+          <a:fontRef idx="minor">
+            <a:schemeClr val="lt1"/>
+          </a:fontRef>
+        </p:style>
+        <p:txBody>
+          <a:bodyPr wrap="none" rtlCol="0">
+            <a:spAutoFit/>
+          </a:bodyPr>
+          <a:lstStyle/>
+          <a:p>
             <a:r>
               <a:rPr lang="en-US" dirty="0"/>
-              <a:t>: Mapping HTML manipulation easy</a:t>
-            </a:r>
-          </a:p>
+              <a:t>We Build</a:t>
+            </a:r>
+          </a:p>
+        </p:txBody>
+      </p:sp>
+      <p:sp>
+        <p:nvSpPr>
+          <p:cNvPr id="40" name="TextBox 39"/>
+          <p:cNvSpPr txBox="1"/>
+          <p:nvPr/>
+        </p:nvSpPr>
+        <p:spPr>
+          <a:xfrm rot="20408567">
+            <a:off x="2838320" y="3789351"/>
+            <a:ext cx="1146468" cy="369332"/>
+          </a:xfrm>
+          <a:prstGeom prst="rect">
+            <a:avLst/>
+          </a:prstGeom>
+        </p:spPr>
+        <p:style>
+          <a:lnRef idx="0">
+            <a:schemeClr val="accent2"/>
+          </a:lnRef>
+          <a:fillRef idx="3">
+            <a:schemeClr val="accent2"/>
+          </a:fillRef>
+          <a:effectRef idx="3">
+            <a:schemeClr val="accent2"/>
+          </a:effectRef>
+          <a:fontRef idx="minor">
+            <a:schemeClr val="lt1"/>
+          </a:fontRef>
+        </p:style>
+        <p:txBody>
+          <a:bodyPr wrap="none" rtlCol="0">
+            <a:spAutoFit/>
+          </a:bodyPr>
+          <a:lstStyle/>
           <a:p>
             <a:r>
               <a:rPr lang="en-US" dirty="0"/>
-              <a:t>Bootstrap: Tools for pretty sites</a:t>
-            </a:r>
-          </a:p>
+              <a:t>We Build</a:t>
+            </a:r>
+          </a:p>
+        </p:txBody>
+      </p:sp>
+      <p:sp>
+        <p:nvSpPr>
+          <p:cNvPr id="41" name="TextBox 40"/>
+          <p:cNvSpPr txBox="1"/>
+          <p:nvPr/>
+        </p:nvSpPr>
+        <p:spPr>
+          <a:xfrm rot="20408567">
+            <a:off x="6329152" y="1250857"/>
+            <a:ext cx="1146468" cy="369332"/>
+          </a:xfrm>
+          <a:prstGeom prst="rect">
+            <a:avLst/>
+          </a:prstGeom>
+        </p:spPr>
+        <p:style>
+          <a:lnRef idx="0">
+            <a:schemeClr val="accent2"/>
+          </a:lnRef>
+          <a:fillRef idx="3">
+            <a:schemeClr val="accent2"/>
+          </a:fillRef>
+          <a:effectRef idx="3">
+            <a:schemeClr val="accent2"/>
+          </a:effectRef>
+          <a:fontRef idx="minor">
+            <a:schemeClr val="lt1"/>
+          </a:fontRef>
+        </p:style>
+        <p:txBody>
+          <a:bodyPr wrap="none" rtlCol="0">
+            <a:spAutoFit/>
+          </a:bodyPr>
+          <a:lstStyle/>
           <a:p>
             <a:r>
               <a:rPr lang="en-US" dirty="0"/>
-              <a:t>Knockout: Straightforward HTML data-binding</a:t>
-            </a:r>
-          </a:p>
+              <a:t>We Build</a:t>
+            </a:r>
+          </a:p>
+        </p:txBody>
+      </p:sp>
+      <p:sp>
+        <p:nvSpPr>
+          <p:cNvPr id="42" name="TextBox 41"/>
+          <p:cNvSpPr txBox="1"/>
+          <p:nvPr/>
+        </p:nvSpPr>
+        <p:spPr>
+          <a:xfrm rot="20408567">
+            <a:off x="7579254" y="2866842"/>
+            <a:ext cx="1526380" cy="369332"/>
+          </a:xfrm>
+          <a:prstGeom prst="rect">
+            <a:avLst/>
+          </a:prstGeom>
+        </p:spPr>
+        <p:style>
+          <a:lnRef idx="0">
+            <a:schemeClr val="accent2"/>
+          </a:lnRef>
+          <a:fillRef idx="3">
+            <a:schemeClr val="accent2"/>
+          </a:fillRef>
+          <a:effectRef idx="3">
+            <a:schemeClr val="accent2"/>
+          </a:effectRef>
+          <a:fontRef idx="minor">
+            <a:schemeClr val="lt1"/>
+          </a:fontRef>
+        </p:style>
+        <p:txBody>
+          <a:bodyPr wrap="none" rtlCol="0">
+            <a:spAutoFit/>
+          </a:bodyPr>
+          <a:lstStyle/>
           <a:p>
             <a:r>
               <a:rPr lang="en-US" dirty="0"/>
-              <a:t>Typescript: Compile time checking of JavaScript with </a:t>
-            </a:r>
-            <a:r>
-              <a:rPr lang="en-US" dirty="0" err="1"/>
-              <a:t>IntlliSense</a:t>
-            </a:r>
-            <a:endParaRPr lang="en-US" dirty="0"/>
-          </a:p>
+              <a:t>Comes Free</a:t>
+            </a:r>
+          </a:p>
+        </p:txBody>
+      </p:sp>
+      <p:sp>
+        <p:nvSpPr>
+          <p:cNvPr id="43" name="TextBox 42"/>
+          <p:cNvSpPr txBox="1"/>
+          <p:nvPr/>
+        </p:nvSpPr>
+        <p:spPr>
+          <a:xfrm rot="20408567">
+            <a:off x="8575023" y="4954577"/>
+            <a:ext cx="1673856" cy="369332"/>
+          </a:xfrm>
+          <a:prstGeom prst="rect">
+            <a:avLst/>
+          </a:prstGeom>
+        </p:spPr>
+        <p:style>
+          <a:lnRef idx="0">
+            <a:schemeClr val="accent4"/>
+          </a:lnRef>
+          <a:fillRef idx="3">
+            <a:schemeClr val="accent4"/>
+          </a:fillRef>
+          <a:effectRef idx="3">
+            <a:schemeClr val="accent4"/>
+          </a:effectRef>
+          <a:fontRef idx="minor">
+            <a:schemeClr val="lt1"/>
+          </a:fontRef>
+        </p:style>
+        <p:txBody>
+          <a:bodyPr wrap="none" rtlCol="0">
+            <a:spAutoFit/>
+          </a:bodyPr>
+          <a:lstStyle/>
           <a:p>
             <a:r>
               <a:rPr lang="en-US" dirty="0"/>
-              <a:t>Moment: Making JavaScript dates less painful</a:t>
-            </a:r>
-          </a:p>
-          <a:p>
+              <a:t>EF Generates</a:t>
+            </a:r>
+          </a:p>
+        </p:txBody>
+      </p:sp>
+      <p:sp>
+        <p:nvSpPr>
+          <p:cNvPr id="49" name="Rectangle 48"/>
+          <p:cNvSpPr/>
+          <p:nvPr/>
+        </p:nvSpPr>
+        <p:spPr>
+          <a:xfrm>
+            <a:off x="776989" y="2833583"/>
+            <a:ext cx="1802616" cy="1910496"/>
+          </a:xfrm>
+          <a:prstGeom prst="rect">
+            <a:avLst/>
+          </a:prstGeom>
+        </p:spPr>
+        <p:style>
+          <a:lnRef idx="0">
+            <a:schemeClr val="dk1"/>
+          </a:lnRef>
+          <a:fillRef idx="3">
+            <a:schemeClr val="dk1"/>
+          </a:fillRef>
+          <a:effectRef idx="3">
+            <a:schemeClr val="dk1"/>
+          </a:effectRef>
+          <a:fontRef idx="minor">
+            <a:schemeClr val="lt1"/>
+          </a:fontRef>
+        </p:style>
+        <p:txBody>
+          <a:bodyPr rtlCol="0" anchor="t" anchorCtr="0"/>
+          <a:lstStyle/>
+          <a:p>
+            <a:pPr algn="ctr"/>
             <a:r>
               <a:rPr lang="en-US" dirty="0"/>
-              <a:t>Select2: Pretty drop </a:t>
-            </a:r>
-            <a:r>
-              <a:rPr lang="en-US"/>
-              <a:t>down lists</a:t>
-            </a:r>
-            <a:endParaRPr lang="en-US" dirty="0"/>
+              <a:t>Your Code</a:t>
+            </a:r>
+          </a:p>
+        </p:txBody>
+      </p:sp>
+      <p:sp>
+        <p:nvSpPr>
+          <p:cNvPr id="45" name="Rectangle 44"/>
+          <p:cNvSpPr/>
+          <p:nvPr/>
+        </p:nvSpPr>
+        <p:spPr>
+          <a:xfrm>
+            <a:off x="1175718" y="3983043"/>
+            <a:ext cx="1072205" cy="569148"/>
+          </a:xfrm>
+          <a:prstGeom prst="rect">
+            <a:avLst/>
+          </a:prstGeom>
+        </p:spPr>
+        <p:style>
+          <a:lnRef idx="2">
+            <a:schemeClr val="accent6">
+              <a:shade val="50000"/>
+            </a:schemeClr>
+          </a:lnRef>
+          <a:fillRef idx="1">
+            <a:schemeClr val="accent6"/>
+          </a:fillRef>
+          <a:effectRef idx="0">
+            <a:schemeClr val="accent6"/>
+          </a:effectRef>
+          <a:fontRef idx="minor">
+            <a:schemeClr val="lt1"/>
+          </a:fontRef>
+        </p:style>
+        <p:txBody>
+          <a:bodyPr rtlCol="0" anchor="ctr"/>
+          <a:lstStyle/>
+          <a:p>
+            <a:pPr algn="ctr"/>
+            <a:r>
+              <a:rPr lang="en-US" sz="1200" dirty="0"/>
+              <a:t>Business Logic</a:t>
+            </a:r>
+          </a:p>
+        </p:txBody>
+      </p:sp>
+      <p:sp>
+        <p:nvSpPr>
+          <p:cNvPr id="46" name="Rectangle 45"/>
+          <p:cNvSpPr/>
+          <p:nvPr/>
+        </p:nvSpPr>
+        <p:spPr>
+          <a:xfrm>
+            <a:off x="1175719" y="3206378"/>
+            <a:ext cx="1072205" cy="569148"/>
+          </a:xfrm>
+          <a:prstGeom prst="rect">
+            <a:avLst/>
+          </a:prstGeom>
+        </p:spPr>
+        <p:style>
+          <a:lnRef idx="2">
+            <a:schemeClr val="accent6">
+              <a:shade val="50000"/>
+            </a:schemeClr>
+          </a:lnRef>
+          <a:fillRef idx="1">
+            <a:schemeClr val="accent6"/>
+          </a:fillRef>
+          <a:effectRef idx="0">
+            <a:schemeClr val="accent6"/>
+          </a:effectRef>
+          <a:fontRef idx="minor">
+            <a:schemeClr val="lt1"/>
+          </a:fontRef>
+        </p:style>
+        <p:txBody>
+          <a:bodyPr rtlCol="0" anchor="ctr"/>
+          <a:lstStyle/>
+          <a:p>
+            <a:pPr algn="ctr"/>
+            <a:r>
+              <a:rPr lang="en-US" sz="1200" dirty="0"/>
+              <a:t>View Models</a:t>
+            </a:r>
+          </a:p>
+        </p:txBody>
+      </p:sp>
+      <p:sp>
+        <p:nvSpPr>
+          <p:cNvPr id="48" name="TextBox 47"/>
+          <p:cNvSpPr txBox="1"/>
+          <p:nvPr/>
+        </p:nvSpPr>
+        <p:spPr>
+          <a:xfrm rot="20408567">
+            <a:off x="421199" y="2633916"/>
+            <a:ext cx="1202573" cy="369332"/>
+          </a:xfrm>
+          <a:prstGeom prst="rect">
+            <a:avLst/>
+          </a:prstGeom>
+        </p:spPr>
+        <p:style>
+          <a:lnRef idx="0">
+            <a:schemeClr val="accent6"/>
+          </a:lnRef>
+          <a:fillRef idx="3">
+            <a:schemeClr val="accent6"/>
+          </a:fillRef>
+          <a:effectRef idx="3">
+            <a:schemeClr val="accent6"/>
+          </a:effectRef>
+          <a:fontRef idx="minor">
+            <a:schemeClr val="lt1"/>
+          </a:fontRef>
+        </p:style>
+        <p:txBody>
+          <a:bodyPr wrap="none" rtlCol="0">
+            <a:spAutoFit/>
+          </a:bodyPr>
+          <a:lstStyle/>
+          <a:p>
+            <a:r>
+              <a:rPr lang="en-US" dirty="0"/>
+              <a:t>You Build</a:t>
+            </a:r>
           </a:p>
         </p:txBody>
       </p:sp>
     </p:spTree>
     <p:extLst>
       <p:ext uri="{BB962C8B-B14F-4D97-AF65-F5344CB8AC3E}">
-        <p14:creationId xmlns:p14="http://schemas.microsoft.com/office/powerpoint/2010/main" val="1321123406"/>
+        <p14:creationId xmlns:p14="http://schemas.microsoft.com/office/powerpoint/2010/main" val="2555252227"/>
       </p:ext>
     </p:extLst>
   </p:cSld>
@@ -6409,1751 +8736,175 @@
       </p:grpSpPr>
       <p:sp>
         <p:nvSpPr>
-          <p:cNvPr id="4" name="Can 3"/>
-          <p:cNvSpPr/>
+          <p:cNvPr id="2" name="Title 1"/>
+          <p:cNvSpPr>
+            <a:spLocks noGrp="1"/>
+          </p:cNvSpPr>
+          <p:nvPr>
+            <p:ph type="title"/>
+          </p:nvPr>
+        </p:nvSpPr>
+        <p:spPr/>
+        <p:txBody>
+          <a:bodyPr/>
+          <a:lstStyle/>
+          <a:p>
+            <a:r>
+              <a:rPr lang="en-US" dirty="0"/>
+              <a:t>What is Coalesce Built on?</a:t>
+            </a:r>
+          </a:p>
+        </p:txBody>
+      </p:sp>
+      <p:sp>
+        <p:nvSpPr>
+          <p:cNvPr id="3" name="Content Placeholder 2"/>
+          <p:cNvSpPr>
+            <a:spLocks noGrp="1"/>
+          </p:cNvSpPr>
+          <p:nvPr>
+            <p:ph idx="1"/>
+          </p:nvPr>
+        </p:nvSpPr>
+        <p:spPr/>
+        <p:txBody>
+          <a:bodyPr>
+            <a:normAutofit fontScale="92500" lnSpcReduction="20000"/>
+          </a:bodyPr>
+          <a:lstStyle/>
+          <a:p>
+            <a:r>
+              <a:rPr lang="en-US" dirty="0"/>
+              <a:t>ASP.NET Core: web infrastructure</a:t>
+            </a:r>
+          </a:p>
+          <a:p>
+            <a:r>
+              <a:rPr lang="en-US" dirty="0"/>
+              <a:t>Entity Framework Core: Object Relational Mapper</a:t>
+            </a:r>
+          </a:p>
+          <a:p>
+            <a:r>
+              <a:rPr lang="en-US" dirty="0"/>
+              <a:t>Web Technologies</a:t>
+            </a:r>
+          </a:p>
+          <a:p>
+            <a:pPr lvl="1"/>
+            <a:r>
+              <a:rPr lang="en-US" dirty="0"/>
+              <a:t>TypeScript: Compile time checking of JavaScript with </a:t>
+            </a:r>
+            <a:r>
+              <a:rPr lang="en-US" dirty="0" err="1"/>
+              <a:t>IntlliSense</a:t>
+            </a:r>
+            <a:endParaRPr lang="en-US" dirty="0"/>
+          </a:p>
+          <a:p>
+            <a:pPr lvl="1"/>
+            <a:r>
+              <a:rPr lang="en-US" dirty="0"/>
+              <a:t>jQuery: HTML DOM manipulation made easy</a:t>
+            </a:r>
+          </a:p>
+          <a:p>
+            <a:pPr lvl="1"/>
+            <a:r>
+              <a:rPr lang="en-US" dirty="0"/>
+              <a:t>Bootstrap: Tooling for pretty sites</a:t>
+            </a:r>
+          </a:p>
+          <a:p>
+            <a:pPr lvl="1"/>
+            <a:r>
+              <a:rPr lang="en-US" dirty="0"/>
+              <a:t>Knockout: Straightforward HTML data-binding</a:t>
+            </a:r>
+          </a:p>
+          <a:p>
+            <a:pPr lvl="1"/>
+            <a:r>
+              <a:rPr lang="en-US" dirty="0"/>
+              <a:t>Moment: Making JavaScript dates less painful</a:t>
+            </a:r>
+          </a:p>
+          <a:p>
+            <a:pPr lvl="1"/>
+            <a:r>
+              <a:rPr lang="en-US" dirty="0"/>
+              <a:t>Select2: Pretty drop down lists</a:t>
+            </a:r>
+          </a:p>
+        </p:txBody>
+      </p:sp>
+      <p:pic>
+        <p:nvPicPr>
+          <p:cNvPr id="1026" name="Picture 2" descr="http://www.langevin.com/wp-content/uploads/2011/12/Build.png"/>
+          <p:cNvPicPr>
+            <a:picLocks noChangeAspect="1" noChangeArrowheads="1"/>
+          </p:cNvPicPr>
           <p:nvPr/>
-        </p:nvSpPr>
-        <p:spPr>
+        </p:nvPicPr>
+        <p:blipFill>
+          <a:blip r:embed="rId2">
+            <a:extLst>
+              <a:ext uri="{BEBA8EAE-BF5A-486C-A8C5-ECC9F3942E4B}">
+                <a14:imgProps xmlns:a14="http://schemas.microsoft.com/office/drawing/2010/main">
+                  <a14:imgLayer r:embed="rId3">
+                    <a14:imgEffect>
+                      <a14:backgroundRemoval t="0" b="98259" l="5721" r="89552">
+                        <a14:foregroundMark x1="17164" y1="59453" x2="17164" y2="59453"/>
+                        <a14:foregroundMark x1="17164" y1="72637" x2="17164" y2="72637"/>
+                        <a14:foregroundMark x1="16915" y1="69900" x2="20149" y2="87065"/>
+                        <a14:foregroundMark x1="55970" y1="20149" x2="56965" y2="23383"/>
+                        <a14:foregroundMark x1="45025" y1="15423" x2="45025" y2="15423"/>
+                        <a14:foregroundMark x1="45274" y1="11443" x2="45522" y2="8458"/>
+                        <a14:foregroundMark x1="45025" y1="2488" x2="45274" y2="3731"/>
+                        <a14:foregroundMark x1="41045" y1="20149" x2="41045" y2="20149"/>
+                        <a14:foregroundMark x1="42040" y1="20647" x2="42040" y2="20647"/>
+                        <a14:foregroundMark x1="47512" y1="23134" x2="47512" y2="23134"/>
+                        <a14:foregroundMark x1="50000" y1="22388" x2="50000" y2="22388"/>
+                      </a14:backgroundRemoval>
+                    </a14:imgEffect>
+                  </a14:imgLayer>
+                </a14:imgProps>
+              </a:ext>
+              <a:ext uri="{28A0092B-C50C-407E-A947-70E740481C1C}">
+                <a14:useLocalDpi xmlns:a14="http://schemas.microsoft.com/office/drawing/2010/main" val="0"/>
+              </a:ext>
+            </a:extLst>
+          </a:blip>
+          <a:srcRect/>
+          <a:stretch>
+            <a:fillRect/>
+          </a:stretch>
+        </p:blipFill>
+        <p:spPr bwMode="auto">
           <a:xfrm>
-            <a:off x="9201261" y="5036842"/>
-            <a:ext cx="1355271" cy="1343758"/>
-          </a:xfrm>
-          <a:prstGeom prst="can">
-            <a:avLst/>
-          </a:prstGeom>
-        </p:spPr>
-        <p:style>
-          <a:lnRef idx="1">
-            <a:schemeClr val="dk1"/>
-          </a:lnRef>
-          <a:fillRef idx="3">
-            <a:schemeClr val="dk1"/>
-          </a:fillRef>
-          <a:effectRef idx="2">
-            <a:schemeClr val="dk1"/>
-          </a:effectRef>
-          <a:fontRef idx="minor">
-            <a:schemeClr val="lt1"/>
-          </a:fontRef>
-        </p:style>
-        <p:txBody>
-          <a:bodyPr rtlCol="0" anchor="ctr"/>
-          <a:lstStyle/>
-          <a:p>
-            <a:pPr algn="ctr"/>
-            <a:r>
-              <a:rPr lang="en-US" dirty="0"/>
-              <a:t>SQL Server Database</a:t>
-            </a:r>
-          </a:p>
-        </p:txBody>
-      </p:sp>
-      <p:sp>
-        <p:nvSpPr>
-          <p:cNvPr id="6" name="Rectangle 5"/>
-          <p:cNvSpPr/>
-          <p:nvPr/>
-        </p:nvSpPr>
-        <p:spPr>
-          <a:xfrm>
-            <a:off x="776776" y="5039668"/>
-            <a:ext cx="6797806" cy="1436914"/>
+            <a:off x="8100503" y="207722"/>
+            <a:ext cx="3829050" cy="3829051"/>
           </a:xfrm>
           <a:prstGeom prst="rect">
             <a:avLst/>
           </a:prstGeom>
+          <a:noFill/>
+          <a:extLst>
+            <a:ext uri="{909E8E84-426E-40DD-AFC4-6F175D3DCCD1}">
+              <a14:hiddenFill xmlns:a14="http://schemas.microsoft.com/office/drawing/2010/main">
+                <a:solidFill>
+                  <a:srgbClr val="FFFFFF"/>
+                </a:solidFill>
+              </a14:hiddenFill>
+            </a:ext>
+          </a:extLst>
         </p:spPr>
-        <p:style>
-          <a:lnRef idx="0">
-            <a:schemeClr val="dk1"/>
-          </a:lnRef>
-          <a:fillRef idx="3">
-            <a:schemeClr val="dk1"/>
-          </a:fillRef>
-          <a:effectRef idx="3">
-            <a:schemeClr val="dk1"/>
-          </a:effectRef>
-          <a:fontRef idx="minor">
-            <a:schemeClr val="lt1"/>
-          </a:fontRef>
-        </p:style>
-        <p:txBody>
-          <a:bodyPr rtlCol="0" anchor="t" anchorCtr="0"/>
-          <a:lstStyle/>
-          <a:p>
-            <a:pPr algn="ctr"/>
-            <a:r>
-              <a:rPr lang="en-US" dirty="0"/>
-              <a:t>C# Entity Framework Data Context</a:t>
-            </a:r>
-          </a:p>
-        </p:txBody>
-      </p:sp>
-      <p:sp>
-        <p:nvSpPr>
-          <p:cNvPr id="2" name="Rectangle 1"/>
-          <p:cNvSpPr/>
-          <p:nvPr/>
-        </p:nvSpPr>
-        <p:spPr>
-          <a:xfrm>
-            <a:off x="1459532" y="5517034"/>
-            <a:ext cx="1046285" cy="663819"/>
-          </a:xfrm>
-          <a:prstGeom prst="rect">
-            <a:avLst/>
-          </a:prstGeom>
-        </p:spPr>
-        <p:style>
-          <a:lnRef idx="2">
-            <a:schemeClr val="accent6">
-              <a:shade val="50000"/>
-            </a:schemeClr>
-          </a:lnRef>
-          <a:fillRef idx="1">
-            <a:schemeClr val="accent6"/>
-          </a:fillRef>
-          <a:effectRef idx="0">
-            <a:schemeClr val="accent6"/>
-          </a:effectRef>
-          <a:fontRef idx="minor">
-            <a:schemeClr val="lt1"/>
-          </a:fontRef>
-        </p:style>
-        <p:txBody>
-          <a:bodyPr rtlCol="0" anchor="ctr"/>
-          <a:lstStyle/>
-          <a:p>
-            <a:pPr algn="ctr"/>
-            <a:r>
-              <a:rPr lang="en-US" dirty="0"/>
-              <a:t>Class 1</a:t>
-            </a:r>
-          </a:p>
-        </p:txBody>
-      </p:sp>
-      <p:sp>
-        <p:nvSpPr>
-          <p:cNvPr id="5" name="Rectangle 4"/>
-          <p:cNvSpPr/>
-          <p:nvPr/>
-        </p:nvSpPr>
-        <p:spPr>
-          <a:xfrm>
-            <a:off x="2851647" y="5517034"/>
-            <a:ext cx="1046285" cy="663819"/>
-          </a:xfrm>
-          <a:prstGeom prst="rect">
-            <a:avLst/>
-          </a:prstGeom>
-        </p:spPr>
-        <p:style>
-          <a:lnRef idx="2">
-            <a:schemeClr val="accent6">
-              <a:shade val="50000"/>
-            </a:schemeClr>
-          </a:lnRef>
-          <a:fillRef idx="1">
-            <a:schemeClr val="accent6"/>
-          </a:fillRef>
-          <a:effectRef idx="0">
-            <a:schemeClr val="accent6"/>
-          </a:effectRef>
-          <a:fontRef idx="minor">
-            <a:schemeClr val="lt1"/>
-          </a:fontRef>
-        </p:style>
-        <p:txBody>
-          <a:bodyPr rtlCol="0" anchor="ctr"/>
-          <a:lstStyle/>
-          <a:p>
-            <a:pPr algn="ctr"/>
-            <a:r>
-              <a:rPr lang="en-US" dirty="0"/>
-              <a:t>Class 2</a:t>
-            </a:r>
-          </a:p>
-        </p:txBody>
-      </p:sp>
-      <p:sp>
-        <p:nvSpPr>
-          <p:cNvPr id="7" name="Rectangle 6"/>
-          <p:cNvSpPr/>
-          <p:nvPr/>
-        </p:nvSpPr>
-        <p:spPr>
-          <a:xfrm>
-            <a:off x="4243762" y="5517033"/>
-            <a:ext cx="1046285" cy="663819"/>
-          </a:xfrm>
-          <a:prstGeom prst="rect">
-            <a:avLst/>
-          </a:prstGeom>
-        </p:spPr>
-        <p:style>
-          <a:lnRef idx="2">
-            <a:schemeClr val="accent6">
-              <a:shade val="50000"/>
-            </a:schemeClr>
-          </a:lnRef>
-          <a:fillRef idx="1">
-            <a:schemeClr val="accent6"/>
-          </a:fillRef>
-          <a:effectRef idx="0">
-            <a:schemeClr val="accent6"/>
-          </a:effectRef>
-          <a:fontRef idx="minor">
-            <a:schemeClr val="lt1"/>
-          </a:fontRef>
-        </p:style>
-        <p:txBody>
-          <a:bodyPr rtlCol="0" anchor="ctr"/>
-          <a:lstStyle/>
-          <a:p>
-            <a:pPr algn="ctr"/>
-            <a:r>
-              <a:rPr lang="en-US" dirty="0"/>
-              <a:t>Class 3</a:t>
-            </a:r>
-          </a:p>
-        </p:txBody>
-      </p:sp>
-      <p:sp>
-        <p:nvSpPr>
-          <p:cNvPr id="8" name="Rectangle 7"/>
-          <p:cNvSpPr/>
-          <p:nvPr/>
-        </p:nvSpPr>
-        <p:spPr>
-          <a:xfrm>
-            <a:off x="5635877" y="5517033"/>
-            <a:ext cx="1046285" cy="663819"/>
-          </a:xfrm>
-          <a:prstGeom prst="rect">
-            <a:avLst/>
-          </a:prstGeom>
-        </p:spPr>
-        <p:style>
-          <a:lnRef idx="2">
-            <a:schemeClr val="accent6">
-              <a:shade val="50000"/>
-            </a:schemeClr>
-          </a:lnRef>
-          <a:fillRef idx="1">
-            <a:schemeClr val="accent6"/>
-          </a:fillRef>
-          <a:effectRef idx="0">
-            <a:schemeClr val="accent6"/>
-          </a:effectRef>
-          <a:fontRef idx="minor">
-            <a:schemeClr val="lt1"/>
-          </a:fontRef>
-        </p:style>
-        <p:txBody>
-          <a:bodyPr rtlCol="0" anchor="ctr"/>
-          <a:lstStyle/>
-          <a:p>
-            <a:pPr algn="ctr"/>
-            <a:r>
-              <a:rPr lang="en-US" dirty="0"/>
-              <a:t>Class 4</a:t>
-            </a:r>
-          </a:p>
-        </p:txBody>
-      </p:sp>
-      <p:sp>
-        <p:nvSpPr>
-          <p:cNvPr id="9" name="Rectangle 8"/>
-          <p:cNvSpPr/>
-          <p:nvPr/>
-        </p:nvSpPr>
-        <p:spPr>
-          <a:xfrm>
-            <a:off x="2930994" y="3878558"/>
-            <a:ext cx="4612812" cy="866670"/>
-          </a:xfrm>
-          <a:prstGeom prst="rect">
-            <a:avLst/>
-          </a:prstGeom>
-        </p:spPr>
-        <p:style>
-          <a:lnRef idx="1">
-            <a:schemeClr val="dk1"/>
-          </a:lnRef>
-          <a:fillRef idx="2">
-            <a:schemeClr val="dk1"/>
-          </a:fillRef>
-          <a:effectRef idx="1">
-            <a:schemeClr val="dk1"/>
-          </a:effectRef>
-          <a:fontRef idx="minor">
-            <a:schemeClr val="dk1"/>
-          </a:fontRef>
-        </p:style>
-        <p:txBody>
-          <a:bodyPr rtlCol="0" anchor="t" anchorCtr="0"/>
-          <a:lstStyle/>
-          <a:p>
-            <a:pPr algn="ctr"/>
-            <a:r>
-              <a:rPr lang="en-US" dirty="0"/>
-              <a:t>C# Web APIs</a:t>
-            </a:r>
-          </a:p>
-        </p:txBody>
-      </p:sp>
-      <p:sp>
-        <p:nvSpPr>
-          <p:cNvPr id="10" name="Rectangle 9"/>
-          <p:cNvSpPr/>
-          <p:nvPr/>
-        </p:nvSpPr>
-        <p:spPr>
-          <a:xfrm>
-            <a:off x="3254362" y="4247834"/>
-            <a:ext cx="759069" cy="346877"/>
-          </a:xfrm>
-          <a:prstGeom prst="rect">
-            <a:avLst/>
-          </a:prstGeom>
-        </p:spPr>
-        <p:style>
-          <a:lnRef idx="3">
-            <a:schemeClr val="lt1"/>
-          </a:lnRef>
-          <a:fillRef idx="1">
-            <a:schemeClr val="accent3"/>
-          </a:fillRef>
-          <a:effectRef idx="1">
-            <a:schemeClr val="accent3"/>
-          </a:effectRef>
-          <a:fontRef idx="minor">
-            <a:schemeClr val="lt1"/>
-          </a:fontRef>
-        </p:style>
-        <p:txBody>
-          <a:bodyPr rtlCol="0" anchor="ctr"/>
-          <a:lstStyle/>
-          <a:p>
-            <a:pPr algn="ctr"/>
-            <a:r>
-              <a:rPr lang="en-US" sz="1000" dirty="0"/>
-              <a:t>API for Class 1</a:t>
-            </a:r>
-          </a:p>
-        </p:txBody>
-      </p:sp>
-      <p:sp>
-        <p:nvSpPr>
-          <p:cNvPr id="11" name="Rectangle 10"/>
-          <p:cNvSpPr/>
-          <p:nvPr/>
-        </p:nvSpPr>
-        <p:spPr>
-          <a:xfrm>
-            <a:off x="4306047" y="4247833"/>
-            <a:ext cx="759069" cy="346877"/>
-          </a:xfrm>
-          <a:prstGeom prst="rect">
-            <a:avLst/>
-          </a:prstGeom>
-        </p:spPr>
-        <p:style>
-          <a:lnRef idx="3">
-            <a:schemeClr val="lt1"/>
-          </a:lnRef>
-          <a:fillRef idx="1">
-            <a:schemeClr val="accent3"/>
-          </a:fillRef>
-          <a:effectRef idx="1">
-            <a:schemeClr val="accent3"/>
-          </a:effectRef>
-          <a:fontRef idx="minor">
-            <a:schemeClr val="lt1"/>
-          </a:fontRef>
-        </p:style>
-        <p:txBody>
-          <a:bodyPr rtlCol="0" anchor="ctr"/>
-          <a:lstStyle/>
-          <a:p>
-            <a:pPr algn="ctr"/>
-            <a:r>
-              <a:rPr lang="en-US" sz="1000" dirty="0"/>
-              <a:t>API for Class 2</a:t>
-            </a:r>
-          </a:p>
-        </p:txBody>
-      </p:sp>
-      <p:sp>
-        <p:nvSpPr>
-          <p:cNvPr id="12" name="Rectangle 11"/>
-          <p:cNvSpPr/>
-          <p:nvPr/>
-        </p:nvSpPr>
-        <p:spPr>
-          <a:xfrm>
-            <a:off x="5357732" y="4247833"/>
-            <a:ext cx="759069" cy="346877"/>
-          </a:xfrm>
-          <a:prstGeom prst="rect">
-            <a:avLst/>
-          </a:prstGeom>
-        </p:spPr>
-        <p:style>
-          <a:lnRef idx="3">
-            <a:schemeClr val="lt1"/>
-          </a:lnRef>
-          <a:fillRef idx="1">
-            <a:schemeClr val="accent3"/>
-          </a:fillRef>
-          <a:effectRef idx="1">
-            <a:schemeClr val="accent3"/>
-          </a:effectRef>
-          <a:fontRef idx="minor">
-            <a:schemeClr val="lt1"/>
-          </a:fontRef>
-        </p:style>
-        <p:txBody>
-          <a:bodyPr rtlCol="0" anchor="ctr"/>
-          <a:lstStyle/>
-          <a:p>
-            <a:pPr algn="ctr"/>
-            <a:r>
-              <a:rPr lang="en-US" sz="1000" dirty="0"/>
-              <a:t>DTO for Class 1</a:t>
-            </a:r>
-          </a:p>
-        </p:txBody>
-      </p:sp>
-      <p:sp>
-        <p:nvSpPr>
-          <p:cNvPr id="13" name="Rectangle 12"/>
-          <p:cNvSpPr/>
-          <p:nvPr/>
-        </p:nvSpPr>
-        <p:spPr>
-          <a:xfrm>
-            <a:off x="6409417" y="4247833"/>
-            <a:ext cx="759069" cy="346877"/>
-          </a:xfrm>
-          <a:prstGeom prst="rect">
-            <a:avLst/>
-          </a:prstGeom>
-        </p:spPr>
-        <p:style>
-          <a:lnRef idx="3">
-            <a:schemeClr val="lt1"/>
-          </a:lnRef>
-          <a:fillRef idx="1">
-            <a:schemeClr val="accent3"/>
-          </a:fillRef>
-          <a:effectRef idx="1">
-            <a:schemeClr val="accent3"/>
-          </a:effectRef>
-          <a:fontRef idx="minor">
-            <a:schemeClr val="lt1"/>
-          </a:fontRef>
-        </p:style>
-        <p:txBody>
-          <a:bodyPr rtlCol="0" anchor="ctr"/>
-          <a:lstStyle/>
-          <a:p>
-            <a:pPr algn="ctr"/>
-            <a:r>
-              <a:rPr lang="en-US" sz="1000" dirty="0"/>
-              <a:t>DTO for Class 2</a:t>
-            </a:r>
-          </a:p>
-        </p:txBody>
-      </p:sp>
-      <p:sp>
-        <p:nvSpPr>
-          <p:cNvPr id="14" name="Rectangle 13"/>
-          <p:cNvSpPr/>
-          <p:nvPr/>
-        </p:nvSpPr>
-        <p:spPr>
-          <a:xfrm>
-            <a:off x="6380289" y="1586384"/>
-            <a:ext cx="5143499" cy="866670"/>
-          </a:xfrm>
-          <a:prstGeom prst="rect">
-            <a:avLst/>
-          </a:prstGeom>
-        </p:spPr>
-        <p:style>
-          <a:lnRef idx="1">
-            <a:schemeClr val="dk1"/>
-          </a:lnRef>
-          <a:fillRef idx="2">
-            <a:schemeClr val="dk1"/>
-          </a:fillRef>
-          <a:effectRef idx="1">
-            <a:schemeClr val="dk1"/>
-          </a:effectRef>
-          <a:fontRef idx="minor">
-            <a:schemeClr val="dk1"/>
-          </a:fontRef>
-        </p:style>
-        <p:txBody>
-          <a:bodyPr rtlCol="0" anchor="t" anchorCtr="0"/>
-          <a:lstStyle/>
-          <a:p>
-            <a:pPr algn="ctr"/>
-            <a:r>
-              <a:rPr lang="en-US" dirty="0"/>
-              <a:t>Admin Controllers &amp; Views</a:t>
-            </a:r>
-          </a:p>
-        </p:txBody>
-      </p:sp>
-      <p:sp>
-        <p:nvSpPr>
-          <p:cNvPr id="19" name="Rectangle 18"/>
-          <p:cNvSpPr/>
-          <p:nvPr/>
-        </p:nvSpPr>
-        <p:spPr>
-          <a:xfrm>
-            <a:off x="2930994" y="2827250"/>
-            <a:ext cx="4643586" cy="866670"/>
-          </a:xfrm>
-          <a:prstGeom prst="rect">
-            <a:avLst/>
-          </a:prstGeom>
-        </p:spPr>
-        <p:style>
-          <a:lnRef idx="1">
-            <a:schemeClr val="dk1"/>
-          </a:lnRef>
-          <a:fillRef idx="2">
-            <a:schemeClr val="dk1"/>
-          </a:fillRef>
-          <a:effectRef idx="1">
-            <a:schemeClr val="dk1"/>
-          </a:effectRef>
-          <a:fontRef idx="minor">
-            <a:schemeClr val="dk1"/>
-          </a:fontRef>
-        </p:style>
-        <p:txBody>
-          <a:bodyPr rtlCol="0" anchor="t" anchorCtr="0"/>
-          <a:lstStyle/>
-          <a:p>
-            <a:pPr algn="ctr"/>
-            <a:r>
-              <a:rPr lang="en-US" dirty="0" err="1"/>
-              <a:t>TypeScript</a:t>
-            </a:r>
-            <a:r>
-              <a:rPr lang="en-US" dirty="0"/>
-              <a:t> View Models</a:t>
-            </a:r>
-          </a:p>
-        </p:txBody>
-      </p:sp>
-      <p:sp>
-        <p:nvSpPr>
-          <p:cNvPr id="20" name="Rectangle 19"/>
-          <p:cNvSpPr/>
-          <p:nvPr/>
-        </p:nvSpPr>
-        <p:spPr>
-          <a:xfrm>
-            <a:off x="3264387" y="3227195"/>
-            <a:ext cx="749044" cy="346877"/>
-          </a:xfrm>
-          <a:prstGeom prst="rect">
-            <a:avLst/>
-          </a:prstGeom>
-        </p:spPr>
-        <p:style>
-          <a:lnRef idx="3">
-            <a:schemeClr val="lt1"/>
-          </a:lnRef>
-          <a:fillRef idx="1">
-            <a:schemeClr val="accent3"/>
-          </a:fillRef>
-          <a:effectRef idx="1">
-            <a:schemeClr val="accent3"/>
-          </a:effectRef>
-          <a:fontRef idx="minor">
-            <a:schemeClr val="lt1"/>
-          </a:fontRef>
-        </p:style>
-        <p:txBody>
-          <a:bodyPr rtlCol="0" anchor="ctr"/>
-          <a:lstStyle/>
-          <a:p>
-            <a:pPr algn="ctr"/>
-            <a:r>
-              <a:rPr lang="en-US" sz="1000" dirty="0"/>
-              <a:t>VM </a:t>
-            </a:r>
-          </a:p>
-          <a:p>
-            <a:pPr algn="ctr"/>
-            <a:r>
-              <a:rPr lang="en-US" sz="1000" dirty="0"/>
-              <a:t>Class 1</a:t>
-            </a:r>
-          </a:p>
-        </p:txBody>
-      </p:sp>
-      <p:sp>
-        <p:nvSpPr>
-          <p:cNvPr id="21" name="Rectangle 20"/>
-          <p:cNvSpPr/>
-          <p:nvPr/>
-        </p:nvSpPr>
-        <p:spPr>
-          <a:xfrm>
-            <a:off x="4306046" y="3226671"/>
-            <a:ext cx="759069" cy="346877"/>
-          </a:xfrm>
-          <a:prstGeom prst="rect">
-            <a:avLst/>
-          </a:prstGeom>
-        </p:spPr>
-        <p:style>
-          <a:lnRef idx="3">
-            <a:schemeClr val="lt1"/>
-          </a:lnRef>
-          <a:fillRef idx="1">
-            <a:schemeClr val="accent3"/>
-          </a:fillRef>
-          <a:effectRef idx="1">
-            <a:schemeClr val="accent3"/>
-          </a:effectRef>
-          <a:fontRef idx="minor">
-            <a:schemeClr val="lt1"/>
-          </a:fontRef>
-        </p:style>
-        <p:txBody>
-          <a:bodyPr rtlCol="0" anchor="ctr"/>
-          <a:lstStyle/>
-          <a:p>
-            <a:pPr algn="ctr"/>
-            <a:r>
-              <a:rPr lang="en-US" sz="1000" dirty="0"/>
-              <a:t>VM </a:t>
-            </a:r>
-          </a:p>
-          <a:p>
-            <a:pPr algn="ctr"/>
-            <a:r>
-              <a:rPr lang="en-US" sz="1000" dirty="0"/>
-              <a:t>Class 2</a:t>
-            </a:r>
-          </a:p>
-        </p:txBody>
-      </p:sp>
-      <p:sp>
-        <p:nvSpPr>
-          <p:cNvPr id="22" name="Rectangle 21"/>
-          <p:cNvSpPr/>
-          <p:nvPr/>
-        </p:nvSpPr>
-        <p:spPr>
-          <a:xfrm>
-            <a:off x="5353907" y="3226043"/>
-            <a:ext cx="762893" cy="346877"/>
-          </a:xfrm>
-          <a:prstGeom prst="rect">
-            <a:avLst/>
-          </a:prstGeom>
-        </p:spPr>
-        <p:style>
-          <a:lnRef idx="3">
-            <a:schemeClr val="lt1"/>
-          </a:lnRef>
-          <a:fillRef idx="1">
-            <a:schemeClr val="accent3"/>
-          </a:fillRef>
-          <a:effectRef idx="1">
-            <a:schemeClr val="accent3"/>
-          </a:effectRef>
-          <a:fontRef idx="minor">
-            <a:schemeClr val="lt1"/>
-          </a:fontRef>
-        </p:style>
-        <p:txBody>
-          <a:bodyPr rtlCol="0" anchor="ctr"/>
-          <a:lstStyle/>
-          <a:p>
-            <a:pPr algn="ctr"/>
-            <a:r>
-              <a:rPr lang="en-US" sz="1000" dirty="0"/>
-              <a:t>List VM Class 1</a:t>
-            </a:r>
-          </a:p>
-        </p:txBody>
-      </p:sp>
-      <p:sp>
-        <p:nvSpPr>
-          <p:cNvPr id="23" name="Rectangle 22"/>
-          <p:cNvSpPr/>
-          <p:nvPr/>
-        </p:nvSpPr>
-        <p:spPr>
-          <a:xfrm>
-            <a:off x="6414630" y="3216726"/>
-            <a:ext cx="753855" cy="346877"/>
-          </a:xfrm>
-          <a:prstGeom prst="rect">
-            <a:avLst/>
-          </a:prstGeom>
-        </p:spPr>
-        <p:style>
-          <a:lnRef idx="3">
-            <a:schemeClr val="lt1"/>
-          </a:lnRef>
-          <a:fillRef idx="1">
-            <a:schemeClr val="accent3"/>
-          </a:fillRef>
-          <a:effectRef idx="1">
-            <a:schemeClr val="accent3"/>
-          </a:effectRef>
-          <a:fontRef idx="minor">
-            <a:schemeClr val="lt1"/>
-          </a:fontRef>
-        </p:style>
-        <p:txBody>
-          <a:bodyPr rtlCol="0" anchor="ctr"/>
-          <a:lstStyle/>
-          <a:p>
-            <a:pPr algn="ctr"/>
-            <a:r>
-              <a:rPr lang="en-US" sz="1000" dirty="0"/>
-              <a:t>List VM Class 2</a:t>
-            </a:r>
-          </a:p>
-        </p:txBody>
-      </p:sp>
-      <p:sp>
-        <p:nvSpPr>
-          <p:cNvPr id="24" name="Rectangle 23"/>
-          <p:cNvSpPr/>
-          <p:nvPr/>
-        </p:nvSpPr>
-        <p:spPr>
-          <a:xfrm>
-            <a:off x="7983423" y="2822329"/>
-            <a:ext cx="3421673" cy="1463921"/>
-          </a:xfrm>
-          <a:prstGeom prst="rect">
-            <a:avLst/>
-          </a:prstGeom>
-        </p:spPr>
-        <p:style>
-          <a:lnRef idx="1">
-            <a:schemeClr val="accent1"/>
-          </a:lnRef>
-          <a:fillRef idx="2">
-            <a:schemeClr val="accent1"/>
-          </a:fillRef>
-          <a:effectRef idx="1">
-            <a:schemeClr val="accent1"/>
-          </a:effectRef>
-          <a:fontRef idx="minor">
-            <a:schemeClr val="dk1"/>
-          </a:fontRef>
-        </p:style>
-        <p:txBody>
-          <a:bodyPr rtlCol="0" anchor="t" anchorCtr="0"/>
-          <a:lstStyle/>
-          <a:p>
-            <a:pPr algn="ctr"/>
-            <a:r>
-              <a:rPr lang="en-US" dirty="0"/>
-              <a:t>                 HTML Helper Library</a:t>
-            </a:r>
-          </a:p>
-        </p:txBody>
-      </p:sp>
-      <p:sp>
-        <p:nvSpPr>
-          <p:cNvPr id="17" name="Rectangle 16"/>
-          <p:cNvSpPr/>
-          <p:nvPr/>
-        </p:nvSpPr>
-        <p:spPr>
-          <a:xfrm>
-            <a:off x="8352701" y="3236145"/>
-            <a:ext cx="1197949" cy="346877"/>
-          </a:xfrm>
-          <a:prstGeom prst="rect">
-            <a:avLst/>
-          </a:prstGeom>
-        </p:spPr>
-        <p:style>
-          <a:lnRef idx="3">
-            <a:schemeClr val="lt1"/>
-          </a:lnRef>
-          <a:fillRef idx="1">
-            <a:schemeClr val="accent5"/>
-          </a:fillRef>
-          <a:effectRef idx="1">
-            <a:schemeClr val="accent5"/>
-          </a:effectRef>
-          <a:fontRef idx="minor">
-            <a:schemeClr val="lt1"/>
-          </a:fontRef>
-        </p:style>
-        <p:txBody>
-          <a:bodyPr rtlCol="0" anchor="ctr"/>
-          <a:lstStyle/>
-          <a:p>
-            <a:pPr algn="ctr"/>
-            <a:r>
-              <a:rPr lang="en-US" sz="1000" dirty="0"/>
-              <a:t>Display Helpers</a:t>
-            </a:r>
-          </a:p>
-        </p:txBody>
-      </p:sp>
-      <p:sp>
-        <p:nvSpPr>
-          <p:cNvPr id="18" name="Rectangle 17"/>
-          <p:cNvSpPr/>
-          <p:nvPr/>
-        </p:nvSpPr>
-        <p:spPr>
-          <a:xfrm>
-            <a:off x="9878898" y="3226045"/>
-            <a:ext cx="1197949" cy="346877"/>
-          </a:xfrm>
-          <a:prstGeom prst="rect">
-            <a:avLst/>
-          </a:prstGeom>
-        </p:spPr>
-        <p:style>
-          <a:lnRef idx="3">
-            <a:schemeClr val="lt1"/>
-          </a:lnRef>
-          <a:fillRef idx="1">
-            <a:schemeClr val="accent5"/>
-          </a:fillRef>
-          <a:effectRef idx="1">
-            <a:schemeClr val="accent5"/>
-          </a:effectRef>
-          <a:fontRef idx="minor">
-            <a:schemeClr val="lt1"/>
-          </a:fontRef>
-        </p:style>
-        <p:txBody>
-          <a:bodyPr rtlCol="0" anchor="ctr"/>
-          <a:lstStyle/>
-          <a:p>
-            <a:pPr algn="ctr"/>
-            <a:r>
-              <a:rPr lang="en-US" sz="1000" dirty="0"/>
-              <a:t>Editor Helpers</a:t>
-            </a:r>
-          </a:p>
-        </p:txBody>
-      </p:sp>
-      <p:sp>
-        <p:nvSpPr>
-          <p:cNvPr id="25" name="Rectangle 24"/>
-          <p:cNvSpPr/>
-          <p:nvPr/>
-        </p:nvSpPr>
-        <p:spPr>
-          <a:xfrm>
-            <a:off x="8352701" y="3761197"/>
-            <a:ext cx="1197949" cy="346877"/>
-          </a:xfrm>
-          <a:prstGeom prst="rect">
-            <a:avLst/>
-          </a:prstGeom>
-        </p:spPr>
-        <p:style>
-          <a:lnRef idx="3">
-            <a:schemeClr val="lt1"/>
-          </a:lnRef>
-          <a:fillRef idx="1">
-            <a:schemeClr val="accent5"/>
-          </a:fillRef>
-          <a:effectRef idx="1">
-            <a:schemeClr val="accent5"/>
-          </a:effectRef>
-          <a:fontRef idx="minor">
-            <a:schemeClr val="lt1"/>
-          </a:fontRef>
-        </p:style>
-        <p:txBody>
-          <a:bodyPr rtlCol="0" anchor="ctr"/>
-          <a:lstStyle/>
-          <a:p>
-            <a:pPr algn="ctr"/>
-            <a:r>
-              <a:rPr lang="en-US" sz="1000" dirty="0"/>
-              <a:t>Grid Helpers</a:t>
-            </a:r>
-          </a:p>
-        </p:txBody>
-      </p:sp>
-      <p:sp>
-        <p:nvSpPr>
-          <p:cNvPr id="26" name="Rectangle 25"/>
-          <p:cNvSpPr/>
-          <p:nvPr/>
-        </p:nvSpPr>
-        <p:spPr>
-          <a:xfrm>
-            <a:off x="9878897" y="3756147"/>
-            <a:ext cx="1197949" cy="346877"/>
-          </a:xfrm>
-          <a:prstGeom prst="rect">
-            <a:avLst/>
-          </a:prstGeom>
-        </p:spPr>
-        <p:style>
-          <a:lnRef idx="3">
-            <a:schemeClr val="lt1"/>
-          </a:lnRef>
-          <a:fillRef idx="1">
-            <a:schemeClr val="accent5"/>
-          </a:fillRef>
-          <a:effectRef idx="1">
-            <a:schemeClr val="accent5"/>
-          </a:effectRef>
-          <a:fontRef idx="minor">
-            <a:schemeClr val="lt1"/>
-          </a:fontRef>
-        </p:style>
-        <p:txBody>
-          <a:bodyPr rtlCol="0" anchor="ctr"/>
-          <a:lstStyle/>
-          <a:p>
-            <a:pPr algn="ctr"/>
-            <a:r>
-              <a:rPr lang="en-US" sz="1000" dirty="0"/>
-              <a:t>Script Helpers</a:t>
-            </a:r>
-          </a:p>
-        </p:txBody>
-      </p:sp>
-      <p:sp>
-        <p:nvSpPr>
-          <p:cNvPr id="27" name="Rectangle 26"/>
-          <p:cNvSpPr/>
-          <p:nvPr/>
-        </p:nvSpPr>
-        <p:spPr>
-          <a:xfrm>
-            <a:off x="6592773" y="1996168"/>
-            <a:ext cx="981807" cy="346877"/>
-          </a:xfrm>
-          <a:prstGeom prst="rect">
-            <a:avLst/>
-          </a:prstGeom>
-        </p:spPr>
-        <p:style>
-          <a:lnRef idx="3">
-            <a:schemeClr val="lt1"/>
-          </a:lnRef>
-          <a:fillRef idx="1">
-            <a:schemeClr val="accent3"/>
-          </a:fillRef>
-          <a:effectRef idx="1">
-            <a:schemeClr val="accent3"/>
-          </a:effectRef>
-          <a:fontRef idx="minor">
-            <a:schemeClr val="lt1"/>
-          </a:fontRef>
-        </p:style>
-        <p:txBody>
-          <a:bodyPr rtlCol="0" anchor="ctr"/>
-          <a:lstStyle/>
-          <a:p>
-            <a:pPr algn="ctr"/>
-            <a:r>
-              <a:rPr lang="en-US" sz="800" dirty="0"/>
-              <a:t>Views for </a:t>
-            </a:r>
-          </a:p>
-          <a:p>
-            <a:pPr algn="ctr"/>
-            <a:r>
-              <a:rPr lang="en-US" sz="800" dirty="0"/>
-              <a:t>Class 1</a:t>
-            </a:r>
-          </a:p>
-        </p:txBody>
-      </p:sp>
-      <p:sp>
-        <p:nvSpPr>
-          <p:cNvPr id="28" name="Rectangle 27"/>
-          <p:cNvSpPr/>
-          <p:nvPr/>
-        </p:nvSpPr>
-        <p:spPr>
-          <a:xfrm>
-            <a:off x="7851539" y="1996167"/>
-            <a:ext cx="981807" cy="346877"/>
-          </a:xfrm>
-          <a:prstGeom prst="rect">
-            <a:avLst/>
-          </a:prstGeom>
-        </p:spPr>
-        <p:style>
-          <a:lnRef idx="3">
-            <a:schemeClr val="lt1"/>
-          </a:lnRef>
-          <a:fillRef idx="1">
-            <a:schemeClr val="accent3"/>
-          </a:fillRef>
-          <a:effectRef idx="1">
-            <a:schemeClr val="accent3"/>
-          </a:effectRef>
-          <a:fontRef idx="minor">
-            <a:schemeClr val="lt1"/>
-          </a:fontRef>
-        </p:style>
-        <p:txBody>
-          <a:bodyPr rtlCol="0" anchor="ctr"/>
-          <a:lstStyle/>
-          <a:p>
-            <a:pPr algn="ctr"/>
-            <a:r>
-              <a:rPr lang="en-US" sz="800" dirty="0"/>
-              <a:t>Views for </a:t>
-            </a:r>
-          </a:p>
-          <a:p>
-            <a:pPr algn="ctr"/>
-            <a:r>
-              <a:rPr lang="en-US" sz="800" dirty="0"/>
-              <a:t>Class 2</a:t>
-            </a:r>
-          </a:p>
-        </p:txBody>
-      </p:sp>
-      <p:sp>
-        <p:nvSpPr>
-          <p:cNvPr id="29" name="Rectangle 28"/>
-          <p:cNvSpPr/>
-          <p:nvPr/>
-        </p:nvSpPr>
-        <p:spPr>
-          <a:xfrm>
-            <a:off x="9110305" y="1996166"/>
-            <a:ext cx="981807" cy="346877"/>
-          </a:xfrm>
-          <a:prstGeom prst="rect">
-            <a:avLst/>
-          </a:prstGeom>
-        </p:spPr>
-        <p:style>
-          <a:lnRef idx="3">
-            <a:schemeClr val="lt1"/>
-          </a:lnRef>
-          <a:fillRef idx="1">
-            <a:schemeClr val="accent3"/>
-          </a:fillRef>
-          <a:effectRef idx="1">
-            <a:schemeClr val="accent3"/>
-          </a:effectRef>
-          <a:fontRef idx="minor">
-            <a:schemeClr val="lt1"/>
-          </a:fontRef>
-        </p:style>
-        <p:txBody>
-          <a:bodyPr rtlCol="0" anchor="ctr"/>
-          <a:lstStyle/>
-          <a:p>
-            <a:pPr algn="ctr"/>
-            <a:r>
-              <a:rPr lang="en-US" sz="800" dirty="0"/>
-              <a:t>Controller for Class 1</a:t>
-            </a:r>
-          </a:p>
-        </p:txBody>
-      </p:sp>
-      <p:sp>
-        <p:nvSpPr>
-          <p:cNvPr id="30" name="Rectangle 29"/>
-          <p:cNvSpPr/>
-          <p:nvPr/>
-        </p:nvSpPr>
-        <p:spPr>
-          <a:xfrm>
-            <a:off x="10369071" y="1996165"/>
-            <a:ext cx="981807" cy="346877"/>
-          </a:xfrm>
-          <a:prstGeom prst="rect">
-            <a:avLst/>
-          </a:prstGeom>
-        </p:spPr>
-        <p:style>
-          <a:lnRef idx="3">
-            <a:schemeClr val="lt1"/>
-          </a:lnRef>
-          <a:fillRef idx="1">
-            <a:schemeClr val="accent3"/>
-          </a:fillRef>
-          <a:effectRef idx="1">
-            <a:schemeClr val="accent3"/>
-          </a:effectRef>
-          <a:fontRef idx="minor">
-            <a:schemeClr val="lt1"/>
-          </a:fontRef>
-        </p:style>
-        <p:txBody>
-          <a:bodyPr rtlCol="0" anchor="ctr"/>
-          <a:lstStyle/>
-          <a:p>
-            <a:pPr algn="ctr"/>
-            <a:r>
-              <a:rPr lang="en-US" sz="800" dirty="0"/>
-              <a:t>Controller for Class 2</a:t>
-            </a:r>
-          </a:p>
-        </p:txBody>
-      </p:sp>
-      <p:sp>
-        <p:nvSpPr>
-          <p:cNvPr id="31" name="Rectangle 30"/>
-          <p:cNvSpPr/>
-          <p:nvPr/>
-        </p:nvSpPr>
-        <p:spPr>
-          <a:xfrm>
-            <a:off x="776775" y="424124"/>
-            <a:ext cx="5382245" cy="2028930"/>
-          </a:xfrm>
-          <a:prstGeom prst="rect">
-            <a:avLst/>
-          </a:prstGeom>
-        </p:spPr>
-        <p:style>
-          <a:lnRef idx="0">
-            <a:schemeClr val="dk1"/>
-          </a:lnRef>
-          <a:fillRef idx="3">
-            <a:schemeClr val="dk1"/>
-          </a:fillRef>
-          <a:effectRef idx="3">
-            <a:schemeClr val="dk1"/>
-          </a:effectRef>
-          <a:fontRef idx="minor">
-            <a:schemeClr val="lt1"/>
-          </a:fontRef>
-        </p:style>
-        <p:txBody>
-          <a:bodyPr rtlCol="0" anchor="t" anchorCtr="0"/>
-          <a:lstStyle/>
-          <a:p>
-            <a:pPr algn="ctr"/>
-            <a:r>
-              <a:rPr lang="en-US" dirty="0">
-                <a:solidFill>
-                  <a:schemeClr val="lt1"/>
-                </a:solidFill>
-              </a:rPr>
-              <a:t>Your Web Site</a:t>
-            </a:r>
-          </a:p>
-        </p:txBody>
-      </p:sp>
-      <p:sp>
-        <p:nvSpPr>
-          <p:cNvPr id="32" name="Rectangle 31"/>
-          <p:cNvSpPr/>
-          <p:nvPr/>
-        </p:nvSpPr>
-        <p:spPr>
-          <a:xfrm>
-            <a:off x="1520142" y="982820"/>
-            <a:ext cx="1122485" cy="929053"/>
-          </a:xfrm>
-          <a:prstGeom prst="rect">
-            <a:avLst/>
-          </a:prstGeom>
-        </p:spPr>
-        <p:style>
-          <a:lnRef idx="2">
-            <a:schemeClr val="accent6">
-              <a:shade val="50000"/>
-            </a:schemeClr>
-          </a:lnRef>
-          <a:fillRef idx="1">
-            <a:schemeClr val="accent6"/>
-          </a:fillRef>
-          <a:effectRef idx="0">
-            <a:schemeClr val="accent6"/>
-          </a:effectRef>
-          <a:fontRef idx="minor">
-            <a:schemeClr val="lt1"/>
-          </a:fontRef>
-        </p:style>
-        <p:txBody>
-          <a:bodyPr rtlCol="0" anchor="ctr"/>
-          <a:lstStyle/>
-          <a:p>
-            <a:pPr algn="ctr"/>
-            <a:r>
-              <a:rPr lang="en-US" dirty="0"/>
-              <a:t>Your Layout</a:t>
-            </a:r>
-          </a:p>
-        </p:txBody>
-      </p:sp>
-      <p:sp>
-        <p:nvSpPr>
-          <p:cNvPr id="33" name="Rectangle 32"/>
-          <p:cNvSpPr/>
-          <p:nvPr/>
-        </p:nvSpPr>
-        <p:spPr>
-          <a:xfrm>
-            <a:off x="2912257" y="982820"/>
-            <a:ext cx="1122485" cy="929053"/>
-          </a:xfrm>
-          <a:prstGeom prst="rect">
-            <a:avLst/>
-          </a:prstGeom>
-        </p:spPr>
-        <p:style>
-          <a:lnRef idx="2">
-            <a:schemeClr val="accent6">
-              <a:shade val="50000"/>
-            </a:schemeClr>
-          </a:lnRef>
-          <a:fillRef idx="1">
-            <a:schemeClr val="accent6"/>
-          </a:fillRef>
-          <a:effectRef idx="0">
-            <a:schemeClr val="accent6"/>
-          </a:effectRef>
-          <a:fontRef idx="minor">
-            <a:schemeClr val="lt1"/>
-          </a:fontRef>
-        </p:style>
-        <p:txBody>
-          <a:bodyPr rtlCol="0" anchor="ctr"/>
-          <a:lstStyle/>
-          <a:p>
-            <a:pPr algn="ctr"/>
-            <a:r>
-              <a:rPr lang="en-US" dirty="0"/>
-              <a:t>Your Styling</a:t>
-            </a:r>
-          </a:p>
-        </p:txBody>
-      </p:sp>
-      <p:sp>
-        <p:nvSpPr>
-          <p:cNvPr id="36" name="Rectangle 35"/>
-          <p:cNvSpPr/>
-          <p:nvPr/>
-        </p:nvSpPr>
-        <p:spPr>
-          <a:xfrm>
-            <a:off x="4304372" y="982819"/>
-            <a:ext cx="1122485" cy="929053"/>
-          </a:xfrm>
-          <a:prstGeom prst="rect">
-            <a:avLst/>
-          </a:prstGeom>
-        </p:spPr>
-        <p:style>
-          <a:lnRef idx="2">
-            <a:schemeClr val="accent6">
-              <a:shade val="50000"/>
-            </a:schemeClr>
-          </a:lnRef>
-          <a:fillRef idx="1">
-            <a:schemeClr val="accent6"/>
-          </a:fillRef>
-          <a:effectRef idx="0">
-            <a:schemeClr val="accent6"/>
-          </a:effectRef>
-          <a:fontRef idx="minor">
-            <a:schemeClr val="lt1"/>
-          </a:fontRef>
-        </p:style>
-        <p:txBody>
-          <a:bodyPr rtlCol="0" anchor="ctr"/>
-          <a:lstStyle/>
-          <a:p>
-            <a:pPr algn="ctr"/>
-            <a:r>
-              <a:rPr lang="en-US" dirty="0"/>
-              <a:t>Your Scripts</a:t>
-            </a:r>
-          </a:p>
-        </p:txBody>
-      </p:sp>
-      <p:sp>
-        <p:nvSpPr>
-          <p:cNvPr id="37" name="TextBox 36"/>
-          <p:cNvSpPr txBox="1"/>
-          <p:nvPr/>
-        </p:nvSpPr>
-        <p:spPr>
-          <a:xfrm rot="20408567">
-            <a:off x="531851" y="485957"/>
-            <a:ext cx="1202573" cy="369332"/>
-          </a:xfrm>
-          <a:prstGeom prst="rect">
-            <a:avLst/>
-          </a:prstGeom>
-        </p:spPr>
-        <p:style>
-          <a:lnRef idx="0">
-            <a:schemeClr val="accent6"/>
-          </a:lnRef>
-          <a:fillRef idx="3">
-            <a:schemeClr val="accent6"/>
-          </a:fillRef>
-          <a:effectRef idx="3">
-            <a:schemeClr val="accent6"/>
-          </a:effectRef>
-          <a:fontRef idx="minor">
-            <a:schemeClr val="lt1"/>
-          </a:fontRef>
-        </p:style>
-        <p:txBody>
-          <a:bodyPr wrap="none" rtlCol="0">
-            <a:spAutoFit/>
-          </a:bodyPr>
-          <a:lstStyle/>
-          <a:p>
-            <a:r>
-              <a:rPr lang="en-US" dirty="0"/>
-              <a:t>You Build</a:t>
-            </a:r>
-          </a:p>
-        </p:txBody>
-      </p:sp>
-      <p:sp>
-        <p:nvSpPr>
-          <p:cNvPr id="38" name="TextBox 37"/>
-          <p:cNvSpPr txBox="1"/>
-          <p:nvPr/>
-        </p:nvSpPr>
-        <p:spPr>
-          <a:xfrm rot="20408567">
-            <a:off x="509063" y="5060178"/>
-            <a:ext cx="1202573" cy="369332"/>
-          </a:xfrm>
-          <a:prstGeom prst="rect">
-            <a:avLst/>
-          </a:prstGeom>
-        </p:spPr>
-        <p:style>
-          <a:lnRef idx="0">
-            <a:schemeClr val="accent6"/>
-          </a:lnRef>
-          <a:fillRef idx="3">
-            <a:schemeClr val="accent6"/>
-          </a:fillRef>
-          <a:effectRef idx="3">
-            <a:schemeClr val="accent6"/>
-          </a:effectRef>
-          <a:fontRef idx="minor">
-            <a:schemeClr val="lt1"/>
-          </a:fontRef>
-        </p:style>
-        <p:txBody>
-          <a:bodyPr wrap="none" rtlCol="0">
-            <a:spAutoFit/>
-          </a:bodyPr>
-          <a:lstStyle/>
-          <a:p>
-            <a:r>
-              <a:rPr lang="en-US" dirty="0"/>
-              <a:t>You Build</a:t>
-            </a:r>
-          </a:p>
-        </p:txBody>
-      </p:sp>
-      <p:sp>
-        <p:nvSpPr>
-          <p:cNvPr id="39" name="TextBox 38"/>
-          <p:cNvSpPr txBox="1"/>
-          <p:nvPr/>
-        </p:nvSpPr>
-        <p:spPr>
-          <a:xfrm rot="20408567">
-            <a:off x="2783909" y="2709262"/>
-            <a:ext cx="1146468" cy="369332"/>
-          </a:xfrm>
-          <a:prstGeom prst="rect">
-            <a:avLst/>
-          </a:prstGeom>
-        </p:spPr>
-        <p:style>
-          <a:lnRef idx="0">
-            <a:schemeClr val="accent2"/>
-          </a:lnRef>
-          <a:fillRef idx="3">
-            <a:schemeClr val="accent2"/>
-          </a:fillRef>
-          <a:effectRef idx="3">
-            <a:schemeClr val="accent2"/>
-          </a:effectRef>
-          <a:fontRef idx="minor">
-            <a:schemeClr val="lt1"/>
-          </a:fontRef>
-        </p:style>
-        <p:txBody>
-          <a:bodyPr wrap="none" rtlCol="0">
-            <a:spAutoFit/>
-          </a:bodyPr>
-          <a:lstStyle/>
-          <a:p>
-            <a:r>
-              <a:rPr lang="en-US" dirty="0"/>
-              <a:t>We Build</a:t>
-            </a:r>
-          </a:p>
-        </p:txBody>
-      </p:sp>
-      <p:sp>
-        <p:nvSpPr>
-          <p:cNvPr id="40" name="TextBox 39"/>
-          <p:cNvSpPr txBox="1"/>
-          <p:nvPr/>
-        </p:nvSpPr>
-        <p:spPr>
-          <a:xfrm rot="20408567">
-            <a:off x="2838320" y="3789351"/>
-            <a:ext cx="1146468" cy="369332"/>
-          </a:xfrm>
-          <a:prstGeom prst="rect">
-            <a:avLst/>
-          </a:prstGeom>
-        </p:spPr>
-        <p:style>
-          <a:lnRef idx="0">
-            <a:schemeClr val="accent2"/>
-          </a:lnRef>
-          <a:fillRef idx="3">
-            <a:schemeClr val="accent2"/>
-          </a:fillRef>
-          <a:effectRef idx="3">
-            <a:schemeClr val="accent2"/>
-          </a:effectRef>
-          <a:fontRef idx="minor">
-            <a:schemeClr val="lt1"/>
-          </a:fontRef>
-        </p:style>
-        <p:txBody>
-          <a:bodyPr wrap="none" rtlCol="0">
-            <a:spAutoFit/>
-          </a:bodyPr>
-          <a:lstStyle/>
-          <a:p>
-            <a:r>
-              <a:rPr lang="en-US" dirty="0"/>
-              <a:t>We Build</a:t>
-            </a:r>
-          </a:p>
-        </p:txBody>
-      </p:sp>
-      <p:sp>
-        <p:nvSpPr>
-          <p:cNvPr id="41" name="TextBox 40"/>
-          <p:cNvSpPr txBox="1"/>
-          <p:nvPr/>
-        </p:nvSpPr>
-        <p:spPr>
-          <a:xfrm rot="20408567">
-            <a:off x="6329152" y="1250857"/>
-            <a:ext cx="1146468" cy="369332"/>
-          </a:xfrm>
-          <a:prstGeom prst="rect">
-            <a:avLst/>
-          </a:prstGeom>
-        </p:spPr>
-        <p:style>
-          <a:lnRef idx="0">
-            <a:schemeClr val="accent2"/>
-          </a:lnRef>
-          <a:fillRef idx="3">
-            <a:schemeClr val="accent2"/>
-          </a:fillRef>
-          <a:effectRef idx="3">
-            <a:schemeClr val="accent2"/>
-          </a:effectRef>
-          <a:fontRef idx="minor">
-            <a:schemeClr val="lt1"/>
-          </a:fontRef>
-        </p:style>
-        <p:txBody>
-          <a:bodyPr wrap="none" rtlCol="0">
-            <a:spAutoFit/>
-          </a:bodyPr>
-          <a:lstStyle/>
-          <a:p>
-            <a:r>
-              <a:rPr lang="en-US" dirty="0"/>
-              <a:t>We Build</a:t>
-            </a:r>
-          </a:p>
-        </p:txBody>
-      </p:sp>
-      <p:sp>
-        <p:nvSpPr>
-          <p:cNvPr id="42" name="TextBox 41"/>
-          <p:cNvSpPr txBox="1"/>
-          <p:nvPr/>
-        </p:nvSpPr>
-        <p:spPr>
-          <a:xfrm rot="20408567">
-            <a:off x="7579254" y="2866842"/>
-            <a:ext cx="1526380" cy="369332"/>
-          </a:xfrm>
-          <a:prstGeom prst="rect">
-            <a:avLst/>
-          </a:prstGeom>
-        </p:spPr>
-        <p:style>
-          <a:lnRef idx="0">
-            <a:schemeClr val="accent2"/>
-          </a:lnRef>
-          <a:fillRef idx="3">
-            <a:schemeClr val="accent2"/>
-          </a:fillRef>
-          <a:effectRef idx="3">
-            <a:schemeClr val="accent2"/>
-          </a:effectRef>
-          <a:fontRef idx="minor">
-            <a:schemeClr val="lt1"/>
-          </a:fontRef>
-        </p:style>
-        <p:txBody>
-          <a:bodyPr wrap="none" rtlCol="0">
-            <a:spAutoFit/>
-          </a:bodyPr>
-          <a:lstStyle/>
-          <a:p>
-            <a:r>
-              <a:rPr lang="en-US" dirty="0"/>
-              <a:t>Comes Free</a:t>
-            </a:r>
-          </a:p>
-        </p:txBody>
-      </p:sp>
-      <p:sp>
-        <p:nvSpPr>
-          <p:cNvPr id="43" name="TextBox 42"/>
-          <p:cNvSpPr txBox="1"/>
-          <p:nvPr/>
-        </p:nvSpPr>
-        <p:spPr>
-          <a:xfrm rot="20408567">
-            <a:off x="8575023" y="4954577"/>
-            <a:ext cx="1673856" cy="369332"/>
-          </a:xfrm>
-          <a:prstGeom prst="rect">
-            <a:avLst/>
-          </a:prstGeom>
-        </p:spPr>
-        <p:style>
-          <a:lnRef idx="0">
-            <a:schemeClr val="accent4"/>
-          </a:lnRef>
-          <a:fillRef idx="3">
-            <a:schemeClr val="accent4"/>
-          </a:fillRef>
-          <a:effectRef idx="3">
-            <a:schemeClr val="accent4"/>
-          </a:effectRef>
-          <a:fontRef idx="minor">
-            <a:schemeClr val="lt1"/>
-          </a:fontRef>
-        </p:style>
-        <p:txBody>
-          <a:bodyPr wrap="none" rtlCol="0">
-            <a:spAutoFit/>
-          </a:bodyPr>
-          <a:lstStyle/>
-          <a:p>
-            <a:r>
-              <a:rPr lang="en-US" dirty="0"/>
-              <a:t>EF Generates</a:t>
-            </a:r>
-          </a:p>
-        </p:txBody>
-      </p:sp>
-      <p:sp>
-        <p:nvSpPr>
-          <p:cNvPr id="49" name="Rectangle 48"/>
-          <p:cNvSpPr/>
-          <p:nvPr/>
-        </p:nvSpPr>
-        <p:spPr>
-          <a:xfrm>
-            <a:off x="776989" y="2833583"/>
-            <a:ext cx="1802616" cy="1910496"/>
-          </a:xfrm>
-          <a:prstGeom prst="rect">
-            <a:avLst/>
-          </a:prstGeom>
-        </p:spPr>
-        <p:style>
-          <a:lnRef idx="0">
-            <a:schemeClr val="dk1"/>
-          </a:lnRef>
-          <a:fillRef idx="3">
-            <a:schemeClr val="dk1"/>
-          </a:fillRef>
-          <a:effectRef idx="3">
-            <a:schemeClr val="dk1"/>
-          </a:effectRef>
-          <a:fontRef idx="minor">
-            <a:schemeClr val="lt1"/>
-          </a:fontRef>
-        </p:style>
-        <p:txBody>
-          <a:bodyPr rtlCol="0" anchor="t" anchorCtr="0"/>
-          <a:lstStyle/>
-          <a:p>
-            <a:pPr algn="ctr"/>
-            <a:r>
-              <a:rPr lang="en-US" dirty="0"/>
-              <a:t>Your Code</a:t>
-            </a:r>
-          </a:p>
-        </p:txBody>
-      </p:sp>
-      <p:sp>
-        <p:nvSpPr>
-          <p:cNvPr id="45" name="Rectangle 44"/>
-          <p:cNvSpPr/>
-          <p:nvPr/>
-        </p:nvSpPr>
-        <p:spPr>
-          <a:xfrm>
-            <a:off x="1175718" y="3983043"/>
-            <a:ext cx="1072205" cy="569148"/>
-          </a:xfrm>
-          <a:prstGeom prst="rect">
-            <a:avLst/>
-          </a:prstGeom>
-        </p:spPr>
-        <p:style>
-          <a:lnRef idx="2">
-            <a:schemeClr val="accent6">
-              <a:shade val="50000"/>
-            </a:schemeClr>
-          </a:lnRef>
-          <a:fillRef idx="1">
-            <a:schemeClr val="accent6"/>
-          </a:fillRef>
-          <a:effectRef idx="0">
-            <a:schemeClr val="accent6"/>
-          </a:effectRef>
-          <a:fontRef idx="minor">
-            <a:schemeClr val="lt1"/>
-          </a:fontRef>
-        </p:style>
-        <p:txBody>
-          <a:bodyPr rtlCol="0" anchor="ctr"/>
-          <a:lstStyle/>
-          <a:p>
-            <a:pPr algn="ctr"/>
-            <a:r>
-              <a:rPr lang="en-US" sz="1200" dirty="0"/>
-              <a:t>Business Logic</a:t>
-            </a:r>
-          </a:p>
-        </p:txBody>
-      </p:sp>
-      <p:sp>
-        <p:nvSpPr>
-          <p:cNvPr id="46" name="Rectangle 45"/>
-          <p:cNvSpPr/>
-          <p:nvPr/>
-        </p:nvSpPr>
-        <p:spPr>
-          <a:xfrm>
-            <a:off x="1175719" y="3206378"/>
-            <a:ext cx="1072205" cy="569148"/>
-          </a:xfrm>
-          <a:prstGeom prst="rect">
-            <a:avLst/>
-          </a:prstGeom>
-        </p:spPr>
-        <p:style>
-          <a:lnRef idx="2">
-            <a:schemeClr val="accent6">
-              <a:shade val="50000"/>
-            </a:schemeClr>
-          </a:lnRef>
-          <a:fillRef idx="1">
-            <a:schemeClr val="accent6"/>
-          </a:fillRef>
-          <a:effectRef idx="0">
-            <a:schemeClr val="accent6"/>
-          </a:effectRef>
-          <a:fontRef idx="minor">
-            <a:schemeClr val="lt1"/>
-          </a:fontRef>
-        </p:style>
-        <p:txBody>
-          <a:bodyPr rtlCol="0" anchor="ctr"/>
-          <a:lstStyle/>
-          <a:p>
-            <a:pPr algn="ctr"/>
-            <a:r>
-              <a:rPr lang="en-US" sz="1200" dirty="0"/>
-              <a:t>View Models</a:t>
-            </a:r>
-          </a:p>
-        </p:txBody>
-      </p:sp>
-      <p:sp>
-        <p:nvSpPr>
-          <p:cNvPr id="48" name="TextBox 47"/>
-          <p:cNvSpPr txBox="1"/>
-          <p:nvPr/>
-        </p:nvSpPr>
-        <p:spPr>
-          <a:xfrm rot="20408567">
-            <a:off x="421199" y="2633916"/>
-            <a:ext cx="1202573" cy="369332"/>
-          </a:xfrm>
-          <a:prstGeom prst="rect">
-            <a:avLst/>
-          </a:prstGeom>
-        </p:spPr>
-        <p:style>
-          <a:lnRef idx="0">
-            <a:schemeClr val="accent6"/>
-          </a:lnRef>
-          <a:fillRef idx="3">
-            <a:schemeClr val="accent6"/>
-          </a:fillRef>
-          <a:effectRef idx="3">
-            <a:schemeClr val="accent6"/>
-          </a:effectRef>
-          <a:fontRef idx="minor">
-            <a:schemeClr val="lt1"/>
-          </a:fontRef>
-        </p:style>
-        <p:txBody>
-          <a:bodyPr wrap="none" rtlCol="0">
-            <a:spAutoFit/>
-          </a:bodyPr>
-          <a:lstStyle/>
-          <a:p>
-            <a:r>
-              <a:rPr lang="en-US" dirty="0"/>
-              <a:t>You Build</a:t>
-            </a:r>
-          </a:p>
-        </p:txBody>
-      </p:sp>
+      </p:pic>
     </p:spTree>
     <p:extLst>
       <p:ext uri="{BB962C8B-B14F-4D97-AF65-F5344CB8AC3E}">
-        <p14:creationId xmlns:p14="http://schemas.microsoft.com/office/powerpoint/2010/main" val="2555252227"/>
+        <p14:creationId xmlns:p14="http://schemas.microsoft.com/office/powerpoint/2010/main" val="1321123406"/>
       </p:ext>
     </p:extLst>
   </p:cSld>
@@ -8164,6 +8915,228 @@
 </file>
 
 <file path=ppt/slides/slide6.xml><?xml version="1.0" encoding="utf-8"?>
+<p:sld xmlns:a="http://schemas.openxmlformats.org/drawingml/2006/main" xmlns:r="http://schemas.openxmlformats.org/officeDocument/2006/relationships" xmlns:p="http://schemas.openxmlformats.org/presentationml/2006/main">
+  <p:cSld>
+    <p:spTree>
+      <p:nvGrpSpPr>
+        <p:cNvPr id="1" name=""/>
+        <p:cNvGrpSpPr/>
+        <p:nvPr/>
+      </p:nvGrpSpPr>
+      <p:grpSpPr>
+        <a:xfrm>
+          <a:off x="0" y="0"/>
+          <a:ext cx="0" cy="0"/>
+          <a:chOff x="0" y="0"/>
+          <a:chExt cx="0" cy="0"/>
+        </a:xfrm>
+      </p:grpSpPr>
+      <p:sp>
+        <p:nvSpPr>
+          <p:cNvPr id="2" name="Title 1"/>
+          <p:cNvSpPr>
+            <a:spLocks noGrp="1"/>
+          </p:cNvSpPr>
+          <p:nvPr>
+            <p:ph type="title"/>
+          </p:nvPr>
+        </p:nvSpPr>
+        <p:spPr>
+          <a:xfrm>
+            <a:off x="1096963" y="622300"/>
+            <a:ext cx="9905998" cy="1905000"/>
+          </a:xfrm>
+        </p:spPr>
+        <p:txBody>
+          <a:bodyPr/>
+          <a:lstStyle/>
+          <a:p>
+            <a:r>
+              <a:rPr lang="en-US" dirty="0"/>
+              <a:t>Where are we using Coalesce?</a:t>
+            </a:r>
+          </a:p>
+        </p:txBody>
+      </p:sp>
+      <p:sp>
+        <p:nvSpPr>
+          <p:cNvPr id="3" name="Content Placeholder 2"/>
+          <p:cNvSpPr>
+            <a:spLocks noGrp="1"/>
+          </p:cNvSpPr>
+          <p:nvPr>
+            <p:ph idx="1"/>
+          </p:nvPr>
+        </p:nvSpPr>
+        <p:spPr/>
+        <p:txBody>
+          <a:bodyPr>
+            <a:normAutofit fontScale="77500" lnSpcReduction="20000"/>
+          </a:bodyPr>
+          <a:lstStyle/>
+          <a:p>
+            <a:r>
+              <a:rPr lang="en-US" dirty="0"/>
+              <a:t>Vanessa Behan Crisis Nursery: In Production (RC1: RTM in test)</a:t>
+            </a:r>
+          </a:p>
+          <a:p>
+            <a:pPr lvl="1"/>
+            <a:r>
+              <a:rPr lang="en-US" dirty="0"/>
+              <a:t>Started here for a forms replacement intake application</a:t>
+            </a:r>
+          </a:p>
+          <a:p>
+            <a:pPr lvl="1"/>
+            <a:r>
+              <a:rPr lang="en-US" dirty="0"/>
+              <a:t>Originally built in ASP.NET 4, Migrated to 5 after IPC conversion.</a:t>
+            </a:r>
+          </a:p>
+          <a:p>
+            <a:r>
+              <a:rPr lang="en-US" dirty="0"/>
+              <a:t>Idaho Power: In Production (RC1: RTM conversion in process)</a:t>
+            </a:r>
+          </a:p>
+          <a:p>
+            <a:pPr lvl="1"/>
+            <a:r>
+              <a:rPr lang="en-US" dirty="0"/>
+              <a:t>Web portal for internal use</a:t>
+            </a:r>
+          </a:p>
+          <a:p>
+            <a:pPr lvl="1"/>
+            <a:r>
+              <a:rPr lang="en-US" dirty="0"/>
+              <a:t>Moved from ASP.NET 4 to ASP.NET Core. </a:t>
+            </a:r>
+          </a:p>
+          <a:p>
+            <a:r>
+              <a:rPr lang="en-US" dirty="0"/>
+              <a:t>H&amp;H Express: In Production (RTM)</a:t>
+            </a:r>
+          </a:p>
+          <a:p>
+            <a:pPr lvl="1"/>
+            <a:r>
+              <a:rPr lang="en-US" dirty="0"/>
+              <a:t>Customer facing and internal management tool</a:t>
+            </a:r>
+          </a:p>
+          <a:p>
+            <a:r>
+              <a:rPr lang="en-US" dirty="0"/>
+              <a:t>Avista MDM Load Generator: In Development (RTM)</a:t>
+            </a:r>
+          </a:p>
+          <a:p>
+            <a:pPr lvl="1"/>
+            <a:r>
+              <a:rPr lang="en-US" dirty="0"/>
+              <a:t>Front end for generating meter data. (</a:t>
+            </a:r>
+            <a:r>
+              <a:rPr lang="en-US" dirty="0" err="1"/>
+              <a:t>Meterator</a:t>
+            </a:r>
+            <a:r>
+              <a:rPr lang="en-US" dirty="0"/>
+              <a:t>)</a:t>
+            </a:r>
+          </a:p>
+        </p:txBody>
+      </p:sp>
+      <p:pic>
+        <p:nvPicPr>
+          <p:cNvPr id="2050" name="Picture 2" descr="http://cdn2.hubspot.net/hub/202647/file-362198412-jpg/images/user_generated_content_is_the_future_of_ecommerce_2.jpg"/>
+          <p:cNvPicPr>
+            <a:picLocks noChangeAspect="1" noChangeArrowheads="1"/>
+          </p:cNvPicPr>
+          <p:nvPr/>
+        </p:nvPicPr>
+        <p:blipFill>
+          <a:blip r:embed="rId2" cstate="print">
+            <a:extLst>
+              <a:ext uri="{BEBA8EAE-BF5A-486C-A8C5-ECC9F3942E4B}">
+                <a14:imgProps xmlns:a14="http://schemas.microsoft.com/office/drawing/2010/main">
+                  <a14:imgLayer r:embed="rId3">
+                    <a14:imgEffect>
+                      <a14:backgroundRemoval t="0" b="100000" l="0" r="100000">
+                        <a14:backgroundMark x1="4969" y1="79639" x2="4969" y2="79639"/>
+                        <a14:backgroundMark x1="2927" y1="67503" x2="2927" y2="67503"/>
+                        <a14:backgroundMark x1="9224" y1="61083" x2="9224" y2="61083"/>
+                        <a14:backgroundMark x1="26310" y1="71515" x2="26310" y2="71515"/>
+                        <a14:backgroundMark x1="26106" y1="76229" x2="26106" y2="76229"/>
+                        <a14:backgroundMark x1="26889" y1="73320" x2="26889" y2="73320"/>
+                        <a14:backgroundMark x1="24404" y1="34905" x2="24404" y2="34905"/>
+                        <a14:backgroundMark x1="29544" y1="36911" x2="29544" y2="36911"/>
+                        <a14:backgroundMark x1="29952" y1="34303" x2="29952" y2="34303"/>
+                        <a14:backgroundMark x1="47515" y1="79639" x2="47515" y2="79639"/>
+                        <a14:backgroundMark x1="49081" y1="52959" x2="49081" y2="52959"/>
+                        <a14:backgroundMark x1="48877" y1="50050" x2="48877" y2="50050"/>
+                        <a14:backgroundMark x1="42274" y1="56670" x2="42274" y2="56670"/>
+                        <a14:backgroundMark x1="38530" y1="60481" x2="38530" y2="60481"/>
+                        <a14:backgroundMark x1="31212" y1="65998" x2="31212" y2="65998"/>
+                        <a14:backgroundMark x1="26208" y1="79037" x2="26208" y2="79037"/>
+                        <a14:backgroundMark x1="70014" y1="81143" x2="70014" y2="81143"/>
+                        <a14:backgroundMark x1="61028" y1="63992" x2="61028" y2="63992"/>
+                        <a14:backgroundMark x1="68720" y1="43932" x2="68720" y2="43932"/>
+                        <a14:backgroundMark x1="47209" y1="14845" x2="47209" y2="14845"/>
+                        <a14:backgroundMark x1="39925" y1="15747" x2="39925" y2="15747"/>
+                        <a14:backgroundMark x1="33492" y1="14544" x2="33492" y2="14544"/>
+                      </a14:backgroundRemoval>
+                    </a14:imgEffect>
+                  </a14:imgLayer>
+                </a14:imgProps>
+              </a:ext>
+              <a:ext uri="{28A0092B-C50C-407E-A947-70E740481C1C}">
+                <a14:useLocalDpi xmlns:a14="http://schemas.microsoft.com/office/drawing/2010/main" val="0"/>
+              </a:ext>
+            </a:extLst>
+          </a:blip>
+          <a:srcRect/>
+          <a:stretch>
+            <a:fillRect/>
+          </a:stretch>
+        </p:blipFill>
+        <p:spPr bwMode="auto">
+          <a:xfrm>
+            <a:off x="6680200" y="4658992"/>
+            <a:ext cx="5168900" cy="1754048"/>
+          </a:xfrm>
+          <a:prstGeom prst="rect">
+            <a:avLst/>
+          </a:prstGeom>
+          <a:noFill/>
+          <a:extLst>
+            <a:ext uri="{909E8E84-426E-40DD-AFC4-6F175D3DCCD1}">
+              <a14:hiddenFill xmlns:a14="http://schemas.microsoft.com/office/drawing/2010/main">
+                <a:solidFill>
+                  <a:srgbClr val="FFFFFF"/>
+                </a:solidFill>
+              </a14:hiddenFill>
+            </a:ext>
+          </a:extLst>
+        </p:spPr>
+      </p:pic>
+    </p:spTree>
+    <p:extLst>
+      <p:ext uri="{BB962C8B-B14F-4D97-AF65-F5344CB8AC3E}">
+        <p14:creationId xmlns:p14="http://schemas.microsoft.com/office/powerpoint/2010/main" val="1867085757"/>
+      </p:ext>
+    </p:extLst>
+  </p:cSld>
+  <p:clrMapOvr>
+    <a:masterClrMapping/>
+  </p:clrMapOvr>
+</p:sld>
+</file>
+
+<file path=ppt/slides/slide7.xml><?xml version="1.0" encoding="utf-8"?>
 <p:sld xmlns:a="http://schemas.openxmlformats.org/drawingml/2006/main" xmlns:r="http://schemas.openxmlformats.org/officeDocument/2006/relationships" xmlns:p="http://schemas.openxmlformats.org/presentationml/2006/main">
   <p:cSld>
     <p:spTree>
@@ -11676,6 +12649,338 @@
 </p:sld>
 </file>
 
+<file path=ppt/slides/slide8.xml><?xml version="1.0" encoding="utf-8"?>
+<p:sld xmlns:a="http://schemas.openxmlformats.org/drawingml/2006/main" xmlns:r="http://schemas.openxmlformats.org/officeDocument/2006/relationships" xmlns:p="http://schemas.openxmlformats.org/presentationml/2006/main">
+  <p:cSld>
+    <p:spTree>
+      <p:nvGrpSpPr>
+        <p:cNvPr id="1" name=""/>
+        <p:cNvGrpSpPr/>
+        <p:nvPr/>
+      </p:nvGrpSpPr>
+      <p:grpSpPr>
+        <a:xfrm>
+          <a:off x="0" y="0"/>
+          <a:ext cx="0" cy="0"/>
+          <a:chOff x="0" y="0"/>
+          <a:chExt cx="0" cy="0"/>
+        </a:xfrm>
+      </p:grpSpPr>
+      <p:pic>
+        <p:nvPicPr>
+          <p:cNvPr id="3074" name="Picture 2" descr="https://colinhayes1.files.wordpress.com/2013/04/why_use_us_little_man.jpg"/>
+          <p:cNvPicPr>
+            <a:picLocks noChangeAspect="1" noChangeArrowheads="1"/>
+          </p:cNvPicPr>
+          <p:nvPr/>
+        </p:nvPicPr>
+        <p:blipFill>
+          <a:blip r:embed="rId2">
+            <a:extLst>
+              <a:ext uri="{28A0092B-C50C-407E-A947-70E740481C1C}">
+                <a14:useLocalDpi xmlns:a14="http://schemas.microsoft.com/office/drawing/2010/main" val="0"/>
+              </a:ext>
+            </a:extLst>
+          </a:blip>
+          <a:srcRect/>
+          <a:stretch>
+            <a:fillRect/>
+          </a:stretch>
+        </p:blipFill>
+        <p:spPr bwMode="auto">
+          <a:xfrm>
+            <a:off x="7841527" y="609600"/>
+            <a:ext cx="3932571" cy="4868174"/>
+          </a:xfrm>
+          <a:prstGeom prst="roundRect">
+            <a:avLst>
+              <a:gd name="adj" fmla="val 8594"/>
+            </a:avLst>
+          </a:prstGeom>
+          <a:solidFill>
+            <a:srgbClr val="FFFFFF">
+              <a:shade val="85000"/>
+            </a:srgbClr>
+          </a:solidFill>
+          <a:ln>
+            <a:noFill/>
+          </a:ln>
+          <a:effectLst>
+            <a:reflection blurRad="12700" stA="38000" endPos="28000" dist="5000" dir="5400000" sy="-100000" algn="bl" rotWithShape="0"/>
+          </a:effectLst>
+          <a:extLst>
+            <a:ext uri="{909E8E84-426E-40DD-AFC4-6F175D3DCCD1}">
+              <a14:hiddenFill xmlns:a14="http://schemas.microsoft.com/office/drawing/2010/main">
+                <a:solidFill>
+                  <a:srgbClr val="FFFFFF"/>
+                </a:solidFill>
+              </a14:hiddenFill>
+            </a:ext>
+          </a:extLst>
+        </p:spPr>
+      </p:pic>
+      <p:sp>
+        <p:nvSpPr>
+          <p:cNvPr id="2" name="Title 1"/>
+          <p:cNvSpPr>
+            <a:spLocks noGrp="1"/>
+          </p:cNvSpPr>
+          <p:nvPr>
+            <p:ph type="title"/>
+          </p:nvPr>
+        </p:nvSpPr>
+        <p:spPr/>
+        <p:txBody>
+          <a:bodyPr/>
+          <a:lstStyle/>
+          <a:p>
+            <a:r>
+              <a:rPr lang="en-US" dirty="0"/>
+              <a:t>When should I Use Coalesce</a:t>
+            </a:r>
+          </a:p>
+        </p:txBody>
+      </p:sp>
+      <p:sp>
+        <p:nvSpPr>
+          <p:cNvPr id="3" name="Content Placeholder 2"/>
+          <p:cNvSpPr>
+            <a:spLocks noGrp="1"/>
+          </p:cNvSpPr>
+          <p:nvPr>
+            <p:ph idx="1"/>
+          </p:nvPr>
+        </p:nvSpPr>
+        <p:spPr/>
+        <p:txBody>
+          <a:bodyPr/>
+          <a:lstStyle/>
+          <a:p>
+            <a:r>
+              <a:rPr lang="en-US" dirty="0"/>
+              <a:t>Web Sites with a SQL Server database as the storage</a:t>
+            </a:r>
+          </a:p>
+          <a:p>
+            <a:r>
+              <a:rPr lang="en-US" dirty="0"/>
+              <a:t>Page content maps pretty closely to database data</a:t>
+            </a:r>
+          </a:p>
+          <a:p>
+            <a:r>
+              <a:rPr lang="en-US" dirty="0"/>
+              <a:t>When not to</a:t>
+            </a:r>
+          </a:p>
+          <a:p>
+            <a:pPr lvl="1"/>
+            <a:r>
+              <a:rPr lang="en-US" dirty="0"/>
+              <a:t>Sites with high load like Amazon, build a custom site</a:t>
+            </a:r>
+          </a:p>
+          <a:p>
+            <a:endParaRPr lang="en-US" dirty="0"/>
+          </a:p>
+        </p:txBody>
+      </p:sp>
+    </p:spTree>
+    <p:extLst>
+      <p:ext uri="{BB962C8B-B14F-4D97-AF65-F5344CB8AC3E}">
+        <p14:creationId xmlns:p14="http://schemas.microsoft.com/office/powerpoint/2010/main" val="1959675253"/>
+      </p:ext>
+    </p:extLst>
+  </p:cSld>
+  <p:clrMapOvr>
+    <a:masterClrMapping/>
+  </p:clrMapOvr>
+</p:sld>
+</file>
+
+<file path=ppt/slides/slide9.xml><?xml version="1.0" encoding="utf-8"?>
+<p:sld xmlns:a="http://schemas.openxmlformats.org/drawingml/2006/main" xmlns:r="http://schemas.openxmlformats.org/officeDocument/2006/relationships" xmlns:p="http://schemas.openxmlformats.org/presentationml/2006/main">
+  <p:cSld>
+    <p:spTree>
+      <p:nvGrpSpPr>
+        <p:cNvPr id="1" name=""/>
+        <p:cNvGrpSpPr/>
+        <p:nvPr/>
+      </p:nvGrpSpPr>
+      <p:grpSpPr>
+        <a:xfrm>
+          <a:off x="0" y="0"/>
+          <a:ext cx="0" cy="0"/>
+          <a:chOff x="0" y="0"/>
+          <a:chExt cx="0" cy="0"/>
+        </a:xfrm>
+      </p:grpSpPr>
+      <p:sp>
+        <p:nvSpPr>
+          <p:cNvPr id="2" name="Title 1"/>
+          <p:cNvSpPr>
+            <a:spLocks noGrp="1"/>
+          </p:cNvSpPr>
+          <p:nvPr>
+            <p:ph type="title"/>
+          </p:nvPr>
+        </p:nvSpPr>
+        <p:spPr/>
+        <p:txBody>
+          <a:bodyPr/>
+          <a:lstStyle/>
+          <a:p>
+            <a:r>
+              <a:rPr lang="en-US" dirty="0"/>
+              <a:t>Coalesce Roadmap</a:t>
+            </a:r>
+          </a:p>
+        </p:txBody>
+      </p:sp>
+      <p:sp>
+        <p:nvSpPr>
+          <p:cNvPr id="3" name="Content Placeholder 2"/>
+          <p:cNvSpPr>
+            <a:spLocks noGrp="1"/>
+          </p:cNvSpPr>
+          <p:nvPr>
+            <p:ph idx="1"/>
+          </p:nvPr>
+        </p:nvSpPr>
+        <p:spPr/>
+        <p:txBody>
+          <a:bodyPr>
+            <a:normAutofit fontScale="92500" lnSpcReduction="20000"/>
+          </a:bodyPr>
+          <a:lstStyle/>
+          <a:p>
+            <a:r>
+              <a:rPr lang="en-US" dirty="0"/>
+              <a:t>Build Features as they are needed</a:t>
+            </a:r>
+          </a:p>
+          <a:p>
+            <a:r>
+              <a:rPr lang="en-US" dirty="0"/>
+              <a:t>Need to assemble an engineering team to vet designs</a:t>
+            </a:r>
+          </a:p>
+          <a:p>
+            <a:r>
+              <a:rPr lang="en-US" dirty="0"/>
+              <a:t>Backlog</a:t>
+            </a:r>
+          </a:p>
+          <a:p>
+            <a:pPr lvl="1"/>
+            <a:r>
+              <a:rPr lang="en-US" dirty="0"/>
+              <a:t>Full TS Observable objects returned from method calls</a:t>
+            </a:r>
+          </a:p>
+          <a:p>
+            <a:pPr lvl="1"/>
+            <a:r>
+              <a:rPr lang="en-US" dirty="0"/>
+              <a:t>Easier places to put business logic on the server side</a:t>
+            </a:r>
+          </a:p>
+          <a:p>
+            <a:pPr lvl="1"/>
+            <a:r>
+              <a:rPr lang="en-US" dirty="0"/>
+              <a:t>Better support for data morphing with DTOs</a:t>
+            </a:r>
+          </a:p>
+          <a:p>
+            <a:pPr lvl="1"/>
+            <a:r>
+              <a:rPr lang="en-US" dirty="0"/>
+              <a:t>Support Angular 2 and maybe Aurelia</a:t>
+            </a:r>
+          </a:p>
+          <a:p>
+            <a:pPr lvl="1"/>
+            <a:r>
+              <a:rPr lang="en-US" dirty="0"/>
+              <a:t>Figure out how to do more unit &amp; UI testing</a:t>
+            </a:r>
+          </a:p>
+          <a:p>
+            <a:pPr lvl="1"/>
+            <a:r>
+              <a:rPr lang="en-US" dirty="0"/>
+              <a:t>Fix issues as they are found</a:t>
+            </a:r>
+          </a:p>
+        </p:txBody>
+      </p:sp>
+      <p:pic>
+        <p:nvPicPr>
+          <p:cNvPr id="4098" name="Picture 2" descr="http://startupcfo.startupcfo.netdna-cdn.com/wp-content/uploads/2015/01/marketing-roadmap-315-300x281.jpg"/>
+          <p:cNvPicPr>
+            <a:picLocks noChangeAspect="1" noChangeArrowheads="1"/>
+          </p:cNvPicPr>
+          <p:nvPr/>
+        </p:nvPicPr>
+        <p:blipFill>
+          <a:blip r:embed="rId2">
+            <a:extLst>
+              <a:ext uri="{BEBA8EAE-BF5A-486C-A8C5-ECC9F3942E4B}">
+                <a14:imgProps xmlns:a14="http://schemas.microsoft.com/office/drawing/2010/main">
+                  <a14:imgLayer r:embed="rId3">
+                    <a14:imgEffect>
+                      <a14:backgroundRemoval t="0" b="100000" l="0" r="100000">
+                        <a14:foregroundMark x1="73333" y1="12811" x2="73333" y2="12811"/>
+                        <a14:foregroundMark x1="75667" y1="23488" x2="75667" y2="23488"/>
+                      </a14:backgroundRemoval>
+                    </a14:imgEffect>
+                  </a14:imgLayer>
+                </a14:imgProps>
+              </a:ext>
+              <a:ext uri="{28A0092B-C50C-407E-A947-70E740481C1C}">
+                <a14:useLocalDpi xmlns:a14="http://schemas.microsoft.com/office/drawing/2010/main" val="0"/>
+              </a:ext>
+            </a:extLst>
+          </a:blip>
+          <a:srcRect/>
+          <a:stretch>
+            <a:fillRect/>
+          </a:stretch>
+        </p:blipFill>
+        <p:spPr bwMode="auto">
+          <a:xfrm>
+            <a:off x="7818975" y="240130"/>
+            <a:ext cx="3757674" cy="5875520"/>
+          </a:xfrm>
+          <a:prstGeom prst="rect">
+            <a:avLst/>
+          </a:prstGeom>
+          <a:noFill/>
+          <a:extLst>
+            <a:ext uri="{909E8E84-426E-40DD-AFC4-6F175D3DCCD1}">
+              <a14:hiddenFill xmlns:a14="http://schemas.microsoft.com/office/drawing/2010/main">
+                <a:solidFill>
+                  <a:srgbClr val="FFFFFF"/>
+                </a:solidFill>
+              </a14:hiddenFill>
+            </a:ext>
+          </a:extLst>
+        </p:spPr>
+      </p:pic>
+    </p:spTree>
+    <p:extLst>
+      <p:ext uri="{BB962C8B-B14F-4D97-AF65-F5344CB8AC3E}">
+        <p14:creationId xmlns:p14="http://schemas.microsoft.com/office/powerpoint/2010/main" val="2092192400"/>
+      </p:ext>
+    </p:extLst>
+  </p:cSld>
+  <p:clrMapOvr>
+    <a:masterClrMapping/>
+  </p:clrMapOvr>
+</p:sld>
+</file>
+
 <file path=ppt/theme/theme1.xml><?xml version="1.0" encoding="utf-8"?>
 <a:theme xmlns:a="http://schemas.openxmlformats.org/drawingml/2006/main" name="Mesh">
   <a:themeElements>

--- a/Coalesce Diagrams.pptx
+++ b/Coalesce Diagrams.pptx
@@ -18,6 +18,7 @@
     <p:sldId id="265" r:id="rId12"/>
     <p:sldId id="267" r:id="rId13"/>
     <p:sldId id="269" r:id="rId14"/>
+    <p:sldId id="270" r:id="rId15"/>
   </p:sldIdLst>
   <p:sldSz cx="12192000" cy="6858000"/>
   <p:notesSz cx="6858000" cy="9144000"/>
@@ -5895,13 +5896,13 @@
           <a:p>
             <a:r>
               <a:rPr lang="en-US" dirty="0"/>
+              <a:t>It must make development easier</a:t>
+            </a:r>
+          </a:p>
+          <a:p>
+            <a:r>
+              <a:rPr lang="en-US" dirty="0"/>
               <a:t>Make it as simple as possible</a:t>
-            </a:r>
-          </a:p>
-          <a:p>
-            <a:r>
-              <a:rPr lang="en-US" dirty="0"/>
-              <a:t>It must make development easier</a:t>
             </a:r>
           </a:p>
           <a:p>
@@ -5938,26 +5939,41 @@
       </p:sp>
       <p:pic>
         <p:nvPicPr>
-          <p:cNvPr id="4" name="Picture 3"/>
+          <p:cNvPr id="4" name="Picture 2" descr="http://cdn.toptenreviews.com/rev/site/cms/category_headers/388-h_main-w.png"/>
           <p:cNvPicPr>
-            <a:picLocks noChangeAspect="1"/>
+            <a:picLocks noChangeAspect="1" noChangeArrowheads="1"/>
           </p:cNvPicPr>
           <p:nvPr/>
         </p:nvPicPr>
-        <p:blipFill>
-          <a:blip r:embed="rId2"/>
-          <a:stretch>
-            <a:fillRect/>
-          </a:stretch>
+        <p:blipFill rotWithShape="1">
+          <a:blip r:embed="rId2">
+            <a:extLst>
+              <a:ext uri="{28A0092B-C50C-407E-A947-70E740481C1C}">
+                <a14:useLocalDpi xmlns:a14="http://schemas.microsoft.com/office/drawing/2010/main" val="0"/>
+              </a:ext>
+            </a:extLst>
+          </a:blip>
+          <a:srcRect r="34489"/>
+          <a:stretch/>
         </p:blipFill>
-        <p:spPr>
+        <p:spPr bwMode="auto">
           <a:xfrm>
-            <a:off x="3994346" y="1743443"/>
-            <a:ext cx="7944612" cy="5114557"/>
+            <a:off x="5922961" y="806449"/>
+            <a:ext cx="5592763" cy="3855495"/>
           </a:xfrm>
           <a:prstGeom prst="rect">
             <a:avLst/>
           </a:prstGeom>
+          <a:noFill/>
+          <a:extLst>
+            <a:ext uri="{909E8E84-426E-40DD-AFC4-6F175D3DCCD1}">
+              <a14:hiddenFill xmlns:a14="http://schemas.microsoft.com/office/drawing/2010/main">
+                <a:solidFill>
+                  <a:srgbClr val="FFFFFF"/>
+                </a:solidFill>
+              </a14:hiddenFill>
+            </a:ext>
+          </a:extLst>
         </p:spPr>
       </p:pic>
     </p:spTree>
@@ -6032,6 +6048,12 @@
             <a:r>
               <a:rPr lang="en-US" dirty="0"/>
               <a:t>The Visual Studio tooling for ASP.NET Core is Preview</a:t>
+            </a:r>
+          </a:p>
+          <a:p>
+            <a:r>
+              <a:rPr lang="en-US" dirty="0"/>
+              <a:t>This is still in development, things will change</a:t>
             </a:r>
           </a:p>
           <a:p>
@@ -6226,7 +6248,7 @@
             <a:pPr lvl="1"/>
             <a:r>
               <a:rPr lang="en-US" dirty="0"/>
-              <a:t>New features, with discussion</a:t>
+              <a:t>Features, with discussion</a:t>
             </a:r>
           </a:p>
           <a:p>
@@ -6480,6 +6502,118 @@
 </p:sld>
 </file>
 
+<file path=ppt/slides/slide14.xml><?xml version="1.0" encoding="utf-8"?>
+<p:sld xmlns:a="http://schemas.openxmlformats.org/drawingml/2006/main" xmlns:r="http://schemas.openxmlformats.org/officeDocument/2006/relationships" xmlns:p="http://schemas.openxmlformats.org/presentationml/2006/main">
+  <p:cSld>
+    <p:spTree>
+      <p:nvGrpSpPr>
+        <p:cNvPr id="1" name=""/>
+        <p:cNvGrpSpPr/>
+        <p:nvPr/>
+      </p:nvGrpSpPr>
+      <p:grpSpPr>
+        <a:xfrm>
+          <a:off x="0" y="0"/>
+          <a:ext cx="0" cy="0"/>
+          <a:chOff x="0" y="0"/>
+          <a:chExt cx="0" cy="0"/>
+        </a:xfrm>
+      </p:grpSpPr>
+      <p:sp>
+        <p:nvSpPr>
+          <p:cNvPr id="2" name="Title 1"/>
+          <p:cNvSpPr>
+            <a:spLocks noGrp="1"/>
+          </p:cNvSpPr>
+          <p:nvPr>
+            <p:ph type="title"/>
+          </p:nvPr>
+        </p:nvSpPr>
+        <p:spPr/>
+        <p:txBody>
+          <a:bodyPr/>
+          <a:lstStyle/>
+          <a:p>
+            <a:r>
+              <a:rPr lang="en-US" dirty="0"/>
+              <a:t>Hands-On Walkthrough</a:t>
+            </a:r>
+          </a:p>
+        </p:txBody>
+      </p:sp>
+      <p:sp>
+        <p:nvSpPr>
+          <p:cNvPr id="3" name="Content Placeholder 2"/>
+          <p:cNvSpPr>
+            <a:spLocks noGrp="1"/>
+          </p:cNvSpPr>
+          <p:nvPr>
+            <p:ph idx="1"/>
+          </p:nvPr>
+        </p:nvSpPr>
+        <p:spPr/>
+        <p:txBody>
+          <a:bodyPr/>
+          <a:lstStyle/>
+          <a:p>
+            <a:r>
+              <a:rPr lang="en-US" dirty="0"/>
+              <a:t>Project Layout</a:t>
+            </a:r>
+          </a:p>
+          <a:p>
+            <a:r>
+              <a:rPr lang="en-US" dirty="0"/>
+              <a:t>Create a new Object</a:t>
+            </a:r>
+          </a:p>
+          <a:p>
+            <a:r>
+              <a:rPr lang="en-US" dirty="0"/>
+              <a:t>Generate</a:t>
+            </a:r>
+          </a:p>
+          <a:p>
+            <a:r>
+              <a:rPr lang="en-US" dirty="0"/>
+              <a:t>Check out Generated Views</a:t>
+            </a:r>
+          </a:p>
+          <a:p>
+            <a:r>
+              <a:rPr lang="en-US" dirty="0"/>
+              <a:t>Create a custom page with out object</a:t>
+            </a:r>
+          </a:p>
+          <a:p>
+            <a:pPr lvl="1"/>
+            <a:r>
+              <a:rPr lang="en-US" dirty="0"/>
+              <a:t>Controller</a:t>
+            </a:r>
+          </a:p>
+          <a:p>
+            <a:pPr lvl="1"/>
+            <a:r>
+              <a:rPr lang="en-US" dirty="0"/>
+              <a:t>Page</a:t>
+            </a:r>
+          </a:p>
+        </p:txBody>
+      </p:sp>
+    </p:spTree>
+    <p:extLst>
+      <p:ext uri="{BB962C8B-B14F-4D97-AF65-F5344CB8AC3E}">
+        <p14:creationId xmlns:p14="http://schemas.microsoft.com/office/powerpoint/2010/main" val="4141667063"/>
+      </p:ext>
+    </p:extLst>
+  </p:cSld>
+  <p:clrMapOvr>
+    <a:masterClrMapping/>
+  </p:clrMapOvr>
+</p:sld>
+</file>
+
 <file path=ppt/slides/slide2.xml><?xml version="1.0" encoding="utf-8"?>
 <p:sld xmlns:a="http://schemas.openxmlformats.org/drawingml/2006/main" xmlns:r="http://schemas.openxmlformats.org/officeDocument/2006/relationships" xmlns:p="http://schemas.openxmlformats.org/presentationml/2006/main">
   <p:cSld>
@@ -6529,10 +6663,15 @@
             <p:ph idx="1"/>
           </p:nvPr>
         </p:nvSpPr>
-        <p:spPr/>
+        <p:spPr>
+          <a:xfrm>
+            <a:off x="1141413" y="2666999"/>
+            <a:ext cx="9905998" cy="3716548"/>
+          </a:xfrm>
+        </p:spPr>
         <p:txBody>
           <a:bodyPr>
-            <a:normAutofit fontScale="92500" lnSpcReduction="20000"/>
+            <a:normAutofit fontScale="92500" lnSpcReduction="10000"/>
           </a:bodyPr>
           <a:lstStyle/>
           <a:p>
@@ -6592,7 +6731,13 @@
           <a:p>
             <a:r>
               <a:rPr lang="en-US" dirty="0"/>
-              <a:t>Help IntelliTect to be more competitive</a:t>
+              <a:t>Help IntelliTect to be more competitive in an increasingly commodity space</a:t>
+            </a:r>
+          </a:p>
+          <a:p>
+            <a:r>
+              <a:rPr lang="en-US" dirty="0"/>
+              <a:t>One piece in a potentially larger puzzle…</a:t>
             </a:r>
           </a:p>
         </p:txBody>
@@ -8931,6 +9076,30 @@
           <a:chExt cx="0" cy="0"/>
         </a:xfrm>
       </p:grpSpPr>
+      <p:pic>
+        <p:nvPicPr>
+          <p:cNvPr id="4" name="Picture 3"/>
+          <p:cNvPicPr>
+            <a:picLocks noChangeAspect="1"/>
+          </p:cNvPicPr>
+          <p:nvPr/>
+        </p:nvPicPr>
+        <p:blipFill>
+          <a:blip r:embed="rId2"/>
+          <a:stretch>
+            <a:fillRect/>
+          </a:stretch>
+        </p:blipFill>
+        <p:spPr>
+          <a:xfrm>
+            <a:off x="4616996" y="3312543"/>
+            <a:ext cx="7307585" cy="3159911"/>
+          </a:xfrm>
+          <a:prstGeom prst="rect">
+            <a:avLst/>
+          </a:prstGeom>
+        </p:spPr>
+      </p:pic>
       <p:sp>
         <p:nvSpPr>
           <p:cNvPr id="2" name="Title 1"/>
@@ -8977,7 +9146,7 @@
           <a:p>
             <a:r>
               <a:rPr lang="en-US" dirty="0"/>
-              <a:t>Vanessa Behan Crisis Nursery: In Production (RC1: RTM in test)</a:t>
+              <a:t>Vanessa Behan Crisis Nursery: In Production (RC1: RTM in test) GE, AS, DH</a:t>
             </a:r>
           </a:p>
           <a:p>
@@ -8997,7 +9166,7 @@
           <a:p>
             <a:r>
               <a:rPr lang="en-US" dirty="0"/>
-              <a:t>Idaho Power: In Production (RC1: RTM conversion in process)</a:t>
+              <a:t>Idaho Power: In Production (RC1: RTM conversion in process) MS, GE, CF</a:t>
             </a:r>
           </a:p>
           <a:p>
@@ -9017,7 +9186,7 @@
           <a:p>
             <a:r>
               <a:rPr lang="en-US" dirty="0"/>
-              <a:t>H&amp;H Express: In Production (RTM)</a:t>
+              <a:t>H&amp;H Express: In Production (RTM) DH, DH</a:t>
             </a:r>
           </a:p>
           <a:p>
@@ -9030,7 +9199,7 @@
           <a:p>
             <a:r>
               <a:rPr lang="en-US" dirty="0"/>
-              <a:t>Avista MDM Load Generator: In Development (RTM)</a:t>
+              <a:t>Avista MDM Load Generator: In Development (RTM) AS, CS, GE</a:t>
             </a:r>
           </a:p>
           <a:p>
@@ -9050,79 +9219,6 @@
           </a:p>
         </p:txBody>
       </p:sp>
-      <p:pic>
-        <p:nvPicPr>
-          <p:cNvPr id="2050" name="Picture 2" descr="http://cdn2.hubspot.net/hub/202647/file-362198412-jpg/images/user_generated_content_is_the_future_of_ecommerce_2.jpg"/>
-          <p:cNvPicPr>
-            <a:picLocks noChangeAspect="1" noChangeArrowheads="1"/>
-          </p:cNvPicPr>
-          <p:nvPr/>
-        </p:nvPicPr>
-        <p:blipFill>
-          <a:blip r:embed="rId2" cstate="print">
-            <a:extLst>
-              <a:ext uri="{BEBA8EAE-BF5A-486C-A8C5-ECC9F3942E4B}">
-                <a14:imgProps xmlns:a14="http://schemas.microsoft.com/office/drawing/2010/main">
-                  <a14:imgLayer r:embed="rId3">
-                    <a14:imgEffect>
-                      <a14:backgroundRemoval t="0" b="100000" l="0" r="100000">
-                        <a14:backgroundMark x1="4969" y1="79639" x2="4969" y2="79639"/>
-                        <a14:backgroundMark x1="2927" y1="67503" x2="2927" y2="67503"/>
-                        <a14:backgroundMark x1="9224" y1="61083" x2="9224" y2="61083"/>
-                        <a14:backgroundMark x1="26310" y1="71515" x2="26310" y2="71515"/>
-                        <a14:backgroundMark x1="26106" y1="76229" x2="26106" y2="76229"/>
-                        <a14:backgroundMark x1="26889" y1="73320" x2="26889" y2="73320"/>
-                        <a14:backgroundMark x1="24404" y1="34905" x2="24404" y2="34905"/>
-                        <a14:backgroundMark x1="29544" y1="36911" x2="29544" y2="36911"/>
-                        <a14:backgroundMark x1="29952" y1="34303" x2="29952" y2="34303"/>
-                        <a14:backgroundMark x1="47515" y1="79639" x2="47515" y2="79639"/>
-                        <a14:backgroundMark x1="49081" y1="52959" x2="49081" y2="52959"/>
-                        <a14:backgroundMark x1="48877" y1="50050" x2="48877" y2="50050"/>
-                        <a14:backgroundMark x1="42274" y1="56670" x2="42274" y2="56670"/>
-                        <a14:backgroundMark x1="38530" y1="60481" x2="38530" y2="60481"/>
-                        <a14:backgroundMark x1="31212" y1="65998" x2="31212" y2="65998"/>
-                        <a14:backgroundMark x1="26208" y1="79037" x2="26208" y2="79037"/>
-                        <a14:backgroundMark x1="70014" y1="81143" x2="70014" y2="81143"/>
-                        <a14:backgroundMark x1="61028" y1="63992" x2="61028" y2="63992"/>
-                        <a14:backgroundMark x1="68720" y1="43932" x2="68720" y2="43932"/>
-                        <a14:backgroundMark x1="47209" y1="14845" x2="47209" y2="14845"/>
-                        <a14:backgroundMark x1="39925" y1="15747" x2="39925" y2="15747"/>
-                        <a14:backgroundMark x1="33492" y1="14544" x2="33492" y2="14544"/>
-                      </a14:backgroundRemoval>
-                    </a14:imgEffect>
-                  </a14:imgLayer>
-                </a14:imgProps>
-              </a:ext>
-              <a:ext uri="{28A0092B-C50C-407E-A947-70E740481C1C}">
-                <a14:useLocalDpi xmlns:a14="http://schemas.microsoft.com/office/drawing/2010/main" val="0"/>
-              </a:ext>
-            </a:extLst>
-          </a:blip>
-          <a:srcRect/>
-          <a:stretch>
-            <a:fillRect/>
-          </a:stretch>
-        </p:blipFill>
-        <p:spPr bwMode="auto">
-          <a:xfrm>
-            <a:off x="6680200" y="4658992"/>
-            <a:ext cx="5168900" cy="1754048"/>
-          </a:xfrm>
-          <a:prstGeom prst="rect">
-            <a:avLst/>
-          </a:prstGeom>
-          <a:noFill/>
-          <a:extLst>
-            <a:ext uri="{909E8E84-426E-40DD-AFC4-6F175D3DCCD1}">
-              <a14:hiddenFill xmlns:a14="http://schemas.microsoft.com/office/drawing/2010/main">
-                <a:solidFill>
-                  <a:srgbClr val="FFFFFF"/>
-                </a:solidFill>
-              </a14:hiddenFill>
-            </a:ext>
-          </a:extLst>
-        </p:spPr>
-      </p:pic>
     </p:spTree>
     <p:extLst>
       <p:ext uri="{BB962C8B-B14F-4D97-AF65-F5344CB8AC3E}">
@@ -12708,15 +12804,7 @@
           <a:effectLst>
             <a:reflection blurRad="12700" stA="38000" endPos="28000" dist="5000" dir="5400000" sy="-100000" algn="bl" rotWithShape="0"/>
           </a:effectLst>
-          <a:extLst>
-            <a:ext uri="{909E8E84-426E-40DD-AFC4-6F175D3DCCD1}">
-              <a14:hiddenFill xmlns:a14="http://schemas.microsoft.com/office/drawing/2010/main">
-                <a:solidFill>
-                  <a:srgbClr val="FFFFFF"/>
-                </a:solidFill>
-              </a14:hiddenFill>
-            </a:ext>
-          </a:extLst>
+          <a:extLst/>
         </p:spPr>
       </p:pic>
       <p:sp>
@@ -12765,6 +12853,12 @@
             <a:r>
               <a:rPr lang="en-US" dirty="0"/>
               <a:t>Page content maps pretty closely to database data</a:t>
+            </a:r>
+          </a:p>
+          <a:p>
+            <a:r>
+              <a:rPr lang="en-US" dirty="0"/>
+              <a:t>Customer intranet sites are typically a great fit</a:t>
             </a:r>
           </a:p>
           <a:p>

--- a/Coalesce Diagrams.pptx
+++ b/Coalesce Diagrams.pptx
@@ -12,13 +12,14 @@
     <p:sldId id="262" r:id="rId6"/>
     <p:sldId id="264" r:id="rId7"/>
     <p:sldId id="259" r:id="rId8"/>
-    <p:sldId id="263" r:id="rId9"/>
-    <p:sldId id="266" r:id="rId10"/>
-    <p:sldId id="268" r:id="rId11"/>
-    <p:sldId id="265" r:id="rId12"/>
-    <p:sldId id="267" r:id="rId13"/>
-    <p:sldId id="269" r:id="rId14"/>
-    <p:sldId id="270" r:id="rId15"/>
+    <p:sldId id="271" r:id="rId9"/>
+    <p:sldId id="263" r:id="rId10"/>
+    <p:sldId id="266" r:id="rId11"/>
+    <p:sldId id="268" r:id="rId12"/>
+    <p:sldId id="265" r:id="rId13"/>
+    <p:sldId id="267" r:id="rId14"/>
+    <p:sldId id="269" r:id="rId15"/>
+    <p:sldId id="270" r:id="rId16"/>
   </p:sldIdLst>
   <p:sldSz cx="12192000" cy="6858000"/>
   <p:notesSz cx="6858000" cy="9144000"/>
@@ -338,7 +339,7 @@
           <a:p>
             <a:fld id="{64BF311C-CCA0-4B11-AF0A-CF55FF4C099E}" type="datetimeFigureOut">
               <a:rPr lang="en-US" smtClean="0"/>
-              <a:t>8/11/2016</a:t>
+              <a:t>8/12/2016</a:t>
             </a:fld>
             <a:endParaRPr lang="en-US"/>
           </a:p>
@@ -629,7 +630,7 @@
           <a:p>
             <a:fld id="{64BF311C-CCA0-4B11-AF0A-CF55FF4C099E}" type="datetimeFigureOut">
               <a:rPr lang="en-US" smtClean="0"/>
-              <a:t>8/11/2016</a:t>
+              <a:t>8/12/2016</a:t>
             </a:fld>
             <a:endParaRPr lang="en-US"/>
           </a:p>
@@ -888,7 +889,7 @@
           <a:p>
             <a:fld id="{64BF311C-CCA0-4B11-AF0A-CF55FF4C099E}" type="datetimeFigureOut">
               <a:rPr lang="en-US" smtClean="0"/>
-              <a:t>8/11/2016</a:t>
+              <a:t>8/12/2016</a:t>
             </a:fld>
             <a:endParaRPr lang="en-US"/>
           </a:p>
@@ -1357,7 +1358,7 @@
           <a:p>
             <a:fld id="{64BF311C-CCA0-4B11-AF0A-CF55FF4C099E}" type="datetimeFigureOut">
               <a:rPr lang="en-US" smtClean="0"/>
-              <a:t>8/11/2016</a:t>
+              <a:t>8/12/2016</a:t>
             </a:fld>
             <a:endParaRPr lang="en-US"/>
           </a:p>
@@ -1537,7 +1538,7 @@
           <a:p>
             <a:fld id="{64BF311C-CCA0-4B11-AF0A-CF55FF4C099E}" type="datetimeFigureOut">
               <a:rPr lang="en-US" smtClean="0"/>
-              <a:t>8/11/2016</a:t>
+              <a:t>8/12/2016</a:t>
             </a:fld>
             <a:endParaRPr lang="en-US"/>
           </a:p>
@@ -2113,7 +2114,7 @@
           <a:p>
             <a:fld id="{64BF311C-CCA0-4B11-AF0A-CF55FF4C099E}" type="datetimeFigureOut">
               <a:rPr lang="en-US" smtClean="0"/>
-              <a:t>8/11/2016</a:t>
+              <a:t>8/12/2016</a:t>
             </a:fld>
             <a:endParaRPr lang="en-US"/>
           </a:p>
@@ -2445,7 +2446,7 @@
           <a:p>
             <a:fld id="{64BF311C-CCA0-4B11-AF0A-CF55FF4C099E}" type="datetimeFigureOut">
               <a:rPr lang="en-US" smtClean="0"/>
-              <a:t>8/11/2016</a:t>
+              <a:t>8/12/2016</a:t>
             </a:fld>
             <a:endParaRPr lang="en-US"/>
           </a:p>
@@ -2620,7 +2621,7 @@
           <a:p>
             <a:fld id="{64BF311C-CCA0-4B11-AF0A-CF55FF4C099E}" type="datetimeFigureOut">
               <a:rPr lang="en-US" smtClean="0"/>
-              <a:t>8/11/2016</a:t>
+              <a:t>8/12/2016</a:t>
             </a:fld>
             <a:endParaRPr lang="en-US"/>
           </a:p>
@@ -2800,7 +2801,7 @@
           <a:p>
             <a:fld id="{64BF311C-CCA0-4B11-AF0A-CF55FF4C099E}" type="datetimeFigureOut">
               <a:rPr lang="en-US" smtClean="0"/>
-              <a:t>8/11/2016</a:t>
+              <a:t>8/12/2016</a:t>
             </a:fld>
             <a:endParaRPr lang="en-US"/>
           </a:p>
@@ -2970,7 +2971,7 @@
           <a:p>
             <a:fld id="{64BF311C-CCA0-4B11-AF0A-CF55FF4C099E}" type="datetimeFigureOut">
               <a:rPr lang="en-US" smtClean="0"/>
-              <a:t>8/11/2016</a:t>
+              <a:t>8/12/2016</a:t>
             </a:fld>
             <a:endParaRPr lang="en-US"/>
           </a:p>
@@ -3227,7 +3228,7 @@
           <a:p>
             <a:fld id="{64BF311C-CCA0-4B11-AF0A-CF55FF4C099E}" type="datetimeFigureOut">
               <a:rPr lang="en-US" smtClean="0"/>
-              <a:t>8/11/2016</a:t>
+              <a:t>8/12/2016</a:t>
             </a:fld>
             <a:endParaRPr lang="en-US"/>
           </a:p>
@@ -3519,7 +3520,7 @@
           <a:p>
             <a:fld id="{64BF311C-CCA0-4B11-AF0A-CF55FF4C099E}" type="datetimeFigureOut">
               <a:rPr lang="en-US" smtClean="0"/>
-              <a:t>8/11/2016</a:t>
+              <a:t>8/12/2016</a:t>
             </a:fld>
             <a:endParaRPr lang="en-US"/>
           </a:p>
@@ -3949,7 +3950,7 @@
           <a:p>
             <a:fld id="{64BF311C-CCA0-4B11-AF0A-CF55FF4C099E}" type="datetimeFigureOut">
               <a:rPr lang="en-US" smtClean="0"/>
-              <a:t>8/11/2016</a:t>
+              <a:t>8/12/2016</a:t>
             </a:fld>
             <a:endParaRPr lang="en-US"/>
           </a:p>
@@ -4067,7 +4068,7 @@
           <a:p>
             <a:fld id="{64BF311C-CCA0-4B11-AF0A-CF55FF4C099E}" type="datetimeFigureOut">
               <a:rPr lang="en-US" smtClean="0"/>
-              <a:t>8/11/2016</a:t>
+              <a:t>8/12/2016</a:t>
             </a:fld>
             <a:endParaRPr lang="en-US"/>
           </a:p>
@@ -4162,7 +4163,7 @@
           <a:p>
             <a:fld id="{64BF311C-CCA0-4B11-AF0A-CF55FF4C099E}" type="datetimeFigureOut">
               <a:rPr lang="en-US" smtClean="0"/>
-              <a:t>8/11/2016</a:t>
+              <a:t>8/12/2016</a:t>
             </a:fld>
             <a:endParaRPr lang="en-US"/>
           </a:p>
@@ -4445,7 +4446,7 @@
           <a:p>
             <a:fld id="{64BF311C-CCA0-4B11-AF0A-CF55FF4C099E}" type="datetimeFigureOut">
               <a:rPr lang="en-US" smtClean="0"/>
-              <a:t>8/11/2016</a:t>
+              <a:t>8/12/2016</a:t>
             </a:fld>
             <a:endParaRPr lang="en-US"/>
           </a:p>
@@ -4736,7 +4737,7 @@
           <a:p>
             <a:fld id="{64BF311C-CCA0-4B11-AF0A-CF55FF4C099E}" type="datetimeFigureOut">
               <a:rPr lang="en-US" smtClean="0"/>
-              <a:t>8/11/2016</a:t>
+              <a:t>8/12/2016</a:t>
             </a:fld>
             <a:endParaRPr lang="en-US"/>
           </a:p>
@@ -4967,7 +4968,7 @@
           <a:p>
             <a:fld id="{64BF311C-CCA0-4B11-AF0A-CF55FF4C099E}" type="datetimeFigureOut">
               <a:rPr lang="en-US" smtClean="0"/>
-              <a:t>8/11/2016</a:t>
+              <a:t>8/12/2016</a:t>
             </a:fld>
             <a:endParaRPr lang="en-US"/>
           </a:p>
@@ -5866,6 +5867,189 @@
           <a:p>
             <a:r>
               <a:rPr lang="en-US" dirty="0"/>
+              <a:t>Coalesce Roadmap</a:t>
+            </a:r>
+          </a:p>
+        </p:txBody>
+      </p:sp>
+      <p:sp>
+        <p:nvSpPr>
+          <p:cNvPr id="3" name="Content Placeholder 2"/>
+          <p:cNvSpPr>
+            <a:spLocks noGrp="1"/>
+          </p:cNvSpPr>
+          <p:nvPr>
+            <p:ph idx="1"/>
+          </p:nvPr>
+        </p:nvSpPr>
+        <p:spPr/>
+        <p:txBody>
+          <a:bodyPr>
+            <a:normAutofit fontScale="92500" lnSpcReduction="20000"/>
+          </a:bodyPr>
+          <a:lstStyle/>
+          <a:p>
+            <a:r>
+              <a:rPr lang="en-US" dirty="0"/>
+              <a:t>Build Features as they are needed</a:t>
+            </a:r>
+          </a:p>
+          <a:p>
+            <a:r>
+              <a:rPr lang="en-US" dirty="0"/>
+              <a:t>Need to assemble an engineering team to vet designs</a:t>
+            </a:r>
+          </a:p>
+          <a:p>
+            <a:r>
+              <a:rPr lang="en-US" dirty="0"/>
+              <a:t>Backlog</a:t>
+            </a:r>
+          </a:p>
+          <a:p>
+            <a:pPr lvl="1"/>
+            <a:r>
+              <a:rPr lang="en-US" dirty="0"/>
+              <a:t>Full TS Observable objects returned from method calls</a:t>
+            </a:r>
+          </a:p>
+          <a:p>
+            <a:pPr lvl="1"/>
+            <a:r>
+              <a:rPr lang="en-US" dirty="0"/>
+              <a:t>Easier places to put business logic on the server side</a:t>
+            </a:r>
+          </a:p>
+          <a:p>
+            <a:pPr lvl="1"/>
+            <a:r>
+              <a:rPr lang="en-US" dirty="0"/>
+              <a:t>Better support for data morphing with DTOs</a:t>
+            </a:r>
+          </a:p>
+          <a:p>
+            <a:pPr lvl="1"/>
+            <a:r>
+              <a:rPr lang="en-US" dirty="0"/>
+              <a:t>Support Angular 2 and maybe Aurelia</a:t>
+            </a:r>
+          </a:p>
+          <a:p>
+            <a:pPr lvl="1"/>
+            <a:r>
+              <a:rPr lang="en-US" dirty="0"/>
+              <a:t>Figure out how to do more unit &amp; UI testing</a:t>
+            </a:r>
+          </a:p>
+          <a:p>
+            <a:pPr lvl="1"/>
+            <a:r>
+              <a:rPr lang="en-US" dirty="0"/>
+              <a:t>Fix issues as they are found</a:t>
+            </a:r>
+          </a:p>
+        </p:txBody>
+      </p:sp>
+      <p:pic>
+        <p:nvPicPr>
+          <p:cNvPr id="4098" name="Picture 2" descr="http://startupcfo.startupcfo.netdna-cdn.com/wp-content/uploads/2015/01/marketing-roadmap-315-300x281.jpg"/>
+          <p:cNvPicPr>
+            <a:picLocks noChangeAspect="1" noChangeArrowheads="1"/>
+          </p:cNvPicPr>
+          <p:nvPr/>
+        </p:nvPicPr>
+        <p:blipFill>
+          <a:blip r:embed="rId2">
+            <a:extLst>
+              <a:ext uri="{BEBA8EAE-BF5A-486C-A8C5-ECC9F3942E4B}">
+                <a14:imgProps xmlns:a14="http://schemas.microsoft.com/office/drawing/2010/main">
+                  <a14:imgLayer r:embed="rId3">
+                    <a14:imgEffect>
+                      <a14:backgroundRemoval t="0" b="100000" l="0" r="100000">
+                        <a14:foregroundMark x1="73333" y1="12811" x2="73333" y2="12811"/>
+                        <a14:foregroundMark x1="75667" y1="23488" x2="75667" y2="23488"/>
+                      </a14:backgroundRemoval>
+                    </a14:imgEffect>
+                  </a14:imgLayer>
+                </a14:imgProps>
+              </a:ext>
+              <a:ext uri="{28A0092B-C50C-407E-A947-70E740481C1C}">
+                <a14:useLocalDpi xmlns:a14="http://schemas.microsoft.com/office/drawing/2010/main" val="0"/>
+              </a:ext>
+            </a:extLst>
+          </a:blip>
+          <a:srcRect/>
+          <a:stretch>
+            <a:fillRect/>
+          </a:stretch>
+        </p:blipFill>
+        <p:spPr bwMode="auto">
+          <a:xfrm>
+            <a:off x="7818975" y="240130"/>
+            <a:ext cx="3757674" cy="5875520"/>
+          </a:xfrm>
+          <a:prstGeom prst="rect">
+            <a:avLst/>
+          </a:prstGeom>
+          <a:noFill/>
+          <a:extLst>
+            <a:ext uri="{909E8E84-426E-40DD-AFC4-6F175D3DCCD1}">
+              <a14:hiddenFill xmlns:a14="http://schemas.microsoft.com/office/drawing/2010/main">
+                <a:solidFill>
+                  <a:srgbClr val="FFFFFF"/>
+                </a:solidFill>
+              </a14:hiddenFill>
+            </a:ext>
+          </a:extLst>
+        </p:spPr>
+      </p:pic>
+    </p:spTree>
+    <p:extLst>
+      <p:ext uri="{BB962C8B-B14F-4D97-AF65-F5344CB8AC3E}">
+        <p14:creationId xmlns:p14="http://schemas.microsoft.com/office/powerpoint/2010/main" val="2092192400"/>
+      </p:ext>
+    </p:extLst>
+  </p:cSld>
+  <p:clrMapOvr>
+    <a:masterClrMapping/>
+  </p:clrMapOvr>
+</p:sld>
+</file>
+
+<file path=ppt/slides/slide11.xml><?xml version="1.0" encoding="utf-8"?>
+<p:sld xmlns:a="http://schemas.openxmlformats.org/drawingml/2006/main" xmlns:r="http://schemas.openxmlformats.org/officeDocument/2006/relationships" xmlns:p="http://schemas.openxmlformats.org/presentationml/2006/main">
+  <p:cSld>
+    <p:spTree>
+      <p:nvGrpSpPr>
+        <p:cNvPr id="1" name=""/>
+        <p:cNvGrpSpPr/>
+        <p:nvPr/>
+      </p:nvGrpSpPr>
+      <p:grpSpPr>
+        <a:xfrm>
+          <a:off x="0" y="0"/>
+          <a:ext cx="0" cy="0"/>
+          <a:chOff x="0" y="0"/>
+          <a:chExt cx="0" cy="0"/>
+        </a:xfrm>
+      </p:grpSpPr>
+      <p:sp>
+        <p:nvSpPr>
+          <p:cNvPr id="2" name="Title 1"/>
+          <p:cNvSpPr>
+            <a:spLocks noGrp="1"/>
+          </p:cNvSpPr>
+          <p:nvPr>
+            <p:ph type="title"/>
+          </p:nvPr>
+        </p:nvSpPr>
+        <p:spPr/>
+        <p:txBody>
+          <a:bodyPr/>
+          <a:lstStyle/>
+          <a:p>
+            <a:r>
+              <a:rPr lang="en-US" dirty="0"/>
               <a:t>Coalesce Design</a:t>
             </a:r>
           </a:p>
@@ -5989,7 +6173,7 @@
 </p:sld>
 </file>
 
-<file path=ppt/slides/slide11.xml><?xml version="1.0" encoding="utf-8"?>
+<file path=ppt/slides/slide12.xml><?xml version="1.0" encoding="utf-8"?>
 <p:sld xmlns:a="http://schemas.openxmlformats.org/drawingml/2006/main" xmlns:r="http://schemas.openxmlformats.org/officeDocument/2006/relationships" xmlns:p="http://schemas.openxmlformats.org/presentationml/2006/main">
   <p:cSld>
     <p:spTree>
@@ -6151,7 +6335,7 @@
 </p:sld>
 </file>
 
-<file path=ppt/slides/slide12.xml><?xml version="1.0" encoding="utf-8"?>
+<file path=ppt/slides/slide13.xml><?xml version="1.0" encoding="utf-8"?>
 <p:sld xmlns:a="http://schemas.openxmlformats.org/drawingml/2006/main" xmlns:r="http://schemas.openxmlformats.org/officeDocument/2006/relationships" xmlns:p="http://schemas.openxmlformats.org/presentationml/2006/main">
   <p:cSld>
     <p:spTree>
@@ -6332,7 +6516,7 @@
 </p:sld>
 </file>
 
-<file path=ppt/slides/slide13.xml><?xml version="1.0" encoding="utf-8"?>
+<file path=ppt/slides/slide14.xml><?xml version="1.0" encoding="utf-8"?>
 <p:sld xmlns:a="http://schemas.openxmlformats.org/drawingml/2006/main" xmlns:r="http://schemas.openxmlformats.org/officeDocument/2006/relationships" xmlns:p="http://schemas.openxmlformats.org/presentationml/2006/main">
   <p:cSld>
     <p:spTree>
@@ -6502,7 +6686,7 @@
 </p:sld>
 </file>
 
-<file path=ppt/slides/slide14.xml><?xml version="1.0" encoding="utf-8"?>
+<file path=ppt/slides/slide15.xml><?xml version="1.0" encoding="utf-8"?>
 <p:sld xmlns:a="http://schemas.openxmlformats.org/drawingml/2006/main" xmlns:r="http://schemas.openxmlformats.org/officeDocument/2006/relationships" xmlns:p="http://schemas.openxmlformats.org/presentationml/2006/main">
   <p:cSld>
     <p:spTree>
@@ -9953,17 +10137,6 @@
               <a:r>
                 <a:rPr lang="en-US" sz="1400" dirty="0"/>
                 <a:t>Person</a:t>
-              </a:r>
-            </a:p>
-            <a:p>
-              <a:pPr algn="ctr"/>
-              <a:r>
-                <a:rPr lang="en-US" sz="1400" dirty="0" err="1"/>
-                <a:t>Api</a:t>
-              </a:r>
-              <a:r>
-                <a:rPr lang="en-US" sz="1400" dirty="0"/>
-                <a:t>/Person</a:t>
               </a:r>
             </a:p>
           </p:txBody>
@@ -12762,6 +12935,3354 @@
           <a:chExt cx="0" cy="0"/>
         </a:xfrm>
       </p:grpSpPr>
+      <p:sp>
+        <p:nvSpPr>
+          <p:cNvPr id="61" name="Rectangle 60"/>
+          <p:cNvSpPr/>
+          <p:nvPr/>
+        </p:nvSpPr>
+        <p:spPr>
+          <a:xfrm>
+            <a:off x="872722" y="379080"/>
+            <a:ext cx="1924867" cy="4366655"/>
+          </a:xfrm>
+          <a:prstGeom prst="rect">
+            <a:avLst/>
+          </a:prstGeom>
+        </p:spPr>
+        <p:style>
+          <a:lnRef idx="1">
+            <a:schemeClr val="accent6"/>
+          </a:lnRef>
+          <a:fillRef idx="2">
+            <a:schemeClr val="accent6"/>
+          </a:fillRef>
+          <a:effectRef idx="1">
+            <a:schemeClr val="accent6"/>
+          </a:effectRef>
+          <a:fontRef idx="minor">
+            <a:schemeClr val="dk1"/>
+          </a:fontRef>
+        </p:style>
+        <p:txBody>
+          <a:bodyPr rtlCol="0" anchor="t" anchorCtr="0"/>
+          <a:lstStyle/>
+          <a:p>
+            <a:pPr algn="ctr"/>
+            <a:r>
+              <a:rPr lang="en-US" dirty="0"/>
+              <a:t>Server</a:t>
+            </a:r>
+            <a:endParaRPr lang="en-US" sz="1400" dirty="0"/>
+          </a:p>
+        </p:txBody>
+      </p:sp>
+      <p:grpSp>
+        <p:nvGrpSpPr>
+          <p:cNvPr id="18" name="Group 17"/>
+          <p:cNvGrpSpPr/>
+          <p:nvPr/>
+        </p:nvGrpSpPr>
+        <p:grpSpPr>
+          <a:xfrm>
+            <a:off x="854434" y="4993102"/>
+            <a:ext cx="1924867" cy="1682789"/>
+            <a:chOff x="289706" y="4847407"/>
+            <a:chExt cx="1924867" cy="1682789"/>
+          </a:xfrm>
+        </p:grpSpPr>
+        <p:sp>
+          <p:nvSpPr>
+            <p:cNvPr id="4" name="Can 3"/>
+            <p:cNvSpPr/>
+            <p:nvPr/>
+          </p:nvSpPr>
+          <p:spPr>
+            <a:xfrm>
+              <a:off x="289706" y="4847407"/>
+              <a:ext cx="1924867" cy="1682789"/>
+            </a:xfrm>
+            <a:prstGeom prst="can">
+              <a:avLst/>
+            </a:prstGeom>
+          </p:spPr>
+          <p:style>
+            <a:lnRef idx="1">
+              <a:schemeClr val="dk1"/>
+            </a:lnRef>
+            <a:fillRef idx="3">
+              <a:schemeClr val="dk1"/>
+            </a:fillRef>
+            <a:effectRef idx="2">
+              <a:schemeClr val="dk1"/>
+            </a:effectRef>
+            <a:fontRef idx="minor">
+              <a:schemeClr val="lt1"/>
+            </a:fontRef>
+          </p:style>
+          <p:txBody>
+            <a:bodyPr rtlCol="0" anchor="t" anchorCtr="0"/>
+            <a:lstStyle/>
+            <a:p>
+              <a:pPr algn="ctr"/>
+              <a:r>
+                <a:rPr lang="en-US" dirty="0"/>
+                <a:t>Database</a:t>
+              </a:r>
+            </a:p>
+          </p:txBody>
+        </p:sp>
+        <p:sp>
+          <p:nvSpPr>
+            <p:cNvPr id="47" name="Rectangle 46"/>
+            <p:cNvSpPr/>
+            <p:nvPr/>
+          </p:nvSpPr>
+          <p:spPr>
+            <a:xfrm>
+              <a:off x="614969" y="5691074"/>
+              <a:ext cx="1352448" cy="457735"/>
+            </a:xfrm>
+            <a:prstGeom prst="rect">
+              <a:avLst/>
+            </a:prstGeom>
+          </p:spPr>
+          <p:style>
+            <a:lnRef idx="2">
+              <a:schemeClr val="dk1">
+                <a:shade val="50000"/>
+              </a:schemeClr>
+            </a:lnRef>
+            <a:fillRef idx="1">
+              <a:schemeClr val="dk1"/>
+            </a:fillRef>
+            <a:effectRef idx="0">
+              <a:schemeClr val="dk1"/>
+            </a:effectRef>
+            <a:fontRef idx="minor">
+              <a:schemeClr val="lt1"/>
+            </a:fontRef>
+          </p:style>
+          <p:txBody>
+            <a:bodyPr rtlCol="0" anchor="ctr"/>
+            <a:lstStyle/>
+            <a:p>
+              <a:pPr algn="ctr"/>
+              <a:r>
+                <a:rPr lang="en-US" sz="1400" dirty="0"/>
+                <a:t>Person</a:t>
+              </a:r>
+            </a:p>
+          </p:txBody>
+        </p:sp>
+      </p:grpSp>
+      <p:sp>
+        <p:nvSpPr>
+          <p:cNvPr id="59" name="Rectangle 58"/>
+          <p:cNvSpPr/>
+          <p:nvPr/>
+        </p:nvSpPr>
+        <p:spPr>
+          <a:xfrm>
+            <a:off x="1068392" y="824857"/>
+            <a:ext cx="1533525" cy="638710"/>
+          </a:xfrm>
+          <a:prstGeom prst="rect">
+            <a:avLst/>
+          </a:prstGeom>
+        </p:spPr>
+        <p:style>
+          <a:lnRef idx="2">
+            <a:schemeClr val="accent6">
+              <a:shade val="50000"/>
+            </a:schemeClr>
+          </a:lnRef>
+          <a:fillRef idx="1">
+            <a:schemeClr val="accent6"/>
+          </a:fillRef>
+          <a:effectRef idx="0">
+            <a:schemeClr val="accent6"/>
+          </a:effectRef>
+          <a:fontRef idx="minor">
+            <a:schemeClr val="lt1"/>
+          </a:fontRef>
+        </p:style>
+        <p:txBody>
+          <a:bodyPr rtlCol="0" anchor="ctr"/>
+          <a:lstStyle/>
+          <a:p>
+            <a:pPr algn="ctr"/>
+            <a:r>
+              <a:rPr lang="en-US" sz="1400" dirty="0"/>
+              <a:t>Person Controller C#</a:t>
+            </a:r>
+          </a:p>
+        </p:txBody>
+      </p:sp>
+      <p:sp>
+        <p:nvSpPr>
+          <p:cNvPr id="71" name="Rectangle 70"/>
+          <p:cNvSpPr/>
+          <p:nvPr/>
+        </p:nvSpPr>
+        <p:spPr>
+          <a:xfrm>
+            <a:off x="9484960" y="379080"/>
+            <a:ext cx="1924867" cy="3790584"/>
+          </a:xfrm>
+          <a:prstGeom prst="rect">
+            <a:avLst/>
+          </a:prstGeom>
+        </p:spPr>
+        <p:style>
+          <a:lnRef idx="1">
+            <a:schemeClr val="accent6"/>
+          </a:lnRef>
+          <a:fillRef idx="2">
+            <a:schemeClr val="accent6"/>
+          </a:fillRef>
+          <a:effectRef idx="1">
+            <a:schemeClr val="accent6"/>
+          </a:effectRef>
+          <a:fontRef idx="minor">
+            <a:schemeClr val="dk1"/>
+          </a:fontRef>
+        </p:style>
+        <p:txBody>
+          <a:bodyPr rtlCol="0" anchor="t" anchorCtr="0"/>
+          <a:lstStyle/>
+          <a:p>
+            <a:pPr algn="ctr"/>
+            <a:r>
+              <a:rPr lang="en-US" dirty="0"/>
+              <a:t>Client</a:t>
+            </a:r>
+            <a:endParaRPr lang="en-US" sz="1400" dirty="0"/>
+          </a:p>
+        </p:txBody>
+      </p:sp>
+      <p:sp>
+        <p:nvSpPr>
+          <p:cNvPr id="72" name="Rectangle 71"/>
+          <p:cNvSpPr/>
+          <p:nvPr/>
+        </p:nvSpPr>
+        <p:spPr>
+          <a:xfrm>
+            <a:off x="9680630" y="1097410"/>
+            <a:ext cx="1533525" cy="912623"/>
+          </a:xfrm>
+          <a:prstGeom prst="rect">
+            <a:avLst/>
+          </a:prstGeom>
+        </p:spPr>
+        <p:style>
+          <a:lnRef idx="2">
+            <a:schemeClr val="accent4">
+              <a:shade val="50000"/>
+            </a:schemeClr>
+          </a:lnRef>
+          <a:fillRef idx="1">
+            <a:schemeClr val="accent4"/>
+          </a:fillRef>
+          <a:effectRef idx="0">
+            <a:schemeClr val="accent4"/>
+          </a:effectRef>
+          <a:fontRef idx="minor">
+            <a:schemeClr val="lt1"/>
+          </a:fontRef>
+        </p:style>
+        <p:txBody>
+          <a:bodyPr rtlCol="0" anchor="ctr"/>
+          <a:lstStyle/>
+          <a:p>
+            <a:pPr algn="ctr"/>
+            <a:r>
+              <a:rPr lang="en-US" sz="1400" dirty="0"/>
+              <a:t>HTML Page</a:t>
+            </a:r>
+          </a:p>
+        </p:txBody>
+      </p:sp>
+      <p:sp>
+        <p:nvSpPr>
+          <p:cNvPr id="73" name="Rectangle 72"/>
+          <p:cNvSpPr/>
+          <p:nvPr/>
+        </p:nvSpPr>
+        <p:spPr>
+          <a:xfrm>
+            <a:off x="9680627" y="2200760"/>
+            <a:ext cx="1533525" cy="1663734"/>
+          </a:xfrm>
+          <a:prstGeom prst="rect">
+            <a:avLst/>
+          </a:prstGeom>
+        </p:spPr>
+        <p:style>
+          <a:lnRef idx="2">
+            <a:schemeClr val="accent2">
+              <a:shade val="50000"/>
+            </a:schemeClr>
+          </a:lnRef>
+          <a:fillRef idx="1">
+            <a:schemeClr val="accent2"/>
+          </a:fillRef>
+          <a:effectRef idx="0">
+            <a:schemeClr val="accent2"/>
+          </a:effectRef>
+          <a:fontRef idx="minor">
+            <a:schemeClr val="lt1"/>
+          </a:fontRef>
+        </p:style>
+        <p:txBody>
+          <a:bodyPr rtlCol="0" anchor="ctr"/>
+          <a:lstStyle/>
+          <a:p>
+            <a:pPr algn="ctr"/>
+            <a:r>
+              <a:rPr lang="en-US" sz="1400" dirty="0"/>
+              <a:t>View Models</a:t>
+            </a:r>
+          </a:p>
+        </p:txBody>
+      </p:sp>
+      <p:sp>
+        <p:nvSpPr>
+          <p:cNvPr id="36" name="Rectangle 35"/>
+          <p:cNvSpPr/>
+          <p:nvPr/>
+        </p:nvSpPr>
+        <p:spPr>
+          <a:xfrm>
+            <a:off x="1044132" y="2681781"/>
+            <a:ext cx="1557774" cy="935345"/>
+          </a:xfrm>
+          <a:prstGeom prst="rect">
+            <a:avLst/>
+          </a:prstGeom>
+        </p:spPr>
+        <p:style>
+          <a:lnRef idx="2">
+            <a:schemeClr val="accent6">
+              <a:shade val="50000"/>
+            </a:schemeClr>
+          </a:lnRef>
+          <a:fillRef idx="1">
+            <a:schemeClr val="accent6"/>
+          </a:fillRef>
+          <a:effectRef idx="0">
+            <a:schemeClr val="accent6"/>
+          </a:effectRef>
+          <a:fontRef idx="minor">
+            <a:schemeClr val="lt1"/>
+          </a:fontRef>
+        </p:style>
+        <p:txBody>
+          <a:bodyPr rtlCol="0" anchor="ctr"/>
+          <a:lstStyle/>
+          <a:p>
+            <a:pPr algn="ctr"/>
+            <a:r>
+              <a:rPr lang="en-US" sz="1400" dirty="0"/>
+              <a:t>Person API Controller C#</a:t>
+            </a:r>
+          </a:p>
+        </p:txBody>
+      </p:sp>
+      <p:cxnSp>
+        <p:nvCxnSpPr>
+          <p:cNvPr id="17" name="Straight Arrow Connector 16"/>
+          <p:cNvCxnSpPr/>
+          <p:nvPr/>
+        </p:nvCxnSpPr>
+        <p:spPr>
+          <a:xfrm flipH="1" flipV="1">
+            <a:off x="2601906" y="923544"/>
+            <a:ext cx="6883055" cy="14292"/>
+          </a:xfrm>
+          <a:prstGeom prst="straightConnector1">
+            <a:avLst/>
+          </a:prstGeom>
+          <a:ln w="57150">
+            <a:tailEnd type="triangle"/>
+          </a:ln>
+        </p:spPr>
+        <p:style>
+          <a:lnRef idx="3">
+            <a:schemeClr val="accent4"/>
+          </a:lnRef>
+          <a:fillRef idx="0">
+            <a:schemeClr val="accent4"/>
+          </a:fillRef>
+          <a:effectRef idx="2">
+            <a:schemeClr val="accent4"/>
+          </a:effectRef>
+          <a:fontRef idx="minor">
+            <a:schemeClr val="tx1"/>
+          </a:fontRef>
+        </p:style>
+      </p:cxnSp>
+      <p:cxnSp>
+        <p:nvCxnSpPr>
+          <p:cNvPr id="79" name="Straight Arrow Connector 78"/>
+          <p:cNvCxnSpPr/>
+          <p:nvPr/>
+        </p:nvCxnSpPr>
+        <p:spPr>
+          <a:xfrm>
+            <a:off x="2601906" y="1316736"/>
+            <a:ext cx="7078721" cy="66876"/>
+          </a:xfrm>
+          <a:prstGeom prst="straightConnector1">
+            <a:avLst/>
+          </a:prstGeom>
+          <a:ln w="57150">
+            <a:tailEnd type="triangle"/>
+          </a:ln>
+        </p:spPr>
+        <p:style>
+          <a:lnRef idx="3">
+            <a:schemeClr val="accent4"/>
+          </a:lnRef>
+          <a:fillRef idx="0">
+            <a:schemeClr val="accent4"/>
+          </a:fillRef>
+          <a:effectRef idx="2">
+            <a:schemeClr val="accent4"/>
+          </a:effectRef>
+          <a:fontRef idx="minor">
+            <a:schemeClr val="tx1"/>
+          </a:fontRef>
+        </p:style>
+      </p:cxnSp>
+      <p:sp>
+        <p:nvSpPr>
+          <p:cNvPr id="55" name="Rectangle 54"/>
+          <p:cNvSpPr/>
+          <p:nvPr/>
+        </p:nvSpPr>
+        <p:spPr>
+          <a:xfrm>
+            <a:off x="5316496" y="1131444"/>
+            <a:ext cx="1891463" cy="488019"/>
+          </a:xfrm>
+          <a:prstGeom prst="rect">
+            <a:avLst/>
+          </a:prstGeom>
+        </p:spPr>
+        <p:style>
+          <a:lnRef idx="2">
+            <a:schemeClr val="accent4">
+              <a:shade val="50000"/>
+            </a:schemeClr>
+          </a:lnRef>
+          <a:fillRef idx="1">
+            <a:schemeClr val="accent4"/>
+          </a:fillRef>
+          <a:effectRef idx="0">
+            <a:schemeClr val="accent4"/>
+          </a:effectRef>
+          <a:fontRef idx="minor">
+            <a:schemeClr val="lt1"/>
+          </a:fontRef>
+        </p:style>
+        <p:txBody>
+          <a:bodyPr rtlCol="0" anchor="ctr"/>
+          <a:lstStyle/>
+          <a:p>
+            <a:pPr algn="ctr"/>
+            <a:r>
+              <a:rPr lang="en-US" sz="1400" dirty="0" err="1"/>
+              <a:t>Index.cshtml</a:t>
+            </a:r>
+            <a:endParaRPr lang="en-US" sz="1400" dirty="0"/>
+          </a:p>
+        </p:txBody>
+      </p:sp>
+      <p:cxnSp>
+        <p:nvCxnSpPr>
+          <p:cNvPr id="80" name="Straight Arrow Connector 79"/>
+          <p:cNvCxnSpPr/>
+          <p:nvPr/>
+        </p:nvCxnSpPr>
+        <p:spPr>
+          <a:xfrm flipH="1" flipV="1">
+            <a:off x="2601906" y="1883664"/>
+            <a:ext cx="7078721" cy="37334"/>
+          </a:xfrm>
+          <a:prstGeom prst="straightConnector1">
+            <a:avLst/>
+          </a:prstGeom>
+          <a:ln w="57150">
+            <a:solidFill>
+              <a:schemeClr val="accent2"/>
+            </a:solidFill>
+            <a:tailEnd type="triangle"/>
+          </a:ln>
+        </p:spPr>
+        <p:style>
+          <a:lnRef idx="3">
+            <a:schemeClr val="accent4"/>
+          </a:lnRef>
+          <a:fillRef idx="0">
+            <a:schemeClr val="accent4"/>
+          </a:fillRef>
+          <a:effectRef idx="2">
+            <a:schemeClr val="accent4"/>
+          </a:effectRef>
+          <a:fontRef idx="minor">
+            <a:schemeClr val="tx1"/>
+          </a:fontRef>
+        </p:style>
+      </p:cxnSp>
+      <p:cxnSp>
+        <p:nvCxnSpPr>
+          <p:cNvPr id="82" name="Straight Arrow Connector 81"/>
+          <p:cNvCxnSpPr/>
+          <p:nvPr/>
+        </p:nvCxnSpPr>
+        <p:spPr>
+          <a:xfrm>
+            <a:off x="2601906" y="2322576"/>
+            <a:ext cx="7078721" cy="6797"/>
+          </a:xfrm>
+          <a:prstGeom prst="straightConnector1">
+            <a:avLst/>
+          </a:prstGeom>
+          <a:ln w="57150">
+            <a:solidFill>
+              <a:schemeClr val="accent2"/>
+            </a:solidFill>
+            <a:tailEnd type="triangle"/>
+          </a:ln>
+        </p:spPr>
+        <p:style>
+          <a:lnRef idx="3">
+            <a:schemeClr val="accent4"/>
+          </a:lnRef>
+          <a:fillRef idx="0">
+            <a:schemeClr val="accent4"/>
+          </a:fillRef>
+          <a:effectRef idx="2">
+            <a:schemeClr val="accent4"/>
+          </a:effectRef>
+          <a:fontRef idx="minor">
+            <a:schemeClr val="tx1"/>
+          </a:fontRef>
+        </p:style>
+      </p:cxnSp>
+      <p:cxnSp>
+        <p:nvCxnSpPr>
+          <p:cNvPr id="83" name="Straight Arrow Connector 82"/>
+          <p:cNvCxnSpPr/>
+          <p:nvPr/>
+        </p:nvCxnSpPr>
+        <p:spPr>
+          <a:xfrm flipH="1">
+            <a:off x="2601906" y="2887935"/>
+            <a:ext cx="7078722" cy="19857"/>
+          </a:xfrm>
+          <a:prstGeom prst="straightConnector1">
+            <a:avLst/>
+          </a:prstGeom>
+          <a:ln w="57150">
+            <a:solidFill>
+              <a:schemeClr val="accent5"/>
+            </a:solidFill>
+            <a:tailEnd type="triangle"/>
+          </a:ln>
+        </p:spPr>
+        <p:style>
+          <a:lnRef idx="3">
+            <a:schemeClr val="accent4"/>
+          </a:lnRef>
+          <a:fillRef idx="0">
+            <a:schemeClr val="accent4"/>
+          </a:fillRef>
+          <a:effectRef idx="2">
+            <a:schemeClr val="accent4"/>
+          </a:effectRef>
+          <a:fontRef idx="minor">
+            <a:schemeClr val="tx1"/>
+          </a:fontRef>
+        </p:style>
+      </p:cxnSp>
+      <p:cxnSp>
+        <p:nvCxnSpPr>
+          <p:cNvPr id="84" name="Straight Arrow Connector 83"/>
+          <p:cNvCxnSpPr/>
+          <p:nvPr/>
+        </p:nvCxnSpPr>
+        <p:spPr>
+          <a:xfrm>
+            <a:off x="2601906" y="3438144"/>
+            <a:ext cx="7078721" cy="14036"/>
+          </a:xfrm>
+          <a:prstGeom prst="straightConnector1">
+            <a:avLst/>
+          </a:prstGeom>
+          <a:ln w="57150">
+            <a:solidFill>
+              <a:schemeClr val="accent5"/>
+            </a:solidFill>
+            <a:tailEnd type="triangle"/>
+          </a:ln>
+        </p:spPr>
+        <p:style>
+          <a:lnRef idx="3">
+            <a:schemeClr val="accent4"/>
+          </a:lnRef>
+          <a:fillRef idx="0">
+            <a:schemeClr val="accent4"/>
+          </a:fillRef>
+          <a:effectRef idx="2">
+            <a:schemeClr val="accent4"/>
+          </a:effectRef>
+          <a:fontRef idx="minor">
+            <a:schemeClr val="tx1"/>
+          </a:fontRef>
+        </p:style>
+      </p:cxnSp>
+      <p:sp>
+        <p:nvSpPr>
+          <p:cNvPr id="85" name="Rectangle 84"/>
+          <p:cNvSpPr/>
+          <p:nvPr/>
+        </p:nvSpPr>
+        <p:spPr>
+          <a:xfrm>
+            <a:off x="5316497" y="3250395"/>
+            <a:ext cx="1904285" cy="488019"/>
+          </a:xfrm>
+          <a:prstGeom prst="rect">
+            <a:avLst/>
+          </a:prstGeom>
+        </p:spPr>
+        <p:style>
+          <a:lnRef idx="2">
+            <a:schemeClr val="accent5">
+              <a:shade val="50000"/>
+            </a:schemeClr>
+          </a:lnRef>
+          <a:fillRef idx="1">
+            <a:schemeClr val="accent5"/>
+          </a:fillRef>
+          <a:effectRef idx="0">
+            <a:schemeClr val="accent5"/>
+          </a:effectRef>
+          <a:fontRef idx="minor">
+            <a:schemeClr val="lt1"/>
+          </a:fontRef>
+        </p:style>
+        <p:txBody>
+          <a:bodyPr rtlCol="0" anchor="ctr"/>
+          <a:lstStyle/>
+          <a:p>
+            <a:pPr algn="ctr"/>
+            <a:r>
+              <a:rPr lang="en-US" sz="1400" dirty="0"/>
+              <a:t>Person </a:t>
+            </a:r>
+            <a:r>
+              <a:rPr lang="en-US" sz="1400" dirty="0" err="1"/>
+              <a:t>Dto</a:t>
+            </a:r>
+            <a:endParaRPr lang="en-US" sz="1400" dirty="0"/>
+          </a:p>
+          <a:p>
+            <a:pPr algn="ctr"/>
+            <a:r>
+              <a:rPr lang="en-US" sz="1400" dirty="0"/>
+              <a:t>C#/JSON</a:t>
+            </a:r>
+          </a:p>
+        </p:txBody>
+      </p:sp>
+      <p:sp>
+        <p:nvSpPr>
+          <p:cNvPr id="64" name="Rectangle 63"/>
+          <p:cNvSpPr/>
+          <p:nvPr/>
+        </p:nvSpPr>
+        <p:spPr>
+          <a:xfrm>
+            <a:off x="5363763" y="2085363"/>
+            <a:ext cx="1809750" cy="488019"/>
+          </a:xfrm>
+          <a:prstGeom prst="rect">
+            <a:avLst/>
+          </a:prstGeom>
+        </p:spPr>
+        <p:style>
+          <a:lnRef idx="2">
+            <a:schemeClr val="accent2">
+              <a:shade val="50000"/>
+            </a:schemeClr>
+          </a:lnRef>
+          <a:fillRef idx="1">
+            <a:schemeClr val="accent2"/>
+          </a:fillRef>
+          <a:effectRef idx="0">
+            <a:schemeClr val="accent2"/>
+          </a:effectRef>
+          <a:fontRef idx="minor">
+            <a:schemeClr val="lt1"/>
+          </a:fontRef>
+        </p:style>
+        <p:txBody>
+          <a:bodyPr rtlCol="0" anchor="ctr"/>
+          <a:lstStyle/>
+          <a:p>
+            <a:pPr algn="ctr"/>
+            <a:r>
+              <a:rPr lang="en-US" sz="1400" dirty="0"/>
+              <a:t>Person View Model TypeScript</a:t>
+            </a:r>
+          </a:p>
+        </p:txBody>
+      </p:sp>
+      <p:cxnSp>
+        <p:nvCxnSpPr>
+          <p:cNvPr id="87" name="Connector: Curved 86"/>
+          <p:cNvCxnSpPr>
+            <a:stCxn id="73" idx="3"/>
+            <a:endCxn id="72" idx="3"/>
+          </p:cNvCxnSpPr>
+          <p:nvPr/>
+        </p:nvCxnSpPr>
+        <p:spPr>
+          <a:xfrm flipV="1">
+            <a:off x="11214152" y="1553722"/>
+            <a:ext cx="3" cy="1478905"/>
+          </a:xfrm>
+          <a:prstGeom prst="curvedConnector3">
+            <a:avLst>
+              <a:gd name="adj1" fmla="val 7620100000"/>
+            </a:avLst>
+          </a:prstGeom>
+          <a:ln w="57150" cap="flat" cmpd="sng" algn="ctr">
+            <a:solidFill>
+              <a:schemeClr val="accent6"/>
+            </a:solidFill>
+            <a:prstDash val="solid"/>
+            <a:round/>
+            <a:headEnd type="triangle" w="med" len="med"/>
+            <a:tailEnd type="triangle" w="med" len="med"/>
+          </a:ln>
+        </p:spPr>
+        <p:style>
+          <a:lnRef idx="0">
+            <a:scrgbClr r="0" g="0" b="0"/>
+          </a:lnRef>
+          <a:fillRef idx="0">
+            <a:scrgbClr r="0" g="0" b="0"/>
+          </a:fillRef>
+          <a:effectRef idx="0">
+            <a:scrgbClr r="0" g="0" b="0"/>
+          </a:effectRef>
+          <a:fontRef idx="minor">
+            <a:schemeClr val="tx1"/>
+          </a:fontRef>
+        </p:style>
+      </p:cxnSp>
+      <p:sp>
+        <p:nvSpPr>
+          <p:cNvPr id="8" name="Rectangle 7"/>
+          <p:cNvSpPr/>
+          <p:nvPr/>
+        </p:nvSpPr>
+        <p:spPr>
+          <a:xfrm>
+            <a:off x="1068381" y="3864494"/>
+            <a:ext cx="1533525" cy="638710"/>
+          </a:xfrm>
+          <a:prstGeom prst="rect">
+            <a:avLst/>
+          </a:prstGeom>
+        </p:spPr>
+        <p:style>
+          <a:lnRef idx="2">
+            <a:schemeClr val="accent6">
+              <a:shade val="50000"/>
+            </a:schemeClr>
+          </a:lnRef>
+          <a:fillRef idx="1">
+            <a:schemeClr val="accent6"/>
+          </a:fillRef>
+          <a:effectRef idx="0">
+            <a:schemeClr val="accent6"/>
+          </a:effectRef>
+          <a:fontRef idx="minor">
+            <a:schemeClr val="lt1"/>
+          </a:fontRef>
+        </p:style>
+        <p:txBody>
+          <a:bodyPr rtlCol="0" anchor="ctr"/>
+          <a:lstStyle/>
+          <a:p>
+            <a:pPr algn="ctr"/>
+            <a:r>
+              <a:rPr lang="en-US" sz="1400" dirty="0"/>
+              <a:t>Person</a:t>
+            </a:r>
+          </a:p>
+          <a:p>
+            <a:pPr algn="ctr"/>
+            <a:r>
+              <a:rPr lang="en-US" sz="1400" dirty="0"/>
+              <a:t>(POCO) C#</a:t>
+            </a:r>
+          </a:p>
+        </p:txBody>
+      </p:sp>
+      <p:cxnSp>
+        <p:nvCxnSpPr>
+          <p:cNvPr id="91" name="Straight Arrow Connector 90"/>
+          <p:cNvCxnSpPr>
+            <a:stCxn id="36" idx="2"/>
+            <a:endCxn id="4" idx="1"/>
+          </p:cNvCxnSpPr>
+          <p:nvPr/>
+        </p:nvCxnSpPr>
+        <p:spPr>
+          <a:xfrm flipH="1">
+            <a:off x="1816868" y="3617126"/>
+            <a:ext cx="6151" cy="1375976"/>
+          </a:xfrm>
+          <a:prstGeom prst="straightConnector1">
+            <a:avLst/>
+          </a:prstGeom>
+          <a:ln w="57150" cap="flat" cmpd="sng" algn="ctr">
+            <a:solidFill>
+              <a:schemeClr val="accent5"/>
+            </a:solidFill>
+            <a:prstDash val="solid"/>
+            <a:round/>
+            <a:headEnd type="arrow" w="med" len="med"/>
+            <a:tailEnd type="arrow" w="med" len="med"/>
+          </a:ln>
+        </p:spPr>
+        <p:style>
+          <a:lnRef idx="0">
+            <a:scrgbClr r="0" g="0" b="0"/>
+          </a:lnRef>
+          <a:fillRef idx="0">
+            <a:scrgbClr r="0" g="0" b="0"/>
+          </a:fillRef>
+          <a:effectRef idx="0">
+            <a:scrgbClr r="0" g="0" b="0"/>
+          </a:effectRef>
+          <a:fontRef idx="minor">
+            <a:schemeClr val="tx1"/>
+          </a:fontRef>
+        </p:style>
+      </p:cxnSp>
+      <p:sp>
+        <p:nvSpPr>
+          <p:cNvPr id="92" name="Rectangle 91"/>
+          <p:cNvSpPr/>
+          <p:nvPr/>
+        </p:nvSpPr>
+        <p:spPr>
+          <a:xfrm>
+            <a:off x="1068381" y="1764532"/>
+            <a:ext cx="1533525" cy="638710"/>
+          </a:xfrm>
+          <a:prstGeom prst="rect">
+            <a:avLst/>
+          </a:prstGeom>
+        </p:spPr>
+        <p:style>
+          <a:lnRef idx="2">
+            <a:schemeClr val="accent2">
+              <a:shade val="50000"/>
+            </a:schemeClr>
+          </a:lnRef>
+          <a:fillRef idx="1">
+            <a:schemeClr val="accent2"/>
+          </a:fillRef>
+          <a:effectRef idx="0">
+            <a:schemeClr val="accent2"/>
+          </a:effectRef>
+          <a:fontRef idx="minor">
+            <a:schemeClr val="lt1"/>
+          </a:fontRef>
+        </p:style>
+        <p:txBody>
+          <a:bodyPr rtlCol="0" anchor="ctr"/>
+          <a:lstStyle/>
+          <a:p>
+            <a:pPr algn="ctr"/>
+            <a:r>
+              <a:rPr lang="en-US" sz="1400" dirty="0"/>
+              <a:t>Resources</a:t>
+            </a:r>
+          </a:p>
+        </p:txBody>
+      </p:sp>
+      <p:sp>
+        <p:nvSpPr>
+          <p:cNvPr id="108" name="Rectangle 107"/>
+          <p:cNvSpPr/>
+          <p:nvPr/>
+        </p:nvSpPr>
+        <p:spPr>
+          <a:xfrm>
+            <a:off x="5316496" y="2695410"/>
+            <a:ext cx="1904285" cy="488019"/>
+          </a:xfrm>
+          <a:prstGeom prst="rect">
+            <a:avLst/>
+          </a:prstGeom>
+        </p:spPr>
+        <p:style>
+          <a:lnRef idx="2">
+            <a:schemeClr val="accent5">
+              <a:shade val="50000"/>
+            </a:schemeClr>
+          </a:lnRef>
+          <a:fillRef idx="1">
+            <a:schemeClr val="accent5"/>
+          </a:fillRef>
+          <a:effectRef idx="0">
+            <a:schemeClr val="accent5"/>
+          </a:effectRef>
+          <a:fontRef idx="minor">
+            <a:schemeClr val="lt1"/>
+          </a:fontRef>
+        </p:style>
+        <p:txBody>
+          <a:bodyPr rtlCol="0" anchor="ctr"/>
+          <a:lstStyle/>
+          <a:p>
+            <a:pPr algn="ctr"/>
+            <a:r>
+              <a:rPr lang="en-US" sz="1400" dirty="0"/>
+              <a:t>Person </a:t>
+            </a:r>
+            <a:r>
+              <a:rPr lang="en-US" sz="1400" dirty="0" err="1"/>
+              <a:t>Dto</a:t>
+            </a:r>
+            <a:endParaRPr lang="en-US" sz="1400" dirty="0"/>
+          </a:p>
+          <a:p>
+            <a:pPr algn="ctr"/>
+            <a:r>
+              <a:rPr lang="en-US" sz="1400" dirty="0"/>
+              <a:t>C#/JSON</a:t>
+            </a:r>
+          </a:p>
+        </p:txBody>
+      </p:sp>
+    </p:spTree>
+    <p:extLst>
+      <p:ext uri="{BB962C8B-B14F-4D97-AF65-F5344CB8AC3E}">
+        <p14:creationId xmlns:p14="http://schemas.microsoft.com/office/powerpoint/2010/main" val="2689179953"/>
+      </p:ext>
+    </p:extLst>
+  </p:cSld>
+  <p:clrMapOvr>
+    <a:masterClrMapping/>
+  </p:clrMapOvr>
+  <p:timing>
+    <p:tnLst>
+      <p:par>
+        <p:cTn id="1" dur="indefinite" restart="never" nodeType="tmRoot">
+          <p:childTnLst>
+            <p:seq concurrent="1" nextAc="seek">
+              <p:cTn id="2" dur="indefinite" nodeType="mainSeq">
+                <p:childTnLst>
+                  <p:par>
+                    <p:cTn id="3" fill="hold">
+                      <p:stCondLst>
+                        <p:cond delay="indefinite"/>
+                      </p:stCondLst>
+                      <p:childTnLst>
+                        <p:par>
+                          <p:cTn id="4" fill="hold">
+                            <p:stCondLst>
+                              <p:cond delay="0"/>
+                            </p:stCondLst>
+                            <p:childTnLst>
+                              <p:par>
+                                <p:cTn id="5" presetID="2" presetClass="entr" presetSubtype="4" fill="hold" nodeType="clickEffect">
+                                  <p:stCondLst>
+                                    <p:cond delay="0"/>
+                                  </p:stCondLst>
+                                  <p:childTnLst>
+                                    <p:set>
+                                      <p:cBhvr>
+                                        <p:cTn id="6" dur="1" fill="hold">
+                                          <p:stCondLst>
+                                            <p:cond delay="0"/>
+                                          </p:stCondLst>
+                                        </p:cTn>
+                                        <p:tgtEl>
+                                          <p:spTgt spid="18"/>
+                                        </p:tgtEl>
+                                        <p:attrNameLst>
+                                          <p:attrName>style.visibility</p:attrName>
+                                        </p:attrNameLst>
+                                      </p:cBhvr>
+                                      <p:to>
+                                        <p:strVal val="visible"/>
+                                      </p:to>
+                                    </p:set>
+                                    <p:anim calcmode="lin" valueType="num">
+                                      <p:cBhvr additive="base">
+                                        <p:cTn id="7" dur="500" fill="hold"/>
+                                        <p:tgtEl>
+                                          <p:spTgt spid="18"/>
+                                        </p:tgtEl>
+                                        <p:attrNameLst>
+                                          <p:attrName>ppt_x</p:attrName>
+                                        </p:attrNameLst>
+                                      </p:cBhvr>
+                                      <p:tavLst>
+                                        <p:tav tm="0">
+                                          <p:val>
+                                            <p:strVal val="#ppt_x"/>
+                                          </p:val>
+                                        </p:tav>
+                                        <p:tav tm="100000">
+                                          <p:val>
+                                            <p:strVal val="#ppt_x"/>
+                                          </p:val>
+                                        </p:tav>
+                                      </p:tavLst>
+                                    </p:anim>
+                                    <p:anim calcmode="lin" valueType="num">
+                                      <p:cBhvr additive="base">
+                                        <p:cTn id="8" dur="500" fill="hold"/>
+                                        <p:tgtEl>
+                                          <p:spTgt spid="18"/>
+                                        </p:tgtEl>
+                                        <p:attrNameLst>
+                                          <p:attrName>ppt_y</p:attrName>
+                                        </p:attrNameLst>
+                                      </p:cBhvr>
+                                      <p:tavLst>
+                                        <p:tav tm="0">
+                                          <p:val>
+                                            <p:strVal val="1+#ppt_h/2"/>
+                                          </p:val>
+                                        </p:tav>
+                                        <p:tav tm="100000">
+                                          <p:val>
+                                            <p:strVal val="#ppt_y"/>
+                                          </p:val>
+                                        </p:tav>
+                                      </p:tavLst>
+                                    </p:anim>
+                                  </p:childTnLst>
+                                </p:cTn>
+                              </p:par>
+                              <p:par>
+                                <p:cTn id="9" presetID="2" presetClass="entr" presetSubtype="4" fill="hold" grpId="0" nodeType="withEffect">
+                                  <p:stCondLst>
+                                    <p:cond delay="0"/>
+                                  </p:stCondLst>
+                                  <p:childTnLst>
+                                    <p:set>
+                                      <p:cBhvr>
+                                        <p:cTn id="10" dur="1" fill="hold">
+                                          <p:stCondLst>
+                                            <p:cond delay="0"/>
+                                          </p:stCondLst>
+                                        </p:cTn>
+                                        <p:tgtEl>
+                                          <p:spTgt spid="61"/>
+                                        </p:tgtEl>
+                                        <p:attrNameLst>
+                                          <p:attrName>style.visibility</p:attrName>
+                                        </p:attrNameLst>
+                                      </p:cBhvr>
+                                      <p:to>
+                                        <p:strVal val="visible"/>
+                                      </p:to>
+                                    </p:set>
+                                    <p:anim calcmode="lin" valueType="num">
+                                      <p:cBhvr additive="base">
+                                        <p:cTn id="11" dur="500" fill="hold"/>
+                                        <p:tgtEl>
+                                          <p:spTgt spid="61"/>
+                                        </p:tgtEl>
+                                        <p:attrNameLst>
+                                          <p:attrName>ppt_x</p:attrName>
+                                        </p:attrNameLst>
+                                      </p:cBhvr>
+                                      <p:tavLst>
+                                        <p:tav tm="0">
+                                          <p:val>
+                                            <p:strVal val="#ppt_x"/>
+                                          </p:val>
+                                        </p:tav>
+                                        <p:tav tm="100000">
+                                          <p:val>
+                                            <p:strVal val="#ppt_x"/>
+                                          </p:val>
+                                        </p:tav>
+                                      </p:tavLst>
+                                    </p:anim>
+                                    <p:anim calcmode="lin" valueType="num">
+                                      <p:cBhvr additive="base">
+                                        <p:cTn id="12" dur="500" fill="hold"/>
+                                        <p:tgtEl>
+                                          <p:spTgt spid="61"/>
+                                        </p:tgtEl>
+                                        <p:attrNameLst>
+                                          <p:attrName>ppt_y</p:attrName>
+                                        </p:attrNameLst>
+                                      </p:cBhvr>
+                                      <p:tavLst>
+                                        <p:tav tm="0">
+                                          <p:val>
+                                            <p:strVal val="1+#ppt_h/2"/>
+                                          </p:val>
+                                        </p:tav>
+                                        <p:tav tm="100000">
+                                          <p:val>
+                                            <p:strVal val="#ppt_y"/>
+                                          </p:val>
+                                        </p:tav>
+                                      </p:tavLst>
+                                    </p:anim>
+                                  </p:childTnLst>
+                                </p:cTn>
+                              </p:par>
+                              <p:par>
+                                <p:cTn id="13" presetID="2" presetClass="entr" presetSubtype="4" fill="hold" grpId="0" nodeType="withEffect">
+                                  <p:stCondLst>
+                                    <p:cond delay="0"/>
+                                  </p:stCondLst>
+                                  <p:childTnLst>
+                                    <p:set>
+                                      <p:cBhvr>
+                                        <p:cTn id="14" dur="1" fill="hold">
+                                          <p:stCondLst>
+                                            <p:cond delay="0"/>
+                                          </p:stCondLst>
+                                        </p:cTn>
+                                        <p:tgtEl>
+                                          <p:spTgt spid="59"/>
+                                        </p:tgtEl>
+                                        <p:attrNameLst>
+                                          <p:attrName>style.visibility</p:attrName>
+                                        </p:attrNameLst>
+                                      </p:cBhvr>
+                                      <p:to>
+                                        <p:strVal val="visible"/>
+                                      </p:to>
+                                    </p:set>
+                                    <p:anim calcmode="lin" valueType="num">
+                                      <p:cBhvr additive="base">
+                                        <p:cTn id="15" dur="500" fill="hold"/>
+                                        <p:tgtEl>
+                                          <p:spTgt spid="59"/>
+                                        </p:tgtEl>
+                                        <p:attrNameLst>
+                                          <p:attrName>ppt_x</p:attrName>
+                                        </p:attrNameLst>
+                                      </p:cBhvr>
+                                      <p:tavLst>
+                                        <p:tav tm="0">
+                                          <p:val>
+                                            <p:strVal val="#ppt_x"/>
+                                          </p:val>
+                                        </p:tav>
+                                        <p:tav tm="100000">
+                                          <p:val>
+                                            <p:strVal val="#ppt_x"/>
+                                          </p:val>
+                                        </p:tav>
+                                      </p:tavLst>
+                                    </p:anim>
+                                    <p:anim calcmode="lin" valueType="num">
+                                      <p:cBhvr additive="base">
+                                        <p:cTn id="16" dur="500" fill="hold"/>
+                                        <p:tgtEl>
+                                          <p:spTgt spid="59"/>
+                                        </p:tgtEl>
+                                        <p:attrNameLst>
+                                          <p:attrName>ppt_y</p:attrName>
+                                        </p:attrNameLst>
+                                      </p:cBhvr>
+                                      <p:tavLst>
+                                        <p:tav tm="0">
+                                          <p:val>
+                                            <p:strVal val="1+#ppt_h/2"/>
+                                          </p:val>
+                                        </p:tav>
+                                        <p:tav tm="100000">
+                                          <p:val>
+                                            <p:strVal val="#ppt_y"/>
+                                          </p:val>
+                                        </p:tav>
+                                      </p:tavLst>
+                                    </p:anim>
+                                  </p:childTnLst>
+                                </p:cTn>
+                              </p:par>
+                              <p:par>
+                                <p:cTn id="17" presetID="2" presetClass="entr" presetSubtype="4" fill="hold" grpId="0" nodeType="withEffect">
+                                  <p:stCondLst>
+                                    <p:cond delay="0"/>
+                                  </p:stCondLst>
+                                  <p:childTnLst>
+                                    <p:set>
+                                      <p:cBhvr>
+                                        <p:cTn id="18" dur="1" fill="hold">
+                                          <p:stCondLst>
+                                            <p:cond delay="0"/>
+                                          </p:stCondLst>
+                                        </p:cTn>
+                                        <p:tgtEl>
+                                          <p:spTgt spid="36"/>
+                                        </p:tgtEl>
+                                        <p:attrNameLst>
+                                          <p:attrName>style.visibility</p:attrName>
+                                        </p:attrNameLst>
+                                      </p:cBhvr>
+                                      <p:to>
+                                        <p:strVal val="visible"/>
+                                      </p:to>
+                                    </p:set>
+                                    <p:anim calcmode="lin" valueType="num">
+                                      <p:cBhvr additive="base">
+                                        <p:cTn id="19" dur="500" fill="hold"/>
+                                        <p:tgtEl>
+                                          <p:spTgt spid="36"/>
+                                        </p:tgtEl>
+                                        <p:attrNameLst>
+                                          <p:attrName>ppt_x</p:attrName>
+                                        </p:attrNameLst>
+                                      </p:cBhvr>
+                                      <p:tavLst>
+                                        <p:tav tm="0">
+                                          <p:val>
+                                            <p:strVal val="#ppt_x"/>
+                                          </p:val>
+                                        </p:tav>
+                                        <p:tav tm="100000">
+                                          <p:val>
+                                            <p:strVal val="#ppt_x"/>
+                                          </p:val>
+                                        </p:tav>
+                                      </p:tavLst>
+                                    </p:anim>
+                                    <p:anim calcmode="lin" valueType="num">
+                                      <p:cBhvr additive="base">
+                                        <p:cTn id="20" dur="500" fill="hold"/>
+                                        <p:tgtEl>
+                                          <p:spTgt spid="36"/>
+                                        </p:tgtEl>
+                                        <p:attrNameLst>
+                                          <p:attrName>ppt_y</p:attrName>
+                                        </p:attrNameLst>
+                                      </p:cBhvr>
+                                      <p:tavLst>
+                                        <p:tav tm="0">
+                                          <p:val>
+                                            <p:strVal val="1+#ppt_h/2"/>
+                                          </p:val>
+                                        </p:tav>
+                                        <p:tav tm="100000">
+                                          <p:val>
+                                            <p:strVal val="#ppt_y"/>
+                                          </p:val>
+                                        </p:tav>
+                                      </p:tavLst>
+                                    </p:anim>
+                                  </p:childTnLst>
+                                </p:cTn>
+                              </p:par>
+                              <p:par>
+                                <p:cTn id="21" presetID="2" presetClass="entr" presetSubtype="4" fill="hold" grpId="0" nodeType="withEffect">
+                                  <p:stCondLst>
+                                    <p:cond delay="0"/>
+                                  </p:stCondLst>
+                                  <p:childTnLst>
+                                    <p:set>
+                                      <p:cBhvr>
+                                        <p:cTn id="22" dur="1" fill="hold">
+                                          <p:stCondLst>
+                                            <p:cond delay="0"/>
+                                          </p:stCondLst>
+                                        </p:cTn>
+                                        <p:tgtEl>
+                                          <p:spTgt spid="8"/>
+                                        </p:tgtEl>
+                                        <p:attrNameLst>
+                                          <p:attrName>style.visibility</p:attrName>
+                                        </p:attrNameLst>
+                                      </p:cBhvr>
+                                      <p:to>
+                                        <p:strVal val="visible"/>
+                                      </p:to>
+                                    </p:set>
+                                    <p:anim calcmode="lin" valueType="num">
+                                      <p:cBhvr additive="base">
+                                        <p:cTn id="23" dur="500" fill="hold"/>
+                                        <p:tgtEl>
+                                          <p:spTgt spid="8"/>
+                                        </p:tgtEl>
+                                        <p:attrNameLst>
+                                          <p:attrName>ppt_x</p:attrName>
+                                        </p:attrNameLst>
+                                      </p:cBhvr>
+                                      <p:tavLst>
+                                        <p:tav tm="0">
+                                          <p:val>
+                                            <p:strVal val="#ppt_x"/>
+                                          </p:val>
+                                        </p:tav>
+                                        <p:tav tm="100000">
+                                          <p:val>
+                                            <p:strVal val="#ppt_x"/>
+                                          </p:val>
+                                        </p:tav>
+                                      </p:tavLst>
+                                    </p:anim>
+                                    <p:anim calcmode="lin" valueType="num">
+                                      <p:cBhvr additive="base">
+                                        <p:cTn id="24" dur="500" fill="hold"/>
+                                        <p:tgtEl>
+                                          <p:spTgt spid="8"/>
+                                        </p:tgtEl>
+                                        <p:attrNameLst>
+                                          <p:attrName>ppt_y</p:attrName>
+                                        </p:attrNameLst>
+                                      </p:cBhvr>
+                                      <p:tavLst>
+                                        <p:tav tm="0">
+                                          <p:val>
+                                            <p:strVal val="1+#ppt_h/2"/>
+                                          </p:val>
+                                        </p:tav>
+                                        <p:tav tm="100000">
+                                          <p:val>
+                                            <p:strVal val="#ppt_y"/>
+                                          </p:val>
+                                        </p:tav>
+                                      </p:tavLst>
+                                    </p:anim>
+                                  </p:childTnLst>
+                                </p:cTn>
+                              </p:par>
+                              <p:par>
+                                <p:cTn id="25" presetID="2" presetClass="entr" presetSubtype="4" fill="hold" grpId="0" nodeType="withEffect">
+                                  <p:stCondLst>
+                                    <p:cond delay="0"/>
+                                  </p:stCondLst>
+                                  <p:childTnLst>
+                                    <p:set>
+                                      <p:cBhvr>
+                                        <p:cTn id="26" dur="1" fill="hold">
+                                          <p:stCondLst>
+                                            <p:cond delay="0"/>
+                                          </p:stCondLst>
+                                        </p:cTn>
+                                        <p:tgtEl>
+                                          <p:spTgt spid="92"/>
+                                        </p:tgtEl>
+                                        <p:attrNameLst>
+                                          <p:attrName>style.visibility</p:attrName>
+                                        </p:attrNameLst>
+                                      </p:cBhvr>
+                                      <p:to>
+                                        <p:strVal val="visible"/>
+                                      </p:to>
+                                    </p:set>
+                                    <p:anim calcmode="lin" valueType="num">
+                                      <p:cBhvr additive="base">
+                                        <p:cTn id="27" dur="500" fill="hold"/>
+                                        <p:tgtEl>
+                                          <p:spTgt spid="92"/>
+                                        </p:tgtEl>
+                                        <p:attrNameLst>
+                                          <p:attrName>ppt_x</p:attrName>
+                                        </p:attrNameLst>
+                                      </p:cBhvr>
+                                      <p:tavLst>
+                                        <p:tav tm="0">
+                                          <p:val>
+                                            <p:strVal val="#ppt_x"/>
+                                          </p:val>
+                                        </p:tav>
+                                        <p:tav tm="100000">
+                                          <p:val>
+                                            <p:strVal val="#ppt_x"/>
+                                          </p:val>
+                                        </p:tav>
+                                      </p:tavLst>
+                                    </p:anim>
+                                    <p:anim calcmode="lin" valueType="num">
+                                      <p:cBhvr additive="base">
+                                        <p:cTn id="28" dur="500" fill="hold"/>
+                                        <p:tgtEl>
+                                          <p:spTgt spid="92"/>
+                                        </p:tgtEl>
+                                        <p:attrNameLst>
+                                          <p:attrName>ppt_y</p:attrName>
+                                        </p:attrNameLst>
+                                      </p:cBhvr>
+                                      <p:tavLst>
+                                        <p:tav tm="0">
+                                          <p:val>
+                                            <p:strVal val="1+#ppt_h/2"/>
+                                          </p:val>
+                                        </p:tav>
+                                        <p:tav tm="100000">
+                                          <p:val>
+                                            <p:strVal val="#ppt_y"/>
+                                          </p:val>
+                                        </p:tav>
+                                      </p:tavLst>
+                                    </p:anim>
+                                  </p:childTnLst>
+                                </p:cTn>
+                              </p:par>
+                            </p:childTnLst>
+                          </p:cTn>
+                        </p:par>
+                      </p:childTnLst>
+                    </p:cTn>
+                  </p:par>
+                  <p:par>
+                    <p:cTn id="29" fill="hold">
+                      <p:stCondLst>
+                        <p:cond delay="indefinite"/>
+                      </p:stCondLst>
+                      <p:childTnLst>
+                        <p:par>
+                          <p:cTn id="30" fill="hold">
+                            <p:stCondLst>
+                              <p:cond delay="0"/>
+                            </p:stCondLst>
+                            <p:childTnLst>
+                              <p:par>
+                                <p:cTn id="31" presetID="2" presetClass="entr" presetSubtype="4" fill="hold" grpId="0" nodeType="clickEffect">
+                                  <p:stCondLst>
+                                    <p:cond delay="0"/>
+                                  </p:stCondLst>
+                                  <p:childTnLst>
+                                    <p:set>
+                                      <p:cBhvr>
+                                        <p:cTn id="32" dur="1" fill="hold">
+                                          <p:stCondLst>
+                                            <p:cond delay="0"/>
+                                          </p:stCondLst>
+                                        </p:cTn>
+                                        <p:tgtEl>
+                                          <p:spTgt spid="71"/>
+                                        </p:tgtEl>
+                                        <p:attrNameLst>
+                                          <p:attrName>style.visibility</p:attrName>
+                                        </p:attrNameLst>
+                                      </p:cBhvr>
+                                      <p:to>
+                                        <p:strVal val="visible"/>
+                                      </p:to>
+                                    </p:set>
+                                    <p:anim calcmode="lin" valueType="num">
+                                      <p:cBhvr additive="base">
+                                        <p:cTn id="33" dur="500" fill="hold"/>
+                                        <p:tgtEl>
+                                          <p:spTgt spid="71"/>
+                                        </p:tgtEl>
+                                        <p:attrNameLst>
+                                          <p:attrName>ppt_x</p:attrName>
+                                        </p:attrNameLst>
+                                      </p:cBhvr>
+                                      <p:tavLst>
+                                        <p:tav tm="0">
+                                          <p:val>
+                                            <p:strVal val="#ppt_x"/>
+                                          </p:val>
+                                        </p:tav>
+                                        <p:tav tm="100000">
+                                          <p:val>
+                                            <p:strVal val="#ppt_x"/>
+                                          </p:val>
+                                        </p:tav>
+                                      </p:tavLst>
+                                    </p:anim>
+                                    <p:anim calcmode="lin" valueType="num">
+                                      <p:cBhvr additive="base">
+                                        <p:cTn id="34" dur="500" fill="hold"/>
+                                        <p:tgtEl>
+                                          <p:spTgt spid="71"/>
+                                        </p:tgtEl>
+                                        <p:attrNameLst>
+                                          <p:attrName>ppt_y</p:attrName>
+                                        </p:attrNameLst>
+                                      </p:cBhvr>
+                                      <p:tavLst>
+                                        <p:tav tm="0">
+                                          <p:val>
+                                            <p:strVal val="1+#ppt_h/2"/>
+                                          </p:val>
+                                        </p:tav>
+                                        <p:tav tm="100000">
+                                          <p:val>
+                                            <p:strVal val="#ppt_y"/>
+                                          </p:val>
+                                        </p:tav>
+                                      </p:tavLst>
+                                    </p:anim>
+                                  </p:childTnLst>
+                                </p:cTn>
+                              </p:par>
+                              <p:par>
+                                <p:cTn id="35" presetID="2" presetClass="entr" presetSubtype="4" fill="hold" grpId="0" nodeType="withEffect">
+                                  <p:stCondLst>
+                                    <p:cond delay="0"/>
+                                  </p:stCondLst>
+                                  <p:childTnLst>
+                                    <p:set>
+                                      <p:cBhvr>
+                                        <p:cTn id="36" dur="1" fill="hold">
+                                          <p:stCondLst>
+                                            <p:cond delay="0"/>
+                                          </p:stCondLst>
+                                        </p:cTn>
+                                        <p:tgtEl>
+                                          <p:spTgt spid="72"/>
+                                        </p:tgtEl>
+                                        <p:attrNameLst>
+                                          <p:attrName>style.visibility</p:attrName>
+                                        </p:attrNameLst>
+                                      </p:cBhvr>
+                                      <p:to>
+                                        <p:strVal val="visible"/>
+                                      </p:to>
+                                    </p:set>
+                                    <p:anim calcmode="lin" valueType="num">
+                                      <p:cBhvr additive="base">
+                                        <p:cTn id="37" dur="500" fill="hold"/>
+                                        <p:tgtEl>
+                                          <p:spTgt spid="72"/>
+                                        </p:tgtEl>
+                                        <p:attrNameLst>
+                                          <p:attrName>ppt_x</p:attrName>
+                                        </p:attrNameLst>
+                                      </p:cBhvr>
+                                      <p:tavLst>
+                                        <p:tav tm="0">
+                                          <p:val>
+                                            <p:strVal val="#ppt_x"/>
+                                          </p:val>
+                                        </p:tav>
+                                        <p:tav tm="100000">
+                                          <p:val>
+                                            <p:strVal val="#ppt_x"/>
+                                          </p:val>
+                                        </p:tav>
+                                      </p:tavLst>
+                                    </p:anim>
+                                    <p:anim calcmode="lin" valueType="num">
+                                      <p:cBhvr additive="base">
+                                        <p:cTn id="38" dur="500" fill="hold"/>
+                                        <p:tgtEl>
+                                          <p:spTgt spid="72"/>
+                                        </p:tgtEl>
+                                        <p:attrNameLst>
+                                          <p:attrName>ppt_y</p:attrName>
+                                        </p:attrNameLst>
+                                      </p:cBhvr>
+                                      <p:tavLst>
+                                        <p:tav tm="0">
+                                          <p:val>
+                                            <p:strVal val="1+#ppt_h/2"/>
+                                          </p:val>
+                                        </p:tav>
+                                        <p:tav tm="100000">
+                                          <p:val>
+                                            <p:strVal val="#ppt_y"/>
+                                          </p:val>
+                                        </p:tav>
+                                      </p:tavLst>
+                                    </p:anim>
+                                  </p:childTnLst>
+                                </p:cTn>
+                              </p:par>
+                              <p:par>
+                                <p:cTn id="39" presetID="2" presetClass="entr" presetSubtype="4" fill="hold" grpId="0" nodeType="withEffect">
+                                  <p:stCondLst>
+                                    <p:cond delay="0"/>
+                                  </p:stCondLst>
+                                  <p:childTnLst>
+                                    <p:set>
+                                      <p:cBhvr>
+                                        <p:cTn id="40" dur="1" fill="hold">
+                                          <p:stCondLst>
+                                            <p:cond delay="0"/>
+                                          </p:stCondLst>
+                                        </p:cTn>
+                                        <p:tgtEl>
+                                          <p:spTgt spid="73"/>
+                                        </p:tgtEl>
+                                        <p:attrNameLst>
+                                          <p:attrName>style.visibility</p:attrName>
+                                        </p:attrNameLst>
+                                      </p:cBhvr>
+                                      <p:to>
+                                        <p:strVal val="visible"/>
+                                      </p:to>
+                                    </p:set>
+                                    <p:anim calcmode="lin" valueType="num">
+                                      <p:cBhvr additive="base">
+                                        <p:cTn id="41" dur="500" fill="hold"/>
+                                        <p:tgtEl>
+                                          <p:spTgt spid="73"/>
+                                        </p:tgtEl>
+                                        <p:attrNameLst>
+                                          <p:attrName>ppt_x</p:attrName>
+                                        </p:attrNameLst>
+                                      </p:cBhvr>
+                                      <p:tavLst>
+                                        <p:tav tm="0">
+                                          <p:val>
+                                            <p:strVal val="#ppt_x"/>
+                                          </p:val>
+                                        </p:tav>
+                                        <p:tav tm="100000">
+                                          <p:val>
+                                            <p:strVal val="#ppt_x"/>
+                                          </p:val>
+                                        </p:tav>
+                                      </p:tavLst>
+                                    </p:anim>
+                                    <p:anim calcmode="lin" valueType="num">
+                                      <p:cBhvr additive="base">
+                                        <p:cTn id="42" dur="500" fill="hold"/>
+                                        <p:tgtEl>
+                                          <p:spTgt spid="73"/>
+                                        </p:tgtEl>
+                                        <p:attrNameLst>
+                                          <p:attrName>ppt_y</p:attrName>
+                                        </p:attrNameLst>
+                                      </p:cBhvr>
+                                      <p:tavLst>
+                                        <p:tav tm="0">
+                                          <p:val>
+                                            <p:strVal val="1+#ppt_h/2"/>
+                                          </p:val>
+                                        </p:tav>
+                                        <p:tav tm="100000">
+                                          <p:val>
+                                            <p:strVal val="#ppt_y"/>
+                                          </p:val>
+                                        </p:tav>
+                                      </p:tavLst>
+                                    </p:anim>
+                                  </p:childTnLst>
+                                </p:cTn>
+                              </p:par>
+                            </p:childTnLst>
+                          </p:cTn>
+                        </p:par>
+                      </p:childTnLst>
+                    </p:cTn>
+                  </p:par>
+                  <p:par>
+                    <p:cTn id="43" fill="hold">
+                      <p:stCondLst>
+                        <p:cond delay="indefinite"/>
+                      </p:stCondLst>
+                      <p:childTnLst>
+                        <p:par>
+                          <p:cTn id="44" fill="hold">
+                            <p:stCondLst>
+                              <p:cond delay="0"/>
+                            </p:stCondLst>
+                            <p:childTnLst>
+                              <p:par>
+                                <p:cTn id="45" presetID="31" presetClass="entr" presetSubtype="0" fill="hold" nodeType="clickEffect">
+                                  <p:stCondLst>
+                                    <p:cond delay="0"/>
+                                  </p:stCondLst>
+                                  <p:childTnLst>
+                                    <p:set>
+                                      <p:cBhvr>
+                                        <p:cTn id="46" dur="1" fill="hold">
+                                          <p:stCondLst>
+                                            <p:cond delay="0"/>
+                                          </p:stCondLst>
+                                        </p:cTn>
+                                        <p:tgtEl>
+                                          <p:spTgt spid="17"/>
+                                        </p:tgtEl>
+                                        <p:attrNameLst>
+                                          <p:attrName>style.visibility</p:attrName>
+                                        </p:attrNameLst>
+                                      </p:cBhvr>
+                                      <p:to>
+                                        <p:strVal val="visible"/>
+                                      </p:to>
+                                    </p:set>
+                                    <p:anim calcmode="lin" valueType="num">
+                                      <p:cBhvr>
+                                        <p:cTn id="47" dur="1000" fill="hold"/>
+                                        <p:tgtEl>
+                                          <p:spTgt spid="17"/>
+                                        </p:tgtEl>
+                                        <p:attrNameLst>
+                                          <p:attrName>ppt_w</p:attrName>
+                                        </p:attrNameLst>
+                                      </p:cBhvr>
+                                      <p:tavLst>
+                                        <p:tav tm="0">
+                                          <p:val>
+                                            <p:fltVal val="0"/>
+                                          </p:val>
+                                        </p:tav>
+                                        <p:tav tm="100000">
+                                          <p:val>
+                                            <p:strVal val="#ppt_w"/>
+                                          </p:val>
+                                        </p:tav>
+                                      </p:tavLst>
+                                    </p:anim>
+                                    <p:anim calcmode="lin" valueType="num">
+                                      <p:cBhvr>
+                                        <p:cTn id="48" dur="1000" fill="hold"/>
+                                        <p:tgtEl>
+                                          <p:spTgt spid="17"/>
+                                        </p:tgtEl>
+                                        <p:attrNameLst>
+                                          <p:attrName>ppt_h</p:attrName>
+                                        </p:attrNameLst>
+                                      </p:cBhvr>
+                                      <p:tavLst>
+                                        <p:tav tm="0">
+                                          <p:val>
+                                            <p:fltVal val="0"/>
+                                          </p:val>
+                                        </p:tav>
+                                        <p:tav tm="100000">
+                                          <p:val>
+                                            <p:strVal val="#ppt_h"/>
+                                          </p:val>
+                                        </p:tav>
+                                      </p:tavLst>
+                                    </p:anim>
+                                    <p:anim calcmode="lin" valueType="num">
+                                      <p:cBhvr>
+                                        <p:cTn id="49" dur="1000" fill="hold"/>
+                                        <p:tgtEl>
+                                          <p:spTgt spid="17"/>
+                                        </p:tgtEl>
+                                        <p:attrNameLst>
+                                          <p:attrName>style.rotation</p:attrName>
+                                        </p:attrNameLst>
+                                      </p:cBhvr>
+                                      <p:tavLst>
+                                        <p:tav tm="0">
+                                          <p:val>
+                                            <p:fltVal val="90"/>
+                                          </p:val>
+                                        </p:tav>
+                                        <p:tav tm="100000">
+                                          <p:val>
+                                            <p:fltVal val="0"/>
+                                          </p:val>
+                                        </p:tav>
+                                      </p:tavLst>
+                                    </p:anim>
+                                    <p:animEffect transition="in" filter="fade">
+                                      <p:cBhvr>
+                                        <p:cTn id="50" dur="1000"/>
+                                        <p:tgtEl>
+                                          <p:spTgt spid="17"/>
+                                        </p:tgtEl>
+                                      </p:cBhvr>
+                                    </p:animEffect>
+                                  </p:childTnLst>
+                                </p:cTn>
+                              </p:par>
+                            </p:childTnLst>
+                          </p:cTn>
+                        </p:par>
+                      </p:childTnLst>
+                    </p:cTn>
+                  </p:par>
+                  <p:par>
+                    <p:cTn id="51" fill="hold">
+                      <p:stCondLst>
+                        <p:cond delay="indefinite"/>
+                      </p:stCondLst>
+                      <p:childTnLst>
+                        <p:par>
+                          <p:cTn id="52" fill="hold">
+                            <p:stCondLst>
+                              <p:cond delay="0"/>
+                            </p:stCondLst>
+                            <p:childTnLst>
+                              <p:par>
+                                <p:cTn id="53" presetID="53" presetClass="entr" presetSubtype="16" fill="hold" nodeType="clickEffect">
+                                  <p:stCondLst>
+                                    <p:cond delay="0"/>
+                                  </p:stCondLst>
+                                  <p:childTnLst>
+                                    <p:set>
+                                      <p:cBhvr>
+                                        <p:cTn id="54" dur="1" fill="hold">
+                                          <p:stCondLst>
+                                            <p:cond delay="0"/>
+                                          </p:stCondLst>
+                                        </p:cTn>
+                                        <p:tgtEl>
+                                          <p:spTgt spid="79"/>
+                                        </p:tgtEl>
+                                        <p:attrNameLst>
+                                          <p:attrName>style.visibility</p:attrName>
+                                        </p:attrNameLst>
+                                      </p:cBhvr>
+                                      <p:to>
+                                        <p:strVal val="visible"/>
+                                      </p:to>
+                                    </p:set>
+                                    <p:anim calcmode="lin" valueType="num">
+                                      <p:cBhvr>
+                                        <p:cTn id="55" dur="500" fill="hold"/>
+                                        <p:tgtEl>
+                                          <p:spTgt spid="79"/>
+                                        </p:tgtEl>
+                                        <p:attrNameLst>
+                                          <p:attrName>ppt_w</p:attrName>
+                                        </p:attrNameLst>
+                                      </p:cBhvr>
+                                      <p:tavLst>
+                                        <p:tav tm="0">
+                                          <p:val>
+                                            <p:fltVal val="0"/>
+                                          </p:val>
+                                        </p:tav>
+                                        <p:tav tm="100000">
+                                          <p:val>
+                                            <p:strVal val="#ppt_w"/>
+                                          </p:val>
+                                        </p:tav>
+                                      </p:tavLst>
+                                    </p:anim>
+                                    <p:anim calcmode="lin" valueType="num">
+                                      <p:cBhvr>
+                                        <p:cTn id="56" dur="500" fill="hold"/>
+                                        <p:tgtEl>
+                                          <p:spTgt spid="79"/>
+                                        </p:tgtEl>
+                                        <p:attrNameLst>
+                                          <p:attrName>ppt_h</p:attrName>
+                                        </p:attrNameLst>
+                                      </p:cBhvr>
+                                      <p:tavLst>
+                                        <p:tav tm="0">
+                                          <p:val>
+                                            <p:fltVal val="0"/>
+                                          </p:val>
+                                        </p:tav>
+                                        <p:tav tm="100000">
+                                          <p:val>
+                                            <p:strVal val="#ppt_h"/>
+                                          </p:val>
+                                        </p:tav>
+                                      </p:tavLst>
+                                    </p:anim>
+                                    <p:animEffect transition="in" filter="fade">
+                                      <p:cBhvr>
+                                        <p:cTn id="57" dur="500"/>
+                                        <p:tgtEl>
+                                          <p:spTgt spid="79"/>
+                                        </p:tgtEl>
+                                      </p:cBhvr>
+                                    </p:animEffect>
+                                  </p:childTnLst>
+                                </p:cTn>
+                              </p:par>
+                              <p:par>
+                                <p:cTn id="58" presetID="53" presetClass="entr" presetSubtype="16" fill="hold" grpId="0" nodeType="withEffect">
+                                  <p:stCondLst>
+                                    <p:cond delay="0"/>
+                                  </p:stCondLst>
+                                  <p:childTnLst>
+                                    <p:set>
+                                      <p:cBhvr>
+                                        <p:cTn id="59" dur="1" fill="hold">
+                                          <p:stCondLst>
+                                            <p:cond delay="0"/>
+                                          </p:stCondLst>
+                                        </p:cTn>
+                                        <p:tgtEl>
+                                          <p:spTgt spid="55"/>
+                                        </p:tgtEl>
+                                        <p:attrNameLst>
+                                          <p:attrName>style.visibility</p:attrName>
+                                        </p:attrNameLst>
+                                      </p:cBhvr>
+                                      <p:to>
+                                        <p:strVal val="visible"/>
+                                      </p:to>
+                                    </p:set>
+                                    <p:anim calcmode="lin" valueType="num">
+                                      <p:cBhvr>
+                                        <p:cTn id="60" dur="500" fill="hold"/>
+                                        <p:tgtEl>
+                                          <p:spTgt spid="55"/>
+                                        </p:tgtEl>
+                                        <p:attrNameLst>
+                                          <p:attrName>ppt_w</p:attrName>
+                                        </p:attrNameLst>
+                                      </p:cBhvr>
+                                      <p:tavLst>
+                                        <p:tav tm="0">
+                                          <p:val>
+                                            <p:fltVal val="0"/>
+                                          </p:val>
+                                        </p:tav>
+                                        <p:tav tm="100000">
+                                          <p:val>
+                                            <p:strVal val="#ppt_w"/>
+                                          </p:val>
+                                        </p:tav>
+                                      </p:tavLst>
+                                    </p:anim>
+                                    <p:anim calcmode="lin" valueType="num">
+                                      <p:cBhvr>
+                                        <p:cTn id="61" dur="500" fill="hold"/>
+                                        <p:tgtEl>
+                                          <p:spTgt spid="55"/>
+                                        </p:tgtEl>
+                                        <p:attrNameLst>
+                                          <p:attrName>ppt_h</p:attrName>
+                                        </p:attrNameLst>
+                                      </p:cBhvr>
+                                      <p:tavLst>
+                                        <p:tav tm="0">
+                                          <p:val>
+                                            <p:fltVal val="0"/>
+                                          </p:val>
+                                        </p:tav>
+                                        <p:tav tm="100000">
+                                          <p:val>
+                                            <p:strVal val="#ppt_h"/>
+                                          </p:val>
+                                        </p:tav>
+                                      </p:tavLst>
+                                    </p:anim>
+                                    <p:animEffect transition="in" filter="fade">
+                                      <p:cBhvr>
+                                        <p:cTn id="62" dur="500"/>
+                                        <p:tgtEl>
+                                          <p:spTgt spid="55"/>
+                                        </p:tgtEl>
+                                      </p:cBhvr>
+                                    </p:animEffect>
+                                  </p:childTnLst>
+                                </p:cTn>
+                              </p:par>
+                            </p:childTnLst>
+                          </p:cTn>
+                        </p:par>
+                      </p:childTnLst>
+                    </p:cTn>
+                  </p:par>
+                  <p:par>
+                    <p:cTn id="63" fill="hold">
+                      <p:stCondLst>
+                        <p:cond delay="indefinite"/>
+                      </p:stCondLst>
+                      <p:childTnLst>
+                        <p:par>
+                          <p:cTn id="64" fill="hold">
+                            <p:stCondLst>
+                              <p:cond delay="0"/>
+                            </p:stCondLst>
+                            <p:childTnLst>
+                              <p:par>
+                                <p:cTn id="65" presetID="31" presetClass="entr" presetSubtype="0" fill="hold" nodeType="clickEffect">
+                                  <p:stCondLst>
+                                    <p:cond delay="0"/>
+                                  </p:stCondLst>
+                                  <p:childTnLst>
+                                    <p:set>
+                                      <p:cBhvr>
+                                        <p:cTn id="66" dur="1" fill="hold">
+                                          <p:stCondLst>
+                                            <p:cond delay="0"/>
+                                          </p:stCondLst>
+                                        </p:cTn>
+                                        <p:tgtEl>
+                                          <p:spTgt spid="80"/>
+                                        </p:tgtEl>
+                                        <p:attrNameLst>
+                                          <p:attrName>style.visibility</p:attrName>
+                                        </p:attrNameLst>
+                                      </p:cBhvr>
+                                      <p:to>
+                                        <p:strVal val="visible"/>
+                                      </p:to>
+                                    </p:set>
+                                    <p:anim calcmode="lin" valueType="num">
+                                      <p:cBhvr>
+                                        <p:cTn id="67" dur="1000" fill="hold"/>
+                                        <p:tgtEl>
+                                          <p:spTgt spid="80"/>
+                                        </p:tgtEl>
+                                        <p:attrNameLst>
+                                          <p:attrName>ppt_w</p:attrName>
+                                        </p:attrNameLst>
+                                      </p:cBhvr>
+                                      <p:tavLst>
+                                        <p:tav tm="0">
+                                          <p:val>
+                                            <p:fltVal val="0"/>
+                                          </p:val>
+                                        </p:tav>
+                                        <p:tav tm="100000">
+                                          <p:val>
+                                            <p:strVal val="#ppt_w"/>
+                                          </p:val>
+                                        </p:tav>
+                                      </p:tavLst>
+                                    </p:anim>
+                                    <p:anim calcmode="lin" valueType="num">
+                                      <p:cBhvr>
+                                        <p:cTn id="68" dur="1000" fill="hold"/>
+                                        <p:tgtEl>
+                                          <p:spTgt spid="80"/>
+                                        </p:tgtEl>
+                                        <p:attrNameLst>
+                                          <p:attrName>ppt_h</p:attrName>
+                                        </p:attrNameLst>
+                                      </p:cBhvr>
+                                      <p:tavLst>
+                                        <p:tav tm="0">
+                                          <p:val>
+                                            <p:fltVal val="0"/>
+                                          </p:val>
+                                        </p:tav>
+                                        <p:tav tm="100000">
+                                          <p:val>
+                                            <p:strVal val="#ppt_h"/>
+                                          </p:val>
+                                        </p:tav>
+                                      </p:tavLst>
+                                    </p:anim>
+                                    <p:anim calcmode="lin" valueType="num">
+                                      <p:cBhvr>
+                                        <p:cTn id="69" dur="1000" fill="hold"/>
+                                        <p:tgtEl>
+                                          <p:spTgt spid="80"/>
+                                        </p:tgtEl>
+                                        <p:attrNameLst>
+                                          <p:attrName>style.rotation</p:attrName>
+                                        </p:attrNameLst>
+                                      </p:cBhvr>
+                                      <p:tavLst>
+                                        <p:tav tm="0">
+                                          <p:val>
+                                            <p:fltVal val="90"/>
+                                          </p:val>
+                                        </p:tav>
+                                        <p:tav tm="100000">
+                                          <p:val>
+                                            <p:fltVal val="0"/>
+                                          </p:val>
+                                        </p:tav>
+                                      </p:tavLst>
+                                    </p:anim>
+                                    <p:animEffect transition="in" filter="fade">
+                                      <p:cBhvr>
+                                        <p:cTn id="70" dur="1000"/>
+                                        <p:tgtEl>
+                                          <p:spTgt spid="80"/>
+                                        </p:tgtEl>
+                                      </p:cBhvr>
+                                    </p:animEffect>
+                                  </p:childTnLst>
+                                </p:cTn>
+                              </p:par>
+                            </p:childTnLst>
+                          </p:cTn>
+                        </p:par>
+                      </p:childTnLst>
+                    </p:cTn>
+                  </p:par>
+                  <p:par>
+                    <p:cTn id="71" fill="hold">
+                      <p:stCondLst>
+                        <p:cond delay="indefinite"/>
+                      </p:stCondLst>
+                      <p:childTnLst>
+                        <p:par>
+                          <p:cTn id="72" fill="hold">
+                            <p:stCondLst>
+                              <p:cond delay="0"/>
+                            </p:stCondLst>
+                            <p:childTnLst>
+                              <p:par>
+                                <p:cTn id="73" presetID="22" presetClass="entr" presetSubtype="4" fill="hold" grpId="0" nodeType="clickEffect">
+                                  <p:stCondLst>
+                                    <p:cond delay="0"/>
+                                  </p:stCondLst>
+                                  <p:childTnLst>
+                                    <p:set>
+                                      <p:cBhvr>
+                                        <p:cTn id="74" dur="1" fill="hold">
+                                          <p:stCondLst>
+                                            <p:cond delay="0"/>
+                                          </p:stCondLst>
+                                        </p:cTn>
+                                        <p:tgtEl>
+                                          <p:spTgt spid="64"/>
+                                        </p:tgtEl>
+                                        <p:attrNameLst>
+                                          <p:attrName>style.visibility</p:attrName>
+                                        </p:attrNameLst>
+                                      </p:cBhvr>
+                                      <p:to>
+                                        <p:strVal val="visible"/>
+                                      </p:to>
+                                    </p:set>
+                                    <p:animEffect transition="in" filter="wipe(down)">
+                                      <p:cBhvr>
+                                        <p:cTn id="75" dur="500"/>
+                                        <p:tgtEl>
+                                          <p:spTgt spid="64"/>
+                                        </p:tgtEl>
+                                      </p:cBhvr>
+                                    </p:animEffect>
+                                  </p:childTnLst>
+                                </p:cTn>
+                              </p:par>
+                              <p:par>
+                                <p:cTn id="76" presetID="22" presetClass="entr" presetSubtype="4" fill="hold" nodeType="withEffect">
+                                  <p:stCondLst>
+                                    <p:cond delay="0"/>
+                                  </p:stCondLst>
+                                  <p:childTnLst>
+                                    <p:set>
+                                      <p:cBhvr>
+                                        <p:cTn id="77" dur="1" fill="hold">
+                                          <p:stCondLst>
+                                            <p:cond delay="0"/>
+                                          </p:stCondLst>
+                                        </p:cTn>
+                                        <p:tgtEl>
+                                          <p:spTgt spid="82"/>
+                                        </p:tgtEl>
+                                        <p:attrNameLst>
+                                          <p:attrName>style.visibility</p:attrName>
+                                        </p:attrNameLst>
+                                      </p:cBhvr>
+                                      <p:to>
+                                        <p:strVal val="visible"/>
+                                      </p:to>
+                                    </p:set>
+                                    <p:animEffect transition="in" filter="wipe(down)">
+                                      <p:cBhvr>
+                                        <p:cTn id="78" dur="500"/>
+                                        <p:tgtEl>
+                                          <p:spTgt spid="82"/>
+                                        </p:tgtEl>
+                                      </p:cBhvr>
+                                    </p:animEffect>
+                                  </p:childTnLst>
+                                </p:cTn>
+                              </p:par>
+                            </p:childTnLst>
+                          </p:cTn>
+                        </p:par>
+                      </p:childTnLst>
+                    </p:cTn>
+                  </p:par>
+                  <p:par>
+                    <p:cTn id="79" fill="hold">
+                      <p:stCondLst>
+                        <p:cond delay="indefinite"/>
+                      </p:stCondLst>
+                      <p:childTnLst>
+                        <p:par>
+                          <p:cTn id="80" fill="hold">
+                            <p:stCondLst>
+                              <p:cond delay="0"/>
+                            </p:stCondLst>
+                            <p:childTnLst>
+                              <p:par>
+                                <p:cTn id="81" presetID="2" presetClass="entr" presetSubtype="4" fill="hold" nodeType="clickEffect">
+                                  <p:stCondLst>
+                                    <p:cond delay="0"/>
+                                  </p:stCondLst>
+                                  <p:childTnLst>
+                                    <p:set>
+                                      <p:cBhvr>
+                                        <p:cTn id="82" dur="1" fill="hold">
+                                          <p:stCondLst>
+                                            <p:cond delay="0"/>
+                                          </p:stCondLst>
+                                        </p:cTn>
+                                        <p:tgtEl>
+                                          <p:spTgt spid="87"/>
+                                        </p:tgtEl>
+                                        <p:attrNameLst>
+                                          <p:attrName>style.visibility</p:attrName>
+                                        </p:attrNameLst>
+                                      </p:cBhvr>
+                                      <p:to>
+                                        <p:strVal val="visible"/>
+                                      </p:to>
+                                    </p:set>
+                                    <p:anim calcmode="lin" valueType="num">
+                                      <p:cBhvr additive="base">
+                                        <p:cTn id="83" dur="500" fill="hold"/>
+                                        <p:tgtEl>
+                                          <p:spTgt spid="87"/>
+                                        </p:tgtEl>
+                                        <p:attrNameLst>
+                                          <p:attrName>ppt_x</p:attrName>
+                                        </p:attrNameLst>
+                                      </p:cBhvr>
+                                      <p:tavLst>
+                                        <p:tav tm="0">
+                                          <p:val>
+                                            <p:strVal val="#ppt_x"/>
+                                          </p:val>
+                                        </p:tav>
+                                        <p:tav tm="100000">
+                                          <p:val>
+                                            <p:strVal val="#ppt_x"/>
+                                          </p:val>
+                                        </p:tav>
+                                      </p:tavLst>
+                                    </p:anim>
+                                    <p:anim calcmode="lin" valueType="num">
+                                      <p:cBhvr additive="base">
+                                        <p:cTn id="84" dur="500" fill="hold"/>
+                                        <p:tgtEl>
+                                          <p:spTgt spid="87"/>
+                                        </p:tgtEl>
+                                        <p:attrNameLst>
+                                          <p:attrName>ppt_y</p:attrName>
+                                        </p:attrNameLst>
+                                      </p:cBhvr>
+                                      <p:tavLst>
+                                        <p:tav tm="0">
+                                          <p:val>
+                                            <p:strVal val="1+#ppt_h/2"/>
+                                          </p:val>
+                                        </p:tav>
+                                        <p:tav tm="100000">
+                                          <p:val>
+                                            <p:strVal val="#ppt_y"/>
+                                          </p:val>
+                                        </p:tav>
+                                      </p:tavLst>
+                                    </p:anim>
+                                  </p:childTnLst>
+                                </p:cTn>
+                              </p:par>
+                            </p:childTnLst>
+                          </p:cTn>
+                        </p:par>
+                      </p:childTnLst>
+                    </p:cTn>
+                  </p:par>
+                  <p:par>
+                    <p:cTn id="85" fill="hold">
+                      <p:stCondLst>
+                        <p:cond delay="indefinite"/>
+                      </p:stCondLst>
+                      <p:childTnLst>
+                        <p:par>
+                          <p:cTn id="86" fill="hold">
+                            <p:stCondLst>
+                              <p:cond delay="0"/>
+                            </p:stCondLst>
+                            <p:childTnLst>
+                              <p:par>
+                                <p:cTn id="87" presetID="31" presetClass="entr" presetSubtype="0" fill="hold" nodeType="clickEffect">
+                                  <p:stCondLst>
+                                    <p:cond delay="0"/>
+                                  </p:stCondLst>
+                                  <p:childTnLst>
+                                    <p:set>
+                                      <p:cBhvr>
+                                        <p:cTn id="88" dur="1" fill="hold">
+                                          <p:stCondLst>
+                                            <p:cond delay="0"/>
+                                          </p:stCondLst>
+                                        </p:cTn>
+                                        <p:tgtEl>
+                                          <p:spTgt spid="83"/>
+                                        </p:tgtEl>
+                                        <p:attrNameLst>
+                                          <p:attrName>style.visibility</p:attrName>
+                                        </p:attrNameLst>
+                                      </p:cBhvr>
+                                      <p:to>
+                                        <p:strVal val="visible"/>
+                                      </p:to>
+                                    </p:set>
+                                    <p:anim calcmode="lin" valueType="num">
+                                      <p:cBhvr>
+                                        <p:cTn id="89" dur="1000" fill="hold"/>
+                                        <p:tgtEl>
+                                          <p:spTgt spid="83"/>
+                                        </p:tgtEl>
+                                        <p:attrNameLst>
+                                          <p:attrName>ppt_w</p:attrName>
+                                        </p:attrNameLst>
+                                      </p:cBhvr>
+                                      <p:tavLst>
+                                        <p:tav tm="0">
+                                          <p:val>
+                                            <p:fltVal val="0"/>
+                                          </p:val>
+                                        </p:tav>
+                                        <p:tav tm="100000">
+                                          <p:val>
+                                            <p:strVal val="#ppt_w"/>
+                                          </p:val>
+                                        </p:tav>
+                                      </p:tavLst>
+                                    </p:anim>
+                                    <p:anim calcmode="lin" valueType="num">
+                                      <p:cBhvr>
+                                        <p:cTn id="90" dur="1000" fill="hold"/>
+                                        <p:tgtEl>
+                                          <p:spTgt spid="83"/>
+                                        </p:tgtEl>
+                                        <p:attrNameLst>
+                                          <p:attrName>ppt_h</p:attrName>
+                                        </p:attrNameLst>
+                                      </p:cBhvr>
+                                      <p:tavLst>
+                                        <p:tav tm="0">
+                                          <p:val>
+                                            <p:fltVal val="0"/>
+                                          </p:val>
+                                        </p:tav>
+                                        <p:tav tm="100000">
+                                          <p:val>
+                                            <p:strVal val="#ppt_h"/>
+                                          </p:val>
+                                        </p:tav>
+                                      </p:tavLst>
+                                    </p:anim>
+                                    <p:anim calcmode="lin" valueType="num">
+                                      <p:cBhvr>
+                                        <p:cTn id="91" dur="1000" fill="hold"/>
+                                        <p:tgtEl>
+                                          <p:spTgt spid="83"/>
+                                        </p:tgtEl>
+                                        <p:attrNameLst>
+                                          <p:attrName>style.rotation</p:attrName>
+                                        </p:attrNameLst>
+                                      </p:cBhvr>
+                                      <p:tavLst>
+                                        <p:tav tm="0">
+                                          <p:val>
+                                            <p:fltVal val="90"/>
+                                          </p:val>
+                                        </p:tav>
+                                        <p:tav tm="100000">
+                                          <p:val>
+                                            <p:fltVal val="0"/>
+                                          </p:val>
+                                        </p:tav>
+                                      </p:tavLst>
+                                    </p:anim>
+                                    <p:animEffect transition="in" filter="fade">
+                                      <p:cBhvr>
+                                        <p:cTn id="92" dur="1000"/>
+                                        <p:tgtEl>
+                                          <p:spTgt spid="83"/>
+                                        </p:tgtEl>
+                                      </p:cBhvr>
+                                    </p:animEffect>
+                                  </p:childTnLst>
+                                </p:cTn>
+                              </p:par>
+                            </p:childTnLst>
+                          </p:cTn>
+                        </p:par>
+                      </p:childTnLst>
+                    </p:cTn>
+                  </p:par>
+                  <p:par>
+                    <p:cTn id="93" fill="hold">
+                      <p:stCondLst>
+                        <p:cond delay="indefinite"/>
+                      </p:stCondLst>
+                      <p:childTnLst>
+                        <p:par>
+                          <p:cTn id="94" fill="hold">
+                            <p:stCondLst>
+                              <p:cond delay="0"/>
+                            </p:stCondLst>
+                            <p:childTnLst>
+                              <p:par>
+                                <p:cTn id="95" presetID="53" presetClass="entr" presetSubtype="16" fill="hold" nodeType="clickEffect">
+                                  <p:stCondLst>
+                                    <p:cond delay="0"/>
+                                  </p:stCondLst>
+                                  <p:childTnLst>
+                                    <p:set>
+                                      <p:cBhvr>
+                                        <p:cTn id="96" dur="1" fill="hold">
+                                          <p:stCondLst>
+                                            <p:cond delay="0"/>
+                                          </p:stCondLst>
+                                        </p:cTn>
+                                        <p:tgtEl>
+                                          <p:spTgt spid="91"/>
+                                        </p:tgtEl>
+                                        <p:attrNameLst>
+                                          <p:attrName>style.visibility</p:attrName>
+                                        </p:attrNameLst>
+                                      </p:cBhvr>
+                                      <p:to>
+                                        <p:strVal val="visible"/>
+                                      </p:to>
+                                    </p:set>
+                                    <p:anim calcmode="lin" valueType="num">
+                                      <p:cBhvr>
+                                        <p:cTn id="97" dur="500" fill="hold"/>
+                                        <p:tgtEl>
+                                          <p:spTgt spid="91"/>
+                                        </p:tgtEl>
+                                        <p:attrNameLst>
+                                          <p:attrName>ppt_w</p:attrName>
+                                        </p:attrNameLst>
+                                      </p:cBhvr>
+                                      <p:tavLst>
+                                        <p:tav tm="0">
+                                          <p:val>
+                                            <p:fltVal val="0"/>
+                                          </p:val>
+                                        </p:tav>
+                                        <p:tav tm="100000">
+                                          <p:val>
+                                            <p:strVal val="#ppt_w"/>
+                                          </p:val>
+                                        </p:tav>
+                                      </p:tavLst>
+                                    </p:anim>
+                                    <p:anim calcmode="lin" valueType="num">
+                                      <p:cBhvr>
+                                        <p:cTn id="98" dur="500" fill="hold"/>
+                                        <p:tgtEl>
+                                          <p:spTgt spid="91"/>
+                                        </p:tgtEl>
+                                        <p:attrNameLst>
+                                          <p:attrName>ppt_h</p:attrName>
+                                        </p:attrNameLst>
+                                      </p:cBhvr>
+                                      <p:tavLst>
+                                        <p:tav tm="0">
+                                          <p:val>
+                                            <p:fltVal val="0"/>
+                                          </p:val>
+                                        </p:tav>
+                                        <p:tav tm="100000">
+                                          <p:val>
+                                            <p:strVal val="#ppt_h"/>
+                                          </p:val>
+                                        </p:tav>
+                                      </p:tavLst>
+                                    </p:anim>
+                                    <p:animEffect transition="in" filter="fade">
+                                      <p:cBhvr>
+                                        <p:cTn id="99" dur="500"/>
+                                        <p:tgtEl>
+                                          <p:spTgt spid="91"/>
+                                        </p:tgtEl>
+                                      </p:cBhvr>
+                                    </p:animEffect>
+                                  </p:childTnLst>
+                                </p:cTn>
+                              </p:par>
+                            </p:childTnLst>
+                          </p:cTn>
+                        </p:par>
+                      </p:childTnLst>
+                    </p:cTn>
+                  </p:par>
+                  <p:par>
+                    <p:cTn id="100" fill="hold">
+                      <p:stCondLst>
+                        <p:cond delay="indefinite"/>
+                      </p:stCondLst>
+                      <p:childTnLst>
+                        <p:par>
+                          <p:cTn id="101" fill="hold">
+                            <p:stCondLst>
+                              <p:cond delay="0"/>
+                            </p:stCondLst>
+                            <p:childTnLst>
+                              <p:par>
+                                <p:cTn id="102" presetID="53" presetClass="entr" presetSubtype="16" fill="hold" grpId="0" nodeType="clickEffect">
+                                  <p:stCondLst>
+                                    <p:cond delay="0"/>
+                                  </p:stCondLst>
+                                  <p:childTnLst>
+                                    <p:set>
+                                      <p:cBhvr>
+                                        <p:cTn id="103" dur="1" fill="hold">
+                                          <p:stCondLst>
+                                            <p:cond delay="0"/>
+                                          </p:stCondLst>
+                                        </p:cTn>
+                                        <p:tgtEl>
+                                          <p:spTgt spid="85"/>
+                                        </p:tgtEl>
+                                        <p:attrNameLst>
+                                          <p:attrName>style.visibility</p:attrName>
+                                        </p:attrNameLst>
+                                      </p:cBhvr>
+                                      <p:to>
+                                        <p:strVal val="visible"/>
+                                      </p:to>
+                                    </p:set>
+                                    <p:anim calcmode="lin" valueType="num">
+                                      <p:cBhvr>
+                                        <p:cTn id="104" dur="500" fill="hold"/>
+                                        <p:tgtEl>
+                                          <p:spTgt spid="85"/>
+                                        </p:tgtEl>
+                                        <p:attrNameLst>
+                                          <p:attrName>ppt_w</p:attrName>
+                                        </p:attrNameLst>
+                                      </p:cBhvr>
+                                      <p:tavLst>
+                                        <p:tav tm="0">
+                                          <p:val>
+                                            <p:fltVal val="0"/>
+                                          </p:val>
+                                        </p:tav>
+                                        <p:tav tm="100000">
+                                          <p:val>
+                                            <p:strVal val="#ppt_w"/>
+                                          </p:val>
+                                        </p:tav>
+                                      </p:tavLst>
+                                    </p:anim>
+                                    <p:anim calcmode="lin" valueType="num">
+                                      <p:cBhvr>
+                                        <p:cTn id="105" dur="500" fill="hold"/>
+                                        <p:tgtEl>
+                                          <p:spTgt spid="85"/>
+                                        </p:tgtEl>
+                                        <p:attrNameLst>
+                                          <p:attrName>ppt_h</p:attrName>
+                                        </p:attrNameLst>
+                                      </p:cBhvr>
+                                      <p:tavLst>
+                                        <p:tav tm="0">
+                                          <p:val>
+                                            <p:fltVal val="0"/>
+                                          </p:val>
+                                        </p:tav>
+                                        <p:tav tm="100000">
+                                          <p:val>
+                                            <p:strVal val="#ppt_h"/>
+                                          </p:val>
+                                        </p:tav>
+                                      </p:tavLst>
+                                    </p:anim>
+                                    <p:animEffect transition="in" filter="fade">
+                                      <p:cBhvr>
+                                        <p:cTn id="106" dur="500"/>
+                                        <p:tgtEl>
+                                          <p:spTgt spid="85"/>
+                                        </p:tgtEl>
+                                      </p:cBhvr>
+                                    </p:animEffect>
+                                  </p:childTnLst>
+                                </p:cTn>
+                              </p:par>
+                              <p:par>
+                                <p:cTn id="107" presetID="53" presetClass="entr" presetSubtype="16" fill="hold" nodeType="withEffect">
+                                  <p:stCondLst>
+                                    <p:cond delay="0"/>
+                                  </p:stCondLst>
+                                  <p:childTnLst>
+                                    <p:set>
+                                      <p:cBhvr>
+                                        <p:cTn id="108" dur="1" fill="hold">
+                                          <p:stCondLst>
+                                            <p:cond delay="0"/>
+                                          </p:stCondLst>
+                                        </p:cTn>
+                                        <p:tgtEl>
+                                          <p:spTgt spid="84"/>
+                                        </p:tgtEl>
+                                        <p:attrNameLst>
+                                          <p:attrName>style.visibility</p:attrName>
+                                        </p:attrNameLst>
+                                      </p:cBhvr>
+                                      <p:to>
+                                        <p:strVal val="visible"/>
+                                      </p:to>
+                                    </p:set>
+                                    <p:anim calcmode="lin" valueType="num">
+                                      <p:cBhvr>
+                                        <p:cTn id="109" dur="500" fill="hold"/>
+                                        <p:tgtEl>
+                                          <p:spTgt spid="84"/>
+                                        </p:tgtEl>
+                                        <p:attrNameLst>
+                                          <p:attrName>ppt_w</p:attrName>
+                                        </p:attrNameLst>
+                                      </p:cBhvr>
+                                      <p:tavLst>
+                                        <p:tav tm="0">
+                                          <p:val>
+                                            <p:fltVal val="0"/>
+                                          </p:val>
+                                        </p:tav>
+                                        <p:tav tm="100000">
+                                          <p:val>
+                                            <p:strVal val="#ppt_w"/>
+                                          </p:val>
+                                        </p:tav>
+                                      </p:tavLst>
+                                    </p:anim>
+                                    <p:anim calcmode="lin" valueType="num">
+                                      <p:cBhvr>
+                                        <p:cTn id="110" dur="500" fill="hold"/>
+                                        <p:tgtEl>
+                                          <p:spTgt spid="84"/>
+                                        </p:tgtEl>
+                                        <p:attrNameLst>
+                                          <p:attrName>ppt_h</p:attrName>
+                                        </p:attrNameLst>
+                                      </p:cBhvr>
+                                      <p:tavLst>
+                                        <p:tav tm="0">
+                                          <p:val>
+                                            <p:fltVal val="0"/>
+                                          </p:val>
+                                        </p:tav>
+                                        <p:tav tm="100000">
+                                          <p:val>
+                                            <p:strVal val="#ppt_h"/>
+                                          </p:val>
+                                        </p:tav>
+                                      </p:tavLst>
+                                    </p:anim>
+                                    <p:animEffect transition="in" filter="fade">
+                                      <p:cBhvr>
+                                        <p:cTn id="111" dur="500"/>
+                                        <p:tgtEl>
+                                          <p:spTgt spid="84"/>
+                                        </p:tgtEl>
+                                      </p:cBhvr>
+                                    </p:animEffect>
+                                  </p:childTnLst>
+                                </p:cTn>
+                              </p:par>
+                            </p:childTnLst>
+                          </p:cTn>
+                        </p:par>
+                      </p:childTnLst>
+                    </p:cTn>
+                  </p:par>
+                  <p:par>
+                    <p:cTn id="112" fill="hold">
+                      <p:stCondLst>
+                        <p:cond delay="indefinite"/>
+                      </p:stCondLst>
+                      <p:childTnLst>
+                        <p:par>
+                          <p:cTn id="113" fill="hold">
+                            <p:stCondLst>
+                              <p:cond delay="0"/>
+                            </p:stCondLst>
+                            <p:childTnLst>
+                              <p:par>
+                                <p:cTn id="114" presetID="26" presetClass="emph" presetSubtype="0" fill="hold" grpId="2" nodeType="clickEffect">
+                                  <p:stCondLst>
+                                    <p:cond delay="0"/>
+                                  </p:stCondLst>
+                                  <p:childTnLst>
+                                    <p:animEffect transition="out" filter="fade">
+                                      <p:cBhvr>
+                                        <p:cTn id="115" dur="500" tmFilter="0, 0; .2, .5; .8, .5; 1, 0"/>
+                                        <p:tgtEl>
+                                          <p:spTgt spid="73"/>
+                                        </p:tgtEl>
+                                      </p:cBhvr>
+                                    </p:animEffect>
+                                    <p:animScale>
+                                      <p:cBhvr>
+                                        <p:cTn id="116" dur="250" autoRev="1" fill="hold"/>
+                                        <p:tgtEl>
+                                          <p:spTgt spid="73"/>
+                                        </p:tgtEl>
+                                      </p:cBhvr>
+                                      <p:by x="105000" y="105000"/>
+                                    </p:animScale>
+                                  </p:childTnLst>
+                                </p:cTn>
+                              </p:par>
+                            </p:childTnLst>
+                          </p:cTn>
+                        </p:par>
+                      </p:childTnLst>
+                    </p:cTn>
+                  </p:par>
+                  <p:par>
+                    <p:cTn id="117" fill="hold">
+                      <p:stCondLst>
+                        <p:cond delay="indefinite"/>
+                      </p:stCondLst>
+                      <p:childTnLst>
+                        <p:par>
+                          <p:cTn id="118" fill="hold">
+                            <p:stCondLst>
+                              <p:cond delay="0"/>
+                            </p:stCondLst>
+                            <p:childTnLst>
+                              <p:par>
+                                <p:cTn id="119" presetID="32" presetClass="emph" presetSubtype="0" fill="hold" nodeType="clickEffect">
+                                  <p:stCondLst>
+                                    <p:cond delay="0"/>
+                                  </p:stCondLst>
+                                  <p:childTnLst>
+                                    <p:animRot by="120000">
+                                      <p:cBhvr>
+                                        <p:cTn id="120" dur="100" fill="hold">
+                                          <p:stCondLst>
+                                            <p:cond delay="0"/>
+                                          </p:stCondLst>
+                                        </p:cTn>
+                                        <p:tgtEl>
+                                          <p:spTgt spid="87"/>
+                                        </p:tgtEl>
+                                        <p:attrNameLst>
+                                          <p:attrName>r</p:attrName>
+                                        </p:attrNameLst>
+                                      </p:cBhvr>
+                                    </p:animRot>
+                                    <p:animRot by="-240000">
+                                      <p:cBhvr>
+                                        <p:cTn id="121" dur="200" fill="hold">
+                                          <p:stCondLst>
+                                            <p:cond delay="200"/>
+                                          </p:stCondLst>
+                                        </p:cTn>
+                                        <p:tgtEl>
+                                          <p:spTgt spid="87"/>
+                                        </p:tgtEl>
+                                        <p:attrNameLst>
+                                          <p:attrName>r</p:attrName>
+                                        </p:attrNameLst>
+                                      </p:cBhvr>
+                                    </p:animRot>
+                                    <p:animRot by="240000">
+                                      <p:cBhvr>
+                                        <p:cTn id="122" dur="200" fill="hold">
+                                          <p:stCondLst>
+                                            <p:cond delay="400"/>
+                                          </p:stCondLst>
+                                        </p:cTn>
+                                        <p:tgtEl>
+                                          <p:spTgt spid="87"/>
+                                        </p:tgtEl>
+                                        <p:attrNameLst>
+                                          <p:attrName>r</p:attrName>
+                                        </p:attrNameLst>
+                                      </p:cBhvr>
+                                    </p:animRot>
+                                    <p:animRot by="-240000">
+                                      <p:cBhvr>
+                                        <p:cTn id="123" dur="200" fill="hold">
+                                          <p:stCondLst>
+                                            <p:cond delay="600"/>
+                                          </p:stCondLst>
+                                        </p:cTn>
+                                        <p:tgtEl>
+                                          <p:spTgt spid="87"/>
+                                        </p:tgtEl>
+                                        <p:attrNameLst>
+                                          <p:attrName>r</p:attrName>
+                                        </p:attrNameLst>
+                                      </p:cBhvr>
+                                    </p:animRot>
+                                    <p:animRot by="120000">
+                                      <p:cBhvr>
+                                        <p:cTn id="124" dur="200" fill="hold">
+                                          <p:stCondLst>
+                                            <p:cond delay="800"/>
+                                          </p:stCondLst>
+                                        </p:cTn>
+                                        <p:tgtEl>
+                                          <p:spTgt spid="87"/>
+                                        </p:tgtEl>
+                                        <p:attrNameLst>
+                                          <p:attrName>r</p:attrName>
+                                        </p:attrNameLst>
+                                      </p:cBhvr>
+                                    </p:animRot>
+                                  </p:childTnLst>
+                                </p:cTn>
+                              </p:par>
+                            </p:childTnLst>
+                          </p:cTn>
+                        </p:par>
+                      </p:childTnLst>
+                    </p:cTn>
+                  </p:par>
+                  <p:par>
+                    <p:cTn id="125" fill="hold">
+                      <p:stCondLst>
+                        <p:cond delay="indefinite"/>
+                      </p:stCondLst>
+                      <p:childTnLst>
+                        <p:par>
+                          <p:cTn id="126" fill="hold">
+                            <p:stCondLst>
+                              <p:cond delay="0"/>
+                            </p:stCondLst>
+                            <p:childTnLst>
+                              <p:par>
+                                <p:cTn id="127" presetID="26" presetClass="emph" presetSubtype="0" fill="hold" grpId="1" nodeType="clickEffect">
+                                  <p:stCondLst>
+                                    <p:cond delay="0"/>
+                                  </p:stCondLst>
+                                  <p:childTnLst>
+                                    <p:animEffect transition="out" filter="fade">
+                                      <p:cBhvr>
+                                        <p:cTn id="128" dur="500" tmFilter="0, 0; .2, .5; .8, .5; 1, 0"/>
+                                        <p:tgtEl>
+                                          <p:spTgt spid="72"/>
+                                        </p:tgtEl>
+                                      </p:cBhvr>
+                                    </p:animEffect>
+                                    <p:animScale>
+                                      <p:cBhvr>
+                                        <p:cTn id="129" dur="250" autoRev="1" fill="hold"/>
+                                        <p:tgtEl>
+                                          <p:spTgt spid="72"/>
+                                        </p:tgtEl>
+                                      </p:cBhvr>
+                                      <p:by x="105000" y="105000"/>
+                                    </p:animScale>
+                                  </p:childTnLst>
+                                </p:cTn>
+                              </p:par>
+                            </p:childTnLst>
+                          </p:cTn>
+                        </p:par>
+                      </p:childTnLst>
+                    </p:cTn>
+                  </p:par>
+                  <p:par>
+                    <p:cTn id="130" fill="hold">
+                      <p:stCondLst>
+                        <p:cond delay="indefinite"/>
+                      </p:stCondLst>
+                      <p:childTnLst>
+                        <p:par>
+                          <p:cTn id="131" fill="hold">
+                            <p:stCondLst>
+                              <p:cond delay="0"/>
+                            </p:stCondLst>
+                            <p:childTnLst>
+                              <p:par>
+                                <p:cTn id="132" presetID="26" presetClass="emph" presetSubtype="0" fill="hold" nodeType="clickEffect">
+                                  <p:stCondLst>
+                                    <p:cond delay="0"/>
+                                  </p:stCondLst>
+                                  <p:childTnLst>
+                                    <p:animEffect transition="out" filter="fade">
+                                      <p:cBhvr>
+                                        <p:cTn id="133" dur="500" tmFilter="0, 0; .2, .5; .8, .5; 1, 0"/>
+                                        <p:tgtEl>
+                                          <p:spTgt spid="87"/>
+                                        </p:tgtEl>
+                                      </p:cBhvr>
+                                    </p:animEffect>
+                                    <p:animScale>
+                                      <p:cBhvr>
+                                        <p:cTn id="134" dur="250" autoRev="1" fill="hold"/>
+                                        <p:tgtEl>
+                                          <p:spTgt spid="87"/>
+                                        </p:tgtEl>
+                                      </p:cBhvr>
+                                      <p:by x="105000" y="105000"/>
+                                    </p:animScale>
+                                  </p:childTnLst>
+                                </p:cTn>
+                              </p:par>
+                            </p:childTnLst>
+                          </p:cTn>
+                        </p:par>
+                      </p:childTnLst>
+                    </p:cTn>
+                  </p:par>
+                  <p:par>
+                    <p:cTn id="135" fill="hold">
+                      <p:stCondLst>
+                        <p:cond delay="indefinite"/>
+                      </p:stCondLst>
+                      <p:childTnLst>
+                        <p:par>
+                          <p:cTn id="136" fill="hold">
+                            <p:stCondLst>
+                              <p:cond delay="0"/>
+                            </p:stCondLst>
+                            <p:childTnLst>
+                              <p:par>
+                                <p:cTn id="137" presetID="26" presetClass="emph" presetSubtype="0" fill="hold" grpId="1" nodeType="clickEffect">
+                                  <p:stCondLst>
+                                    <p:cond delay="0"/>
+                                  </p:stCondLst>
+                                  <p:childTnLst>
+                                    <p:animEffect transition="out" filter="fade">
+                                      <p:cBhvr>
+                                        <p:cTn id="138" dur="500" tmFilter="0, 0; .2, .5; .8, .5; 1, 0"/>
+                                        <p:tgtEl>
+                                          <p:spTgt spid="73"/>
+                                        </p:tgtEl>
+                                      </p:cBhvr>
+                                    </p:animEffect>
+                                    <p:animScale>
+                                      <p:cBhvr>
+                                        <p:cTn id="139" dur="250" autoRev="1" fill="hold"/>
+                                        <p:tgtEl>
+                                          <p:spTgt spid="73"/>
+                                        </p:tgtEl>
+                                      </p:cBhvr>
+                                      <p:by x="105000" y="105000"/>
+                                    </p:animScale>
+                                  </p:childTnLst>
+                                </p:cTn>
+                              </p:par>
+                            </p:childTnLst>
+                          </p:cTn>
+                        </p:par>
+                      </p:childTnLst>
+                    </p:cTn>
+                  </p:par>
+                  <p:par>
+                    <p:cTn id="140" fill="hold">
+                      <p:stCondLst>
+                        <p:cond delay="indefinite"/>
+                      </p:stCondLst>
+                      <p:childTnLst>
+                        <p:par>
+                          <p:cTn id="141" fill="hold">
+                            <p:stCondLst>
+                              <p:cond delay="0"/>
+                            </p:stCondLst>
+                            <p:childTnLst>
+                              <p:par>
+                                <p:cTn id="142" presetID="10" presetClass="entr" presetSubtype="0" fill="hold" grpId="0" nodeType="clickEffect">
+                                  <p:stCondLst>
+                                    <p:cond delay="0"/>
+                                  </p:stCondLst>
+                                  <p:childTnLst>
+                                    <p:set>
+                                      <p:cBhvr>
+                                        <p:cTn id="143" dur="1" fill="hold">
+                                          <p:stCondLst>
+                                            <p:cond delay="0"/>
+                                          </p:stCondLst>
+                                        </p:cTn>
+                                        <p:tgtEl>
+                                          <p:spTgt spid="108"/>
+                                        </p:tgtEl>
+                                        <p:attrNameLst>
+                                          <p:attrName>style.visibility</p:attrName>
+                                        </p:attrNameLst>
+                                      </p:cBhvr>
+                                      <p:to>
+                                        <p:strVal val="visible"/>
+                                      </p:to>
+                                    </p:set>
+                                    <p:animEffect transition="in" filter="fade">
+                                      <p:cBhvr>
+                                        <p:cTn id="144" dur="500"/>
+                                        <p:tgtEl>
+                                          <p:spTgt spid="108"/>
+                                        </p:tgtEl>
+                                      </p:cBhvr>
+                                    </p:animEffect>
+                                  </p:childTnLst>
+                                </p:cTn>
+                              </p:par>
+                              <p:par>
+                                <p:cTn id="145" presetID="26" presetClass="emph" presetSubtype="0" fill="hold" nodeType="withEffect">
+                                  <p:stCondLst>
+                                    <p:cond delay="0"/>
+                                  </p:stCondLst>
+                                  <p:childTnLst>
+                                    <p:animEffect transition="out" filter="fade">
+                                      <p:cBhvr>
+                                        <p:cTn id="146" dur="500" tmFilter="0, 0; .2, .5; .8, .5; 1, 0"/>
+                                        <p:tgtEl>
+                                          <p:spTgt spid="83"/>
+                                        </p:tgtEl>
+                                      </p:cBhvr>
+                                    </p:animEffect>
+                                    <p:animScale>
+                                      <p:cBhvr>
+                                        <p:cTn id="147" dur="250" autoRev="1" fill="hold"/>
+                                        <p:tgtEl>
+                                          <p:spTgt spid="83"/>
+                                        </p:tgtEl>
+                                      </p:cBhvr>
+                                      <p:by x="105000" y="105000"/>
+                                    </p:animScale>
+                                  </p:childTnLst>
+                                </p:cTn>
+                              </p:par>
+                            </p:childTnLst>
+                          </p:cTn>
+                        </p:par>
+                      </p:childTnLst>
+                    </p:cTn>
+                  </p:par>
+                  <p:par>
+                    <p:cTn id="148" fill="hold">
+                      <p:stCondLst>
+                        <p:cond delay="indefinite"/>
+                      </p:stCondLst>
+                      <p:childTnLst>
+                        <p:par>
+                          <p:cTn id="149" fill="hold">
+                            <p:stCondLst>
+                              <p:cond delay="0"/>
+                            </p:stCondLst>
+                            <p:childTnLst>
+                              <p:par>
+                                <p:cTn id="150" presetID="26" presetClass="emph" presetSubtype="0" fill="hold" grpId="1" nodeType="clickEffect">
+                                  <p:stCondLst>
+                                    <p:cond delay="0"/>
+                                  </p:stCondLst>
+                                  <p:childTnLst>
+                                    <p:animEffect transition="out" filter="fade">
+                                      <p:cBhvr>
+                                        <p:cTn id="151" dur="500" tmFilter="0, 0; .2, .5; .8, .5; 1, 0"/>
+                                        <p:tgtEl>
+                                          <p:spTgt spid="36"/>
+                                        </p:tgtEl>
+                                      </p:cBhvr>
+                                    </p:animEffect>
+                                    <p:animScale>
+                                      <p:cBhvr>
+                                        <p:cTn id="152" dur="250" autoRev="1" fill="hold"/>
+                                        <p:tgtEl>
+                                          <p:spTgt spid="36"/>
+                                        </p:tgtEl>
+                                      </p:cBhvr>
+                                      <p:by x="105000" y="105000"/>
+                                    </p:animScale>
+                                  </p:childTnLst>
+                                </p:cTn>
+                              </p:par>
+                              <p:par>
+                                <p:cTn id="153" presetID="26" presetClass="emph" presetSubtype="0" fill="hold" nodeType="withEffect">
+                                  <p:stCondLst>
+                                    <p:cond delay="0"/>
+                                  </p:stCondLst>
+                                  <p:childTnLst>
+                                    <p:animEffect transition="out" filter="fade">
+                                      <p:cBhvr>
+                                        <p:cTn id="154" dur="500" tmFilter="0, 0; .2, .5; .8, .5; 1, 0"/>
+                                        <p:tgtEl>
+                                          <p:spTgt spid="91"/>
+                                        </p:tgtEl>
+                                      </p:cBhvr>
+                                    </p:animEffect>
+                                    <p:animScale>
+                                      <p:cBhvr>
+                                        <p:cTn id="155" dur="250" autoRev="1" fill="hold"/>
+                                        <p:tgtEl>
+                                          <p:spTgt spid="91"/>
+                                        </p:tgtEl>
+                                      </p:cBhvr>
+                                      <p:by x="105000" y="105000"/>
+                                    </p:animScale>
+                                  </p:childTnLst>
+                                </p:cTn>
+                              </p:par>
+                            </p:childTnLst>
+                          </p:cTn>
+                        </p:par>
+                      </p:childTnLst>
+                    </p:cTn>
+                  </p:par>
+                  <p:par>
+                    <p:cTn id="156" fill="hold">
+                      <p:stCondLst>
+                        <p:cond delay="indefinite"/>
+                      </p:stCondLst>
+                      <p:childTnLst>
+                        <p:par>
+                          <p:cTn id="157" fill="hold">
+                            <p:stCondLst>
+                              <p:cond delay="0"/>
+                            </p:stCondLst>
+                            <p:childTnLst>
+                              <p:par>
+                                <p:cTn id="158" presetID="26" presetClass="emph" presetSubtype="0" fill="hold" grpId="1" nodeType="clickEffect">
+                                  <p:stCondLst>
+                                    <p:cond delay="0"/>
+                                  </p:stCondLst>
+                                  <p:childTnLst>
+                                    <p:animEffect transition="out" filter="fade">
+                                      <p:cBhvr>
+                                        <p:cTn id="159" dur="500" tmFilter="0, 0; .2, .5; .8, .5; 1, 0"/>
+                                        <p:tgtEl>
+                                          <p:spTgt spid="85"/>
+                                        </p:tgtEl>
+                                      </p:cBhvr>
+                                    </p:animEffect>
+                                    <p:animScale>
+                                      <p:cBhvr>
+                                        <p:cTn id="160" dur="250" autoRev="1" fill="hold"/>
+                                        <p:tgtEl>
+                                          <p:spTgt spid="85"/>
+                                        </p:tgtEl>
+                                      </p:cBhvr>
+                                      <p:by x="105000" y="105000"/>
+                                    </p:animScale>
+                                  </p:childTnLst>
+                                </p:cTn>
+                              </p:par>
+                              <p:par>
+                                <p:cTn id="161" presetID="26" presetClass="emph" presetSubtype="0" fill="hold" nodeType="withEffect">
+                                  <p:stCondLst>
+                                    <p:cond delay="0"/>
+                                  </p:stCondLst>
+                                  <p:childTnLst>
+                                    <p:animEffect transition="out" filter="fade">
+                                      <p:cBhvr>
+                                        <p:cTn id="162" dur="500" tmFilter="0, 0; .2, .5; .8, .5; 1, 0"/>
+                                        <p:tgtEl>
+                                          <p:spTgt spid="84"/>
+                                        </p:tgtEl>
+                                      </p:cBhvr>
+                                    </p:animEffect>
+                                    <p:animScale>
+                                      <p:cBhvr>
+                                        <p:cTn id="163" dur="250" autoRev="1" fill="hold"/>
+                                        <p:tgtEl>
+                                          <p:spTgt spid="84"/>
+                                        </p:tgtEl>
+                                      </p:cBhvr>
+                                      <p:by x="105000" y="105000"/>
+                                    </p:animScale>
+                                  </p:childTnLst>
+                                </p:cTn>
+                              </p:par>
+                            </p:childTnLst>
+                          </p:cTn>
+                        </p:par>
+                      </p:childTnLst>
+                    </p:cTn>
+                  </p:par>
+                  <p:par>
+                    <p:cTn id="164" fill="hold">
+                      <p:stCondLst>
+                        <p:cond delay="indefinite"/>
+                      </p:stCondLst>
+                      <p:childTnLst>
+                        <p:par>
+                          <p:cTn id="165" fill="hold">
+                            <p:stCondLst>
+                              <p:cond delay="0"/>
+                            </p:stCondLst>
+                            <p:childTnLst>
+                              <p:par>
+                                <p:cTn id="166" presetID="26" presetClass="emph" presetSubtype="0" fill="hold" grpId="3" nodeType="clickEffect">
+                                  <p:stCondLst>
+                                    <p:cond delay="0"/>
+                                  </p:stCondLst>
+                                  <p:childTnLst>
+                                    <p:animEffect transition="out" filter="fade">
+                                      <p:cBhvr>
+                                        <p:cTn id="167" dur="500" tmFilter="0, 0; .2, .5; .8, .5; 1, 0"/>
+                                        <p:tgtEl>
+                                          <p:spTgt spid="73"/>
+                                        </p:tgtEl>
+                                      </p:cBhvr>
+                                    </p:animEffect>
+                                    <p:animScale>
+                                      <p:cBhvr>
+                                        <p:cTn id="168" dur="250" autoRev="1" fill="hold"/>
+                                        <p:tgtEl>
+                                          <p:spTgt spid="73"/>
+                                        </p:tgtEl>
+                                      </p:cBhvr>
+                                      <p:by x="105000" y="105000"/>
+                                    </p:animScale>
+                                  </p:childTnLst>
+                                </p:cTn>
+                              </p:par>
+                            </p:childTnLst>
+                          </p:cTn>
+                        </p:par>
+                      </p:childTnLst>
+                    </p:cTn>
+                  </p:par>
+                  <p:par>
+                    <p:cTn id="169" fill="hold">
+                      <p:stCondLst>
+                        <p:cond delay="indefinite"/>
+                      </p:stCondLst>
+                      <p:childTnLst>
+                        <p:par>
+                          <p:cTn id="170" fill="hold">
+                            <p:stCondLst>
+                              <p:cond delay="0"/>
+                            </p:stCondLst>
+                            <p:childTnLst>
+                              <p:par>
+                                <p:cTn id="171" presetID="26" presetClass="emph" presetSubtype="0" fill="hold" nodeType="clickEffect">
+                                  <p:stCondLst>
+                                    <p:cond delay="0"/>
+                                  </p:stCondLst>
+                                  <p:childTnLst>
+                                    <p:animEffect transition="out" filter="fade">
+                                      <p:cBhvr>
+                                        <p:cTn id="172" dur="500" tmFilter="0, 0; .2, .5; .8, .5; 1, 0"/>
+                                        <p:tgtEl>
+                                          <p:spTgt spid="87"/>
+                                        </p:tgtEl>
+                                      </p:cBhvr>
+                                    </p:animEffect>
+                                    <p:animScale>
+                                      <p:cBhvr>
+                                        <p:cTn id="173" dur="250" autoRev="1" fill="hold"/>
+                                        <p:tgtEl>
+                                          <p:spTgt spid="87"/>
+                                        </p:tgtEl>
+                                      </p:cBhvr>
+                                      <p:by x="105000" y="105000"/>
+                                    </p:animScale>
+                                  </p:childTnLst>
+                                </p:cTn>
+                              </p:par>
+                            </p:childTnLst>
+                          </p:cTn>
+                        </p:par>
+                      </p:childTnLst>
+                    </p:cTn>
+                  </p:par>
+                  <p:par>
+                    <p:cTn id="174" fill="hold">
+                      <p:stCondLst>
+                        <p:cond delay="indefinite"/>
+                      </p:stCondLst>
+                      <p:childTnLst>
+                        <p:par>
+                          <p:cTn id="175" fill="hold">
+                            <p:stCondLst>
+                              <p:cond delay="0"/>
+                            </p:stCondLst>
+                            <p:childTnLst>
+                              <p:par>
+                                <p:cTn id="176" presetID="26" presetClass="emph" presetSubtype="0" fill="hold" grpId="2" nodeType="clickEffect">
+                                  <p:stCondLst>
+                                    <p:cond delay="0"/>
+                                  </p:stCondLst>
+                                  <p:childTnLst>
+                                    <p:animEffect transition="out" filter="fade">
+                                      <p:cBhvr>
+                                        <p:cTn id="177" dur="500" tmFilter="0, 0; .2, .5; .8, .5; 1, 0"/>
+                                        <p:tgtEl>
+                                          <p:spTgt spid="72"/>
+                                        </p:tgtEl>
+                                      </p:cBhvr>
+                                    </p:animEffect>
+                                    <p:animScale>
+                                      <p:cBhvr>
+                                        <p:cTn id="178" dur="250" autoRev="1" fill="hold"/>
+                                        <p:tgtEl>
+                                          <p:spTgt spid="72"/>
+                                        </p:tgtEl>
+                                      </p:cBhvr>
+                                      <p:by x="105000" y="105000"/>
+                                    </p:animScale>
+                                  </p:childTnLst>
+                                </p:cTn>
+                              </p:par>
+                            </p:childTnLst>
+                          </p:cTn>
+                        </p:par>
+                      </p:childTnLst>
+                    </p:cTn>
+                  </p:par>
+                </p:childTnLst>
+              </p:cTn>
+              <p:prevCondLst>
+                <p:cond evt="onPrev" delay="0">
+                  <p:tgtEl>
+                    <p:sldTgt/>
+                  </p:tgtEl>
+                </p:cond>
+              </p:prevCondLst>
+              <p:nextCondLst>
+                <p:cond evt="onNext" delay="0">
+                  <p:tgtEl>
+                    <p:sldTgt/>
+                  </p:tgtEl>
+                </p:cond>
+              </p:nextCondLst>
+            </p:seq>
+          </p:childTnLst>
+        </p:cTn>
+      </p:par>
+    </p:tnLst>
+    <p:bldLst>
+      <p:bldP spid="61" grpId="0" animBg="1"/>
+      <p:bldP spid="59" grpId="0" animBg="1"/>
+      <p:bldP spid="71" grpId="0" animBg="1"/>
+      <p:bldP spid="72" grpId="0" animBg="1"/>
+      <p:bldP spid="72" grpId="1" animBg="1"/>
+      <p:bldP spid="72" grpId="2" animBg="1"/>
+      <p:bldP spid="73" grpId="0" animBg="1"/>
+      <p:bldP spid="73" grpId="1" animBg="1"/>
+      <p:bldP spid="73" grpId="2" animBg="1"/>
+      <p:bldP spid="73" grpId="3" animBg="1"/>
+      <p:bldP spid="36" grpId="0" animBg="1"/>
+      <p:bldP spid="36" grpId="1" animBg="1"/>
+      <p:bldP spid="55" grpId="0" animBg="1"/>
+      <p:bldP spid="85" grpId="0" animBg="1"/>
+      <p:bldP spid="85" grpId="1" animBg="1"/>
+      <p:bldP spid="64" grpId="0" animBg="1"/>
+      <p:bldP spid="8" grpId="0" animBg="1"/>
+      <p:bldP spid="92" grpId="0" animBg="1"/>
+      <p:bldP spid="108" grpId="0" animBg="1"/>
+    </p:bldLst>
+  </p:timing>
+</p:sld>
+</file>
+
+<file path=ppt/slides/slide9.xml><?xml version="1.0" encoding="utf-8"?>
+<p:sld xmlns:a="http://schemas.openxmlformats.org/drawingml/2006/main" xmlns:r="http://schemas.openxmlformats.org/officeDocument/2006/relationships" xmlns:p="http://schemas.openxmlformats.org/presentationml/2006/main">
+  <p:cSld>
+    <p:spTree>
+      <p:nvGrpSpPr>
+        <p:cNvPr id="1" name=""/>
+        <p:cNvGrpSpPr/>
+        <p:nvPr/>
+      </p:nvGrpSpPr>
+      <p:grpSpPr>
+        <a:xfrm>
+          <a:off x="0" y="0"/>
+          <a:ext cx="0" cy="0"/>
+          <a:chOff x="0" y="0"/>
+          <a:chExt cx="0" cy="0"/>
+        </a:xfrm>
+      </p:grpSpPr>
       <p:pic>
         <p:nvPicPr>
           <p:cNvPr id="3074" name="Picture 2" descr="https://colinhayes1.files.wordpress.com/2013/04/why_use_us_little_man.jpg"/>
@@ -12883,189 +16404,6 @@
     <p:extLst>
       <p:ext uri="{BB962C8B-B14F-4D97-AF65-F5344CB8AC3E}">
         <p14:creationId xmlns:p14="http://schemas.microsoft.com/office/powerpoint/2010/main" val="1959675253"/>
-      </p:ext>
-    </p:extLst>
-  </p:cSld>
-  <p:clrMapOvr>
-    <a:masterClrMapping/>
-  </p:clrMapOvr>
-</p:sld>
-</file>
-
-<file path=ppt/slides/slide9.xml><?xml version="1.0" encoding="utf-8"?>
-<p:sld xmlns:a="http://schemas.openxmlformats.org/drawingml/2006/main" xmlns:r="http://schemas.openxmlformats.org/officeDocument/2006/relationships" xmlns:p="http://schemas.openxmlformats.org/presentationml/2006/main">
-  <p:cSld>
-    <p:spTree>
-      <p:nvGrpSpPr>
-        <p:cNvPr id="1" name=""/>
-        <p:cNvGrpSpPr/>
-        <p:nvPr/>
-      </p:nvGrpSpPr>
-      <p:grpSpPr>
-        <a:xfrm>
-          <a:off x="0" y="0"/>
-          <a:ext cx="0" cy="0"/>
-          <a:chOff x="0" y="0"/>
-          <a:chExt cx="0" cy="0"/>
-        </a:xfrm>
-      </p:grpSpPr>
-      <p:sp>
-        <p:nvSpPr>
-          <p:cNvPr id="2" name="Title 1"/>
-          <p:cNvSpPr>
-            <a:spLocks noGrp="1"/>
-          </p:cNvSpPr>
-          <p:nvPr>
-            <p:ph type="title"/>
-          </p:nvPr>
-        </p:nvSpPr>
-        <p:spPr/>
-        <p:txBody>
-          <a:bodyPr/>
-          <a:lstStyle/>
-          <a:p>
-            <a:r>
-              <a:rPr lang="en-US" dirty="0"/>
-              <a:t>Coalesce Roadmap</a:t>
-            </a:r>
-          </a:p>
-        </p:txBody>
-      </p:sp>
-      <p:sp>
-        <p:nvSpPr>
-          <p:cNvPr id="3" name="Content Placeholder 2"/>
-          <p:cNvSpPr>
-            <a:spLocks noGrp="1"/>
-          </p:cNvSpPr>
-          <p:nvPr>
-            <p:ph idx="1"/>
-          </p:nvPr>
-        </p:nvSpPr>
-        <p:spPr/>
-        <p:txBody>
-          <a:bodyPr>
-            <a:normAutofit fontScale="92500" lnSpcReduction="20000"/>
-          </a:bodyPr>
-          <a:lstStyle/>
-          <a:p>
-            <a:r>
-              <a:rPr lang="en-US" dirty="0"/>
-              <a:t>Build Features as they are needed</a:t>
-            </a:r>
-          </a:p>
-          <a:p>
-            <a:r>
-              <a:rPr lang="en-US" dirty="0"/>
-              <a:t>Need to assemble an engineering team to vet designs</a:t>
-            </a:r>
-          </a:p>
-          <a:p>
-            <a:r>
-              <a:rPr lang="en-US" dirty="0"/>
-              <a:t>Backlog</a:t>
-            </a:r>
-          </a:p>
-          <a:p>
-            <a:pPr lvl="1"/>
-            <a:r>
-              <a:rPr lang="en-US" dirty="0"/>
-              <a:t>Full TS Observable objects returned from method calls</a:t>
-            </a:r>
-          </a:p>
-          <a:p>
-            <a:pPr lvl="1"/>
-            <a:r>
-              <a:rPr lang="en-US" dirty="0"/>
-              <a:t>Easier places to put business logic on the server side</a:t>
-            </a:r>
-          </a:p>
-          <a:p>
-            <a:pPr lvl="1"/>
-            <a:r>
-              <a:rPr lang="en-US" dirty="0"/>
-              <a:t>Better support for data morphing with DTOs</a:t>
-            </a:r>
-          </a:p>
-          <a:p>
-            <a:pPr lvl="1"/>
-            <a:r>
-              <a:rPr lang="en-US" dirty="0"/>
-              <a:t>Support Angular 2 and maybe Aurelia</a:t>
-            </a:r>
-          </a:p>
-          <a:p>
-            <a:pPr lvl="1"/>
-            <a:r>
-              <a:rPr lang="en-US" dirty="0"/>
-              <a:t>Figure out how to do more unit &amp; UI testing</a:t>
-            </a:r>
-          </a:p>
-          <a:p>
-            <a:pPr lvl="1"/>
-            <a:r>
-              <a:rPr lang="en-US" dirty="0"/>
-              <a:t>Fix issues as they are found</a:t>
-            </a:r>
-          </a:p>
-        </p:txBody>
-      </p:sp>
-      <p:pic>
-        <p:nvPicPr>
-          <p:cNvPr id="4098" name="Picture 2" descr="http://startupcfo.startupcfo.netdna-cdn.com/wp-content/uploads/2015/01/marketing-roadmap-315-300x281.jpg"/>
-          <p:cNvPicPr>
-            <a:picLocks noChangeAspect="1" noChangeArrowheads="1"/>
-          </p:cNvPicPr>
-          <p:nvPr/>
-        </p:nvPicPr>
-        <p:blipFill>
-          <a:blip r:embed="rId2">
-            <a:extLst>
-              <a:ext uri="{BEBA8EAE-BF5A-486C-A8C5-ECC9F3942E4B}">
-                <a14:imgProps xmlns:a14="http://schemas.microsoft.com/office/drawing/2010/main">
-                  <a14:imgLayer r:embed="rId3">
-                    <a14:imgEffect>
-                      <a14:backgroundRemoval t="0" b="100000" l="0" r="100000">
-                        <a14:foregroundMark x1="73333" y1="12811" x2="73333" y2="12811"/>
-                        <a14:foregroundMark x1="75667" y1="23488" x2="75667" y2="23488"/>
-                      </a14:backgroundRemoval>
-                    </a14:imgEffect>
-                  </a14:imgLayer>
-                </a14:imgProps>
-              </a:ext>
-              <a:ext uri="{28A0092B-C50C-407E-A947-70E740481C1C}">
-                <a14:useLocalDpi xmlns:a14="http://schemas.microsoft.com/office/drawing/2010/main" val="0"/>
-              </a:ext>
-            </a:extLst>
-          </a:blip>
-          <a:srcRect/>
-          <a:stretch>
-            <a:fillRect/>
-          </a:stretch>
-        </p:blipFill>
-        <p:spPr bwMode="auto">
-          <a:xfrm>
-            <a:off x="7818975" y="240130"/>
-            <a:ext cx="3757674" cy="5875520"/>
-          </a:xfrm>
-          <a:prstGeom prst="rect">
-            <a:avLst/>
-          </a:prstGeom>
-          <a:noFill/>
-          <a:extLst>
-            <a:ext uri="{909E8E84-426E-40DD-AFC4-6F175D3DCCD1}">
-              <a14:hiddenFill xmlns:a14="http://schemas.microsoft.com/office/drawing/2010/main">
-                <a:solidFill>
-                  <a:srgbClr val="FFFFFF"/>
-                </a:solidFill>
-              </a14:hiddenFill>
-            </a:ext>
-          </a:extLst>
-        </p:spPr>
-      </p:pic>
-    </p:spTree>
-    <p:extLst>
-      <p:ext uri="{BB962C8B-B14F-4D97-AF65-F5344CB8AC3E}">
-        <p14:creationId xmlns:p14="http://schemas.microsoft.com/office/powerpoint/2010/main" val="2092192400"/>
       </p:ext>
     </p:extLst>
   </p:cSld>
